--- a/Lec-6-8-embedded-fundamentals.pptx
+++ b/Lec-6-8-embedded-fundamentals.pptx
@@ -5,7 +5,7 @@
     <p:sldMasterId id="2147483648" r:id="rId1"/>
   </p:sldMasterIdLst>
   <p:notesMasterIdLst>
-    <p:notesMasterId r:id="rId22"/>
+    <p:notesMasterId r:id="rId31"/>
   </p:notesMasterIdLst>
   <p:sldIdLst>
     <p:sldId id="337" r:id="rId2"/>
@@ -28,6 +28,15 @@
     <p:sldId id="415" r:id="rId19"/>
     <p:sldId id="417" r:id="rId20"/>
     <p:sldId id="263" r:id="rId21"/>
+    <p:sldId id="276" r:id="rId22"/>
+    <p:sldId id="277" r:id="rId23"/>
+    <p:sldId id="278" r:id="rId24"/>
+    <p:sldId id="279" r:id="rId25"/>
+    <p:sldId id="280" r:id="rId26"/>
+    <p:sldId id="281" r:id="rId27"/>
+    <p:sldId id="418" r:id="rId28"/>
+    <p:sldId id="419" r:id="rId29"/>
+    <p:sldId id="420" r:id="rId30"/>
   </p:sldIdLst>
   <p:sldSz cx="9144000" cy="6858000" type="screen4x3"/>
   <p:notesSz cx="6858000" cy="9144000"/>
@@ -309,7 +318,7 @@
               <a:pPr>
                 <a:defRPr/>
               </a:pPr>
-              <a:t>1/15/2026</a:t>
+              <a:t>1/16/2026</a:t>
             </a:fld>
             <a:endParaRPr lang="en-US"/>
           </a:p>
@@ -6167,7 +6176,7 @@
           <a:p>
             <a:fld id="{53659652-A386-427F-9A40-D4C53C1D85C6}" type="datetime3">
               <a:rPr lang="en-US" smtClean="0"/>
-              <a:t>15 January 2026</a:t>
+              <a:t>16 January 2026</a:t>
             </a:fld>
             <a:endParaRPr lang="en-US"/>
           </a:p>
@@ -10816,7 +10825,7 @@
           <a:p>
             <a:fld id="{53659652-A386-427F-9A40-D4C53C1D85C6}" type="datetime3">
               <a:rPr lang="en-US" smtClean="0"/>
-              <a:t>15 January 2026</a:t>
+              <a:t>16 January 2026</a:t>
             </a:fld>
             <a:endParaRPr lang="en-US"/>
           </a:p>
@@ -12847,6 +12856,5950 @@
 </p:sld>
 </file>
 
+<file path=ppt/slides/slide21.xml><?xml version="1.0" encoding="utf-8"?>
+<p:sld xmlns:a="http://schemas.openxmlformats.org/drawingml/2006/main" xmlns:r="http://schemas.openxmlformats.org/officeDocument/2006/relationships" xmlns:p="http://schemas.openxmlformats.org/presentationml/2006/main">
+  <p:cSld>
+    <p:spTree>
+      <p:nvGrpSpPr>
+        <p:cNvPr id="1" name=""/>
+        <p:cNvGrpSpPr/>
+        <p:nvPr/>
+      </p:nvGrpSpPr>
+      <p:grpSpPr>
+        <a:xfrm>
+          <a:off x="0" y="0"/>
+          <a:ext cx="0" cy="0"/>
+          <a:chOff x="0" y="0"/>
+          <a:chExt cx="0" cy="0"/>
+        </a:xfrm>
+      </p:grpSpPr>
+      <p:sp>
+        <p:nvSpPr>
+          <p:cNvPr id="2" name="Title 1">
+            <a:extLst>
+              <a:ext uri="{FF2B5EF4-FFF2-40B4-BE49-F238E27FC236}">
+                <a16:creationId xmlns:a16="http://schemas.microsoft.com/office/drawing/2014/main" id="{1F0593DA-C1AA-3D4D-CD9B-63755AF4F74C}"/>
+              </a:ext>
+            </a:extLst>
+          </p:cNvPr>
+          <p:cNvSpPr>
+            <a:spLocks noGrp="1"/>
+          </p:cNvSpPr>
+          <p:nvPr>
+            <p:ph type="title"/>
+          </p:nvPr>
+        </p:nvSpPr>
+        <p:spPr/>
+        <p:txBody>
+          <a:bodyPr/>
+          <a:lstStyle/>
+          <a:p>
+            <a:r>
+              <a:rPr lang="en-US" dirty="0"/>
+              <a:t>How does the embedded system start up?</a:t>
+            </a:r>
+          </a:p>
+        </p:txBody>
+      </p:sp>
+      <p:sp>
+        <p:nvSpPr>
+          <p:cNvPr id="3" name="Content Placeholder 2">
+            <a:extLst>
+              <a:ext uri="{FF2B5EF4-FFF2-40B4-BE49-F238E27FC236}">
+                <a16:creationId xmlns:a16="http://schemas.microsoft.com/office/drawing/2014/main" id="{008AB8CC-2C2B-225C-25C0-89F0B8A596CB}"/>
+              </a:ext>
+            </a:extLst>
+          </p:cNvPr>
+          <p:cNvSpPr>
+            <a:spLocks noGrp="1"/>
+          </p:cNvSpPr>
+          <p:nvPr>
+            <p:ph idx="1"/>
+          </p:nvPr>
+        </p:nvSpPr>
+        <p:spPr/>
+        <p:txBody>
+          <a:bodyPr>
+            <a:normAutofit fontScale="70000" lnSpcReduction="20000"/>
+          </a:bodyPr>
+          <a:lstStyle/>
+          <a:p>
+            <a:pPr marL="0" indent="0">
+              <a:buNone/>
+            </a:pPr>
+            <a:r>
+              <a:rPr lang="en-US" dirty="0"/>
+              <a:t>SRAM and DRAM are empty.</a:t>
+            </a:r>
+          </a:p>
+          <a:p>
+            <a:pPr marL="0" indent="0">
+              <a:buNone/>
+            </a:pPr>
+            <a:endParaRPr lang="en-US" dirty="0"/>
+          </a:p>
+          <a:p>
+            <a:pPr marL="0" indent="0">
+              <a:buNone/>
+            </a:pPr>
+            <a:r>
+              <a:rPr lang="en-US" dirty="0"/>
+              <a:t>What does the ROM contain?</a:t>
+            </a:r>
+          </a:p>
+          <a:p>
+            <a:pPr marL="0" indent="0">
+              <a:buNone/>
+            </a:pPr>
+            <a:endParaRPr lang="en-US" dirty="0"/>
+          </a:p>
+          <a:p>
+            <a:pPr marL="0" indent="0">
+              <a:buNone/>
+            </a:pPr>
+            <a:r>
+              <a:rPr lang="en-US" dirty="0"/>
+              <a:t>What does the Flash contain?</a:t>
+            </a:r>
+          </a:p>
+          <a:p>
+            <a:pPr marL="0" indent="0">
+              <a:buNone/>
+            </a:pPr>
+            <a:endParaRPr lang="en-US" dirty="0"/>
+          </a:p>
+          <a:p>
+            <a:pPr marL="0" indent="0">
+              <a:buNone/>
+            </a:pPr>
+            <a:r>
+              <a:rPr lang="en-US" dirty="0"/>
+              <a:t>PC starts with a predefined address in Flash and thus starts executing instructions from there (for example a parallel NOR flash device)</a:t>
+            </a:r>
+          </a:p>
+          <a:p>
+            <a:pPr marL="0" indent="0">
+              <a:buNone/>
+            </a:pPr>
+            <a:endParaRPr lang="en-US" dirty="0"/>
+          </a:p>
+          <a:p>
+            <a:pPr marL="0" indent="0">
+              <a:buNone/>
+            </a:pPr>
+            <a:r>
+              <a:rPr lang="en-US" dirty="0"/>
+              <a:t>Must ensure that the flash is properly powered on by the time the CPU reads from it</a:t>
+            </a:r>
+          </a:p>
+          <a:p>
+            <a:pPr marL="0" indent="0">
+              <a:buNone/>
+            </a:pPr>
+            <a:endParaRPr lang="en-US" dirty="0"/>
+          </a:p>
+          <a:p>
+            <a:pPr marL="0" indent="0">
+              <a:buNone/>
+            </a:pPr>
+            <a:r>
+              <a:rPr lang="en-US" dirty="0"/>
+              <a:t>Very slow, unless an I-cache is used</a:t>
+            </a:r>
+          </a:p>
+        </p:txBody>
+      </p:sp>
+      <p:sp>
+        <p:nvSpPr>
+          <p:cNvPr id="4" name="Date Placeholder 3">
+            <a:extLst>
+              <a:ext uri="{FF2B5EF4-FFF2-40B4-BE49-F238E27FC236}">
+                <a16:creationId xmlns:a16="http://schemas.microsoft.com/office/drawing/2014/main" id="{0AD895FE-FA6C-5A7E-9874-E00CA134C81A}"/>
+              </a:ext>
+            </a:extLst>
+          </p:cNvPr>
+          <p:cNvSpPr>
+            <a:spLocks noGrp="1"/>
+          </p:cNvSpPr>
+          <p:nvPr>
+            <p:ph type="dt" sz="half" idx="10"/>
+          </p:nvPr>
+        </p:nvSpPr>
+        <p:spPr/>
+        <p:txBody>
+          <a:bodyPr/>
+          <a:lstStyle/>
+          <a:p>
+            <a:fld id="{53659652-A386-427F-9A40-D4C53C1D85C6}" type="datetime3">
+              <a:rPr lang="en-US" smtClean="0"/>
+              <a:t>16 January 2026</a:t>
+            </a:fld>
+            <a:endParaRPr lang="en-US"/>
+          </a:p>
+        </p:txBody>
+      </p:sp>
+      <p:sp>
+        <p:nvSpPr>
+          <p:cNvPr id="5" name="Footer Placeholder 4">
+            <a:extLst>
+              <a:ext uri="{FF2B5EF4-FFF2-40B4-BE49-F238E27FC236}">
+                <a16:creationId xmlns:a16="http://schemas.microsoft.com/office/drawing/2014/main" id="{2E15A68D-246C-9172-9544-FABC5BA4FE75}"/>
+              </a:ext>
+            </a:extLst>
+          </p:cNvPr>
+          <p:cNvSpPr>
+            <a:spLocks noGrp="1"/>
+          </p:cNvSpPr>
+          <p:nvPr>
+            <p:ph type="ftr" sz="quarter" idx="11"/>
+          </p:nvPr>
+        </p:nvSpPr>
+        <p:spPr/>
+        <p:txBody>
+          <a:bodyPr/>
+          <a:lstStyle/>
+          <a:p>
+            <a:r>
+              <a:rPr lang="en-US"/>
+              <a:t>ELL787: Embedded Systems and Applications</a:t>
+            </a:r>
+            <a:endParaRPr lang="en-US" dirty="0"/>
+          </a:p>
+        </p:txBody>
+      </p:sp>
+      <p:sp>
+        <p:nvSpPr>
+          <p:cNvPr id="6" name="Slide Number Placeholder 5">
+            <a:extLst>
+              <a:ext uri="{FF2B5EF4-FFF2-40B4-BE49-F238E27FC236}">
+                <a16:creationId xmlns:a16="http://schemas.microsoft.com/office/drawing/2014/main" id="{87C2C60E-823D-C9B7-0740-3236A72759C4}"/>
+              </a:ext>
+            </a:extLst>
+          </p:cNvPr>
+          <p:cNvSpPr>
+            <a:spLocks noGrp="1"/>
+          </p:cNvSpPr>
+          <p:nvPr>
+            <p:ph type="sldNum" sz="quarter" idx="12"/>
+          </p:nvPr>
+        </p:nvSpPr>
+        <p:spPr/>
+        <p:txBody>
+          <a:bodyPr/>
+          <a:lstStyle/>
+          <a:p>
+            <a:fld id="{98AC3541-01C1-4CA5-B68F-FEE868C7D1AF}" type="slidenum">
+              <a:rPr lang="en-US" smtClean="0"/>
+              <a:t>21</a:t>
+            </a:fld>
+            <a:endParaRPr lang="en-US"/>
+          </a:p>
+        </p:txBody>
+      </p:sp>
+    </p:spTree>
+    <p:extLst>
+      <p:ext uri="{BB962C8B-B14F-4D97-AF65-F5344CB8AC3E}">
+        <p14:creationId xmlns:p14="http://schemas.microsoft.com/office/powerpoint/2010/main" val="17026891"/>
+      </p:ext>
+    </p:extLst>
+  </p:cSld>
+  <p:clrMapOvr>
+    <a:masterClrMapping/>
+  </p:clrMapOvr>
+  <p:timing>
+    <p:tnLst>
+      <p:par>
+        <p:cTn id="1" dur="indefinite" restart="never" nodeType="tmRoot">
+          <p:childTnLst>
+            <p:seq concurrent="1" nextAc="seek">
+              <p:cTn id="2" dur="indefinite" nodeType="mainSeq">
+                <p:childTnLst>
+                  <p:par>
+                    <p:cTn id="3" fill="hold">
+                      <p:stCondLst>
+                        <p:cond delay="indefinite"/>
+                      </p:stCondLst>
+                      <p:childTnLst>
+                        <p:par>
+                          <p:cTn id="4" fill="hold">
+                            <p:stCondLst>
+                              <p:cond delay="0"/>
+                            </p:stCondLst>
+                            <p:childTnLst>
+                              <p:par>
+                                <p:cTn id="5" presetID="1" presetClass="entr" presetSubtype="0" fill="hold" grpId="0" nodeType="clickEffect">
+                                  <p:stCondLst>
+                                    <p:cond delay="0"/>
+                                  </p:stCondLst>
+                                  <p:childTnLst>
+                                    <p:set>
+                                      <p:cBhvr>
+                                        <p:cTn id="6" dur="1" fill="hold">
+                                          <p:stCondLst>
+                                            <p:cond delay="0"/>
+                                          </p:stCondLst>
+                                        </p:cTn>
+                                        <p:tgtEl>
+                                          <p:spTgt spid="3">
+                                            <p:txEl>
+                                              <p:pRg st="0" end="0"/>
+                                            </p:txEl>
+                                          </p:spTgt>
+                                        </p:tgtEl>
+                                        <p:attrNameLst>
+                                          <p:attrName>style.visibility</p:attrName>
+                                        </p:attrNameLst>
+                                      </p:cBhvr>
+                                      <p:to>
+                                        <p:strVal val="visible"/>
+                                      </p:to>
+                                    </p:set>
+                                  </p:childTnLst>
+                                </p:cTn>
+                              </p:par>
+                            </p:childTnLst>
+                          </p:cTn>
+                        </p:par>
+                      </p:childTnLst>
+                    </p:cTn>
+                  </p:par>
+                  <p:par>
+                    <p:cTn id="7" fill="hold">
+                      <p:stCondLst>
+                        <p:cond delay="indefinite"/>
+                      </p:stCondLst>
+                      <p:childTnLst>
+                        <p:par>
+                          <p:cTn id="8" fill="hold">
+                            <p:stCondLst>
+                              <p:cond delay="0"/>
+                            </p:stCondLst>
+                            <p:childTnLst>
+                              <p:par>
+                                <p:cTn id="9" presetID="1" presetClass="entr" presetSubtype="0" fill="hold" grpId="0" nodeType="clickEffect">
+                                  <p:stCondLst>
+                                    <p:cond delay="0"/>
+                                  </p:stCondLst>
+                                  <p:childTnLst>
+                                    <p:set>
+                                      <p:cBhvr>
+                                        <p:cTn id="10" dur="1" fill="hold">
+                                          <p:stCondLst>
+                                            <p:cond delay="0"/>
+                                          </p:stCondLst>
+                                        </p:cTn>
+                                        <p:tgtEl>
+                                          <p:spTgt spid="3">
+                                            <p:txEl>
+                                              <p:pRg st="2" end="2"/>
+                                            </p:txEl>
+                                          </p:spTgt>
+                                        </p:tgtEl>
+                                        <p:attrNameLst>
+                                          <p:attrName>style.visibility</p:attrName>
+                                        </p:attrNameLst>
+                                      </p:cBhvr>
+                                      <p:to>
+                                        <p:strVal val="visible"/>
+                                      </p:to>
+                                    </p:set>
+                                  </p:childTnLst>
+                                </p:cTn>
+                              </p:par>
+                            </p:childTnLst>
+                          </p:cTn>
+                        </p:par>
+                      </p:childTnLst>
+                    </p:cTn>
+                  </p:par>
+                  <p:par>
+                    <p:cTn id="11" fill="hold">
+                      <p:stCondLst>
+                        <p:cond delay="indefinite"/>
+                      </p:stCondLst>
+                      <p:childTnLst>
+                        <p:par>
+                          <p:cTn id="12" fill="hold">
+                            <p:stCondLst>
+                              <p:cond delay="0"/>
+                            </p:stCondLst>
+                            <p:childTnLst>
+                              <p:par>
+                                <p:cTn id="13" presetID="1" presetClass="entr" presetSubtype="0" fill="hold" grpId="0" nodeType="clickEffect">
+                                  <p:stCondLst>
+                                    <p:cond delay="0"/>
+                                  </p:stCondLst>
+                                  <p:childTnLst>
+                                    <p:set>
+                                      <p:cBhvr>
+                                        <p:cTn id="14" dur="1" fill="hold">
+                                          <p:stCondLst>
+                                            <p:cond delay="0"/>
+                                          </p:stCondLst>
+                                        </p:cTn>
+                                        <p:tgtEl>
+                                          <p:spTgt spid="3">
+                                            <p:txEl>
+                                              <p:pRg st="4" end="4"/>
+                                            </p:txEl>
+                                          </p:spTgt>
+                                        </p:tgtEl>
+                                        <p:attrNameLst>
+                                          <p:attrName>style.visibility</p:attrName>
+                                        </p:attrNameLst>
+                                      </p:cBhvr>
+                                      <p:to>
+                                        <p:strVal val="visible"/>
+                                      </p:to>
+                                    </p:set>
+                                  </p:childTnLst>
+                                </p:cTn>
+                              </p:par>
+                            </p:childTnLst>
+                          </p:cTn>
+                        </p:par>
+                      </p:childTnLst>
+                    </p:cTn>
+                  </p:par>
+                  <p:par>
+                    <p:cTn id="15" fill="hold">
+                      <p:stCondLst>
+                        <p:cond delay="indefinite"/>
+                      </p:stCondLst>
+                      <p:childTnLst>
+                        <p:par>
+                          <p:cTn id="16" fill="hold">
+                            <p:stCondLst>
+                              <p:cond delay="0"/>
+                            </p:stCondLst>
+                            <p:childTnLst>
+                              <p:par>
+                                <p:cTn id="17" presetID="1" presetClass="entr" presetSubtype="0" fill="hold" grpId="0" nodeType="clickEffect">
+                                  <p:stCondLst>
+                                    <p:cond delay="0"/>
+                                  </p:stCondLst>
+                                  <p:childTnLst>
+                                    <p:set>
+                                      <p:cBhvr>
+                                        <p:cTn id="18" dur="1" fill="hold">
+                                          <p:stCondLst>
+                                            <p:cond delay="0"/>
+                                          </p:stCondLst>
+                                        </p:cTn>
+                                        <p:tgtEl>
+                                          <p:spTgt spid="3">
+                                            <p:txEl>
+                                              <p:pRg st="6" end="6"/>
+                                            </p:txEl>
+                                          </p:spTgt>
+                                        </p:tgtEl>
+                                        <p:attrNameLst>
+                                          <p:attrName>style.visibility</p:attrName>
+                                        </p:attrNameLst>
+                                      </p:cBhvr>
+                                      <p:to>
+                                        <p:strVal val="visible"/>
+                                      </p:to>
+                                    </p:set>
+                                  </p:childTnLst>
+                                </p:cTn>
+                              </p:par>
+                            </p:childTnLst>
+                          </p:cTn>
+                        </p:par>
+                      </p:childTnLst>
+                    </p:cTn>
+                  </p:par>
+                  <p:par>
+                    <p:cTn id="19" fill="hold">
+                      <p:stCondLst>
+                        <p:cond delay="indefinite"/>
+                      </p:stCondLst>
+                      <p:childTnLst>
+                        <p:par>
+                          <p:cTn id="20" fill="hold">
+                            <p:stCondLst>
+                              <p:cond delay="0"/>
+                            </p:stCondLst>
+                            <p:childTnLst>
+                              <p:par>
+                                <p:cTn id="21" presetID="1" presetClass="entr" presetSubtype="0" fill="hold" grpId="0" nodeType="clickEffect">
+                                  <p:stCondLst>
+                                    <p:cond delay="0"/>
+                                  </p:stCondLst>
+                                  <p:childTnLst>
+                                    <p:set>
+                                      <p:cBhvr>
+                                        <p:cTn id="22" dur="1" fill="hold">
+                                          <p:stCondLst>
+                                            <p:cond delay="0"/>
+                                          </p:stCondLst>
+                                        </p:cTn>
+                                        <p:tgtEl>
+                                          <p:spTgt spid="3">
+                                            <p:txEl>
+                                              <p:pRg st="8" end="8"/>
+                                            </p:txEl>
+                                          </p:spTgt>
+                                        </p:tgtEl>
+                                        <p:attrNameLst>
+                                          <p:attrName>style.visibility</p:attrName>
+                                        </p:attrNameLst>
+                                      </p:cBhvr>
+                                      <p:to>
+                                        <p:strVal val="visible"/>
+                                      </p:to>
+                                    </p:set>
+                                  </p:childTnLst>
+                                </p:cTn>
+                              </p:par>
+                            </p:childTnLst>
+                          </p:cTn>
+                        </p:par>
+                      </p:childTnLst>
+                    </p:cTn>
+                  </p:par>
+                  <p:par>
+                    <p:cTn id="23" fill="hold">
+                      <p:stCondLst>
+                        <p:cond delay="indefinite"/>
+                      </p:stCondLst>
+                      <p:childTnLst>
+                        <p:par>
+                          <p:cTn id="24" fill="hold">
+                            <p:stCondLst>
+                              <p:cond delay="0"/>
+                            </p:stCondLst>
+                            <p:childTnLst>
+                              <p:par>
+                                <p:cTn id="25" presetID="1" presetClass="entr" presetSubtype="0" fill="hold" grpId="0" nodeType="clickEffect">
+                                  <p:stCondLst>
+                                    <p:cond delay="0"/>
+                                  </p:stCondLst>
+                                  <p:childTnLst>
+                                    <p:set>
+                                      <p:cBhvr>
+                                        <p:cTn id="26" dur="1" fill="hold">
+                                          <p:stCondLst>
+                                            <p:cond delay="0"/>
+                                          </p:stCondLst>
+                                        </p:cTn>
+                                        <p:tgtEl>
+                                          <p:spTgt spid="3">
+                                            <p:txEl>
+                                              <p:pRg st="10" end="10"/>
+                                            </p:txEl>
+                                          </p:spTgt>
+                                        </p:tgtEl>
+                                        <p:attrNameLst>
+                                          <p:attrName>style.visibility</p:attrName>
+                                        </p:attrNameLst>
+                                      </p:cBhvr>
+                                      <p:to>
+                                        <p:strVal val="visible"/>
+                                      </p:to>
+                                    </p:set>
+                                  </p:childTnLst>
+                                </p:cTn>
+                              </p:par>
+                            </p:childTnLst>
+                          </p:cTn>
+                        </p:par>
+                      </p:childTnLst>
+                    </p:cTn>
+                  </p:par>
+                </p:childTnLst>
+              </p:cTn>
+              <p:prevCondLst>
+                <p:cond evt="onPrev" delay="0">
+                  <p:tgtEl>
+                    <p:sldTgt/>
+                  </p:tgtEl>
+                </p:cond>
+              </p:prevCondLst>
+              <p:nextCondLst>
+                <p:cond evt="onNext" delay="0">
+                  <p:tgtEl>
+                    <p:sldTgt/>
+                  </p:tgtEl>
+                </p:cond>
+              </p:nextCondLst>
+            </p:seq>
+          </p:childTnLst>
+        </p:cTn>
+      </p:par>
+    </p:tnLst>
+    <p:bldLst>
+      <p:bldP spid="3" grpId="0" build="p"/>
+    </p:bldLst>
+  </p:timing>
+</p:sld>
+</file>
+
+<file path=ppt/slides/slide22.xml><?xml version="1.0" encoding="utf-8"?>
+<p:sld xmlns:a="http://schemas.openxmlformats.org/drawingml/2006/main" xmlns:r="http://schemas.openxmlformats.org/officeDocument/2006/relationships" xmlns:p="http://schemas.openxmlformats.org/presentationml/2006/main">
+  <p:cSld>
+    <p:spTree>
+      <p:nvGrpSpPr>
+        <p:cNvPr id="1" name=""/>
+        <p:cNvGrpSpPr/>
+        <p:nvPr/>
+      </p:nvGrpSpPr>
+      <p:grpSpPr>
+        <a:xfrm>
+          <a:off x="0" y="0"/>
+          <a:ext cx="0" cy="0"/>
+          <a:chOff x="0" y="0"/>
+          <a:chExt cx="0" cy="0"/>
+        </a:xfrm>
+      </p:grpSpPr>
+      <p:sp>
+        <p:nvSpPr>
+          <p:cNvPr id="2" name="Title 1">
+            <a:extLst>
+              <a:ext uri="{FF2B5EF4-FFF2-40B4-BE49-F238E27FC236}">
+                <a16:creationId xmlns:a16="http://schemas.microsoft.com/office/drawing/2014/main" id="{55E6AFB0-4E28-1582-27BA-2B928206130D}"/>
+              </a:ext>
+            </a:extLst>
+          </p:cNvPr>
+          <p:cNvSpPr>
+            <a:spLocks noGrp="1"/>
+          </p:cNvSpPr>
+          <p:nvPr>
+            <p:ph type="title"/>
+          </p:nvPr>
+        </p:nvSpPr>
+        <p:spPr/>
+        <p:txBody>
+          <a:bodyPr/>
+          <a:lstStyle/>
+          <a:p>
+            <a:r>
+              <a:rPr lang="en-US" dirty="0"/>
+              <a:t>What is lacking with just starting from the NOR flash?</a:t>
+            </a:r>
+          </a:p>
+        </p:txBody>
+      </p:sp>
+      <p:sp>
+        <p:nvSpPr>
+          <p:cNvPr id="3" name="Content Placeholder 2">
+            <a:extLst>
+              <a:ext uri="{FF2B5EF4-FFF2-40B4-BE49-F238E27FC236}">
+                <a16:creationId xmlns:a16="http://schemas.microsoft.com/office/drawing/2014/main" id="{887CE624-158A-7F0D-F36D-1394CA478291}"/>
+              </a:ext>
+            </a:extLst>
+          </p:cNvPr>
+          <p:cNvSpPr>
+            <a:spLocks noGrp="1"/>
+          </p:cNvSpPr>
+          <p:nvPr>
+            <p:ph idx="1"/>
+          </p:nvPr>
+        </p:nvSpPr>
+        <p:spPr/>
+        <p:txBody>
+          <a:bodyPr>
+            <a:normAutofit fontScale="85000" lnSpcReduction="20000"/>
+          </a:bodyPr>
+          <a:lstStyle/>
+          <a:p>
+            <a:r>
+              <a:rPr lang="en-US" dirty="0"/>
+              <a:t>NOR flash is expensive compared to a serial (SPI) NAND flash</a:t>
+            </a:r>
+          </a:p>
+          <a:p>
+            <a:endParaRPr lang="en-US" dirty="0"/>
+          </a:p>
+          <a:p>
+            <a:r>
+              <a:rPr lang="en-US" dirty="0"/>
+              <a:t>There may already be some NAND or other storage in the system to store data; might as well use it for the program!</a:t>
+            </a:r>
+          </a:p>
+          <a:p>
+            <a:endParaRPr lang="en-US" dirty="0"/>
+          </a:p>
+          <a:p>
+            <a:r>
+              <a:rPr lang="en-US" dirty="0"/>
+              <a:t>First execute a small snippet of code that is used to set up the proper program data transfer from your choice of device into the RAM from where it can be run fast</a:t>
+            </a:r>
+          </a:p>
+          <a:p>
+            <a:endParaRPr lang="en-US" dirty="0"/>
+          </a:p>
+          <a:p>
+            <a:r>
+              <a:rPr lang="en-US" dirty="0"/>
+              <a:t>Where do you put this snippet?</a:t>
+            </a:r>
+          </a:p>
+          <a:p>
+            <a:r>
+              <a:rPr lang="en-US" dirty="0"/>
+              <a:t>Boot ROM</a:t>
+            </a:r>
+          </a:p>
+        </p:txBody>
+      </p:sp>
+      <p:sp>
+        <p:nvSpPr>
+          <p:cNvPr id="4" name="Date Placeholder 3">
+            <a:extLst>
+              <a:ext uri="{FF2B5EF4-FFF2-40B4-BE49-F238E27FC236}">
+                <a16:creationId xmlns:a16="http://schemas.microsoft.com/office/drawing/2014/main" id="{67903AE6-FC1A-88D8-A85E-6DFE4D8A8B0D}"/>
+              </a:ext>
+            </a:extLst>
+          </p:cNvPr>
+          <p:cNvSpPr>
+            <a:spLocks noGrp="1"/>
+          </p:cNvSpPr>
+          <p:nvPr>
+            <p:ph type="dt" sz="half" idx="10"/>
+          </p:nvPr>
+        </p:nvSpPr>
+        <p:spPr/>
+        <p:txBody>
+          <a:bodyPr/>
+          <a:lstStyle/>
+          <a:p>
+            <a:fld id="{53659652-A386-427F-9A40-D4C53C1D85C6}" type="datetime3">
+              <a:rPr lang="en-US" smtClean="0"/>
+              <a:t>16 January 2026</a:t>
+            </a:fld>
+            <a:endParaRPr lang="en-US"/>
+          </a:p>
+        </p:txBody>
+      </p:sp>
+      <p:sp>
+        <p:nvSpPr>
+          <p:cNvPr id="5" name="Footer Placeholder 4">
+            <a:extLst>
+              <a:ext uri="{FF2B5EF4-FFF2-40B4-BE49-F238E27FC236}">
+                <a16:creationId xmlns:a16="http://schemas.microsoft.com/office/drawing/2014/main" id="{05B7AF15-1122-B924-E660-E23E8774466A}"/>
+              </a:ext>
+            </a:extLst>
+          </p:cNvPr>
+          <p:cNvSpPr>
+            <a:spLocks noGrp="1"/>
+          </p:cNvSpPr>
+          <p:nvPr>
+            <p:ph type="ftr" sz="quarter" idx="11"/>
+          </p:nvPr>
+        </p:nvSpPr>
+        <p:spPr/>
+        <p:txBody>
+          <a:bodyPr/>
+          <a:lstStyle/>
+          <a:p>
+            <a:r>
+              <a:rPr lang="en-US"/>
+              <a:t>ELL787: Embedded Systems and Applications</a:t>
+            </a:r>
+            <a:endParaRPr lang="en-US" dirty="0"/>
+          </a:p>
+        </p:txBody>
+      </p:sp>
+      <p:sp>
+        <p:nvSpPr>
+          <p:cNvPr id="6" name="Slide Number Placeholder 5">
+            <a:extLst>
+              <a:ext uri="{FF2B5EF4-FFF2-40B4-BE49-F238E27FC236}">
+                <a16:creationId xmlns:a16="http://schemas.microsoft.com/office/drawing/2014/main" id="{D163738F-AA70-DF43-F4ED-C066172B857F}"/>
+              </a:ext>
+            </a:extLst>
+          </p:cNvPr>
+          <p:cNvSpPr>
+            <a:spLocks noGrp="1"/>
+          </p:cNvSpPr>
+          <p:nvPr>
+            <p:ph type="sldNum" sz="quarter" idx="12"/>
+          </p:nvPr>
+        </p:nvSpPr>
+        <p:spPr/>
+        <p:txBody>
+          <a:bodyPr/>
+          <a:lstStyle/>
+          <a:p>
+            <a:fld id="{98AC3541-01C1-4CA5-B68F-FEE868C7D1AF}" type="slidenum">
+              <a:rPr lang="en-US" smtClean="0"/>
+              <a:t>22</a:t>
+            </a:fld>
+            <a:endParaRPr lang="en-US"/>
+          </a:p>
+        </p:txBody>
+      </p:sp>
+    </p:spTree>
+    <p:extLst>
+      <p:ext uri="{BB962C8B-B14F-4D97-AF65-F5344CB8AC3E}">
+        <p14:creationId xmlns:p14="http://schemas.microsoft.com/office/powerpoint/2010/main" val="936707075"/>
+      </p:ext>
+    </p:extLst>
+  </p:cSld>
+  <p:clrMapOvr>
+    <a:masterClrMapping/>
+  </p:clrMapOvr>
+  <p:timing>
+    <p:tnLst>
+      <p:par>
+        <p:cTn id="1" dur="indefinite" restart="never" nodeType="tmRoot">
+          <p:childTnLst>
+            <p:seq concurrent="1" nextAc="seek">
+              <p:cTn id="2" dur="indefinite" nodeType="mainSeq">
+                <p:childTnLst>
+                  <p:par>
+                    <p:cTn id="3" fill="hold">
+                      <p:stCondLst>
+                        <p:cond delay="indefinite"/>
+                      </p:stCondLst>
+                      <p:childTnLst>
+                        <p:par>
+                          <p:cTn id="4" fill="hold">
+                            <p:stCondLst>
+                              <p:cond delay="0"/>
+                            </p:stCondLst>
+                            <p:childTnLst>
+                              <p:par>
+                                <p:cTn id="5" presetID="1" presetClass="entr" presetSubtype="0" fill="hold" grpId="0" nodeType="clickEffect">
+                                  <p:stCondLst>
+                                    <p:cond delay="0"/>
+                                  </p:stCondLst>
+                                  <p:childTnLst>
+                                    <p:set>
+                                      <p:cBhvr>
+                                        <p:cTn id="6" dur="1" fill="hold">
+                                          <p:stCondLst>
+                                            <p:cond delay="0"/>
+                                          </p:stCondLst>
+                                        </p:cTn>
+                                        <p:tgtEl>
+                                          <p:spTgt spid="3">
+                                            <p:txEl>
+                                              <p:pRg st="0" end="0"/>
+                                            </p:txEl>
+                                          </p:spTgt>
+                                        </p:tgtEl>
+                                        <p:attrNameLst>
+                                          <p:attrName>style.visibility</p:attrName>
+                                        </p:attrNameLst>
+                                      </p:cBhvr>
+                                      <p:to>
+                                        <p:strVal val="visible"/>
+                                      </p:to>
+                                    </p:set>
+                                  </p:childTnLst>
+                                </p:cTn>
+                              </p:par>
+                            </p:childTnLst>
+                          </p:cTn>
+                        </p:par>
+                      </p:childTnLst>
+                    </p:cTn>
+                  </p:par>
+                  <p:par>
+                    <p:cTn id="7" fill="hold">
+                      <p:stCondLst>
+                        <p:cond delay="indefinite"/>
+                      </p:stCondLst>
+                      <p:childTnLst>
+                        <p:par>
+                          <p:cTn id="8" fill="hold">
+                            <p:stCondLst>
+                              <p:cond delay="0"/>
+                            </p:stCondLst>
+                            <p:childTnLst>
+                              <p:par>
+                                <p:cTn id="9" presetID="1" presetClass="entr" presetSubtype="0" fill="hold" grpId="0" nodeType="clickEffect">
+                                  <p:stCondLst>
+                                    <p:cond delay="0"/>
+                                  </p:stCondLst>
+                                  <p:childTnLst>
+                                    <p:set>
+                                      <p:cBhvr>
+                                        <p:cTn id="10" dur="1" fill="hold">
+                                          <p:stCondLst>
+                                            <p:cond delay="0"/>
+                                          </p:stCondLst>
+                                        </p:cTn>
+                                        <p:tgtEl>
+                                          <p:spTgt spid="3">
+                                            <p:txEl>
+                                              <p:pRg st="2" end="2"/>
+                                            </p:txEl>
+                                          </p:spTgt>
+                                        </p:tgtEl>
+                                        <p:attrNameLst>
+                                          <p:attrName>style.visibility</p:attrName>
+                                        </p:attrNameLst>
+                                      </p:cBhvr>
+                                      <p:to>
+                                        <p:strVal val="visible"/>
+                                      </p:to>
+                                    </p:set>
+                                  </p:childTnLst>
+                                </p:cTn>
+                              </p:par>
+                            </p:childTnLst>
+                          </p:cTn>
+                        </p:par>
+                      </p:childTnLst>
+                    </p:cTn>
+                  </p:par>
+                  <p:par>
+                    <p:cTn id="11" fill="hold">
+                      <p:stCondLst>
+                        <p:cond delay="indefinite"/>
+                      </p:stCondLst>
+                      <p:childTnLst>
+                        <p:par>
+                          <p:cTn id="12" fill="hold">
+                            <p:stCondLst>
+                              <p:cond delay="0"/>
+                            </p:stCondLst>
+                            <p:childTnLst>
+                              <p:par>
+                                <p:cTn id="13" presetID="1" presetClass="entr" presetSubtype="0" fill="hold" grpId="0" nodeType="clickEffect">
+                                  <p:stCondLst>
+                                    <p:cond delay="0"/>
+                                  </p:stCondLst>
+                                  <p:childTnLst>
+                                    <p:set>
+                                      <p:cBhvr>
+                                        <p:cTn id="14" dur="1" fill="hold">
+                                          <p:stCondLst>
+                                            <p:cond delay="0"/>
+                                          </p:stCondLst>
+                                        </p:cTn>
+                                        <p:tgtEl>
+                                          <p:spTgt spid="3">
+                                            <p:txEl>
+                                              <p:pRg st="4" end="4"/>
+                                            </p:txEl>
+                                          </p:spTgt>
+                                        </p:tgtEl>
+                                        <p:attrNameLst>
+                                          <p:attrName>style.visibility</p:attrName>
+                                        </p:attrNameLst>
+                                      </p:cBhvr>
+                                      <p:to>
+                                        <p:strVal val="visible"/>
+                                      </p:to>
+                                    </p:set>
+                                  </p:childTnLst>
+                                </p:cTn>
+                              </p:par>
+                            </p:childTnLst>
+                          </p:cTn>
+                        </p:par>
+                      </p:childTnLst>
+                    </p:cTn>
+                  </p:par>
+                  <p:par>
+                    <p:cTn id="15" fill="hold">
+                      <p:stCondLst>
+                        <p:cond delay="indefinite"/>
+                      </p:stCondLst>
+                      <p:childTnLst>
+                        <p:par>
+                          <p:cTn id="16" fill="hold">
+                            <p:stCondLst>
+                              <p:cond delay="0"/>
+                            </p:stCondLst>
+                            <p:childTnLst>
+                              <p:par>
+                                <p:cTn id="17" presetID="1" presetClass="entr" presetSubtype="0" fill="hold" grpId="0" nodeType="clickEffect">
+                                  <p:stCondLst>
+                                    <p:cond delay="0"/>
+                                  </p:stCondLst>
+                                  <p:childTnLst>
+                                    <p:set>
+                                      <p:cBhvr>
+                                        <p:cTn id="18" dur="1" fill="hold">
+                                          <p:stCondLst>
+                                            <p:cond delay="0"/>
+                                          </p:stCondLst>
+                                        </p:cTn>
+                                        <p:tgtEl>
+                                          <p:spTgt spid="3">
+                                            <p:txEl>
+                                              <p:pRg st="6" end="6"/>
+                                            </p:txEl>
+                                          </p:spTgt>
+                                        </p:tgtEl>
+                                        <p:attrNameLst>
+                                          <p:attrName>style.visibility</p:attrName>
+                                        </p:attrNameLst>
+                                      </p:cBhvr>
+                                      <p:to>
+                                        <p:strVal val="visible"/>
+                                      </p:to>
+                                    </p:set>
+                                  </p:childTnLst>
+                                </p:cTn>
+                              </p:par>
+                            </p:childTnLst>
+                          </p:cTn>
+                        </p:par>
+                      </p:childTnLst>
+                    </p:cTn>
+                  </p:par>
+                  <p:par>
+                    <p:cTn id="19" fill="hold">
+                      <p:stCondLst>
+                        <p:cond delay="indefinite"/>
+                      </p:stCondLst>
+                      <p:childTnLst>
+                        <p:par>
+                          <p:cTn id="20" fill="hold">
+                            <p:stCondLst>
+                              <p:cond delay="0"/>
+                            </p:stCondLst>
+                            <p:childTnLst>
+                              <p:par>
+                                <p:cTn id="21" presetID="1" presetClass="entr" presetSubtype="0" fill="hold" grpId="0" nodeType="clickEffect">
+                                  <p:stCondLst>
+                                    <p:cond delay="0"/>
+                                  </p:stCondLst>
+                                  <p:childTnLst>
+                                    <p:set>
+                                      <p:cBhvr>
+                                        <p:cTn id="22" dur="1" fill="hold">
+                                          <p:stCondLst>
+                                            <p:cond delay="0"/>
+                                          </p:stCondLst>
+                                        </p:cTn>
+                                        <p:tgtEl>
+                                          <p:spTgt spid="3">
+                                            <p:txEl>
+                                              <p:pRg st="7" end="7"/>
+                                            </p:txEl>
+                                          </p:spTgt>
+                                        </p:tgtEl>
+                                        <p:attrNameLst>
+                                          <p:attrName>style.visibility</p:attrName>
+                                        </p:attrNameLst>
+                                      </p:cBhvr>
+                                      <p:to>
+                                        <p:strVal val="visible"/>
+                                      </p:to>
+                                    </p:set>
+                                  </p:childTnLst>
+                                </p:cTn>
+                              </p:par>
+                            </p:childTnLst>
+                          </p:cTn>
+                        </p:par>
+                      </p:childTnLst>
+                    </p:cTn>
+                  </p:par>
+                </p:childTnLst>
+              </p:cTn>
+              <p:prevCondLst>
+                <p:cond evt="onPrev" delay="0">
+                  <p:tgtEl>
+                    <p:sldTgt/>
+                  </p:tgtEl>
+                </p:cond>
+              </p:prevCondLst>
+              <p:nextCondLst>
+                <p:cond evt="onNext" delay="0">
+                  <p:tgtEl>
+                    <p:sldTgt/>
+                  </p:tgtEl>
+                </p:cond>
+              </p:nextCondLst>
+            </p:seq>
+          </p:childTnLst>
+        </p:cTn>
+      </p:par>
+    </p:tnLst>
+    <p:bldLst>
+      <p:bldP spid="3" grpId="0" build="p"/>
+    </p:bldLst>
+  </p:timing>
+</p:sld>
+</file>
+
+<file path=ppt/slides/slide23.xml><?xml version="1.0" encoding="utf-8"?>
+<p:sld xmlns:a="http://schemas.openxmlformats.org/drawingml/2006/main" xmlns:r="http://schemas.openxmlformats.org/officeDocument/2006/relationships" xmlns:p="http://schemas.openxmlformats.org/presentationml/2006/main">
+  <p:cSld>
+    <p:spTree>
+      <p:nvGrpSpPr>
+        <p:cNvPr id="1" name=""/>
+        <p:cNvGrpSpPr/>
+        <p:nvPr/>
+      </p:nvGrpSpPr>
+      <p:grpSpPr>
+        <a:xfrm>
+          <a:off x="0" y="0"/>
+          <a:ext cx="0" cy="0"/>
+          <a:chOff x="0" y="0"/>
+          <a:chExt cx="0" cy="0"/>
+        </a:xfrm>
+      </p:grpSpPr>
+      <p:sp>
+        <p:nvSpPr>
+          <p:cNvPr id="2" name="Title 1">
+            <a:extLst>
+              <a:ext uri="{FF2B5EF4-FFF2-40B4-BE49-F238E27FC236}">
+                <a16:creationId xmlns:a16="http://schemas.microsoft.com/office/drawing/2014/main" id="{BDF02A8C-C19D-001D-7362-A3DEC0806209}"/>
+              </a:ext>
+            </a:extLst>
+          </p:cNvPr>
+          <p:cNvSpPr>
+            <a:spLocks noGrp="1"/>
+          </p:cNvSpPr>
+          <p:nvPr>
+            <p:ph type="title"/>
+          </p:nvPr>
+        </p:nvSpPr>
+        <p:spPr/>
+        <p:txBody>
+          <a:bodyPr/>
+          <a:lstStyle/>
+          <a:p>
+            <a:r>
+              <a:rPr lang="en-US" dirty="0"/>
+              <a:t>What does the Boot ROM do?</a:t>
+            </a:r>
+          </a:p>
+        </p:txBody>
+      </p:sp>
+      <p:sp>
+        <p:nvSpPr>
+          <p:cNvPr id="3" name="Content Placeholder 2">
+            <a:extLst>
+              <a:ext uri="{FF2B5EF4-FFF2-40B4-BE49-F238E27FC236}">
+                <a16:creationId xmlns:a16="http://schemas.microsoft.com/office/drawing/2014/main" id="{27E88ECD-04C3-4ACA-F139-902F3E7FDE57}"/>
+              </a:ext>
+            </a:extLst>
+          </p:cNvPr>
+          <p:cNvSpPr>
+            <a:spLocks noGrp="1"/>
+          </p:cNvSpPr>
+          <p:nvPr>
+            <p:ph idx="1"/>
+          </p:nvPr>
+        </p:nvSpPr>
+        <p:spPr/>
+        <p:txBody>
+          <a:bodyPr>
+            <a:normAutofit fontScale="70000" lnSpcReduction="20000"/>
+          </a:bodyPr>
+          <a:lstStyle/>
+          <a:p>
+            <a:r>
+              <a:rPr lang="en-US" dirty="0"/>
+              <a:t>Which boot mode to select?</a:t>
+            </a:r>
+          </a:p>
+          <a:p>
+            <a:pPr lvl="1"/>
+            <a:r>
+              <a:rPr lang="en-US" dirty="0"/>
+              <a:t>Flash memory, or download code via UART, USB, network, or something else…</a:t>
+            </a:r>
+          </a:p>
+          <a:p>
+            <a:r>
+              <a:rPr lang="en-US" dirty="0"/>
+              <a:t>Often decides by looking at signals on pre-defined pins (bootstrapping pins)</a:t>
+            </a:r>
+          </a:p>
+          <a:p>
+            <a:r>
+              <a:rPr lang="en-US" dirty="0"/>
+              <a:t>The ROM code then initializes the peripheral and brings in the code to run</a:t>
+            </a:r>
+          </a:p>
+          <a:p>
+            <a:endParaRPr lang="en-US" dirty="0"/>
+          </a:p>
+          <a:p>
+            <a:r>
+              <a:rPr lang="en-US" dirty="0"/>
+              <a:t>Memory filling – fill 0 or 1 into certain sections of memory as ‘default state’</a:t>
+            </a:r>
+          </a:p>
+          <a:p>
+            <a:endParaRPr lang="en-US" dirty="0"/>
+          </a:p>
+          <a:p>
+            <a:r>
+              <a:rPr lang="en-US" dirty="0"/>
+              <a:t>Sets default parameters for the system, related to interrupt handling, setting clock frequency etc.</a:t>
+            </a:r>
+          </a:p>
+          <a:p>
+            <a:endParaRPr lang="en-US" dirty="0"/>
+          </a:p>
+          <a:p>
+            <a:r>
+              <a:rPr lang="en-US" dirty="0"/>
+              <a:t>Load hardware-specific code from Flash</a:t>
+            </a:r>
+          </a:p>
+        </p:txBody>
+      </p:sp>
+      <p:sp>
+        <p:nvSpPr>
+          <p:cNvPr id="4" name="Date Placeholder 3">
+            <a:extLst>
+              <a:ext uri="{FF2B5EF4-FFF2-40B4-BE49-F238E27FC236}">
+                <a16:creationId xmlns:a16="http://schemas.microsoft.com/office/drawing/2014/main" id="{F2E4ABE5-91D5-3984-772B-06E3FA7AFF98}"/>
+              </a:ext>
+            </a:extLst>
+          </p:cNvPr>
+          <p:cNvSpPr>
+            <a:spLocks noGrp="1"/>
+          </p:cNvSpPr>
+          <p:nvPr>
+            <p:ph type="dt" sz="half" idx="10"/>
+          </p:nvPr>
+        </p:nvSpPr>
+        <p:spPr/>
+        <p:txBody>
+          <a:bodyPr/>
+          <a:lstStyle/>
+          <a:p>
+            <a:fld id="{53659652-A386-427F-9A40-D4C53C1D85C6}" type="datetime3">
+              <a:rPr lang="en-US" smtClean="0"/>
+              <a:t>16 January 2026</a:t>
+            </a:fld>
+            <a:endParaRPr lang="en-US"/>
+          </a:p>
+        </p:txBody>
+      </p:sp>
+      <p:sp>
+        <p:nvSpPr>
+          <p:cNvPr id="5" name="Footer Placeholder 4">
+            <a:extLst>
+              <a:ext uri="{FF2B5EF4-FFF2-40B4-BE49-F238E27FC236}">
+                <a16:creationId xmlns:a16="http://schemas.microsoft.com/office/drawing/2014/main" id="{FF0BD29B-1C43-FE82-28F3-3F0533868D2C}"/>
+              </a:ext>
+            </a:extLst>
+          </p:cNvPr>
+          <p:cNvSpPr>
+            <a:spLocks noGrp="1"/>
+          </p:cNvSpPr>
+          <p:nvPr>
+            <p:ph type="ftr" sz="quarter" idx="11"/>
+          </p:nvPr>
+        </p:nvSpPr>
+        <p:spPr/>
+        <p:txBody>
+          <a:bodyPr/>
+          <a:lstStyle/>
+          <a:p>
+            <a:r>
+              <a:rPr lang="en-US"/>
+              <a:t>ELL787: Embedded Systems and Applications</a:t>
+            </a:r>
+            <a:endParaRPr lang="en-US" dirty="0"/>
+          </a:p>
+        </p:txBody>
+      </p:sp>
+      <p:sp>
+        <p:nvSpPr>
+          <p:cNvPr id="6" name="Slide Number Placeholder 5">
+            <a:extLst>
+              <a:ext uri="{FF2B5EF4-FFF2-40B4-BE49-F238E27FC236}">
+                <a16:creationId xmlns:a16="http://schemas.microsoft.com/office/drawing/2014/main" id="{557E6607-B0C4-855D-F18F-556D34A3E24D}"/>
+              </a:ext>
+            </a:extLst>
+          </p:cNvPr>
+          <p:cNvSpPr>
+            <a:spLocks noGrp="1"/>
+          </p:cNvSpPr>
+          <p:nvPr>
+            <p:ph type="sldNum" sz="quarter" idx="12"/>
+          </p:nvPr>
+        </p:nvSpPr>
+        <p:spPr/>
+        <p:txBody>
+          <a:bodyPr/>
+          <a:lstStyle/>
+          <a:p>
+            <a:fld id="{98AC3541-01C1-4CA5-B68F-FEE868C7D1AF}" type="slidenum">
+              <a:rPr lang="en-US" smtClean="0"/>
+              <a:t>23</a:t>
+            </a:fld>
+            <a:endParaRPr lang="en-US"/>
+          </a:p>
+        </p:txBody>
+      </p:sp>
+    </p:spTree>
+    <p:extLst>
+      <p:ext uri="{BB962C8B-B14F-4D97-AF65-F5344CB8AC3E}">
+        <p14:creationId xmlns:p14="http://schemas.microsoft.com/office/powerpoint/2010/main" val="2577188276"/>
+      </p:ext>
+    </p:extLst>
+  </p:cSld>
+  <p:clrMapOvr>
+    <a:masterClrMapping/>
+  </p:clrMapOvr>
+  <p:timing>
+    <p:tnLst>
+      <p:par>
+        <p:cTn id="1" dur="indefinite" restart="never" nodeType="tmRoot">
+          <p:childTnLst>
+            <p:seq concurrent="1" nextAc="seek">
+              <p:cTn id="2" dur="indefinite" nodeType="mainSeq">
+                <p:childTnLst>
+                  <p:par>
+                    <p:cTn id="3" fill="hold">
+                      <p:stCondLst>
+                        <p:cond delay="indefinite"/>
+                      </p:stCondLst>
+                      <p:childTnLst>
+                        <p:par>
+                          <p:cTn id="4" fill="hold">
+                            <p:stCondLst>
+                              <p:cond delay="0"/>
+                            </p:stCondLst>
+                            <p:childTnLst>
+                              <p:par>
+                                <p:cTn id="5" presetID="1" presetClass="entr" presetSubtype="0" fill="hold" grpId="0" nodeType="clickEffect">
+                                  <p:stCondLst>
+                                    <p:cond delay="0"/>
+                                  </p:stCondLst>
+                                  <p:childTnLst>
+                                    <p:set>
+                                      <p:cBhvr>
+                                        <p:cTn id="6" dur="1" fill="hold">
+                                          <p:stCondLst>
+                                            <p:cond delay="0"/>
+                                          </p:stCondLst>
+                                        </p:cTn>
+                                        <p:tgtEl>
+                                          <p:spTgt spid="3">
+                                            <p:txEl>
+                                              <p:pRg st="0" end="0"/>
+                                            </p:txEl>
+                                          </p:spTgt>
+                                        </p:tgtEl>
+                                        <p:attrNameLst>
+                                          <p:attrName>style.visibility</p:attrName>
+                                        </p:attrNameLst>
+                                      </p:cBhvr>
+                                      <p:to>
+                                        <p:strVal val="visible"/>
+                                      </p:to>
+                                    </p:set>
+                                  </p:childTnLst>
+                                </p:cTn>
+                              </p:par>
+                              <p:par>
+                                <p:cTn id="7" presetID="1" presetClass="entr" presetSubtype="0" fill="hold" grpId="0" nodeType="withEffect">
+                                  <p:stCondLst>
+                                    <p:cond delay="0"/>
+                                  </p:stCondLst>
+                                  <p:childTnLst>
+                                    <p:set>
+                                      <p:cBhvr>
+                                        <p:cTn id="8" dur="1" fill="hold">
+                                          <p:stCondLst>
+                                            <p:cond delay="0"/>
+                                          </p:stCondLst>
+                                        </p:cTn>
+                                        <p:tgtEl>
+                                          <p:spTgt spid="3">
+                                            <p:txEl>
+                                              <p:pRg st="1" end="1"/>
+                                            </p:txEl>
+                                          </p:spTgt>
+                                        </p:tgtEl>
+                                        <p:attrNameLst>
+                                          <p:attrName>style.visibility</p:attrName>
+                                        </p:attrNameLst>
+                                      </p:cBhvr>
+                                      <p:to>
+                                        <p:strVal val="visible"/>
+                                      </p:to>
+                                    </p:set>
+                                  </p:childTnLst>
+                                </p:cTn>
+                              </p:par>
+                            </p:childTnLst>
+                          </p:cTn>
+                        </p:par>
+                      </p:childTnLst>
+                    </p:cTn>
+                  </p:par>
+                  <p:par>
+                    <p:cTn id="9" fill="hold">
+                      <p:stCondLst>
+                        <p:cond delay="indefinite"/>
+                      </p:stCondLst>
+                      <p:childTnLst>
+                        <p:par>
+                          <p:cTn id="10" fill="hold">
+                            <p:stCondLst>
+                              <p:cond delay="0"/>
+                            </p:stCondLst>
+                            <p:childTnLst>
+                              <p:par>
+                                <p:cTn id="11" presetID="1" presetClass="entr" presetSubtype="0" fill="hold" grpId="0" nodeType="clickEffect">
+                                  <p:stCondLst>
+                                    <p:cond delay="0"/>
+                                  </p:stCondLst>
+                                  <p:childTnLst>
+                                    <p:set>
+                                      <p:cBhvr>
+                                        <p:cTn id="12" dur="1" fill="hold">
+                                          <p:stCondLst>
+                                            <p:cond delay="0"/>
+                                          </p:stCondLst>
+                                        </p:cTn>
+                                        <p:tgtEl>
+                                          <p:spTgt spid="3">
+                                            <p:txEl>
+                                              <p:pRg st="2" end="2"/>
+                                            </p:txEl>
+                                          </p:spTgt>
+                                        </p:tgtEl>
+                                        <p:attrNameLst>
+                                          <p:attrName>style.visibility</p:attrName>
+                                        </p:attrNameLst>
+                                      </p:cBhvr>
+                                      <p:to>
+                                        <p:strVal val="visible"/>
+                                      </p:to>
+                                    </p:set>
+                                  </p:childTnLst>
+                                </p:cTn>
+                              </p:par>
+                            </p:childTnLst>
+                          </p:cTn>
+                        </p:par>
+                      </p:childTnLst>
+                    </p:cTn>
+                  </p:par>
+                  <p:par>
+                    <p:cTn id="13" fill="hold">
+                      <p:stCondLst>
+                        <p:cond delay="indefinite"/>
+                      </p:stCondLst>
+                      <p:childTnLst>
+                        <p:par>
+                          <p:cTn id="14" fill="hold">
+                            <p:stCondLst>
+                              <p:cond delay="0"/>
+                            </p:stCondLst>
+                            <p:childTnLst>
+                              <p:par>
+                                <p:cTn id="15" presetID="1" presetClass="entr" presetSubtype="0" fill="hold" grpId="0" nodeType="clickEffect">
+                                  <p:stCondLst>
+                                    <p:cond delay="0"/>
+                                  </p:stCondLst>
+                                  <p:childTnLst>
+                                    <p:set>
+                                      <p:cBhvr>
+                                        <p:cTn id="16" dur="1" fill="hold">
+                                          <p:stCondLst>
+                                            <p:cond delay="0"/>
+                                          </p:stCondLst>
+                                        </p:cTn>
+                                        <p:tgtEl>
+                                          <p:spTgt spid="3">
+                                            <p:txEl>
+                                              <p:pRg st="3" end="3"/>
+                                            </p:txEl>
+                                          </p:spTgt>
+                                        </p:tgtEl>
+                                        <p:attrNameLst>
+                                          <p:attrName>style.visibility</p:attrName>
+                                        </p:attrNameLst>
+                                      </p:cBhvr>
+                                      <p:to>
+                                        <p:strVal val="visible"/>
+                                      </p:to>
+                                    </p:set>
+                                  </p:childTnLst>
+                                </p:cTn>
+                              </p:par>
+                            </p:childTnLst>
+                          </p:cTn>
+                        </p:par>
+                      </p:childTnLst>
+                    </p:cTn>
+                  </p:par>
+                  <p:par>
+                    <p:cTn id="17" fill="hold">
+                      <p:stCondLst>
+                        <p:cond delay="indefinite"/>
+                      </p:stCondLst>
+                      <p:childTnLst>
+                        <p:par>
+                          <p:cTn id="18" fill="hold">
+                            <p:stCondLst>
+                              <p:cond delay="0"/>
+                            </p:stCondLst>
+                            <p:childTnLst>
+                              <p:par>
+                                <p:cTn id="19" presetID="1" presetClass="entr" presetSubtype="0" fill="hold" grpId="0" nodeType="clickEffect">
+                                  <p:stCondLst>
+                                    <p:cond delay="0"/>
+                                  </p:stCondLst>
+                                  <p:childTnLst>
+                                    <p:set>
+                                      <p:cBhvr>
+                                        <p:cTn id="20" dur="1" fill="hold">
+                                          <p:stCondLst>
+                                            <p:cond delay="0"/>
+                                          </p:stCondLst>
+                                        </p:cTn>
+                                        <p:tgtEl>
+                                          <p:spTgt spid="3">
+                                            <p:txEl>
+                                              <p:pRg st="5" end="5"/>
+                                            </p:txEl>
+                                          </p:spTgt>
+                                        </p:tgtEl>
+                                        <p:attrNameLst>
+                                          <p:attrName>style.visibility</p:attrName>
+                                        </p:attrNameLst>
+                                      </p:cBhvr>
+                                      <p:to>
+                                        <p:strVal val="visible"/>
+                                      </p:to>
+                                    </p:set>
+                                  </p:childTnLst>
+                                </p:cTn>
+                              </p:par>
+                            </p:childTnLst>
+                          </p:cTn>
+                        </p:par>
+                      </p:childTnLst>
+                    </p:cTn>
+                  </p:par>
+                  <p:par>
+                    <p:cTn id="21" fill="hold">
+                      <p:stCondLst>
+                        <p:cond delay="indefinite"/>
+                      </p:stCondLst>
+                      <p:childTnLst>
+                        <p:par>
+                          <p:cTn id="22" fill="hold">
+                            <p:stCondLst>
+                              <p:cond delay="0"/>
+                            </p:stCondLst>
+                            <p:childTnLst>
+                              <p:par>
+                                <p:cTn id="23" presetID="1" presetClass="entr" presetSubtype="0" fill="hold" grpId="0" nodeType="clickEffect">
+                                  <p:stCondLst>
+                                    <p:cond delay="0"/>
+                                  </p:stCondLst>
+                                  <p:childTnLst>
+                                    <p:set>
+                                      <p:cBhvr>
+                                        <p:cTn id="24" dur="1" fill="hold">
+                                          <p:stCondLst>
+                                            <p:cond delay="0"/>
+                                          </p:stCondLst>
+                                        </p:cTn>
+                                        <p:tgtEl>
+                                          <p:spTgt spid="3">
+                                            <p:txEl>
+                                              <p:pRg st="7" end="7"/>
+                                            </p:txEl>
+                                          </p:spTgt>
+                                        </p:tgtEl>
+                                        <p:attrNameLst>
+                                          <p:attrName>style.visibility</p:attrName>
+                                        </p:attrNameLst>
+                                      </p:cBhvr>
+                                      <p:to>
+                                        <p:strVal val="visible"/>
+                                      </p:to>
+                                    </p:set>
+                                  </p:childTnLst>
+                                </p:cTn>
+                              </p:par>
+                            </p:childTnLst>
+                          </p:cTn>
+                        </p:par>
+                      </p:childTnLst>
+                    </p:cTn>
+                  </p:par>
+                  <p:par>
+                    <p:cTn id="25" fill="hold">
+                      <p:stCondLst>
+                        <p:cond delay="indefinite"/>
+                      </p:stCondLst>
+                      <p:childTnLst>
+                        <p:par>
+                          <p:cTn id="26" fill="hold">
+                            <p:stCondLst>
+                              <p:cond delay="0"/>
+                            </p:stCondLst>
+                            <p:childTnLst>
+                              <p:par>
+                                <p:cTn id="27" presetID="1" presetClass="entr" presetSubtype="0" fill="hold" grpId="0" nodeType="clickEffect">
+                                  <p:stCondLst>
+                                    <p:cond delay="0"/>
+                                  </p:stCondLst>
+                                  <p:childTnLst>
+                                    <p:set>
+                                      <p:cBhvr>
+                                        <p:cTn id="28" dur="1" fill="hold">
+                                          <p:stCondLst>
+                                            <p:cond delay="0"/>
+                                          </p:stCondLst>
+                                        </p:cTn>
+                                        <p:tgtEl>
+                                          <p:spTgt spid="3">
+                                            <p:txEl>
+                                              <p:pRg st="9" end="9"/>
+                                            </p:txEl>
+                                          </p:spTgt>
+                                        </p:tgtEl>
+                                        <p:attrNameLst>
+                                          <p:attrName>style.visibility</p:attrName>
+                                        </p:attrNameLst>
+                                      </p:cBhvr>
+                                      <p:to>
+                                        <p:strVal val="visible"/>
+                                      </p:to>
+                                    </p:set>
+                                  </p:childTnLst>
+                                </p:cTn>
+                              </p:par>
+                            </p:childTnLst>
+                          </p:cTn>
+                        </p:par>
+                      </p:childTnLst>
+                    </p:cTn>
+                  </p:par>
+                </p:childTnLst>
+              </p:cTn>
+              <p:prevCondLst>
+                <p:cond evt="onPrev" delay="0">
+                  <p:tgtEl>
+                    <p:sldTgt/>
+                  </p:tgtEl>
+                </p:cond>
+              </p:prevCondLst>
+              <p:nextCondLst>
+                <p:cond evt="onNext" delay="0">
+                  <p:tgtEl>
+                    <p:sldTgt/>
+                  </p:tgtEl>
+                </p:cond>
+              </p:nextCondLst>
+            </p:seq>
+          </p:childTnLst>
+        </p:cTn>
+      </p:par>
+    </p:tnLst>
+    <p:bldLst>
+      <p:bldP spid="3" grpId="0" build="p"/>
+    </p:bldLst>
+  </p:timing>
+</p:sld>
+</file>
+
+<file path=ppt/slides/slide24.xml><?xml version="1.0" encoding="utf-8"?>
+<p:sld xmlns:a="http://schemas.openxmlformats.org/drawingml/2006/main" xmlns:r="http://schemas.openxmlformats.org/officeDocument/2006/relationships" xmlns:p="http://schemas.openxmlformats.org/presentationml/2006/main">
+  <p:cSld>
+    <p:spTree>
+      <p:nvGrpSpPr>
+        <p:cNvPr id="1" name=""/>
+        <p:cNvGrpSpPr/>
+        <p:nvPr/>
+      </p:nvGrpSpPr>
+      <p:grpSpPr>
+        <a:xfrm>
+          <a:off x="0" y="0"/>
+          <a:ext cx="0" cy="0"/>
+          <a:chOff x="0" y="0"/>
+          <a:chExt cx="0" cy="0"/>
+        </a:xfrm>
+      </p:grpSpPr>
+      <p:sp>
+        <p:nvSpPr>
+          <p:cNvPr id="2" name="Title 1">
+            <a:extLst>
+              <a:ext uri="{FF2B5EF4-FFF2-40B4-BE49-F238E27FC236}">
+                <a16:creationId xmlns:a16="http://schemas.microsoft.com/office/drawing/2014/main" id="{A216643C-F0AD-EA55-63B0-F235F7FE248D}"/>
+              </a:ext>
+            </a:extLst>
+          </p:cNvPr>
+          <p:cNvSpPr>
+            <a:spLocks noGrp="1"/>
+          </p:cNvSpPr>
+          <p:nvPr>
+            <p:ph type="title"/>
+          </p:nvPr>
+        </p:nvSpPr>
+        <p:spPr/>
+        <p:txBody>
+          <a:bodyPr/>
+          <a:lstStyle/>
+          <a:p>
+            <a:r>
+              <a:rPr lang="en-US" dirty="0"/>
+              <a:t>Second stage bootloader</a:t>
+            </a:r>
+          </a:p>
+        </p:txBody>
+      </p:sp>
+      <p:sp>
+        <p:nvSpPr>
+          <p:cNvPr id="3" name="Content Placeholder 2">
+            <a:extLst>
+              <a:ext uri="{FF2B5EF4-FFF2-40B4-BE49-F238E27FC236}">
+                <a16:creationId xmlns:a16="http://schemas.microsoft.com/office/drawing/2014/main" id="{C8BD5CE1-9FFF-BF66-8A76-7034856077CA}"/>
+              </a:ext>
+            </a:extLst>
+          </p:cNvPr>
+          <p:cNvSpPr>
+            <a:spLocks noGrp="1"/>
+          </p:cNvSpPr>
+          <p:nvPr>
+            <p:ph idx="1"/>
+          </p:nvPr>
+        </p:nvSpPr>
+        <p:spPr/>
+        <p:txBody>
+          <a:bodyPr>
+            <a:normAutofit fontScale="92500" lnSpcReduction="20000"/>
+          </a:bodyPr>
+          <a:lstStyle/>
+          <a:p>
+            <a:r>
+              <a:rPr lang="en-US" dirty="0"/>
+              <a:t>Handles more complex boot-up processes that the primary bootloader is not designed to handle</a:t>
+            </a:r>
+          </a:p>
+          <a:p>
+            <a:endParaRPr lang="en-US" dirty="0"/>
+          </a:p>
+          <a:p>
+            <a:r>
+              <a:rPr lang="en-US" dirty="0"/>
+              <a:t>May run the POST tests</a:t>
+            </a:r>
+          </a:p>
+          <a:p>
+            <a:endParaRPr lang="en-US" dirty="0"/>
+          </a:p>
+          <a:p>
+            <a:r>
+              <a:rPr lang="en-US" dirty="0"/>
+              <a:t>Initialize all other peripherals that the system will need once fully up</a:t>
+            </a:r>
+          </a:p>
+          <a:p>
+            <a:endParaRPr lang="en-US" dirty="0"/>
+          </a:p>
+          <a:p>
+            <a:r>
+              <a:rPr lang="en-US" dirty="0"/>
+              <a:t>Use different memory layouts (partition tables)</a:t>
+            </a:r>
+          </a:p>
+          <a:p>
+            <a:endParaRPr lang="en-US" dirty="0"/>
+          </a:p>
+          <a:p>
+            <a:r>
+              <a:rPr lang="en-US" dirty="0"/>
+              <a:t>Firmware updates</a:t>
+            </a:r>
+          </a:p>
+          <a:p>
+            <a:endParaRPr lang="en-US" dirty="0"/>
+          </a:p>
+        </p:txBody>
+      </p:sp>
+      <p:sp>
+        <p:nvSpPr>
+          <p:cNvPr id="4" name="Date Placeholder 3">
+            <a:extLst>
+              <a:ext uri="{FF2B5EF4-FFF2-40B4-BE49-F238E27FC236}">
+                <a16:creationId xmlns:a16="http://schemas.microsoft.com/office/drawing/2014/main" id="{C0A9D88D-698A-E2DB-FB41-82922D8373D6}"/>
+              </a:ext>
+            </a:extLst>
+          </p:cNvPr>
+          <p:cNvSpPr>
+            <a:spLocks noGrp="1"/>
+          </p:cNvSpPr>
+          <p:nvPr>
+            <p:ph type="dt" sz="half" idx="10"/>
+          </p:nvPr>
+        </p:nvSpPr>
+        <p:spPr/>
+        <p:txBody>
+          <a:bodyPr/>
+          <a:lstStyle/>
+          <a:p>
+            <a:fld id="{53659652-A386-427F-9A40-D4C53C1D85C6}" type="datetime3">
+              <a:rPr lang="en-US" smtClean="0"/>
+              <a:t>16 January 2026</a:t>
+            </a:fld>
+            <a:endParaRPr lang="en-US"/>
+          </a:p>
+        </p:txBody>
+      </p:sp>
+      <p:sp>
+        <p:nvSpPr>
+          <p:cNvPr id="5" name="Footer Placeholder 4">
+            <a:extLst>
+              <a:ext uri="{FF2B5EF4-FFF2-40B4-BE49-F238E27FC236}">
+                <a16:creationId xmlns:a16="http://schemas.microsoft.com/office/drawing/2014/main" id="{9234ECA7-8B8E-023A-5CFB-C2398EEB448B}"/>
+              </a:ext>
+            </a:extLst>
+          </p:cNvPr>
+          <p:cNvSpPr>
+            <a:spLocks noGrp="1"/>
+          </p:cNvSpPr>
+          <p:nvPr>
+            <p:ph type="ftr" sz="quarter" idx="11"/>
+          </p:nvPr>
+        </p:nvSpPr>
+        <p:spPr/>
+        <p:txBody>
+          <a:bodyPr/>
+          <a:lstStyle/>
+          <a:p>
+            <a:r>
+              <a:rPr lang="en-US"/>
+              <a:t>ELL787: Embedded Systems and Applications</a:t>
+            </a:r>
+            <a:endParaRPr lang="en-US" dirty="0"/>
+          </a:p>
+        </p:txBody>
+      </p:sp>
+      <p:sp>
+        <p:nvSpPr>
+          <p:cNvPr id="6" name="Slide Number Placeholder 5">
+            <a:extLst>
+              <a:ext uri="{FF2B5EF4-FFF2-40B4-BE49-F238E27FC236}">
+                <a16:creationId xmlns:a16="http://schemas.microsoft.com/office/drawing/2014/main" id="{0B2EED5E-24F6-5543-7C01-BCF644AC8F85}"/>
+              </a:ext>
+            </a:extLst>
+          </p:cNvPr>
+          <p:cNvSpPr>
+            <a:spLocks noGrp="1"/>
+          </p:cNvSpPr>
+          <p:nvPr>
+            <p:ph type="sldNum" sz="quarter" idx="12"/>
+          </p:nvPr>
+        </p:nvSpPr>
+        <p:spPr/>
+        <p:txBody>
+          <a:bodyPr/>
+          <a:lstStyle/>
+          <a:p>
+            <a:fld id="{98AC3541-01C1-4CA5-B68F-FEE868C7D1AF}" type="slidenum">
+              <a:rPr lang="en-US" smtClean="0"/>
+              <a:t>24</a:t>
+            </a:fld>
+            <a:endParaRPr lang="en-US"/>
+          </a:p>
+        </p:txBody>
+      </p:sp>
+    </p:spTree>
+    <p:extLst>
+      <p:ext uri="{BB962C8B-B14F-4D97-AF65-F5344CB8AC3E}">
+        <p14:creationId xmlns:p14="http://schemas.microsoft.com/office/powerpoint/2010/main" val="51818098"/>
+      </p:ext>
+    </p:extLst>
+  </p:cSld>
+  <p:clrMapOvr>
+    <a:masterClrMapping/>
+  </p:clrMapOvr>
+  <p:timing>
+    <p:tnLst>
+      <p:par>
+        <p:cTn id="1" dur="indefinite" restart="never" nodeType="tmRoot">
+          <p:childTnLst>
+            <p:seq concurrent="1" nextAc="seek">
+              <p:cTn id="2" dur="indefinite" nodeType="mainSeq">
+                <p:childTnLst>
+                  <p:par>
+                    <p:cTn id="3" fill="hold">
+                      <p:stCondLst>
+                        <p:cond delay="indefinite"/>
+                      </p:stCondLst>
+                      <p:childTnLst>
+                        <p:par>
+                          <p:cTn id="4" fill="hold">
+                            <p:stCondLst>
+                              <p:cond delay="0"/>
+                            </p:stCondLst>
+                            <p:childTnLst>
+                              <p:par>
+                                <p:cTn id="5" presetID="1" presetClass="entr" presetSubtype="0" fill="hold" grpId="0" nodeType="clickEffect">
+                                  <p:stCondLst>
+                                    <p:cond delay="0"/>
+                                  </p:stCondLst>
+                                  <p:childTnLst>
+                                    <p:set>
+                                      <p:cBhvr>
+                                        <p:cTn id="6" dur="1" fill="hold">
+                                          <p:stCondLst>
+                                            <p:cond delay="0"/>
+                                          </p:stCondLst>
+                                        </p:cTn>
+                                        <p:tgtEl>
+                                          <p:spTgt spid="3">
+                                            <p:txEl>
+                                              <p:pRg st="0" end="0"/>
+                                            </p:txEl>
+                                          </p:spTgt>
+                                        </p:tgtEl>
+                                        <p:attrNameLst>
+                                          <p:attrName>style.visibility</p:attrName>
+                                        </p:attrNameLst>
+                                      </p:cBhvr>
+                                      <p:to>
+                                        <p:strVal val="visible"/>
+                                      </p:to>
+                                    </p:set>
+                                  </p:childTnLst>
+                                </p:cTn>
+                              </p:par>
+                            </p:childTnLst>
+                          </p:cTn>
+                        </p:par>
+                      </p:childTnLst>
+                    </p:cTn>
+                  </p:par>
+                  <p:par>
+                    <p:cTn id="7" fill="hold">
+                      <p:stCondLst>
+                        <p:cond delay="indefinite"/>
+                      </p:stCondLst>
+                      <p:childTnLst>
+                        <p:par>
+                          <p:cTn id="8" fill="hold">
+                            <p:stCondLst>
+                              <p:cond delay="0"/>
+                            </p:stCondLst>
+                            <p:childTnLst>
+                              <p:par>
+                                <p:cTn id="9" presetID="1" presetClass="entr" presetSubtype="0" fill="hold" grpId="0" nodeType="clickEffect">
+                                  <p:stCondLst>
+                                    <p:cond delay="0"/>
+                                  </p:stCondLst>
+                                  <p:childTnLst>
+                                    <p:set>
+                                      <p:cBhvr>
+                                        <p:cTn id="10" dur="1" fill="hold">
+                                          <p:stCondLst>
+                                            <p:cond delay="0"/>
+                                          </p:stCondLst>
+                                        </p:cTn>
+                                        <p:tgtEl>
+                                          <p:spTgt spid="3">
+                                            <p:txEl>
+                                              <p:pRg st="2" end="2"/>
+                                            </p:txEl>
+                                          </p:spTgt>
+                                        </p:tgtEl>
+                                        <p:attrNameLst>
+                                          <p:attrName>style.visibility</p:attrName>
+                                        </p:attrNameLst>
+                                      </p:cBhvr>
+                                      <p:to>
+                                        <p:strVal val="visible"/>
+                                      </p:to>
+                                    </p:set>
+                                  </p:childTnLst>
+                                </p:cTn>
+                              </p:par>
+                            </p:childTnLst>
+                          </p:cTn>
+                        </p:par>
+                      </p:childTnLst>
+                    </p:cTn>
+                  </p:par>
+                  <p:par>
+                    <p:cTn id="11" fill="hold">
+                      <p:stCondLst>
+                        <p:cond delay="indefinite"/>
+                      </p:stCondLst>
+                      <p:childTnLst>
+                        <p:par>
+                          <p:cTn id="12" fill="hold">
+                            <p:stCondLst>
+                              <p:cond delay="0"/>
+                            </p:stCondLst>
+                            <p:childTnLst>
+                              <p:par>
+                                <p:cTn id="13" presetID="1" presetClass="entr" presetSubtype="0" fill="hold" grpId="0" nodeType="clickEffect">
+                                  <p:stCondLst>
+                                    <p:cond delay="0"/>
+                                  </p:stCondLst>
+                                  <p:childTnLst>
+                                    <p:set>
+                                      <p:cBhvr>
+                                        <p:cTn id="14" dur="1" fill="hold">
+                                          <p:stCondLst>
+                                            <p:cond delay="0"/>
+                                          </p:stCondLst>
+                                        </p:cTn>
+                                        <p:tgtEl>
+                                          <p:spTgt spid="3">
+                                            <p:txEl>
+                                              <p:pRg st="4" end="4"/>
+                                            </p:txEl>
+                                          </p:spTgt>
+                                        </p:tgtEl>
+                                        <p:attrNameLst>
+                                          <p:attrName>style.visibility</p:attrName>
+                                        </p:attrNameLst>
+                                      </p:cBhvr>
+                                      <p:to>
+                                        <p:strVal val="visible"/>
+                                      </p:to>
+                                    </p:set>
+                                  </p:childTnLst>
+                                </p:cTn>
+                              </p:par>
+                            </p:childTnLst>
+                          </p:cTn>
+                        </p:par>
+                      </p:childTnLst>
+                    </p:cTn>
+                  </p:par>
+                  <p:par>
+                    <p:cTn id="15" fill="hold">
+                      <p:stCondLst>
+                        <p:cond delay="indefinite"/>
+                      </p:stCondLst>
+                      <p:childTnLst>
+                        <p:par>
+                          <p:cTn id="16" fill="hold">
+                            <p:stCondLst>
+                              <p:cond delay="0"/>
+                            </p:stCondLst>
+                            <p:childTnLst>
+                              <p:par>
+                                <p:cTn id="17" presetID="1" presetClass="entr" presetSubtype="0" fill="hold" grpId="0" nodeType="clickEffect">
+                                  <p:stCondLst>
+                                    <p:cond delay="0"/>
+                                  </p:stCondLst>
+                                  <p:childTnLst>
+                                    <p:set>
+                                      <p:cBhvr>
+                                        <p:cTn id="18" dur="1" fill="hold">
+                                          <p:stCondLst>
+                                            <p:cond delay="0"/>
+                                          </p:stCondLst>
+                                        </p:cTn>
+                                        <p:tgtEl>
+                                          <p:spTgt spid="3">
+                                            <p:txEl>
+                                              <p:pRg st="6" end="6"/>
+                                            </p:txEl>
+                                          </p:spTgt>
+                                        </p:tgtEl>
+                                        <p:attrNameLst>
+                                          <p:attrName>style.visibility</p:attrName>
+                                        </p:attrNameLst>
+                                      </p:cBhvr>
+                                      <p:to>
+                                        <p:strVal val="visible"/>
+                                      </p:to>
+                                    </p:set>
+                                  </p:childTnLst>
+                                </p:cTn>
+                              </p:par>
+                            </p:childTnLst>
+                          </p:cTn>
+                        </p:par>
+                      </p:childTnLst>
+                    </p:cTn>
+                  </p:par>
+                  <p:par>
+                    <p:cTn id="19" fill="hold">
+                      <p:stCondLst>
+                        <p:cond delay="indefinite"/>
+                      </p:stCondLst>
+                      <p:childTnLst>
+                        <p:par>
+                          <p:cTn id="20" fill="hold">
+                            <p:stCondLst>
+                              <p:cond delay="0"/>
+                            </p:stCondLst>
+                            <p:childTnLst>
+                              <p:par>
+                                <p:cTn id="21" presetID="1" presetClass="entr" presetSubtype="0" fill="hold" grpId="0" nodeType="clickEffect">
+                                  <p:stCondLst>
+                                    <p:cond delay="0"/>
+                                  </p:stCondLst>
+                                  <p:childTnLst>
+                                    <p:set>
+                                      <p:cBhvr>
+                                        <p:cTn id="22" dur="1" fill="hold">
+                                          <p:stCondLst>
+                                            <p:cond delay="0"/>
+                                          </p:stCondLst>
+                                        </p:cTn>
+                                        <p:tgtEl>
+                                          <p:spTgt spid="3">
+                                            <p:txEl>
+                                              <p:pRg st="8" end="8"/>
+                                            </p:txEl>
+                                          </p:spTgt>
+                                        </p:tgtEl>
+                                        <p:attrNameLst>
+                                          <p:attrName>style.visibility</p:attrName>
+                                        </p:attrNameLst>
+                                      </p:cBhvr>
+                                      <p:to>
+                                        <p:strVal val="visible"/>
+                                      </p:to>
+                                    </p:set>
+                                  </p:childTnLst>
+                                </p:cTn>
+                              </p:par>
+                            </p:childTnLst>
+                          </p:cTn>
+                        </p:par>
+                      </p:childTnLst>
+                    </p:cTn>
+                  </p:par>
+                </p:childTnLst>
+              </p:cTn>
+              <p:prevCondLst>
+                <p:cond evt="onPrev" delay="0">
+                  <p:tgtEl>
+                    <p:sldTgt/>
+                  </p:tgtEl>
+                </p:cond>
+              </p:prevCondLst>
+              <p:nextCondLst>
+                <p:cond evt="onNext" delay="0">
+                  <p:tgtEl>
+                    <p:sldTgt/>
+                  </p:tgtEl>
+                </p:cond>
+              </p:nextCondLst>
+            </p:seq>
+          </p:childTnLst>
+        </p:cTn>
+      </p:par>
+    </p:tnLst>
+    <p:bldLst>
+      <p:bldP spid="3" grpId="0" build="p"/>
+    </p:bldLst>
+  </p:timing>
+</p:sld>
+</file>
+
+<file path=ppt/slides/slide25.xml><?xml version="1.0" encoding="utf-8"?>
+<p:sld xmlns:a="http://schemas.openxmlformats.org/drawingml/2006/main" xmlns:r="http://schemas.openxmlformats.org/officeDocument/2006/relationships" xmlns:p="http://schemas.openxmlformats.org/presentationml/2006/main">
+  <p:cSld>
+    <p:spTree>
+      <p:nvGrpSpPr>
+        <p:cNvPr id="1" name=""/>
+        <p:cNvGrpSpPr/>
+        <p:nvPr/>
+      </p:nvGrpSpPr>
+      <p:grpSpPr>
+        <a:xfrm>
+          <a:off x="0" y="0"/>
+          <a:ext cx="0" cy="0"/>
+          <a:chOff x="0" y="0"/>
+          <a:chExt cx="0" cy="0"/>
+        </a:xfrm>
+      </p:grpSpPr>
+      <p:sp>
+        <p:nvSpPr>
+          <p:cNvPr id="2" name="Title 1">
+            <a:extLst>
+              <a:ext uri="{FF2B5EF4-FFF2-40B4-BE49-F238E27FC236}">
+                <a16:creationId xmlns:a16="http://schemas.microsoft.com/office/drawing/2014/main" id="{D66E2624-0764-41BC-40E7-C7ADA29DED7D}"/>
+              </a:ext>
+            </a:extLst>
+          </p:cNvPr>
+          <p:cNvSpPr>
+            <a:spLocks noGrp="1"/>
+          </p:cNvSpPr>
+          <p:nvPr>
+            <p:ph type="title"/>
+          </p:nvPr>
+        </p:nvSpPr>
+        <p:spPr/>
+        <p:txBody>
+          <a:bodyPr/>
+          <a:lstStyle/>
+          <a:p>
+            <a:r>
+              <a:rPr lang="en-US" dirty="0"/>
+              <a:t>Flashing a bootable image</a:t>
+            </a:r>
+          </a:p>
+        </p:txBody>
+      </p:sp>
+      <p:sp>
+        <p:nvSpPr>
+          <p:cNvPr id="4" name="Date Placeholder 3">
+            <a:extLst>
+              <a:ext uri="{FF2B5EF4-FFF2-40B4-BE49-F238E27FC236}">
+                <a16:creationId xmlns:a16="http://schemas.microsoft.com/office/drawing/2014/main" id="{C1B99783-D125-3999-CA12-048EEE821783}"/>
+              </a:ext>
+            </a:extLst>
+          </p:cNvPr>
+          <p:cNvSpPr>
+            <a:spLocks noGrp="1"/>
+          </p:cNvSpPr>
+          <p:nvPr>
+            <p:ph type="dt" sz="half" idx="10"/>
+          </p:nvPr>
+        </p:nvSpPr>
+        <p:spPr/>
+        <p:txBody>
+          <a:bodyPr/>
+          <a:lstStyle/>
+          <a:p>
+            <a:fld id="{53659652-A386-427F-9A40-D4C53C1D85C6}" type="datetime3">
+              <a:rPr lang="en-US" smtClean="0"/>
+              <a:t>16 January 2026</a:t>
+            </a:fld>
+            <a:endParaRPr lang="en-US"/>
+          </a:p>
+        </p:txBody>
+      </p:sp>
+      <p:sp>
+        <p:nvSpPr>
+          <p:cNvPr id="5" name="Footer Placeholder 4">
+            <a:extLst>
+              <a:ext uri="{FF2B5EF4-FFF2-40B4-BE49-F238E27FC236}">
+                <a16:creationId xmlns:a16="http://schemas.microsoft.com/office/drawing/2014/main" id="{30979DA6-F3A3-BA08-586E-6BD5C654F12E}"/>
+              </a:ext>
+            </a:extLst>
+          </p:cNvPr>
+          <p:cNvSpPr>
+            <a:spLocks noGrp="1"/>
+          </p:cNvSpPr>
+          <p:nvPr>
+            <p:ph type="ftr" sz="quarter" idx="11"/>
+          </p:nvPr>
+        </p:nvSpPr>
+        <p:spPr/>
+        <p:txBody>
+          <a:bodyPr/>
+          <a:lstStyle/>
+          <a:p>
+            <a:r>
+              <a:rPr lang="en-US"/>
+              <a:t>ELL787: Embedded Systems and Applications</a:t>
+            </a:r>
+            <a:endParaRPr lang="en-US" dirty="0"/>
+          </a:p>
+        </p:txBody>
+      </p:sp>
+      <p:sp>
+        <p:nvSpPr>
+          <p:cNvPr id="6" name="Slide Number Placeholder 5">
+            <a:extLst>
+              <a:ext uri="{FF2B5EF4-FFF2-40B4-BE49-F238E27FC236}">
+                <a16:creationId xmlns:a16="http://schemas.microsoft.com/office/drawing/2014/main" id="{E9B88A99-3C63-718E-3041-A899D7184BBD}"/>
+              </a:ext>
+            </a:extLst>
+          </p:cNvPr>
+          <p:cNvSpPr>
+            <a:spLocks noGrp="1"/>
+          </p:cNvSpPr>
+          <p:nvPr>
+            <p:ph type="sldNum" sz="quarter" idx="12"/>
+          </p:nvPr>
+        </p:nvSpPr>
+        <p:spPr/>
+        <p:txBody>
+          <a:bodyPr/>
+          <a:lstStyle/>
+          <a:p>
+            <a:fld id="{98AC3541-01C1-4CA5-B68F-FEE868C7D1AF}" type="slidenum">
+              <a:rPr lang="en-US" smtClean="0"/>
+              <a:t>25</a:t>
+            </a:fld>
+            <a:endParaRPr lang="en-US"/>
+          </a:p>
+        </p:txBody>
+      </p:sp>
+      <p:pic>
+        <p:nvPicPr>
+          <p:cNvPr id="7" name="Picture 2">
+            <a:extLst>
+              <a:ext uri="{FF2B5EF4-FFF2-40B4-BE49-F238E27FC236}">
+                <a16:creationId xmlns:a16="http://schemas.microsoft.com/office/drawing/2014/main" id="{6443A49A-BB55-5922-8A08-04B5B9D4E788}"/>
+              </a:ext>
+            </a:extLst>
+          </p:cNvPr>
+          <p:cNvPicPr>
+            <a:picLocks noChangeAspect="1" noChangeArrowheads="1"/>
+          </p:cNvPicPr>
+          <p:nvPr/>
+        </p:nvPicPr>
+        <p:blipFill>
+          <a:blip r:embed="rId2">
+            <a:extLst>
+              <a:ext uri="{28A0092B-C50C-407E-A947-70E740481C1C}">
+                <a14:useLocalDpi xmlns:a14="http://schemas.microsoft.com/office/drawing/2010/main" val="0"/>
+              </a:ext>
+            </a:extLst>
+          </a:blip>
+          <a:srcRect/>
+          <a:stretch>
+            <a:fillRect/>
+          </a:stretch>
+        </p:blipFill>
+        <p:spPr bwMode="auto">
+          <a:xfrm>
+            <a:off x="94575" y="1486372"/>
+            <a:ext cx="4542585" cy="2198612"/>
+          </a:xfrm>
+          <a:prstGeom prst="rect">
+            <a:avLst/>
+          </a:prstGeom>
+          <a:noFill/>
+          <a:extLst>
+            <a:ext uri="{909E8E84-426E-40DD-AFC4-6F175D3DCCD1}">
+              <a14:hiddenFill xmlns:a14="http://schemas.microsoft.com/office/drawing/2010/main">
+                <a:solidFill>
+                  <a:srgbClr val="FFFFFF"/>
+                </a:solidFill>
+              </a14:hiddenFill>
+            </a:ext>
+          </a:extLst>
+        </p:spPr>
+      </p:pic>
+      <p:pic>
+        <p:nvPicPr>
+          <p:cNvPr id="12" name="Picture 11">
+            <a:extLst>
+              <a:ext uri="{FF2B5EF4-FFF2-40B4-BE49-F238E27FC236}">
+                <a16:creationId xmlns:a16="http://schemas.microsoft.com/office/drawing/2014/main" id="{0A8F6957-C395-38C9-FBEB-6DF6924F19B2}"/>
+              </a:ext>
+            </a:extLst>
+          </p:cNvPr>
+          <p:cNvPicPr>
+            <a:picLocks noChangeAspect="1"/>
+          </p:cNvPicPr>
+          <p:nvPr/>
+        </p:nvPicPr>
+        <p:blipFill>
+          <a:blip r:embed="rId3">
+            <a:extLst>
+              <a:ext uri="{28A0092B-C50C-407E-A947-70E740481C1C}">
+                <a14:useLocalDpi xmlns:a14="http://schemas.microsoft.com/office/drawing/2010/main" val="0"/>
+              </a:ext>
+            </a:extLst>
+          </a:blip>
+          <a:stretch>
+            <a:fillRect/>
+          </a:stretch>
+        </p:blipFill>
+        <p:spPr>
+          <a:xfrm>
+            <a:off x="3673787" y="2981886"/>
+            <a:ext cx="5375639" cy="2505047"/>
+          </a:xfrm>
+          <a:prstGeom prst="rect">
+            <a:avLst/>
+          </a:prstGeom>
+        </p:spPr>
+      </p:pic>
+      <p:sp>
+        <p:nvSpPr>
+          <p:cNvPr id="13" name="Content Placeholder 2">
+            <a:extLst>
+              <a:ext uri="{FF2B5EF4-FFF2-40B4-BE49-F238E27FC236}">
+                <a16:creationId xmlns:a16="http://schemas.microsoft.com/office/drawing/2014/main" id="{90689EDA-1BA9-A097-46FE-15DCE8B06D04}"/>
+              </a:ext>
+            </a:extLst>
+          </p:cNvPr>
+          <p:cNvSpPr>
+            <a:spLocks noGrp="1"/>
+          </p:cNvSpPr>
+          <p:nvPr>
+            <p:ph idx="1"/>
+          </p:nvPr>
+        </p:nvSpPr>
+        <p:spPr>
+          <a:xfrm>
+            <a:off x="94576" y="3870748"/>
+            <a:ext cx="3579212" cy="1702136"/>
+          </a:xfrm>
+        </p:spPr>
+        <p:txBody>
+          <a:bodyPr>
+            <a:normAutofit fontScale="55000" lnSpcReduction="20000"/>
+          </a:bodyPr>
+          <a:lstStyle/>
+          <a:p>
+            <a:pPr marL="0" indent="0">
+              <a:buNone/>
+            </a:pPr>
+            <a:r>
+              <a:rPr lang="en-US" dirty="0"/>
+              <a:t>Headers contain information about the block:</a:t>
+            </a:r>
+          </a:p>
+          <a:p>
+            <a:r>
+              <a:rPr lang="en-US" dirty="0"/>
+              <a:t>How many bytes?</a:t>
+            </a:r>
+          </a:p>
+          <a:p>
+            <a:r>
+              <a:rPr lang="en-US" dirty="0"/>
+              <a:t>Where to put it in memory?</a:t>
+            </a:r>
+          </a:p>
+          <a:p>
+            <a:r>
+              <a:rPr lang="en-US" dirty="0"/>
+              <a:t>Any other information that the Boot ROM may need</a:t>
+            </a:r>
+          </a:p>
+        </p:txBody>
+      </p:sp>
+      <p:sp>
+        <p:nvSpPr>
+          <p:cNvPr id="15" name="TextBox 14">
+            <a:extLst>
+              <a:ext uri="{FF2B5EF4-FFF2-40B4-BE49-F238E27FC236}">
+                <a16:creationId xmlns:a16="http://schemas.microsoft.com/office/drawing/2014/main" id="{E97A2384-67C5-1270-A073-3B9674B258FC}"/>
+              </a:ext>
+            </a:extLst>
+          </p:cNvPr>
+          <p:cNvSpPr txBox="1"/>
+          <p:nvPr/>
+        </p:nvSpPr>
+        <p:spPr>
+          <a:xfrm>
+            <a:off x="4893495" y="5365135"/>
+            <a:ext cx="4173631" cy="369332"/>
+          </a:xfrm>
+          <a:prstGeom prst="rect">
+            <a:avLst/>
+          </a:prstGeom>
+          <a:noFill/>
+        </p:spPr>
+        <p:txBody>
+          <a:bodyPr wrap="square">
+            <a:spAutoFit/>
+          </a:bodyPr>
+          <a:lstStyle/>
+          <a:p>
+            <a:pPr algn="r"/>
+            <a:r>
+              <a:rPr lang="en-US" sz="900" b="1" dirty="0"/>
+              <a:t>https://www.embedded.com/fundamentals-of-booting-for-embedded-processors/</a:t>
+            </a:r>
+          </a:p>
+        </p:txBody>
+      </p:sp>
+      <p:pic>
+        <p:nvPicPr>
+          <p:cNvPr id="1026" name="Picture 2" descr="Embedded project build process | Microcontroller Embedded C">
+            <a:extLst>
+              <a:ext uri="{FF2B5EF4-FFF2-40B4-BE49-F238E27FC236}">
+                <a16:creationId xmlns:a16="http://schemas.microsoft.com/office/drawing/2014/main" id="{21184D9D-0046-4E62-8603-2A0A1F268060}"/>
+              </a:ext>
+            </a:extLst>
+          </p:cNvPr>
+          <p:cNvPicPr>
+            <a:picLocks noChangeAspect="1" noChangeArrowheads="1"/>
+          </p:cNvPicPr>
+          <p:nvPr/>
+        </p:nvPicPr>
+        <p:blipFill>
+          <a:blip r:embed="rId4">
+            <a:extLst>
+              <a:ext uri="{28A0092B-C50C-407E-A947-70E740481C1C}">
+                <a14:useLocalDpi xmlns:a14="http://schemas.microsoft.com/office/drawing/2010/main" val="0"/>
+              </a:ext>
+            </a:extLst>
+          </a:blip>
+          <a:srcRect/>
+          <a:stretch>
+            <a:fillRect/>
+          </a:stretch>
+        </p:blipFill>
+        <p:spPr bwMode="auto">
+          <a:xfrm>
+            <a:off x="5181600" y="851991"/>
+            <a:ext cx="3947160" cy="2212740"/>
+          </a:xfrm>
+          <a:prstGeom prst="rect">
+            <a:avLst/>
+          </a:prstGeom>
+          <a:noFill/>
+          <a:extLst>
+            <a:ext uri="{909E8E84-426E-40DD-AFC4-6F175D3DCCD1}">
+              <a14:hiddenFill xmlns:a14="http://schemas.microsoft.com/office/drawing/2010/main">
+                <a:solidFill>
+                  <a:srgbClr val="FFFFFF"/>
+                </a:solidFill>
+              </a14:hiddenFill>
+            </a:ext>
+          </a:extLst>
+        </p:spPr>
+      </p:pic>
+    </p:spTree>
+    <p:extLst>
+      <p:ext uri="{BB962C8B-B14F-4D97-AF65-F5344CB8AC3E}">
+        <p14:creationId xmlns:p14="http://schemas.microsoft.com/office/powerpoint/2010/main" val="1022434201"/>
+      </p:ext>
+    </p:extLst>
+  </p:cSld>
+  <p:clrMapOvr>
+    <a:masterClrMapping/>
+  </p:clrMapOvr>
+  <p:timing>
+    <p:tnLst>
+      <p:par>
+        <p:cTn id="1" dur="indefinite" restart="never" nodeType="tmRoot">
+          <p:childTnLst>
+            <p:seq concurrent="1" nextAc="seek">
+              <p:cTn id="2" dur="indefinite" nodeType="mainSeq">
+                <p:childTnLst>
+                  <p:par>
+                    <p:cTn id="3" fill="hold">
+                      <p:stCondLst>
+                        <p:cond delay="indefinite"/>
+                      </p:stCondLst>
+                      <p:childTnLst>
+                        <p:par>
+                          <p:cTn id="4" fill="hold">
+                            <p:stCondLst>
+                              <p:cond delay="0"/>
+                            </p:stCondLst>
+                            <p:childTnLst>
+                              <p:par>
+                                <p:cTn id="5" presetID="1" presetClass="entr" presetSubtype="0" fill="hold" nodeType="clickEffect">
+                                  <p:stCondLst>
+                                    <p:cond delay="0"/>
+                                  </p:stCondLst>
+                                  <p:childTnLst>
+                                    <p:set>
+                                      <p:cBhvr>
+                                        <p:cTn id="6" dur="1" fill="hold">
+                                          <p:stCondLst>
+                                            <p:cond delay="0"/>
+                                          </p:stCondLst>
+                                        </p:cTn>
+                                        <p:tgtEl>
+                                          <p:spTgt spid="7"/>
+                                        </p:tgtEl>
+                                        <p:attrNameLst>
+                                          <p:attrName>style.visibility</p:attrName>
+                                        </p:attrNameLst>
+                                      </p:cBhvr>
+                                      <p:to>
+                                        <p:strVal val="visible"/>
+                                      </p:to>
+                                    </p:set>
+                                  </p:childTnLst>
+                                </p:cTn>
+                              </p:par>
+                            </p:childTnLst>
+                          </p:cTn>
+                        </p:par>
+                      </p:childTnLst>
+                    </p:cTn>
+                  </p:par>
+                  <p:par>
+                    <p:cTn id="7" fill="hold">
+                      <p:stCondLst>
+                        <p:cond delay="indefinite"/>
+                      </p:stCondLst>
+                      <p:childTnLst>
+                        <p:par>
+                          <p:cTn id="8" fill="hold">
+                            <p:stCondLst>
+                              <p:cond delay="0"/>
+                            </p:stCondLst>
+                            <p:childTnLst>
+                              <p:par>
+                                <p:cTn id="9" presetID="1" presetClass="entr" presetSubtype="0" fill="hold" nodeType="clickEffect">
+                                  <p:stCondLst>
+                                    <p:cond delay="0"/>
+                                  </p:stCondLst>
+                                  <p:childTnLst>
+                                    <p:set>
+                                      <p:cBhvr>
+                                        <p:cTn id="10" dur="1" fill="hold">
+                                          <p:stCondLst>
+                                            <p:cond delay="0"/>
+                                          </p:stCondLst>
+                                        </p:cTn>
+                                        <p:tgtEl>
+                                          <p:spTgt spid="1026"/>
+                                        </p:tgtEl>
+                                        <p:attrNameLst>
+                                          <p:attrName>style.visibility</p:attrName>
+                                        </p:attrNameLst>
+                                      </p:cBhvr>
+                                      <p:to>
+                                        <p:strVal val="visible"/>
+                                      </p:to>
+                                    </p:set>
+                                  </p:childTnLst>
+                                </p:cTn>
+                              </p:par>
+                            </p:childTnLst>
+                          </p:cTn>
+                        </p:par>
+                      </p:childTnLst>
+                    </p:cTn>
+                  </p:par>
+                  <p:par>
+                    <p:cTn id="11" fill="hold">
+                      <p:stCondLst>
+                        <p:cond delay="indefinite"/>
+                      </p:stCondLst>
+                      <p:childTnLst>
+                        <p:par>
+                          <p:cTn id="12" fill="hold">
+                            <p:stCondLst>
+                              <p:cond delay="0"/>
+                            </p:stCondLst>
+                            <p:childTnLst>
+                              <p:par>
+                                <p:cTn id="13" presetID="1" presetClass="entr" presetSubtype="0" fill="hold" nodeType="clickEffect">
+                                  <p:stCondLst>
+                                    <p:cond delay="0"/>
+                                  </p:stCondLst>
+                                  <p:childTnLst>
+                                    <p:set>
+                                      <p:cBhvr>
+                                        <p:cTn id="14" dur="1" fill="hold">
+                                          <p:stCondLst>
+                                            <p:cond delay="0"/>
+                                          </p:stCondLst>
+                                        </p:cTn>
+                                        <p:tgtEl>
+                                          <p:spTgt spid="12"/>
+                                        </p:tgtEl>
+                                        <p:attrNameLst>
+                                          <p:attrName>style.visibility</p:attrName>
+                                        </p:attrNameLst>
+                                      </p:cBhvr>
+                                      <p:to>
+                                        <p:strVal val="visible"/>
+                                      </p:to>
+                                    </p:set>
+                                  </p:childTnLst>
+                                </p:cTn>
+                              </p:par>
+                            </p:childTnLst>
+                          </p:cTn>
+                        </p:par>
+                      </p:childTnLst>
+                    </p:cTn>
+                  </p:par>
+                  <p:par>
+                    <p:cTn id="15" fill="hold">
+                      <p:stCondLst>
+                        <p:cond delay="indefinite"/>
+                      </p:stCondLst>
+                      <p:childTnLst>
+                        <p:par>
+                          <p:cTn id="16" fill="hold">
+                            <p:stCondLst>
+                              <p:cond delay="0"/>
+                            </p:stCondLst>
+                            <p:childTnLst>
+                              <p:par>
+                                <p:cTn id="17" presetID="1" presetClass="entr" presetSubtype="0" fill="hold" grpId="0" nodeType="clickEffect">
+                                  <p:stCondLst>
+                                    <p:cond delay="0"/>
+                                  </p:stCondLst>
+                                  <p:childTnLst>
+                                    <p:set>
+                                      <p:cBhvr>
+                                        <p:cTn id="18" dur="1" fill="hold">
+                                          <p:stCondLst>
+                                            <p:cond delay="0"/>
+                                          </p:stCondLst>
+                                        </p:cTn>
+                                        <p:tgtEl>
+                                          <p:spTgt spid="13">
+                                            <p:txEl>
+                                              <p:pRg st="0" end="0"/>
+                                            </p:txEl>
+                                          </p:spTgt>
+                                        </p:tgtEl>
+                                        <p:attrNameLst>
+                                          <p:attrName>style.visibility</p:attrName>
+                                        </p:attrNameLst>
+                                      </p:cBhvr>
+                                      <p:to>
+                                        <p:strVal val="visible"/>
+                                      </p:to>
+                                    </p:set>
+                                  </p:childTnLst>
+                                </p:cTn>
+                              </p:par>
+                            </p:childTnLst>
+                          </p:cTn>
+                        </p:par>
+                      </p:childTnLst>
+                    </p:cTn>
+                  </p:par>
+                  <p:par>
+                    <p:cTn id="19" fill="hold">
+                      <p:stCondLst>
+                        <p:cond delay="indefinite"/>
+                      </p:stCondLst>
+                      <p:childTnLst>
+                        <p:par>
+                          <p:cTn id="20" fill="hold">
+                            <p:stCondLst>
+                              <p:cond delay="0"/>
+                            </p:stCondLst>
+                            <p:childTnLst>
+                              <p:par>
+                                <p:cTn id="21" presetID="1" presetClass="entr" presetSubtype="0" fill="hold" grpId="0" nodeType="clickEffect">
+                                  <p:stCondLst>
+                                    <p:cond delay="0"/>
+                                  </p:stCondLst>
+                                  <p:childTnLst>
+                                    <p:set>
+                                      <p:cBhvr>
+                                        <p:cTn id="22" dur="1" fill="hold">
+                                          <p:stCondLst>
+                                            <p:cond delay="0"/>
+                                          </p:stCondLst>
+                                        </p:cTn>
+                                        <p:tgtEl>
+                                          <p:spTgt spid="13">
+                                            <p:txEl>
+                                              <p:pRg st="1" end="1"/>
+                                            </p:txEl>
+                                          </p:spTgt>
+                                        </p:tgtEl>
+                                        <p:attrNameLst>
+                                          <p:attrName>style.visibility</p:attrName>
+                                        </p:attrNameLst>
+                                      </p:cBhvr>
+                                      <p:to>
+                                        <p:strVal val="visible"/>
+                                      </p:to>
+                                    </p:set>
+                                  </p:childTnLst>
+                                </p:cTn>
+                              </p:par>
+                            </p:childTnLst>
+                          </p:cTn>
+                        </p:par>
+                      </p:childTnLst>
+                    </p:cTn>
+                  </p:par>
+                  <p:par>
+                    <p:cTn id="23" fill="hold">
+                      <p:stCondLst>
+                        <p:cond delay="indefinite"/>
+                      </p:stCondLst>
+                      <p:childTnLst>
+                        <p:par>
+                          <p:cTn id="24" fill="hold">
+                            <p:stCondLst>
+                              <p:cond delay="0"/>
+                            </p:stCondLst>
+                            <p:childTnLst>
+                              <p:par>
+                                <p:cTn id="25" presetID="1" presetClass="entr" presetSubtype="0" fill="hold" grpId="0" nodeType="clickEffect">
+                                  <p:stCondLst>
+                                    <p:cond delay="0"/>
+                                  </p:stCondLst>
+                                  <p:childTnLst>
+                                    <p:set>
+                                      <p:cBhvr>
+                                        <p:cTn id="26" dur="1" fill="hold">
+                                          <p:stCondLst>
+                                            <p:cond delay="0"/>
+                                          </p:stCondLst>
+                                        </p:cTn>
+                                        <p:tgtEl>
+                                          <p:spTgt spid="13">
+                                            <p:txEl>
+                                              <p:pRg st="2" end="2"/>
+                                            </p:txEl>
+                                          </p:spTgt>
+                                        </p:tgtEl>
+                                        <p:attrNameLst>
+                                          <p:attrName>style.visibility</p:attrName>
+                                        </p:attrNameLst>
+                                      </p:cBhvr>
+                                      <p:to>
+                                        <p:strVal val="visible"/>
+                                      </p:to>
+                                    </p:set>
+                                  </p:childTnLst>
+                                </p:cTn>
+                              </p:par>
+                            </p:childTnLst>
+                          </p:cTn>
+                        </p:par>
+                      </p:childTnLst>
+                    </p:cTn>
+                  </p:par>
+                  <p:par>
+                    <p:cTn id="27" fill="hold">
+                      <p:stCondLst>
+                        <p:cond delay="indefinite"/>
+                      </p:stCondLst>
+                      <p:childTnLst>
+                        <p:par>
+                          <p:cTn id="28" fill="hold">
+                            <p:stCondLst>
+                              <p:cond delay="0"/>
+                            </p:stCondLst>
+                            <p:childTnLst>
+                              <p:par>
+                                <p:cTn id="29" presetID="1" presetClass="entr" presetSubtype="0" fill="hold" grpId="0" nodeType="clickEffect">
+                                  <p:stCondLst>
+                                    <p:cond delay="0"/>
+                                  </p:stCondLst>
+                                  <p:childTnLst>
+                                    <p:set>
+                                      <p:cBhvr>
+                                        <p:cTn id="30" dur="1" fill="hold">
+                                          <p:stCondLst>
+                                            <p:cond delay="0"/>
+                                          </p:stCondLst>
+                                        </p:cTn>
+                                        <p:tgtEl>
+                                          <p:spTgt spid="13">
+                                            <p:txEl>
+                                              <p:pRg st="3" end="3"/>
+                                            </p:txEl>
+                                          </p:spTgt>
+                                        </p:tgtEl>
+                                        <p:attrNameLst>
+                                          <p:attrName>style.visibility</p:attrName>
+                                        </p:attrNameLst>
+                                      </p:cBhvr>
+                                      <p:to>
+                                        <p:strVal val="visible"/>
+                                      </p:to>
+                                    </p:set>
+                                  </p:childTnLst>
+                                </p:cTn>
+                              </p:par>
+                            </p:childTnLst>
+                          </p:cTn>
+                        </p:par>
+                      </p:childTnLst>
+                    </p:cTn>
+                  </p:par>
+                </p:childTnLst>
+              </p:cTn>
+              <p:prevCondLst>
+                <p:cond evt="onPrev" delay="0">
+                  <p:tgtEl>
+                    <p:sldTgt/>
+                  </p:tgtEl>
+                </p:cond>
+              </p:prevCondLst>
+              <p:nextCondLst>
+                <p:cond evt="onNext" delay="0">
+                  <p:tgtEl>
+                    <p:sldTgt/>
+                  </p:tgtEl>
+                </p:cond>
+              </p:nextCondLst>
+            </p:seq>
+          </p:childTnLst>
+        </p:cTn>
+      </p:par>
+    </p:tnLst>
+    <p:bldLst>
+      <p:bldP spid="13" grpId="0" build="p"/>
+    </p:bldLst>
+  </p:timing>
+</p:sld>
+</file>
+
+<file path=ppt/slides/slide26.xml><?xml version="1.0" encoding="utf-8"?>
+<p:sld xmlns:a="http://schemas.openxmlformats.org/drawingml/2006/main" xmlns:r="http://schemas.openxmlformats.org/officeDocument/2006/relationships" xmlns:p="http://schemas.openxmlformats.org/presentationml/2006/main">
+  <p:cSld>
+    <p:spTree>
+      <p:nvGrpSpPr>
+        <p:cNvPr id="1" name=""/>
+        <p:cNvGrpSpPr/>
+        <p:nvPr/>
+      </p:nvGrpSpPr>
+      <p:grpSpPr>
+        <a:xfrm>
+          <a:off x="0" y="0"/>
+          <a:ext cx="0" cy="0"/>
+          <a:chOff x="0" y="0"/>
+          <a:chExt cx="0" cy="0"/>
+        </a:xfrm>
+      </p:grpSpPr>
+      <p:sp>
+        <p:nvSpPr>
+          <p:cNvPr id="2" name="Title 1">
+            <a:extLst>
+              <a:ext uri="{FF2B5EF4-FFF2-40B4-BE49-F238E27FC236}">
+                <a16:creationId xmlns:a16="http://schemas.microsoft.com/office/drawing/2014/main" id="{466F1489-B727-79FF-27BB-B479C812D48F}"/>
+              </a:ext>
+            </a:extLst>
+          </p:cNvPr>
+          <p:cNvSpPr>
+            <a:spLocks noGrp="1"/>
+          </p:cNvSpPr>
+          <p:nvPr>
+            <p:ph type="title"/>
+          </p:nvPr>
+        </p:nvSpPr>
+        <p:spPr/>
+        <p:txBody>
+          <a:bodyPr/>
+          <a:lstStyle/>
+          <a:p>
+            <a:r>
+              <a:rPr lang="en-US" sz="3200" dirty="0"/>
+              <a:t>Starting up the embedded system (after Boot ROM has initialized)</a:t>
+            </a:r>
+          </a:p>
+        </p:txBody>
+      </p:sp>
+      <p:sp>
+        <p:nvSpPr>
+          <p:cNvPr id="3" name="Content Placeholder 2">
+            <a:extLst>
+              <a:ext uri="{FF2B5EF4-FFF2-40B4-BE49-F238E27FC236}">
+                <a16:creationId xmlns:a16="http://schemas.microsoft.com/office/drawing/2014/main" id="{DA0A0840-DC3F-7511-7FE5-353CF41254D2}"/>
+              </a:ext>
+            </a:extLst>
+          </p:cNvPr>
+          <p:cNvSpPr>
+            <a:spLocks noGrp="1"/>
+          </p:cNvSpPr>
+          <p:nvPr>
+            <p:ph idx="1"/>
+          </p:nvPr>
+        </p:nvSpPr>
+        <p:spPr>
+          <a:xfrm>
+            <a:off x="94576" y="1609808"/>
+            <a:ext cx="4531214" cy="4867191"/>
+          </a:xfrm>
+        </p:spPr>
+        <p:txBody>
+          <a:bodyPr>
+            <a:noAutofit/>
+          </a:bodyPr>
+          <a:lstStyle/>
+          <a:p>
+            <a:r>
+              <a:rPr lang="en-US" sz="1700" dirty="0"/>
+              <a:t>Reset vector: Points to a special location in Flash from where instruction read begins</a:t>
+            </a:r>
+          </a:p>
+          <a:p>
+            <a:r>
+              <a:rPr lang="en-US" sz="1700" dirty="0"/>
+              <a:t>Vector tables stored in Flash are copied to RAM (interrupt vectors etc.)</a:t>
+            </a:r>
+          </a:p>
+          <a:p>
+            <a:pPr lvl="1"/>
+            <a:r>
+              <a:rPr lang="en-US" sz="1700" dirty="0"/>
+              <a:t>Decreases the latency for handling interrupts etc.</a:t>
+            </a:r>
+          </a:p>
+          <a:p>
+            <a:r>
+              <a:rPr lang="en-US" sz="1700" dirty="0"/>
+              <a:t>Initialized data sections are copied to RAM</a:t>
+            </a:r>
+          </a:p>
+          <a:p>
+            <a:pPr lvl="1"/>
+            <a:r>
+              <a:rPr lang="en-US" sz="1700" dirty="0"/>
+              <a:t>Variables stored in the .data section of the linker file</a:t>
+            </a:r>
+          </a:p>
+          <a:p>
+            <a:r>
+              <a:rPr lang="en-US" sz="1700" dirty="0"/>
+              <a:t>Declared but uninitialized variables are copied to RAM</a:t>
+            </a:r>
+          </a:p>
+          <a:p>
+            <a:pPr lvl="1"/>
+            <a:r>
+              <a:rPr lang="en-US" sz="1700" dirty="0"/>
+              <a:t>.</a:t>
+            </a:r>
+            <a:r>
+              <a:rPr lang="en-US" sz="1700" dirty="0" err="1"/>
+              <a:t>bss</a:t>
+            </a:r>
+            <a:r>
+              <a:rPr lang="en-US" sz="1700" dirty="0"/>
+              <a:t> section in linker</a:t>
+            </a:r>
+          </a:p>
+          <a:p>
+            <a:r>
+              <a:rPr lang="en-US" sz="1700" dirty="0"/>
+              <a:t>RAM functions are copied to RAM (functions that you want to run very vast)</a:t>
+            </a:r>
+          </a:p>
+          <a:p>
+            <a:r>
+              <a:rPr lang="en-US" sz="1700" dirty="0"/>
+              <a:t>C copy-down process</a:t>
+            </a:r>
+          </a:p>
+          <a:p>
+            <a:r>
+              <a:rPr lang="en-US" sz="1700" dirty="0"/>
+              <a:t>Controller jumps to Main after this</a:t>
+            </a:r>
+          </a:p>
+        </p:txBody>
+      </p:sp>
+      <p:sp>
+        <p:nvSpPr>
+          <p:cNvPr id="4" name="Date Placeholder 3">
+            <a:extLst>
+              <a:ext uri="{FF2B5EF4-FFF2-40B4-BE49-F238E27FC236}">
+                <a16:creationId xmlns:a16="http://schemas.microsoft.com/office/drawing/2014/main" id="{3E56CAB6-19B8-BBFC-BEDB-64FF04DD5787}"/>
+              </a:ext>
+            </a:extLst>
+          </p:cNvPr>
+          <p:cNvSpPr>
+            <a:spLocks noGrp="1"/>
+          </p:cNvSpPr>
+          <p:nvPr>
+            <p:ph type="dt" sz="half" idx="10"/>
+          </p:nvPr>
+        </p:nvSpPr>
+        <p:spPr/>
+        <p:txBody>
+          <a:bodyPr/>
+          <a:lstStyle/>
+          <a:p>
+            <a:fld id="{53659652-A386-427F-9A40-D4C53C1D85C6}" type="datetime3">
+              <a:rPr lang="en-US" smtClean="0"/>
+              <a:t>16 January 2026</a:t>
+            </a:fld>
+            <a:endParaRPr lang="en-US"/>
+          </a:p>
+        </p:txBody>
+      </p:sp>
+      <p:sp>
+        <p:nvSpPr>
+          <p:cNvPr id="5" name="Footer Placeholder 4">
+            <a:extLst>
+              <a:ext uri="{FF2B5EF4-FFF2-40B4-BE49-F238E27FC236}">
+                <a16:creationId xmlns:a16="http://schemas.microsoft.com/office/drawing/2014/main" id="{E6771FDF-E615-9DBE-F1BB-22530CE11C47}"/>
+              </a:ext>
+            </a:extLst>
+          </p:cNvPr>
+          <p:cNvSpPr>
+            <a:spLocks noGrp="1"/>
+          </p:cNvSpPr>
+          <p:nvPr>
+            <p:ph type="ftr" sz="quarter" idx="11"/>
+          </p:nvPr>
+        </p:nvSpPr>
+        <p:spPr/>
+        <p:txBody>
+          <a:bodyPr/>
+          <a:lstStyle/>
+          <a:p>
+            <a:r>
+              <a:rPr lang="en-US"/>
+              <a:t>ELL787: Embedded Systems and Applications</a:t>
+            </a:r>
+            <a:endParaRPr lang="en-US" dirty="0"/>
+          </a:p>
+        </p:txBody>
+      </p:sp>
+      <p:sp>
+        <p:nvSpPr>
+          <p:cNvPr id="6" name="Slide Number Placeholder 5">
+            <a:extLst>
+              <a:ext uri="{FF2B5EF4-FFF2-40B4-BE49-F238E27FC236}">
+                <a16:creationId xmlns:a16="http://schemas.microsoft.com/office/drawing/2014/main" id="{4874B647-B000-3077-8054-314A580093B2}"/>
+              </a:ext>
+            </a:extLst>
+          </p:cNvPr>
+          <p:cNvSpPr>
+            <a:spLocks noGrp="1"/>
+          </p:cNvSpPr>
+          <p:nvPr>
+            <p:ph type="sldNum" sz="quarter" idx="12"/>
+          </p:nvPr>
+        </p:nvSpPr>
+        <p:spPr/>
+        <p:txBody>
+          <a:bodyPr/>
+          <a:lstStyle/>
+          <a:p>
+            <a:fld id="{98AC3541-01C1-4CA5-B68F-FEE868C7D1AF}" type="slidenum">
+              <a:rPr lang="en-US" smtClean="0"/>
+              <a:t>26</a:t>
+            </a:fld>
+            <a:endParaRPr lang="en-US"/>
+          </a:p>
+        </p:txBody>
+      </p:sp>
+      <p:pic>
+        <p:nvPicPr>
+          <p:cNvPr id="5122" name="Picture 2" descr="ESP32 부팅 시퀀스(booting sequence), 부트로더(bootloader)">
+            <a:extLst>
+              <a:ext uri="{FF2B5EF4-FFF2-40B4-BE49-F238E27FC236}">
+                <a16:creationId xmlns:a16="http://schemas.microsoft.com/office/drawing/2014/main" id="{94238315-C824-1E8E-08CA-79C1A25D1112}"/>
+              </a:ext>
+            </a:extLst>
+          </p:cNvPr>
+          <p:cNvPicPr>
+            <a:picLocks noChangeAspect="1" noChangeArrowheads="1"/>
+          </p:cNvPicPr>
+          <p:nvPr/>
+        </p:nvPicPr>
+        <p:blipFill>
+          <a:blip r:embed="rId2">
+            <a:extLst>
+              <a:ext uri="{28A0092B-C50C-407E-A947-70E740481C1C}">
+                <a14:useLocalDpi xmlns:a14="http://schemas.microsoft.com/office/drawing/2010/main" val="0"/>
+              </a:ext>
+            </a:extLst>
+          </a:blip>
+          <a:srcRect/>
+          <a:stretch>
+            <a:fillRect/>
+          </a:stretch>
+        </p:blipFill>
+        <p:spPr bwMode="auto">
+          <a:xfrm>
+            <a:off x="4726096" y="1913825"/>
+            <a:ext cx="4235739" cy="3355041"/>
+          </a:xfrm>
+          <a:prstGeom prst="rect">
+            <a:avLst/>
+          </a:prstGeom>
+          <a:noFill/>
+          <a:extLst>
+            <a:ext uri="{909E8E84-426E-40DD-AFC4-6F175D3DCCD1}">
+              <a14:hiddenFill xmlns:a14="http://schemas.microsoft.com/office/drawing/2010/main">
+                <a:solidFill>
+                  <a:srgbClr val="FFFFFF"/>
+                </a:solidFill>
+              </a14:hiddenFill>
+            </a:ext>
+          </a:extLst>
+        </p:spPr>
+      </p:pic>
+    </p:spTree>
+    <p:extLst>
+      <p:ext uri="{BB962C8B-B14F-4D97-AF65-F5344CB8AC3E}">
+        <p14:creationId xmlns:p14="http://schemas.microsoft.com/office/powerpoint/2010/main" val="2925184359"/>
+      </p:ext>
+    </p:extLst>
+  </p:cSld>
+  <p:clrMapOvr>
+    <a:masterClrMapping/>
+  </p:clrMapOvr>
+  <p:timing>
+    <p:tnLst>
+      <p:par>
+        <p:cTn id="1" dur="indefinite" restart="never" nodeType="tmRoot">
+          <p:childTnLst>
+            <p:seq concurrent="1" nextAc="seek">
+              <p:cTn id="2" dur="indefinite" nodeType="mainSeq">
+                <p:childTnLst>
+                  <p:par>
+                    <p:cTn id="3" fill="hold">
+                      <p:stCondLst>
+                        <p:cond delay="indefinite"/>
+                      </p:stCondLst>
+                      <p:childTnLst>
+                        <p:par>
+                          <p:cTn id="4" fill="hold">
+                            <p:stCondLst>
+                              <p:cond delay="0"/>
+                            </p:stCondLst>
+                            <p:childTnLst>
+                              <p:par>
+                                <p:cTn id="5" presetID="1" presetClass="entr" presetSubtype="0" fill="hold" grpId="0" nodeType="clickEffect">
+                                  <p:stCondLst>
+                                    <p:cond delay="0"/>
+                                  </p:stCondLst>
+                                  <p:childTnLst>
+                                    <p:set>
+                                      <p:cBhvr>
+                                        <p:cTn id="6" dur="1" fill="hold">
+                                          <p:stCondLst>
+                                            <p:cond delay="0"/>
+                                          </p:stCondLst>
+                                        </p:cTn>
+                                        <p:tgtEl>
+                                          <p:spTgt spid="3">
+                                            <p:txEl>
+                                              <p:pRg st="0" end="0"/>
+                                            </p:txEl>
+                                          </p:spTgt>
+                                        </p:tgtEl>
+                                        <p:attrNameLst>
+                                          <p:attrName>style.visibility</p:attrName>
+                                        </p:attrNameLst>
+                                      </p:cBhvr>
+                                      <p:to>
+                                        <p:strVal val="visible"/>
+                                      </p:to>
+                                    </p:set>
+                                  </p:childTnLst>
+                                </p:cTn>
+                              </p:par>
+                            </p:childTnLst>
+                          </p:cTn>
+                        </p:par>
+                      </p:childTnLst>
+                    </p:cTn>
+                  </p:par>
+                  <p:par>
+                    <p:cTn id="7" fill="hold">
+                      <p:stCondLst>
+                        <p:cond delay="indefinite"/>
+                      </p:stCondLst>
+                      <p:childTnLst>
+                        <p:par>
+                          <p:cTn id="8" fill="hold">
+                            <p:stCondLst>
+                              <p:cond delay="0"/>
+                            </p:stCondLst>
+                            <p:childTnLst>
+                              <p:par>
+                                <p:cTn id="9" presetID="1" presetClass="entr" presetSubtype="0" fill="hold" grpId="0" nodeType="clickEffect">
+                                  <p:stCondLst>
+                                    <p:cond delay="0"/>
+                                  </p:stCondLst>
+                                  <p:childTnLst>
+                                    <p:set>
+                                      <p:cBhvr>
+                                        <p:cTn id="10" dur="1" fill="hold">
+                                          <p:stCondLst>
+                                            <p:cond delay="0"/>
+                                          </p:stCondLst>
+                                        </p:cTn>
+                                        <p:tgtEl>
+                                          <p:spTgt spid="3">
+                                            <p:txEl>
+                                              <p:pRg st="1" end="1"/>
+                                            </p:txEl>
+                                          </p:spTgt>
+                                        </p:tgtEl>
+                                        <p:attrNameLst>
+                                          <p:attrName>style.visibility</p:attrName>
+                                        </p:attrNameLst>
+                                      </p:cBhvr>
+                                      <p:to>
+                                        <p:strVal val="visible"/>
+                                      </p:to>
+                                    </p:set>
+                                  </p:childTnLst>
+                                </p:cTn>
+                              </p:par>
+                              <p:par>
+                                <p:cTn id="11" presetID="1" presetClass="entr" presetSubtype="0" fill="hold" grpId="0" nodeType="withEffect">
+                                  <p:stCondLst>
+                                    <p:cond delay="0"/>
+                                  </p:stCondLst>
+                                  <p:childTnLst>
+                                    <p:set>
+                                      <p:cBhvr>
+                                        <p:cTn id="12" dur="1" fill="hold">
+                                          <p:stCondLst>
+                                            <p:cond delay="0"/>
+                                          </p:stCondLst>
+                                        </p:cTn>
+                                        <p:tgtEl>
+                                          <p:spTgt spid="3">
+                                            <p:txEl>
+                                              <p:pRg st="2" end="2"/>
+                                            </p:txEl>
+                                          </p:spTgt>
+                                        </p:tgtEl>
+                                        <p:attrNameLst>
+                                          <p:attrName>style.visibility</p:attrName>
+                                        </p:attrNameLst>
+                                      </p:cBhvr>
+                                      <p:to>
+                                        <p:strVal val="visible"/>
+                                      </p:to>
+                                    </p:set>
+                                  </p:childTnLst>
+                                </p:cTn>
+                              </p:par>
+                            </p:childTnLst>
+                          </p:cTn>
+                        </p:par>
+                      </p:childTnLst>
+                    </p:cTn>
+                  </p:par>
+                  <p:par>
+                    <p:cTn id="13" fill="hold">
+                      <p:stCondLst>
+                        <p:cond delay="indefinite"/>
+                      </p:stCondLst>
+                      <p:childTnLst>
+                        <p:par>
+                          <p:cTn id="14" fill="hold">
+                            <p:stCondLst>
+                              <p:cond delay="0"/>
+                            </p:stCondLst>
+                            <p:childTnLst>
+                              <p:par>
+                                <p:cTn id="15" presetID="1" presetClass="entr" presetSubtype="0" fill="hold" grpId="0" nodeType="clickEffect">
+                                  <p:stCondLst>
+                                    <p:cond delay="0"/>
+                                  </p:stCondLst>
+                                  <p:childTnLst>
+                                    <p:set>
+                                      <p:cBhvr>
+                                        <p:cTn id="16" dur="1" fill="hold">
+                                          <p:stCondLst>
+                                            <p:cond delay="0"/>
+                                          </p:stCondLst>
+                                        </p:cTn>
+                                        <p:tgtEl>
+                                          <p:spTgt spid="3">
+                                            <p:txEl>
+                                              <p:pRg st="3" end="3"/>
+                                            </p:txEl>
+                                          </p:spTgt>
+                                        </p:tgtEl>
+                                        <p:attrNameLst>
+                                          <p:attrName>style.visibility</p:attrName>
+                                        </p:attrNameLst>
+                                      </p:cBhvr>
+                                      <p:to>
+                                        <p:strVal val="visible"/>
+                                      </p:to>
+                                    </p:set>
+                                  </p:childTnLst>
+                                </p:cTn>
+                              </p:par>
+                              <p:par>
+                                <p:cTn id="17" presetID="1" presetClass="entr" presetSubtype="0" fill="hold" grpId="0" nodeType="withEffect">
+                                  <p:stCondLst>
+                                    <p:cond delay="0"/>
+                                  </p:stCondLst>
+                                  <p:childTnLst>
+                                    <p:set>
+                                      <p:cBhvr>
+                                        <p:cTn id="18" dur="1" fill="hold">
+                                          <p:stCondLst>
+                                            <p:cond delay="0"/>
+                                          </p:stCondLst>
+                                        </p:cTn>
+                                        <p:tgtEl>
+                                          <p:spTgt spid="3">
+                                            <p:txEl>
+                                              <p:pRg st="4" end="4"/>
+                                            </p:txEl>
+                                          </p:spTgt>
+                                        </p:tgtEl>
+                                        <p:attrNameLst>
+                                          <p:attrName>style.visibility</p:attrName>
+                                        </p:attrNameLst>
+                                      </p:cBhvr>
+                                      <p:to>
+                                        <p:strVal val="visible"/>
+                                      </p:to>
+                                    </p:set>
+                                  </p:childTnLst>
+                                </p:cTn>
+                              </p:par>
+                            </p:childTnLst>
+                          </p:cTn>
+                        </p:par>
+                      </p:childTnLst>
+                    </p:cTn>
+                  </p:par>
+                  <p:par>
+                    <p:cTn id="19" fill="hold">
+                      <p:stCondLst>
+                        <p:cond delay="indefinite"/>
+                      </p:stCondLst>
+                      <p:childTnLst>
+                        <p:par>
+                          <p:cTn id="20" fill="hold">
+                            <p:stCondLst>
+                              <p:cond delay="0"/>
+                            </p:stCondLst>
+                            <p:childTnLst>
+                              <p:par>
+                                <p:cTn id="21" presetID="1" presetClass="entr" presetSubtype="0" fill="hold" grpId="0" nodeType="clickEffect">
+                                  <p:stCondLst>
+                                    <p:cond delay="0"/>
+                                  </p:stCondLst>
+                                  <p:childTnLst>
+                                    <p:set>
+                                      <p:cBhvr>
+                                        <p:cTn id="22" dur="1" fill="hold">
+                                          <p:stCondLst>
+                                            <p:cond delay="0"/>
+                                          </p:stCondLst>
+                                        </p:cTn>
+                                        <p:tgtEl>
+                                          <p:spTgt spid="3">
+                                            <p:txEl>
+                                              <p:pRg st="5" end="5"/>
+                                            </p:txEl>
+                                          </p:spTgt>
+                                        </p:tgtEl>
+                                        <p:attrNameLst>
+                                          <p:attrName>style.visibility</p:attrName>
+                                        </p:attrNameLst>
+                                      </p:cBhvr>
+                                      <p:to>
+                                        <p:strVal val="visible"/>
+                                      </p:to>
+                                    </p:set>
+                                  </p:childTnLst>
+                                </p:cTn>
+                              </p:par>
+                              <p:par>
+                                <p:cTn id="23" presetID="1" presetClass="entr" presetSubtype="0" fill="hold" grpId="0" nodeType="withEffect">
+                                  <p:stCondLst>
+                                    <p:cond delay="0"/>
+                                  </p:stCondLst>
+                                  <p:childTnLst>
+                                    <p:set>
+                                      <p:cBhvr>
+                                        <p:cTn id="24" dur="1" fill="hold">
+                                          <p:stCondLst>
+                                            <p:cond delay="0"/>
+                                          </p:stCondLst>
+                                        </p:cTn>
+                                        <p:tgtEl>
+                                          <p:spTgt spid="3">
+                                            <p:txEl>
+                                              <p:pRg st="6" end="6"/>
+                                            </p:txEl>
+                                          </p:spTgt>
+                                        </p:tgtEl>
+                                        <p:attrNameLst>
+                                          <p:attrName>style.visibility</p:attrName>
+                                        </p:attrNameLst>
+                                      </p:cBhvr>
+                                      <p:to>
+                                        <p:strVal val="visible"/>
+                                      </p:to>
+                                    </p:set>
+                                  </p:childTnLst>
+                                </p:cTn>
+                              </p:par>
+                            </p:childTnLst>
+                          </p:cTn>
+                        </p:par>
+                      </p:childTnLst>
+                    </p:cTn>
+                  </p:par>
+                  <p:par>
+                    <p:cTn id="25" fill="hold">
+                      <p:stCondLst>
+                        <p:cond delay="indefinite"/>
+                      </p:stCondLst>
+                      <p:childTnLst>
+                        <p:par>
+                          <p:cTn id="26" fill="hold">
+                            <p:stCondLst>
+                              <p:cond delay="0"/>
+                            </p:stCondLst>
+                            <p:childTnLst>
+                              <p:par>
+                                <p:cTn id="27" presetID="1" presetClass="entr" presetSubtype="0" fill="hold" grpId="0" nodeType="clickEffect">
+                                  <p:stCondLst>
+                                    <p:cond delay="0"/>
+                                  </p:stCondLst>
+                                  <p:childTnLst>
+                                    <p:set>
+                                      <p:cBhvr>
+                                        <p:cTn id="28" dur="1" fill="hold">
+                                          <p:stCondLst>
+                                            <p:cond delay="0"/>
+                                          </p:stCondLst>
+                                        </p:cTn>
+                                        <p:tgtEl>
+                                          <p:spTgt spid="3">
+                                            <p:txEl>
+                                              <p:pRg st="7" end="7"/>
+                                            </p:txEl>
+                                          </p:spTgt>
+                                        </p:tgtEl>
+                                        <p:attrNameLst>
+                                          <p:attrName>style.visibility</p:attrName>
+                                        </p:attrNameLst>
+                                      </p:cBhvr>
+                                      <p:to>
+                                        <p:strVal val="visible"/>
+                                      </p:to>
+                                    </p:set>
+                                  </p:childTnLst>
+                                </p:cTn>
+                              </p:par>
+                            </p:childTnLst>
+                          </p:cTn>
+                        </p:par>
+                      </p:childTnLst>
+                    </p:cTn>
+                  </p:par>
+                  <p:par>
+                    <p:cTn id="29" fill="hold">
+                      <p:stCondLst>
+                        <p:cond delay="indefinite"/>
+                      </p:stCondLst>
+                      <p:childTnLst>
+                        <p:par>
+                          <p:cTn id="30" fill="hold">
+                            <p:stCondLst>
+                              <p:cond delay="0"/>
+                            </p:stCondLst>
+                            <p:childTnLst>
+                              <p:par>
+                                <p:cTn id="31" presetID="1" presetClass="entr" presetSubtype="0" fill="hold" grpId="0" nodeType="clickEffect">
+                                  <p:stCondLst>
+                                    <p:cond delay="0"/>
+                                  </p:stCondLst>
+                                  <p:childTnLst>
+                                    <p:set>
+                                      <p:cBhvr>
+                                        <p:cTn id="32" dur="1" fill="hold">
+                                          <p:stCondLst>
+                                            <p:cond delay="0"/>
+                                          </p:stCondLst>
+                                        </p:cTn>
+                                        <p:tgtEl>
+                                          <p:spTgt spid="3">
+                                            <p:txEl>
+                                              <p:pRg st="8" end="8"/>
+                                            </p:txEl>
+                                          </p:spTgt>
+                                        </p:tgtEl>
+                                        <p:attrNameLst>
+                                          <p:attrName>style.visibility</p:attrName>
+                                        </p:attrNameLst>
+                                      </p:cBhvr>
+                                      <p:to>
+                                        <p:strVal val="visible"/>
+                                      </p:to>
+                                    </p:set>
+                                  </p:childTnLst>
+                                </p:cTn>
+                              </p:par>
+                            </p:childTnLst>
+                          </p:cTn>
+                        </p:par>
+                      </p:childTnLst>
+                    </p:cTn>
+                  </p:par>
+                  <p:par>
+                    <p:cTn id="33" fill="hold">
+                      <p:stCondLst>
+                        <p:cond delay="indefinite"/>
+                      </p:stCondLst>
+                      <p:childTnLst>
+                        <p:par>
+                          <p:cTn id="34" fill="hold">
+                            <p:stCondLst>
+                              <p:cond delay="0"/>
+                            </p:stCondLst>
+                            <p:childTnLst>
+                              <p:par>
+                                <p:cTn id="35" presetID="1" presetClass="entr" presetSubtype="0" fill="hold" grpId="0" nodeType="clickEffect">
+                                  <p:stCondLst>
+                                    <p:cond delay="0"/>
+                                  </p:stCondLst>
+                                  <p:childTnLst>
+                                    <p:set>
+                                      <p:cBhvr>
+                                        <p:cTn id="36" dur="1" fill="hold">
+                                          <p:stCondLst>
+                                            <p:cond delay="0"/>
+                                          </p:stCondLst>
+                                        </p:cTn>
+                                        <p:tgtEl>
+                                          <p:spTgt spid="3">
+                                            <p:txEl>
+                                              <p:pRg st="9" end="9"/>
+                                            </p:txEl>
+                                          </p:spTgt>
+                                        </p:tgtEl>
+                                        <p:attrNameLst>
+                                          <p:attrName>style.visibility</p:attrName>
+                                        </p:attrNameLst>
+                                      </p:cBhvr>
+                                      <p:to>
+                                        <p:strVal val="visible"/>
+                                      </p:to>
+                                    </p:set>
+                                  </p:childTnLst>
+                                </p:cTn>
+                              </p:par>
+                            </p:childTnLst>
+                          </p:cTn>
+                        </p:par>
+                      </p:childTnLst>
+                    </p:cTn>
+                  </p:par>
+                  <p:par>
+                    <p:cTn id="37" fill="hold">
+                      <p:stCondLst>
+                        <p:cond delay="indefinite"/>
+                      </p:stCondLst>
+                      <p:childTnLst>
+                        <p:par>
+                          <p:cTn id="38" fill="hold">
+                            <p:stCondLst>
+                              <p:cond delay="0"/>
+                            </p:stCondLst>
+                            <p:childTnLst>
+                              <p:par>
+                                <p:cTn id="39" presetID="1" presetClass="entr" presetSubtype="0" fill="hold" nodeType="clickEffect">
+                                  <p:stCondLst>
+                                    <p:cond delay="0"/>
+                                  </p:stCondLst>
+                                  <p:childTnLst>
+                                    <p:set>
+                                      <p:cBhvr>
+                                        <p:cTn id="40" dur="1" fill="hold">
+                                          <p:stCondLst>
+                                            <p:cond delay="0"/>
+                                          </p:stCondLst>
+                                        </p:cTn>
+                                        <p:tgtEl>
+                                          <p:spTgt spid="5122"/>
+                                        </p:tgtEl>
+                                        <p:attrNameLst>
+                                          <p:attrName>style.visibility</p:attrName>
+                                        </p:attrNameLst>
+                                      </p:cBhvr>
+                                      <p:to>
+                                        <p:strVal val="visible"/>
+                                      </p:to>
+                                    </p:set>
+                                  </p:childTnLst>
+                                </p:cTn>
+                              </p:par>
+                            </p:childTnLst>
+                          </p:cTn>
+                        </p:par>
+                      </p:childTnLst>
+                    </p:cTn>
+                  </p:par>
+                </p:childTnLst>
+              </p:cTn>
+              <p:prevCondLst>
+                <p:cond evt="onPrev" delay="0">
+                  <p:tgtEl>
+                    <p:sldTgt/>
+                  </p:tgtEl>
+                </p:cond>
+              </p:prevCondLst>
+              <p:nextCondLst>
+                <p:cond evt="onNext" delay="0">
+                  <p:tgtEl>
+                    <p:sldTgt/>
+                  </p:tgtEl>
+                </p:cond>
+              </p:nextCondLst>
+            </p:seq>
+          </p:childTnLst>
+        </p:cTn>
+      </p:par>
+    </p:tnLst>
+    <p:bldLst>
+      <p:bldP spid="3" grpId="0" uiExpand="1" build="p"/>
+    </p:bldLst>
+  </p:timing>
+</p:sld>
+</file>
+
+<file path=ppt/slides/slide27.xml><?xml version="1.0" encoding="utf-8"?>
+<p:sld xmlns:a="http://schemas.openxmlformats.org/drawingml/2006/main" xmlns:r="http://schemas.openxmlformats.org/officeDocument/2006/relationships" xmlns:p="http://schemas.openxmlformats.org/presentationml/2006/main">
+  <p:cSld>
+    <p:spTree>
+      <p:nvGrpSpPr>
+        <p:cNvPr id="1" name=""/>
+        <p:cNvGrpSpPr/>
+        <p:nvPr/>
+      </p:nvGrpSpPr>
+      <p:grpSpPr>
+        <a:xfrm>
+          <a:off x="0" y="0"/>
+          <a:ext cx="0" cy="0"/>
+          <a:chOff x="0" y="0"/>
+          <a:chExt cx="0" cy="0"/>
+        </a:xfrm>
+      </p:grpSpPr>
+      <p:sp>
+        <p:nvSpPr>
+          <p:cNvPr id="2" name="Title 1">
+            <a:extLst>
+              <a:ext uri="{FF2B5EF4-FFF2-40B4-BE49-F238E27FC236}">
+                <a16:creationId xmlns:a16="http://schemas.microsoft.com/office/drawing/2014/main" id="{5DB78F4A-3E36-4A8A-A515-5A77FF3B2A61}"/>
+              </a:ext>
+            </a:extLst>
+          </p:cNvPr>
+          <p:cNvSpPr>
+            <a:spLocks noGrp="1"/>
+          </p:cNvSpPr>
+          <p:nvPr>
+            <p:ph type="title"/>
+          </p:nvPr>
+        </p:nvSpPr>
+        <p:spPr/>
+        <p:txBody>
+          <a:bodyPr/>
+          <a:lstStyle/>
+          <a:p>
+            <a:r>
+              <a:rPr lang="en-US" dirty="0"/>
+              <a:t>RESET</a:t>
+            </a:r>
+          </a:p>
+        </p:txBody>
+      </p:sp>
+      <p:sp>
+        <p:nvSpPr>
+          <p:cNvPr id="3" name="Content Placeholder 2">
+            <a:extLst>
+              <a:ext uri="{FF2B5EF4-FFF2-40B4-BE49-F238E27FC236}">
+                <a16:creationId xmlns:a16="http://schemas.microsoft.com/office/drawing/2014/main" id="{7140F613-29B2-4A1D-8851-750707C6D83E}"/>
+              </a:ext>
+            </a:extLst>
+          </p:cNvPr>
+          <p:cNvSpPr>
+            <a:spLocks noGrp="1"/>
+          </p:cNvSpPr>
+          <p:nvPr>
+            <p:ph idx="1"/>
+          </p:nvPr>
+        </p:nvSpPr>
+        <p:spPr>
+          <a:xfrm>
+            <a:off x="152400" y="1446211"/>
+            <a:ext cx="3352800" cy="5014912"/>
+          </a:xfrm>
+        </p:spPr>
+        <p:txBody>
+          <a:bodyPr>
+            <a:normAutofit lnSpcReduction="10000"/>
+          </a:bodyPr>
+          <a:lstStyle/>
+          <a:p>
+            <a:r>
+              <a:rPr lang="en-US" dirty="0"/>
+              <a:t>RESET puts the embedded system into a known state</a:t>
+            </a:r>
+          </a:p>
+          <a:p>
+            <a:r>
+              <a:rPr lang="en-US" dirty="0"/>
+              <a:t>Power-on reset</a:t>
+            </a:r>
+          </a:p>
+          <a:p>
+            <a:r>
+              <a:rPr lang="en-US" dirty="0"/>
+              <a:t>External reset (via a pin)</a:t>
+            </a:r>
+          </a:p>
+          <a:p>
+            <a:r>
+              <a:rPr lang="en-US" dirty="0"/>
+              <a:t>Watchdog reset</a:t>
+            </a:r>
+          </a:p>
+          <a:p>
+            <a:r>
+              <a:rPr lang="en-US" dirty="0"/>
+              <a:t>Software reset</a:t>
+            </a:r>
+          </a:p>
+          <a:p>
+            <a:r>
+              <a:rPr lang="en-US" dirty="0"/>
+              <a:t>Brown-out reset</a:t>
+            </a:r>
+          </a:p>
+        </p:txBody>
+      </p:sp>
+      <p:sp>
+        <p:nvSpPr>
+          <p:cNvPr id="4" name="Date Placeholder 3">
+            <a:extLst>
+              <a:ext uri="{FF2B5EF4-FFF2-40B4-BE49-F238E27FC236}">
+                <a16:creationId xmlns:a16="http://schemas.microsoft.com/office/drawing/2014/main" id="{0F4501BD-555F-4859-A7EB-5637785F2BEB}"/>
+              </a:ext>
+            </a:extLst>
+          </p:cNvPr>
+          <p:cNvSpPr>
+            <a:spLocks noGrp="1"/>
+          </p:cNvSpPr>
+          <p:nvPr>
+            <p:ph type="dt" sz="half" idx="10"/>
+          </p:nvPr>
+        </p:nvSpPr>
+        <p:spPr/>
+        <p:txBody>
+          <a:bodyPr/>
+          <a:lstStyle/>
+          <a:p>
+            <a:pPr>
+              <a:defRPr/>
+            </a:pPr>
+            <a:r>
+              <a:rPr lang="en-US"/>
+              <a:t>21/12/2020</a:t>
+            </a:r>
+          </a:p>
+        </p:txBody>
+      </p:sp>
+      <p:sp>
+        <p:nvSpPr>
+          <p:cNvPr id="5" name="Slide Number Placeholder 4">
+            <a:extLst>
+              <a:ext uri="{FF2B5EF4-FFF2-40B4-BE49-F238E27FC236}">
+                <a16:creationId xmlns:a16="http://schemas.microsoft.com/office/drawing/2014/main" id="{EB60E394-66A5-4B62-9006-B01F718F8CF2}"/>
+              </a:ext>
+            </a:extLst>
+          </p:cNvPr>
+          <p:cNvSpPr>
+            <a:spLocks noGrp="1"/>
+          </p:cNvSpPr>
+          <p:nvPr>
+            <p:ph type="sldNum" sz="quarter" idx="12"/>
+          </p:nvPr>
+        </p:nvSpPr>
+        <p:spPr/>
+        <p:txBody>
+          <a:bodyPr/>
+          <a:lstStyle/>
+          <a:p>
+            <a:pPr>
+              <a:defRPr/>
+            </a:pPr>
+            <a:fld id="{CA887A73-1AE0-46F8-856A-18EA1CF30A1B}" type="slidenum">
+              <a:rPr lang="en-US" altLang="en-US" smtClean="0"/>
+              <a:pPr>
+                <a:defRPr/>
+              </a:pPr>
+              <a:t>27</a:t>
+            </a:fld>
+            <a:endParaRPr lang="en-US" altLang="en-US"/>
+          </a:p>
+        </p:txBody>
+      </p:sp>
+      <p:sp>
+        <p:nvSpPr>
+          <p:cNvPr id="6" name="Content Placeholder 2">
+            <a:extLst>
+              <a:ext uri="{FF2B5EF4-FFF2-40B4-BE49-F238E27FC236}">
+                <a16:creationId xmlns:a16="http://schemas.microsoft.com/office/drawing/2014/main" id="{5656B46A-4E24-452E-801B-E539A1E08C60}"/>
+              </a:ext>
+            </a:extLst>
+          </p:cNvPr>
+          <p:cNvSpPr txBox="1">
+            <a:spLocks/>
+          </p:cNvSpPr>
+          <p:nvPr/>
+        </p:nvSpPr>
+        <p:spPr bwMode="auto">
+          <a:xfrm>
+            <a:off x="3657600" y="1446211"/>
+            <a:ext cx="5257800" cy="5014912"/>
+          </a:xfrm>
+          <a:prstGeom prst="rect">
+            <a:avLst/>
+          </a:prstGeom>
+          <a:noFill/>
+          <a:ln>
+            <a:noFill/>
+          </a:ln>
+          <a:extLst>
+            <a:ext uri="{909E8E84-426E-40DD-AFC4-6F175D3DCCD1}">
+              <a14:hiddenFill xmlns:a14="http://schemas.microsoft.com/office/drawing/2010/main">
+                <a:solidFill>
+                  <a:srgbClr val="FFFFFF"/>
+                </a:solidFill>
+              </a14:hiddenFill>
+            </a:ext>
+            <a:ext uri="{91240B29-F687-4F45-9708-019B960494DF}">
+              <a14:hiddenLine xmlns:a14="http://schemas.microsoft.com/office/drawing/2010/main" w="9525">
+                <a:solidFill>
+                  <a:srgbClr val="000000"/>
+                </a:solidFill>
+                <a:miter lim="800000"/>
+                <a:headEnd/>
+                <a:tailEnd/>
+              </a14:hiddenLine>
+            </a:ext>
+          </a:extLst>
+        </p:spPr>
+        <p:txBody>
+          <a:bodyPr vert="horz" wrap="square" lIns="91440" tIns="45720" rIns="91440" bIns="45720" numCol="1" anchor="t" anchorCtr="0" compatLnSpc="1">
+            <a:prstTxWarp prst="textNoShape">
+              <a:avLst/>
+            </a:prstTxWarp>
+            <a:normAutofit/>
+          </a:bodyPr>
+          <a:lstStyle>
+            <a:lvl1pPr marL="342900" indent="-342900" algn="l" rtl="0" eaLnBrk="0" fontAlgn="base" hangingPunct="0">
+              <a:spcBef>
+                <a:spcPct val="20000"/>
+              </a:spcBef>
+              <a:spcAft>
+                <a:spcPct val="0"/>
+              </a:spcAft>
+              <a:buFont typeface="Arial" panose="020B0604020202020204" pitchFamily="34" charset="0"/>
+              <a:buChar char="•"/>
+              <a:defRPr sz="3200" kern="1200">
+                <a:solidFill>
+                  <a:schemeClr val="tx1">
+                    <a:lumMod val="50000"/>
+                    <a:lumOff val="50000"/>
+                  </a:schemeClr>
+                </a:solidFill>
+                <a:latin typeface="+mn-lt"/>
+                <a:ea typeface="+mn-ea"/>
+                <a:cs typeface="+mn-cs"/>
+              </a:defRPr>
+            </a:lvl1pPr>
+            <a:lvl2pPr marL="742950" indent="-285750" algn="l" rtl="0" eaLnBrk="0" fontAlgn="base" hangingPunct="0">
+              <a:spcBef>
+                <a:spcPct val="20000"/>
+              </a:spcBef>
+              <a:spcAft>
+                <a:spcPct val="0"/>
+              </a:spcAft>
+              <a:buFont typeface="Arial" panose="020B0604020202020204" pitchFamily="34" charset="0"/>
+              <a:buChar char="–"/>
+              <a:defRPr sz="2800" kern="1200">
+                <a:solidFill>
+                  <a:schemeClr val="tx1">
+                    <a:lumMod val="50000"/>
+                    <a:lumOff val="50000"/>
+                  </a:schemeClr>
+                </a:solidFill>
+                <a:latin typeface="+mn-lt"/>
+                <a:ea typeface="+mn-ea"/>
+                <a:cs typeface="+mn-cs"/>
+              </a:defRPr>
+            </a:lvl2pPr>
+            <a:lvl3pPr marL="1143000" indent="-228600" algn="l" rtl="0" eaLnBrk="0" fontAlgn="base" hangingPunct="0">
+              <a:spcBef>
+                <a:spcPct val="20000"/>
+              </a:spcBef>
+              <a:spcAft>
+                <a:spcPct val="0"/>
+              </a:spcAft>
+              <a:buFont typeface="Arial" panose="020B0604020202020204" pitchFamily="34" charset="0"/>
+              <a:buChar char="•"/>
+              <a:defRPr sz="2400" kern="1200">
+                <a:solidFill>
+                  <a:schemeClr val="tx1">
+                    <a:lumMod val="50000"/>
+                    <a:lumOff val="50000"/>
+                  </a:schemeClr>
+                </a:solidFill>
+                <a:latin typeface="+mn-lt"/>
+                <a:ea typeface="+mn-ea"/>
+                <a:cs typeface="+mn-cs"/>
+              </a:defRPr>
+            </a:lvl3pPr>
+            <a:lvl4pPr marL="1600200" indent="-228600" algn="l" rtl="0" eaLnBrk="0" fontAlgn="base" hangingPunct="0">
+              <a:spcBef>
+                <a:spcPct val="20000"/>
+              </a:spcBef>
+              <a:spcAft>
+                <a:spcPct val="0"/>
+              </a:spcAft>
+              <a:buFont typeface="Arial" panose="020B0604020202020204" pitchFamily="34" charset="0"/>
+              <a:buChar char="–"/>
+              <a:defRPr sz="2000" kern="1200">
+                <a:solidFill>
+                  <a:schemeClr val="tx1">
+                    <a:lumMod val="50000"/>
+                    <a:lumOff val="50000"/>
+                  </a:schemeClr>
+                </a:solidFill>
+                <a:latin typeface="+mn-lt"/>
+                <a:ea typeface="+mn-ea"/>
+                <a:cs typeface="+mn-cs"/>
+              </a:defRPr>
+            </a:lvl4pPr>
+            <a:lvl5pPr marL="2057400" indent="-228600" algn="l" rtl="0" eaLnBrk="0" fontAlgn="base" hangingPunct="0">
+              <a:spcBef>
+                <a:spcPct val="20000"/>
+              </a:spcBef>
+              <a:spcAft>
+                <a:spcPct val="0"/>
+              </a:spcAft>
+              <a:buFont typeface="Arial" panose="020B0604020202020204" pitchFamily="34" charset="0"/>
+              <a:buChar char="»"/>
+              <a:defRPr sz="2000" kern="1200">
+                <a:solidFill>
+                  <a:schemeClr val="tx1">
+                    <a:lumMod val="50000"/>
+                    <a:lumOff val="50000"/>
+                  </a:schemeClr>
+                </a:solidFill>
+                <a:latin typeface="+mn-lt"/>
+                <a:ea typeface="+mn-ea"/>
+                <a:cs typeface="+mn-cs"/>
+              </a:defRPr>
+            </a:lvl5pPr>
+            <a:lvl6pPr marL="2514600" indent="-228600" algn="l" defTabSz="914400" rtl="0" eaLnBrk="1" latinLnBrk="0" hangingPunct="1">
+              <a:spcBef>
+                <a:spcPct val="20000"/>
+              </a:spcBef>
+              <a:buFont typeface="Arial" pitchFamily="34" charset="0"/>
+              <a:buChar char="•"/>
+              <a:defRPr sz="2000" kern="1200">
+                <a:solidFill>
+                  <a:schemeClr val="tx1"/>
+                </a:solidFill>
+                <a:latin typeface="+mn-lt"/>
+                <a:ea typeface="+mn-ea"/>
+                <a:cs typeface="+mn-cs"/>
+              </a:defRPr>
+            </a:lvl6pPr>
+            <a:lvl7pPr marL="2971800" indent="-228600" algn="l" defTabSz="914400" rtl="0" eaLnBrk="1" latinLnBrk="0" hangingPunct="1">
+              <a:spcBef>
+                <a:spcPct val="20000"/>
+              </a:spcBef>
+              <a:buFont typeface="Arial" pitchFamily="34" charset="0"/>
+              <a:buChar char="•"/>
+              <a:defRPr sz="2000" kern="1200">
+                <a:solidFill>
+                  <a:schemeClr val="tx1"/>
+                </a:solidFill>
+                <a:latin typeface="+mn-lt"/>
+                <a:ea typeface="+mn-ea"/>
+                <a:cs typeface="+mn-cs"/>
+              </a:defRPr>
+            </a:lvl7pPr>
+            <a:lvl8pPr marL="3429000" indent="-228600" algn="l" defTabSz="914400" rtl="0" eaLnBrk="1" latinLnBrk="0" hangingPunct="1">
+              <a:spcBef>
+                <a:spcPct val="20000"/>
+              </a:spcBef>
+              <a:buFont typeface="Arial" pitchFamily="34" charset="0"/>
+              <a:buChar char="•"/>
+              <a:defRPr sz="2000" kern="1200">
+                <a:solidFill>
+                  <a:schemeClr val="tx1"/>
+                </a:solidFill>
+                <a:latin typeface="+mn-lt"/>
+                <a:ea typeface="+mn-ea"/>
+                <a:cs typeface="+mn-cs"/>
+              </a:defRPr>
+            </a:lvl8pPr>
+            <a:lvl9pPr marL="3886200" indent="-228600" algn="l" defTabSz="914400" rtl="0" eaLnBrk="1" latinLnBrk="0" hangingPunct="1">
+              <a:spcBef>
+                <a:spcPct val="20000"/>
+              </a:spcBef>
+              <a:buFont typeface="Arial" pitchFamily="34" charset="0"/>
+              <a:buChar char="•"/>
+              <a:defRPr sz="2000" kern="1200">
+                <a:solidFill>
+                  <a:schemeClr val="tx1"/>
+                </a:solidFill>
+                <a:latin typeface="+mn-lt"/>
+                <a:ea typeface="+mn-ea"/>
+                <a:cs typeface="+mn-cs"/>
+              </a:defRPr>
+            </a:lvl9pPr>
+          </a:lstStyle>
+          <a:p>
+            <a:r>
+              <a:rPr lang="en-US" dirty="0"/>
+              <a:t>RESET cause determines what needs to be done at start-up</a:t>
+            </a:r>
+          </a:p>
+          <a:p>
+            <a:r>
+              <a:rPr lang="en-US" dirty="0"/>
+              <a:t>Reinitialize fully?</a:t>
+            </a:r>
+          </a:p>
+          <a:p>
+            <a:r>
+              <a:rPr lang="en-US" dirty="0"/>
+              <a:t>Recovering from a software fault?</a:t>
+            </a:r>
+          </a:p>
+          <a:p>
+            <a:r>
+              <a:rPr lang="en-US" dirty="0"/>
+              <a:t>Logging for diagnostics</a:t>
+            </a:r>
+          </a:p>
+        </p:txBody>
+      </p:sp>
+    </p:spTree>
+    <p:extLst>
+      <p:ext uri="{BB962C8B-B14F-4D97-AF65-F5344CB8AC3E}">
+        <p14:creationId xmlns:p14="http://schemas.microsoft.com/office/powerpoint/2010/main" val="3886928642"/>
+      </p:ext>
+    </p:extLst>
+  </p:cSld>
+  <p:clrMapOvr>
+    <a:masterClrMapping/>
+  </p:clrMapOvr>
+  <p:timing>
+    <p:tnLst>
+      <p:par>
+        <p:cTn id="1" dur="indefinite" restart="never" nodeType="tmRoot">
+          <p:childTnLst>
+            <p:seq concurrent="1" nextAc="seek">
+              <p:cTn id="2" dur="indefinite" nodeType="mainSeq">
+                <p:childTnLst>
+                  <p:par>
+                    <p:cTn id="3" fill="hold">
+                      <p:stCondLst>
+                        <p:cond delay="indefinite"/>
+                      </p:stCondLst>
+                      <p:childTnLst>
+                        <p:par>
+                          <p:cTn id="4" fill="hold">
+                            <p:stCondLst>
+                              <p:cond delay="0"/>
+                            </p:stCondLst>
+                            <p:childTnLst>
+                              <p:par>
+                                <p:cTn id="5" presetID="1" presetClass="entr" presetSubtype="0" fill="hold" grpId="0" nodeType="clickEffect">
+                                  <p:stCondLst>
+                                    <p:cond delay="0"/>
+                                  </p:stCondLst>
+                                  <p:childTnLst>
+                                    <p:set>
+                                      <p:cBhvr>
+                                        <p:cTn id="6" dur="1" fill="hold">
+                                          <p:stCondLst>
+                                            <p:cond delay="0"/>
+                                          </p:stCondLst>
+                                        </p:cTn>
+                                        <p:tgtEl>
+                                          <p:spTgt spid="3">
+                                            <p:txEl>
+                                              <p:pRg st="0" end="0"/>
+                                            </p:txEl>
+                                          </p:spTgt>
+                                        </p:tgtEl>
+                                        <p:attrNameLst>
+                                          <p:attrName>style.visibility</p:attrName>
+                                        </p:attrNameLst>
+                                      </p:cBhvr>
+                                      <p:to>
+                                        <p:strVal val="visible"/>
+                                      </p:to>
+                                    </p:set>
+                                  </p:childTnLst>
+                                </p:cTn>
+                              </p:par>
+                            </p:childTnLst>
+                          </p:cTn>
+                        </p:par>
+                      </p:childTnLst>
+                    </p:cTn>
+                  </p:par>
+                  <p:par>
+                    <p:cTn id="7" fill="hold">
+                      <p:stCondLst>
+                        <p:cond delay="indefinite"/>
+                      </p:stCondLst>
+                      <p:childTnLst>
+                        <p:par>
+                          <p:cTn id="8" fill="hold">
+                            <p:stCondLst>
+                              <p:cond delay="0"/>
+                            </p:stCondLst>
+                            <p:childTnLst>
+                              <p:par>
+                                <p:cTn id="9" presetID="1" presetClass="entr" presetSubtype="0" fill="hold" grpId="0" nodeType="clickEffect">
+                                  <p:stCondLst>
+                                    <p:cond delay="0"/>
+                                  </p:stCondLst>
+                                  <p:childTnLst>
+                                    <p:set>
+                                      <p:cBhvr>
+                                        <p:cTn id="10" dur="1" fill="hold">
+                                          <p:stCondLst>
+                                            <p:cond delay="0"/>
+                                          </p:stCondLst>
+                                        </p:cTn>
+                                        <p:tgtEl>
+                                          <p:spTgt spid="3">
+                                            <p:txEl>
+                                              <p:pRg st="1" end="1"/>
+                                            </p:txEl>
+                                          </p:spTgt>
+                                        </p:tgtEl>
+                                        <p:attrNameLst>
+                                          <p:attrName>style.visibility</p:attrName>
+                                        </p:attrNameLst>
+                                      </p:cBhvr>
+                                      <p:to>
+                                        <p:strVal val="visible"/>
+                                      </p:to>
+                                    </p:set>
+                                  </p:childTnLst>
+                                </p:cTn>
+                              </p:par>
+                            </p:childTnLst>
+                          </p:cTn>
+                        </p:par>
+                      </p:childTnLst>
+                    </p:cTn>
+                  </p:par>
+                  <p:par>
+                    <p:cTn id="11" fill="hold">
+                      <p:stCondLst>
+                        <p:cond delay="indefinite"/>
+                      </p:stCondLst>
+                      <p:childTnLst>
+                        <p:par>
+                          <p:cTn id="12" fill="hold">
+                            <p:stCondLst>
+                              <p:cond delay="0"/>
+                            </p:stCondLst>
+                            <p:childTnLst>
+                              <p:par>
+                                <p:cTn id="13" presetID="1" presetClass="entr" presetSubtype="0" fill="hold" grpId="0" nodeType="clickEffect">
+                                  <p:stCondLst>
+                                    <p:cond delay="0"/>
+                                  </p:stCondLst>
+                                  <p:childTnLst>
+                                    <p:set>
+                                      <p:cBhvr>
+                                        <p:cTn id="14" dur="1" fill="hold">
+                                          <p:stCondLst>
+                                            <p:cond delay="0"/>
+                                          </p:stCondLst>
+                                        </p:cTn>
+                                        <p:tgtEl>
+                                          <p:spTgt spid="3">
+                                            <p:txEl>
+                                              <p:pRg st="2" end="2"/>
+                                            </p:txEl>
+                                          </p:spTgt>
+                                        </p:tgtEl>
+                                        <p:attrNameLst>
+                                          <p:attrName>style.visibility</p:attrName>
+                                        </p:attrNameLst>
+                                      </p:cBhvr>
+                                      <p:to>
+                                        <p:strVal val="visible"/>
+                                      </p:to>
+                                    </p:set>
+                                  </p:childTnLst>
+                                </p:cTn>
+                              </p:par>
+                            </p:childTnLst>
+                          </p:cTn>
+                        </p:par>
+                      </p:childTnLst>
+                    </p:cTn>
+                  </p:par>
+                  <p:par>
+                    <p:cTn id="15" fill="hold">
+                      <p:stCondLst>
+                        <p:cond delay="indefinite"/>
+                      </p:stCondLst>
+                      <p:childTnLst>
+                        <p:par>
+                          <p:cTn id="16" fill="hold">
+                            <p:stCondLst>
+                              <p:cond delay="0"/>
+                            </p:stCondLst>
+                            <p:childTnLst>
+                              <p:par>
+                                <p:cTn id="17" presetID="1" presetClass="entr" presetSubtype="0" fill="hold" grpId="0" nodeType="clickEffect">
+                                  <p:stCondLst>
+                                    <p:cond delay="0"/>
+                                  </p:stCondLst>
+                                  <p:childTnLst>
+                                    <p:set>
+                                      <p:cBhvr>
+                                        <p:cTn id="18" dur="1" fill="hold">
+                                          <p:stCondLst>
+                                            <p:cond delay="0"/>
+                                          </p:stCondLst>
+                                        </p:cTn>
+                                        <p:tgtEl>
+                                          <p:spTgt spid="3">
+                                            <p:txEl>
+                                              <p:pRg st="3" end="3"/>
+                                            </p:txEl>
+                                          </p:spTgt>
+                                        </p:tgtEl>
+                                        <p:attrNameLst>
+                                          <p:attrName>style.visibility</p:attrName>
+                                        </p:attrNameLst>
+                                      </p:cBhvr>
+                                      <p:to>
+                                        <p:strVal val="visible"/>
+                                      </p:to>
+                                    </p:set>
+                                  </p:childTnLst>
+                                </p:cTn>
+                              </p:par>
+                            </p:childTnLst>
+                          </p:cTn>
+                        </p:par>
+                      </p:childTnLst>
+                    </p:cTn>
+                  </p:par>
+                  <p:par>
+                    <p:cTn id="19" fill="hold">
+                      <p:stCondLst>
+                        <p:cond delay="indefinite"/>
+                      </p:stCondLst>
+                      <p:childTnLst>
+                        <p:par>
+                          <p:cTn id="20" fill="hold">
+                            <p:stCondLst>
+                              <p:cond delay="0"/>
+                            </p:stCondLst>
+                            <p:childTnLst>
+                              <p:par>
+                                <p:cTn id="21" presetID="1" presetClass="entr" presetSubtype="0" fill="hold" grpId="0" nodeType="clickEffect">
+                                  <p:stCondLst>
+                                    <p:cond delay="0"/>
+                                  </p:stCondLst>
+                                  <p:childTnLst>
+                                    <p:set>
+                                      <p:cBhvr>
+                                        <p:cTn id="22" dur="1" fill="hold">
+                                          <p:stCondLst>
+                                            <p:cond delay="0"/>
+                                          </p:stCondLst>
+                                        </p:cTn>
+                                        <p:tgtEl>
+                                          <p:spTgt spid="3">
+                                            <p:txEl>
+                                              <p:pRg st="4" end="4"/>
+                                            </p:txEl>
+                                          </p:spTgt>
+                                        </p:tgtEl>
+                                        <p:attrNameLst>
+                                          <p:attrName>style.visibility</p:attrName>
+                                        </p:attrNameLst>
+                                      </p:cBhvr>
+                                      <p:to>
+                                        <p:strVal val="visible"/>
+                                      </p:to>
+                                    </p:set>
+                                  </p:childTnLst>
+                                </p:cTn>
+                              </p:par>
+                            </p:childTnLst>
+                          </p:cTn>
+                        </p:par>
+                      </p:childTnLst>
+                    </p:cTn>
+                  </p:par>
+                  <p:par>
+                    <p:cTn id="23" fill="hold">
+                      <p:stCondLst>
+                        <p:cond delay="indefinite"/>
+                      </p:stCondLst>
+                      <p:childTnLst>
+                        <p:par>
+                          <p:cTn id="24" fill="hold">
+                            <p:stCondLst>
+                              <p:cond delay="0"/>
+                            </p:stCondLst>
+                            <p:childTnLst>
+                              <p:par>
+                                <p:cTn id="25" presetID="1" presetClass="entr" presetSubtype="0" fill="hold" grpId="0" nodeType="clickEffect">
+                                  <p:stCondLst>
+                                    <p:cond delay="0"/>
+                                  </p:stCondLst>
+                                  <p:childTnLst>
+                                    <p:set>
+                                      <p:cBhvr>
+                                        <p:cTn id="26" dur="1" fill="hold">
+                                          <p:stCondLst>
+                                            <p:cond delay="0"/>
+                                          </p:stCondLst>
+                                        </p:cTn>
+                                        <p:tgtEl>
+                                          <p:spTgt spid="3">
+                                            <p:txEl>
+                                              <p:pRg st="5" end="5"/>
+                                            </p:txEl>
+                                          </p:spTgt>
+                                        </p:tgtEl>
+                                        <p:attrNameLst>
+                                          <p:attrName>style.visibility</p:attrName>
+                                        </p:attrNameLst>
+                                      </p:cBhvr>
+                                      <p:to>
+                                        <p:strVal val="visible"/>
+                                      </p:to>
+                                    </p:set>
+                                  </p:childTnLst>
+                                </p:cTn>
+                              </p:par>
+                            </p:childTnLst>
+                          </p:cTn>
+                        </p:par>
+                      </p:childTnLst>
+                    </p:cTn>
+                  </p:par>
+                  <p:par>
+                    <p:cTn id="27" fill="hold">
+                      <p:stCondLst>
+                        <p:cond delay="indefinite"/>
+                      </p:stCondLst>
+                      <p:childTnLst>
+                        <p:par>
+                          <p:cTn id="28" fill="hold">
+                            <p:stCondLst>
+                              <p:cond delay="0"/>
+                            </p:stCondLst>
+                            <p:childTnLst>
+                              <p:par>
+                                <p:cTn id="29" presetID="1" presetClass="entr" presetSubtype="0" fill="hold" grpId="0" nodeType="clickEffect">
+                                  <p:stCondLst>
+                                    <p:cond delay="0"/>
+                                  </p:stCondLst>
+                                  <p:childTnLst>
+                                    <p:set>
+                                      <p:cBhvr>
+                                        <p:cTn id="30" dur="1" fill="hold">
+                                          <p:stCondLst>
+                                            <p:cond delay="0"/>
+                                          </p:stCondLst>
+                                        </p:cTn>
+                                        <p:tgtEl>
+                                          <p:spTgt spid="6">
+                                            <p:txEl>
+                                              <p:pRg st="0" end="0"/>
+                                            </p:txEl>
+                                          </p:spTgt>
+                                        </p:tgtEl>
+                                        <p:attrNameLst>
+                                          <p:attrName>style.visibility</p:attrName>
+                                        </p:attrNameLst>
+                                      </p:cBhvr>
+                                      <p:to>
+                                        <p:strVal val="visible"/>
+                                      </p:to>
+                                    </p:set>
+                                  </p:childTnLst>
+                                </p:cTn>
+                              </p:par>
+                            </p:childTnLst>
+                          </p:cTn>
+                        </p:par>
+                      </p:childTnLst>
+                    </p:cTn>
+                  </p:par>
+                  <p:par>
+                    <p:cTn id="31" fill="hold">
+                      <p:stCondLst>
+                        <p:cond delay="indefinite"/>
+                      </p:stCondLst>
+                      <p:childTnLst>
+                        <p:par>
+                          <p:cTn id="32" fill="hold">
+                            <p:stCondLst>
+                              <p:cond delay="0"/>
+                            </p:stCondLst>
+                            <p:childTnLst>
+                              <p:par>
+                                <p:cTn id="33" presetID="1" presetClass="entr" presetSubtype="0" fill="hold" grpId="0" nodeType="clickEffect">
+                                  <p:stCondLst>
+                                    <p:cond delay="0"/>
+                                  </p:stCondLst>
+                                  <p:childTnLst>
+                                    <p:set>
+                                      <p:cBhvr>
+                                        <p:cTn id="34" dur="1" fill="hold">
+                                          <p:stCondLst>
+                                            <p:cond delay="0"/>
+                                          </p:stCondLst>
+                                        </p:cTn>
+                                        <p:tgtEl>
+                                          <p:spTgt spid="6">
+                                            <p:txEl>
+                                              <p:pRg st="1" end="1"/>
+                                            </p:txEl>
+                                          </p:spTgt>
+                                        </p:tgtEl>
+                                        <p:attrNameLst>
+                                          <p:attrName>style.visibility</p:attrName>
+                                        </p:attrNameLst>
+                                      </p:cBhvr>
+                                      <p:to>
+                                        <p:strVal val="visible"/>
+                                      </p:to>
+                                    </p:set>
+                                  </p:childTnLst>
+                                </p:cTn>
+                              </p:par>
+                            </p:childTnLst>
+                          </p:cTn>
+                        </p:par>
+                      </p:childTnLst>
+                    </p:cTn>
+                  </p:par>
+                  <p:par>
+                    <p:cTn id="35" fill="hold">
+                      <p:stCondLst>
+                        <p:cond delay="indefinite"/>
+                      </p:stCondLst>
+                      <p:childTnLst>
+                        <p:par>
+                          <p:cTn id="36" fill="hold">
+                            <p:stCondLst>
+                              <p:cond delay="0"/>
+                            </p:stCondLst>
+                            <p:childTnLst>
+                              <p:par>
+                                <p:cTn id="37" presetID="1" presetClass="entr" presetSubtype="0" fill="hold" grpId="0" nodeType="clickEffect">
+                                  <p:stCondLst>
+                                    <p:cond delay="0"/>
+                                  </p:stCondLst>
+                                  <p:childTnLst>
+                                    <p:set>
+                                      <p:cBhvr>
+                                        <p:cTn id="38" dur="1" fill="hold">
+                                          <p:stCondLst>
+                                            <p:cond delay="0"/>
+                                          </p:stCondLst>
+                                        </p:cTn>
+                                        <p:tgtEl>
+                                          <p:spTgt spid="6">
+                                            <p:txEl>
+                                              <p:pRg st="2" end="2"/>
+                                            </p:txEl>
+                                          </p:spTgt>
+                                        </p:tgtEl>
+                                        <p:attrNameLst>
+                                          <p:attrName>style.visibility</p:attrName>
+                                        </p:attrNameLst>
+                                      </p:cBhvr>
+                                      <p:to>
+                                        <p:strVal val="visible"/>
+                                      </p:to>
+                                    </p:set>
+                                  </p:childTnLst>
+                                </p:cTn>
+                              </p:par>
+                            </p:childTnLst>
+                          </p:cTn>
+                        </p:par>
+                      </p:childTnLst>
+                    </p:cTn>
+                  </p:par>
+                  <p:par>
+                    <p:cTn id="39" fill="hold">
+                      <p:stCondLst>
+                        <p:cond delay="indefinite"/>
+                      </p:stCondLst>
+                      <p:childTnLst>
+                        <p:par>
+                          <p:cTn id="40" fill="hold">
+                            <p:stCondLst>
+                              <p:cond delay="0"/>
+                            </p:stCondLst>
+                            <p:childTnLst>
+                              <p:par>
+                                <p:cTn id="41" presetID="1" presetClass="entr" presetSubtype="0" fill="hold" grpId="0" nodeType="clickEffect">
+                                  <p:stCondLst>
+                                    <p:cond delay="0"/>
+                                  </p:stCondLst>
+                                  <p:childTnLst>
+                                    <p:set>
+                                      <p:cBhvr>
+                                        <p:cTn id="42" dur="1" fill="hold">
+                                          <p:stCondLst>
+                                            <p:cond delay="0"/>
+                                          </p:stCondLst>
+                                        </p:cTn>
+                                        <p:tgtEl>
+                                          <p:spTgt spid="6">
+                                            <p:txEl>
+                                              <p:pRg st="3" end="3"/>
+                                            </p:txEl>
+                                          </p:spTgt>
+                                        </p:tgtEl>
+                                        <p:attrNameLst>
+                                          <p:attrName>style.visibility</p:attrName>
+                                        </p:attrNameLst>
+                                      </p:cBhvr>
+                                      <p:to>
+                                        <p:strVal val="visible"/>
+                                      </p:to>
+                                    </p:set>
+                                  </p:childTnLst>
+                                </p:cTn>
+                              </p:par>
+                            </p:childTnLst>
+                          </p:cTn>
+                        </p:par>
+                      </p:childTnLst>
+                    </p:cTn>
+                  </p:par>
+                </p:childTnLst>
+              </p:cTn>
+              <p:prevCondLst>
+                <p:cond evt="onPrev" delay="0">
+                  <p:tgtEl>
+                    <p:sldTgt/>
+                  </p:tgtEl>
+                </p:cond>
+              </p:prevCondLst>
+              <p:nextCondLst>
+                <p:cond evt="onNext" delay="0">
+                  <p:tgtEl>
+                    <p:sldTgt/>
+                  </p:tgtEl>
+                </p:cond>
+              </p:nextCondLst>
+            </p:seq>
+          </p:childTnLst>
+        </p:cTn>
+      </p:par>
+    </p:tnLst>
+    <p:bldLst>
+      <p:bldP spid="3" grpId="0" build="p"/>
+      <p:bldP spid="6" grpId="0" build="p"/>
+    </p:bldLst>
+  </p:timing>
+</p:sld>
+</file>
+
+<file path=ppt/slides/slide28.xml><?xml version="1.0" encoding="utf-8"?>
+<p:sld xmlns:a="http://schemas.openxmlformats.org/drawingml/2006/main" xmlns:r="http://schemas.openxmlformats.org/officeDocument/2006/relationships" xmlns:p="http://schemas.openxmlformats.org/presentationml/2006/main">
+  <p:cSld>
+    <p:spTree>
+      <p:nvGrpSpPr>
+        <p:cNvPr id="1" name=""/>
+        <p:cNvGrpSpPr/>
+        <p:nvPr/>
+      </p:nvGrpSpPr>
+      <p:grpSpPr>
+        <a:xfrm>
+          <a:off x="0" y="0"/>
+          <a:ext cx="0" cy="0"/>
+          <a:chOff x="0" y="0"/>
+          <a:chExt cx="0" cy="0"/>
+        </a:xfrm>
+      </p:grpSpPr>
+      <p:sp>
+        <p:nvSpPr>
+          <p:cNvPr id="2" name="Title 1">
+            <a:extLst>
+              <a:ext uri="{FF2B5EF4-FFF2-40B4-BE49-F238E27FC236}">
+                <a16:creationId xmlns:a16="http://schemas.microsoft.com/office/drawing/2014/main" id="{5DF6A41B-0219-4F31-A203-D824EA827098}"/>
+              </a:ext>
+            </a:extLst>
+          </p:cNvPr>
+          <p:cNvSpPr>
+            <a:spLocks noGrp="1"/>
+          </p:cNvSpPr>
+          <p:nvPr>
+            <p:ph type="title"/>
+          </p:nvPr>
+        </p:nvSpPr>
+        <p:spPr/>
+        <p:txBody>
+          <a:bodyPr/>
+          <a:lstStyle/>
+          <a:p>
+            <a:r>
+              <a:rPr lang="en-US" dirty="0"/>
+              <a:t>Power modes</a:t>
+            </a:r>
+          </a:p>
+        </p:txBody>
+      </p:sp>
+      <p:sp>
+        <p:nvSpPr>
+          <p:cNvPr id="3" name="Content Placeholder 2">
+            <a:extLst>
+              <a:ext uri="{FF2B5EF4-FFF2-40B4-BE49-F238E27FC236}">
+                <a16:creationId xmlns:a16="http://schemas.microsoft.com/office/drawing/2014/main" id="{FC22597F-CFB6-468E-BE13-0D6D6D7A3E9F}"/>
+              </a:ext>
+            </a:extLst>
+          </p:cNvPr>
+          <p:cNvSpPr>
+            <a:spLocks noGrp="1"/>
+          </p:cNvSpPr>
+          <p:nvPr>
+            <p:ph idx="1"/>
+          </p:nvPr>
+        </p:nvSpPr>
+        <p:spPr/>
+        <p:txBody>
+          <a:bodyPr/>
+          <a:lstStyle/>
+          <a:p>
+            <a:r>
+              <a:rPr lang="en-US" dirty="0"/>
+              <a:t>Balance energy consumption and computation / speed</a:t>
+            </a:r>
+          </a:p>
+          <a:p>
+            <a:r>
+              <a:rPr lang="en-US" dirty="0"/>
+              <a:t>Selectively enable / disable peripherals</a:t>
+            </a:r>
+          </a:p>
+          <a:p>
+            <a:r>
+              <a:rPr lang="en-US" dirty="0"/>
+              <a:t>Common modes:</a:t>
+            </a:r>
+          </a:p>
+          <a:p>
+            <a:pPr lvl="1"/>
+            <a:r>
+              <a:rPr lang="en-US" dirty="0"/>
+              <a:t>Active</a:t>
+            </a:r>
+          </a:p>
+          <a:p>
+            <a:pPr lvl="1"/>
+            <a:r>
+              <a:rPr lang="en-US" dirty="0"/>
+              <a:t>Idle</a:t>
+            </a:r>
+          </a:p>
+          <a:p>
+            <a:pPr lvl="1"/>
+            <a:r>
+              <a:rPr lang="en-US" dirty="0"/>
+              <a:t>Sleep</a:t>
+            </a:r>
+          </a:p>
+          <a:p>
+            <a:pPr lvl="1"/>
+            <a:r>
+              <a:rPr lang="en-US" dirty="0"/>
+              <a:t>Deep sleep</a:t>
+            </a:r>
+          </a:p>
+          <a:p>
+            <a:r>
+              <a:rPr lang="en-US" dirty="0"/>
+              <a:t>Lower power </a:t>
+            </a:r>
+            <a:r>
+              <a:rPr lang="en-US" dirty="0">
+                <a:sym typeface="Wingdings" panose="05000000000000000000" pitchFamily="2" charset="2"/>
+              </a:rPr>
+              <a:t> longer wake-up time</a:t>
+            </a:r>
+            <a:endParaRPr lang="en-US" dirty="0"/>
+          </a:p>
+        </p:txBody>
+      </p:sp>
+      <p:sp>
+        <p:nvSpPr>
+          <p:cNvPr id="4" name="Date Placeholder 3">
+            <a:extLst>
+              <a:ext uri="{FF2B5EF4-FFF2-40B4-BE49-F238E27FC236}">
+                <a16:creationId xmlns:a16="http://schemas.microsoft.com/office/drawing/2014/main" id="{4B8093DB-B107-481F-9F8E-D94ABCB20EC5}"/>
+              </a:ext>
+            </a:extLst>
+          </p:cNvPr>
+          <p:cNvSpPr>
+            <a:spLocks noGrp="1"/>
+          </p:cNvSpPr>
+          <p:nvPr>
+            <p:ph type="dt" sz="half" idx="10"/>
+          </p:nvPr>
+        </p:nvSpPr>
+        <p:spPr/>
+        <p:txBody>
+          <a:bodyPr/>
+          <a:lstStyle/>
+          <a:p>
+            <a:pPr>
+              <a:defRPr/>
+            </a:pPr>
+            <a:r>
+              <a:rPr lang="en-US"/>
+              <a:t>21/12/2020</a:t>
+            </a:r>
+          </a:p>
+        </p:txBody>
+      </p:sp>
+      <p:sp>
+        <p:nvSpPr>
+          <p:cNvPr id="5" name="Slide Number Placeholder 4">
+            <a:extLst>
+              <a:ext uri="{FF2B5EF4-FFF2-40B4-BE49-F238E27FC236}">
+                <a16:creationId xmlns:a16="http://schemas.microsoft.com/office/drawing/2014/main" id="{C603C1D7-4B75-426E-BB19-96AD9E71733C}"/>
+              </a:ext>
+            </a:extLst>
+          </p:cNvPr>
+          <p:cNvSpPr>
+            <a:spLocks noGrp="1"/>
+          </p:cNvSpPr>
+          <p:nvPr>
+            <p:ph type="sldNum" sz="quarter" idx="12"/>
+          </p:nvPr>
+        </p:nvSpPr>
+        <p:spPr/>
+        <p:txBody>
+          <a:bodyPr/>
+          <a:lstStyle/>
+          <a:p>
+            <a:pPr>
+              <a:defRPr/>
+            </a:pPr>
+            <a:fld id="{CA887A73-1AE0-46F8-856A-18EA1CF30A1B}" type="slidenum">
+              <a:rPr lang="en-US" altLang="en-US" smtClean="0"/>
+              <a:pPr>
+                <a:defRPr/>
+              </a:pPr>
+              <a:t>28</a:t>
+            </a:fld>
+            <a:endParaRPr lang="en-US" altLang="en-US"/>
+          </a:p>
+        </p:txBody>
+      </p:sp>
+    </p:spTree>
+    <p:extLst>
+      <p:ext uri="{BB962C8B-B14F-4D97-AF65-F5344CB8AC3E}">
+        <p14:creationId xmlns:p14="http://schemas.microsoft.com/office/powerpoint/2010/main" val="2244262405"/>
+      </p:ext>
+    </p:extLst>
+  </p:cSld>
+  <p:clrMapOvr>
+    <a:masterClrMapping/>
+  </p:clrMapOvr>
+  <p:timing>
+    <p:tnLst>
+      <p:par>
+        <p:cTn id="1" dur="indefinite" restart="never" nodeType="tmRoot">
+          <p:childTnLst>
+            <p:seq concurrent="1" nextAc="seek">
+              <p:cTn id="2" dur="indefinite" nodeType="mainSeq">
+                <p:childTnLst>
+                  <p:par>
+                    <p:cTn id="3" fill="hold">
+                      <p:stCondLst>
+                        <p:cond delay="indefinite"/>
+                      </p:stCondLst>
+                      <p:childTnLst>
+                        <p:par>
+                          <p:cTn id="4" fill="hold">
+                            <p:stCondLst>
+                              <p:cond delay="0"/>
+                            </p:stCondLst>
+                            <p:childTnLst>
+                              <p:par>
+                                <p:cTn id="5" presetID="1" presetClass="entr" presetSubtype="0" fill="hold" grpId="0" nodeType="clickEffect">
+                                  <p:stCondLst>
+                                    <p:cond delay="0"/>
+                                  </p:stCondLst>
+                                  <p:childTnLst>
+                                    <p:set>
+                                      <p:cBhvr>
+                                        <p:cTn id="6" dur="1" fill="hold">
+                                          <p:stCondLst>
+                                            <p:cond delay="0"/>
+                                          </p:stCondLst>
+                                        </p:cTn>
+                                        <p:tgtEl>
+                                          <p:spTgt spid="3">
+                                            <p:txEl>
+                                              <p:pRg st="0" end="0"/>
+                                            </p:txEl>
+                                          </p:spTgt>
+                                        </p:tgtEl>
+                                        <p:attrNameLst>
+                                          <p:attrName>style.visibility</p:attrName>
+                                        </p:attrNameLst>
+                                      </p:cBhvr>
+                                      <p:to>
+                                        <p:strVal val="visible"/>
+                                      </p:to>
+                                    </p:set>
+                                  </p:childTnLst>
+                                </p:cTn>
+                              </p:par>
+                            </p:childTnLst>
+                          </p:cTn>
+                        </p:par>
+                      </p:childTnLst>
+                    </p:cTn>
+                  </p:par>
+                  <p:par>
+                    <p:cTn id="7" fill="hold">
+                      <p:stCondLst>
+                        <p:cond delay="indefinite"/>
+                      </p:stCondLst>
+                      <p:childTnLst>
+                        <p:par>
+                          <p:cTn id="8" fill="hold">
+                            <p:stCondLst>
+                              <p:cond delay="0"/>
+                            </p:stCondLst>
+                            <p:childTnLst>
+                              <p:par>
+                                <p:cTn id="9" presetID="1" presetClass="entr" presetSubtype="0" fill="hold" grpId="0" nodeType="clickEffect">
+                                  <p:stCondLst>
+                                    <p:cond delay="0"/>
+                                  </p:stCondLst>
+                                  <p:childTnLst>
+                                    <p:set>
+                                      <p:cBhvr>
+                                        <p:cTn id="10" dur="1" fill="hold">
+                                          <p:stCondLst>
+                                            <p:cond delay="0"/>
+                                          </p:stCondLst>
+                                        </p:cTn>
+                                        <p:tgtEl>
+                                          <p:spTgt spid="3">
+                                            <p:txEl>
+                                              <p:pRg st="1" end="1"/>
+                                            </p:txEl>
+                                          </p:spTgt>
+                                        </p:tgtEl>
+                                        <p:attrNameLst>
+                                          <p:attrName>style.visibility</p:attrName>
+                                        </p:attrNameLst>
+                                      </p:cBhvr>
+                                      <p:to>
+                                        <p:strVal val="visible"/>
+                                      </p:to>
+                                    </p:set>
+                                  </p:childTnLst>
+                                </p:cTn>
+                              </p:par>
+                            </p:childTnLst>
+                          </p:cTn>
+                        </p:par>
+                      </p:childTnLst>
+                    </p:cTn>
+                  </p:par>
+                  <p:par>
+                    <p:cTn id="11" fill="hold">
+                      <p:stCondLst>
+                        <p:cond delay="indefinite"/>
+                      </p:stCondLst>
+                      <p:childTnLst>
+                        <p:par>
+                          <p:cTn id="12" fill="hold">
+                            <p:stCondLst>
+                              <p:cond delay="0"/>
+                            </p:stCondLst>
+                            <p:childTnLst>
+                              <p:par>
+                                <p:cTn id="13" presetID="1" presetClass="entr" presetSubtype="0" fill="hold" grpId="0" nodeType="clickEffect">
+                                  <p:stCondLst>
+                                    <p:cond delay="0"/>
+                                  </p:stCondLst>
+                                  <p:childTnLst>
+                                    <p:set>
+                                      <p:cBhvr>
+                                        <p:cTn id="14" dur="1" fill="hold">
+                                          <p:stCondLst>
+                                            <p:cond delay="0"/>
+                                          </p:stCondLst>
+                                        </p:cTn>
+                                        <p:tgtEl>
+                                          <p:spTgt spid="3">
+                                            <p:txEl>
+                                              <p:pRg st="2" end="2"/>
+                                            </p:txEl>
+                                          </p:spTgt>
+                                        </p:tgtEl>
+                                        <p:attrNameLst>
+                                          <p:attrName>style.visibility</p:attrName>
+                                        </p:attrNameLst>
+                                      </p:cBhvr>
+                                      <p:to>
+                                        <p:strVal val="visible"/>
+                                      </p:to>
+                                    </p:set>
+                                  </p:childTnLst>
+                                </p:cTn>
+                              </p:par>
+                            </p:childTnLst>
+                          </p:cTn>
+                        </p:par>
+                      </p:childTnLst>
+                    </p:cTn>
+                  </p:par>
+                  <p:par>
+                    <p:cTn id="15" fill="hold">
+                      <p:stCondLst>
+                        <p:cond delay="indefinite"/>
+                      </p:stCondLst>
+                      <p:childTnLst>
+                        <p:par>
+                          <p:cTn id="16" fill="hold">
+                            <p:stCondLst>
+                              <p:cond delay="0"/>
+                            </p:stCondLst>
+                            <p:childTnLst>
+                              <p:par>
+                                <p:cTn id="17" presetID="1" presetClass="entr" presetSubtype="0" fill="hold" grpId="0" nodeType="clickEffect">
+                                  <p:stCondLst>
+                                    <p:cond delay="0"/>
+                                  </p:stCondLst>
+                                  <p:childTnLst>
+                                    <p:set>
+                                      <p:cBhvr>
+                                        <p:cTn id="18" dur="1" fill="hold">
+                                          <p:stCondLst>
+                                            <p:cond delay="0"/>
+                                          </p:stCondLst>
+                                        </p:cTn>
+                                        <p:tgtEl>
+                                          <p:spTgt spid="3">
+                                            <p:txEl>
+                                              <p:pRg st="3" end="3"/>
+                                            </p:txEl>
+                                          </p:spTgt>
+                                        </p:tgtEl>
+                                        <p:attrNameLst>
+                                          <p:attrName>style.visibility</p:attrName>
+                                        </p:attrNameLst>
+                                      </p:cBhvr>
+                                      <p:to>
+                                        <p:strVal val="visible"/>
+                                      </p:to>
+                                    </p:set>
+                                  </p:childTnLst>
+                                </p:cTn>
+                              </p:par>
+                            </p:childTnLst>
+                          </p:cTn>
+                        </p:par>
+                      </p:childTnLst>
+                    </p:cTn>
+                  </p:par>
+                  <p:par>
+                    <p:cTn id="19" fill="hold">
+                      <p:stCondLst>
+                        <p:cond delay="indefinite"/>
+                      </p:stCondLst>
+                      <p:childTnLst>
+                        <p:par>
+                          <p:cTn id="20" fill="hold">
+                            <p:stCondLst>
+                              <p:cond delay="0"/>
+                            </p:stCondLst>
+                            <p:childTnLst>
+                              <p:par>
+                                <p:cTn id="21" presetID="1" presetClass="entr" presetSubtype="0" fill="hold" grpId="0" nodeType="clickEffect">
+                                  <p:stCondLst>
+                                    <p:cond delay="0"/>
+                                  </p:stCondLst>
+                                  <p:childTnLst>
+                                    <p:set>
+                                      <p:cBhvr>
+                                        <p:cTn id="22" dur="1" fill="hold">
+                                          <p:stCondLst>
+                                            <p:cond delay="0"/>
+                                          </p:stCondLst>
+                                        </p:cTn>
+                                        <p:tgtEl>
+                                          <p:spTgt spid="3">
+                                            <p:txEl>
+                                              <p:pRg st="4" end="4"/>
+                                            </p:txEl>
+                                          </p:spTgt>
+                                        </p:tgtEl>
+                                        <p:attrNameLst>
+                                          <p:attrName>style.visibility</p:attrName>
+                                        </p:attrNameLst>
+                                      </p:cBhvr>
+                                      <p:to>
+                                        <p:strVal val="visible"/>
+                                      </p:to>
+                                    </p:set>
+                                  </p:childTnLst>
+                                </p:cTn>
+                              </p:par>
+                            </p:childTnLst>
+                          </p:cTn>
+                        </p:par>
+                      </p:childTnLst>
+                    </p:cTn>
+                  </p:par>
+                  <p:par>
+                    <p:cTn id="23" fill="hold">
+                      <p:stCondLst>
+                        <p:cond delay="indefinite"/>
+                      </p:stCondLst>
+                      <p:childTnLst>
+                        <p:par>
+                          <p:cTn id="24" fill="hold">
+                            <p:stCondLst>
+                              <p:cond delay="0"/>
+                            </p:stCondLst>
+                            <p:childTnLst>
+                              <p:par>
+                                <p:cTn id="25" presetID="1" presetClass="entr" presetSubtype="0" fill="hold" grpId="0" nodeType="clickEffect">
+                                  <p:stCondLst>
+                                    <p:cond delay="0"/>
+                                  </p:stCondLst>
+                                  <p:childTnLst>
+                                    <p:set>
+                                      <p:cBhvr>
+                                        <p:cTn id="26" dur="1" fill="hold">
+                                          <p:stCondLst>
+                                            <p:cond delay="0"/>
+                                          </p:stCondLst>
+                                        </p:cTn>
+                                        <p:tgtEl>
+                                          <p:spTgt spid="3">
+                                            <p:txEl>
+                                              <p:pRg st="5" end="5"/>
+                                            </p:txEl>
+                                          </p:spTgt>
+                                        </p:tgtEl>
+                                        <p:attrNameLst>
+                                          <p:attrName>style.visibility</p:attrName>
+                                        </p:attrNameLst>
+                                      </p:cBhvr>
+                                      <p:to>
+                                        <p:strVal val="visible"/>
+                                      </p:to>
+                                    </p:set>
+                                  </p:childTnLst>
+                                </p:cTn>
+                              </p:par>
+                            </p:childTnLst>
+                          </p:cTn>
+                        </p:par>
+                      </p:childTnLst>
+                    </p:cTn>
+                  </p:par>
+                  <p:par>
+                    <p:cTn id="27" fill="hold">
+                      <p:stCondLst>
+                        <p:cond delay="indefinite"/>
+                      </p:stCondLst>
+                      <p:childTnLst>
+                        <p:par>
+                          <p:cTn id="28" fill="hold">
+                            <p:stCondLst>
+                              <p:cond delay="0"/>
+                            </p:stCondLst>
+                            <p:childTnLst>
+                              <p:par>
+                                <p:cTn id="29" presetID="1" presetClass="entr" presetSubtype="0" fill="hold" grpId="0" nodeType="clickEffect">
+                                  <p:stCondLst>
+                                    <p:cond delay="0"/>
+                                  </p:stCondLst>
+                                  <p:childTnLst>
+                                    <p:set>
+                                      <p:cBhvr>
+                                        <p:cTn id="30" dur="1" fill="hold">
+                                          <p:stCondLst>
+                                            <p:cond delay="0"/>
+                                          </p:stCondLst>
+                                        </p:cTn>
+                                        <p:tgtEl>
+                                          <p:spTgt spid="3">
+                                            <p:txEl>
+                                              <p:pRg st="6" end="6"/>
+                                            </p:txEl>
+                                          </p:spTgt>
+                                        </p:tgtEl>
+                                        <p:attrNameLst>
+                                          <p:attrName>style.visibility</p:attrName>
+                                        </p:attrNameLst>
+                                      </p:cBhvr>
+                                      <p:to>
+                                        <p:strVal val="visible"/>
+                                      </p:to>
+                                    </p:set>
+                                  </p:childTnLst>
+                                </p:cTn>
+                              </p:par>
+                            </p:childTnLst>
+                          </p:cTn>
+                        </p:par>
+                      </p:childTnLst>
+                    </p:cTn>
+                  </p:par>
+                  <p:par>
+                    <p:cTn id="31" fill="hold">
+                      <p:stCondLst>
+                        <p:cond delay="indefinite"/>
+                      </p:stCondLst>
+                      <p:childTnLst>
+                        <p:par>
+                          <p:cTn id="32" fill="hold">
+                            <p:stCondLst>
+                              <p:cond delay="0"/>
+                            </p:stCondLst>
+                            <p:childTnLst>
+                              <p:par>
+                                <p:cTn id="33" presetID="1" presetClass="entr" presetSubtype="0" fill="hold" grpId="0" nodeType="clickEffect">
+                                  <p:stCondLst>
+                                    <p:cond delay="0"/>
+                                  </p:stCondLst>
+                                  <p:childTnLst>
+                                    <p:set>
+                                      <p:cBhvr>
+                                        <p:cTn id="34" dur="1" fill="hold">
+                                          <p:stCondLst>
+                                            <p:cond delay="0"/>
+                                          </p:stCondLst>
+                                        </p:cTn>
+                                        <p:tgtEl>
+                                          <p:spTgt spid="3">
+                                            <p:txEl>
+                                              <p:pRg st="7" end="7"/>
+                                            </p:txEl>
+                                          </p:spTgt>
+                                        </p:tgtEl>
+                                        <p:attrNameLst>
+                                          <p:attrName>style.visibility</p:attrName>
+                                        </p:attrNameLst>
+                                      </p:cBhvr>
+                                      <p:to>
+                                        <p:strVal val="visible"/>
+                                      </p:to>
+                                    </p:set>
+                                  </p:childTnLst>
+                                </p:cTn>
+                              </p:par>
+                            </p:childTnLst>
+                          </p:cTn>
+                        </p:par>
+                      </p:childTnLst>
+                    </p:cTn>
+                  </p:par>
+                </p:childTnLst>
+              </p:cTn>
+              <p:prevCondLst>
+                <p:cond evt="onPrev" delay="0">
+                  <p:tgtEl>
+                    <p:sldTgt/>
+                  </p:tgtEl>
+                </p:cond>
+              </p:prevCondLst>
+              <p:nextCondLst>
+                <p:cond evt="onNext" delay="0">
+                  <p:tgtEl>
+                    <p:sldTgt/>
+                  </p:tgtEl>
+                </p:cond>
+              </p:nextCondLst>
+            </p:seq>
+          </p:childTnLst>
+        </p:cTn>
+      </p:par>
+    </p:tnLst>
+    <p:bldLst>
+      <p:bldP spid="3" grpId="0" build="p"/>
+    </p:bldLst>
+  </p:timing>
+</p:sld>
+</file>
+
+<file path=ppt/slides/slide29.xml><?xml version="1.0" encoding="utf-8"?>
+<p:sld xmlns:a="http://schemas.openxmlformats.org/drawingml/2006/main" xmlns:r="http://schemas.openxmlformats.org/officeDocument/2006/relationships" xmlns:p="http://schemas.openxmlformats.org/presentationml/2006/main">
+  <p:cSld>
+    <p:spTree>
+      <p:nvGrpSpPr>
+        <p:cNvPr id="1" name=""/>
+        <p:cNvGrpSpPr/>
+        <p:nvPr/>
+      </p:nvGrpSpPr>
+      <p:grpSpPr>
+        <a:xfrm>
+          <a:off x="0" y="0"/>
+          <a:ext cx="0" cy="0"/>
+          <a:chOff x="0" y="0"/>
+          <a:chExt cx="0" cy="0"/>
+        </a:xfrm>
+      </p:grpSpPr>
+      <p:sp>
+        <p:nvSpPr>
+          <p:cNvPr id="2" name="Title 1">
+            <a:extLst>
+              <a:ext uri="{FF2B5EF4-FFF2-40B4-BE49-F238E27FC236}">
+                <a16:creationId xmlns:a16="http://schemas.microsoft.com/office/drawing/2014/main" id="{2866A62D-61F7-4DF4-B447-08679418BAED}"/>
+              </a:ext>
+            </a:extLst>
+          </p:cNvPr>
+          <p:cNvSpPr>
+            <a:spLocks noGrp="1"/>
+          </p:cNvSpPr>
+          <p:nvPr>
+            <p:ph type="title"/>
+          </p:nvPr>
+        </p:nvSpPr>
+        <p:spPr/>
+        <p:txBody>
+          <a:bodyPr/>
+          <a:lstStyle/>
+          <a:p>
+            <a:r>
+              <a:rPr lang="en-US" dirty="0"/>
+              <a:t>Waking up</a:t>
+            </a:r>
+          </a:p>
+        </p:txBody>
+      </p:sp>
+      <p:sp>
+        <p:nvSpPr>
+          <p:cNvPr id="3" name="Content Placeholder 2">
+            <a:extLst>
+              <a:ext uri="{FF2B5EF4-FFF2-40B4-BE49-F238E27FC236}">
+                <a16:creationId xmlns:a16="http://schemas.microsoft.com/office/drawing/2014/main" id="{59ABD493-AE2D-4023-AF6B-2F17F6D014A3}"/>
+              </a:ext>
+            </a:extLst>
+          </p:cNvPr>
+          <p:cNvSpPr>
+            <a:spLocks noGrp="1"/>
+          </p:cNvSpPr>
+          <p:nvPr>
+            <p:ph idx="1"/>
+          </p:nvPr>
+        </p:nvSpPr>
+        <p:spPr/>
+        <p:txBody>
+          <a:bodyPr>
+            <a:normAutofit lnSpcReduction="10000"/>
+          </a:bodyPr>
+          <a:lstStyle/>
+          <a:p>
+            <a:r>
+              <a:rPr lang="en-US" dirty="0"/>
+              <a:t>Wake-up sources</a:t>
+            </a:r>
+          </a:p>
+          <a:p>
+            <a:pPr lvl="1"/>
+            <a:r>
+              <a:rPr lang="en-US" dirty="0"/>
+              <a:t>Timer</a:t>
+            </a:r>
+          </a:p>
+          <a:p>
+            <a:pPr lvl="1"/>
+            <a:r>
+              <a:rPr lang="en-US" dirty="0"/>
+              <a:t>External signal (interrupt)</a:t>
+            </a:r>
+          </a:p>
+          <a:p>
+            <a:pPr lvl="1"/>
+            <a:r>
+              <a:rPr lang="en-US" dirty="0"/>
+              <a:t>Reset</a:t>
+            </a:r>
+          </a:p>
+          <a:p>
+            <a:r>
+              <a:rPr lang="en-US" dirty="0"/>
+              <a:t>Wake-up activities</a:t>
+            </a:r>
+          </a:p>
+          <a:p>
+            <a:pPr lvl="1"/>
+            <a:r>
+              <a:rPr lang="en-US" dirty="0"/>
+              <a:t>Re-initialize relevant modules that were shut down</a:t>
+            </a:r>
+          </a:p>
+          <a:p>
+            <a:pPr lvl="1"/>
+            <a:r>
+              <a:rPr lang="en-US" dirty="0"/>
+              <a:t>Pick up context and continue from there</a:t>
+            </a:r>
+          </a:p>
+          <a:p>
+            <a:r>
+              <a:rPr lang="en-US" dirty="0"/>
+              <a:t>S/W must know what state it is starting from</a:t>
+            </a:r>
+          </a:p>
+          <a:p>
+            <a:r>
+              <a:rPr lang="en-US" dirty="0"/>
+              <a:t>Careful about what is preserved and what is reinitialized (for example, RAM)</a:t>
+            </a:r>
+          </a:p>
+        </p:txBody>
+      </p:sp>
+      <p:sp>
+        <p:nvSpPr>
+          <p:cNvPr id="4" name="Date Placeholder 3">
+            <a:extLst>
+              <a:ext uri="{FF2B5EF4-FFF2-40B4-BE49-F238E27FC236}">
+                <a16:creationId xmlns:a16="http://schemas.microsoft.com/office/drawing/2014/main" id="{4B924E8D-ADEF-4E73-BBB4-9D0117BC075C}"/>
+              </a:ext>
+            </a:extLst>
+          </p:cNvPr>
+          <p:cNvSpPr>
+            <a:spLocks noGrp="1"/>
+          </p:cNvSpPr>
+          <p:nvPr>
+            <p:ph type="dt" sz="half" idx="10"/>
+          </p:nvPr>
+        </p:nvSpPr>
+        <p:spPr/>
+        <p:txBody>
+          <a:bodyPr/>
+          <a:lstStyle/>
+          <a:p>
+            <a:pPr>
+              <a:defRPr/>
+            </a:pPr>
+            <a:r>
+              <a:rPr lang="en-US"/>
+              <a:t>21/12/2020</a:t>
+            </a:r>
+          </a:p>
+        </p:txBody>
+      </p:sp>
+      <p:sp>
+        <p:nvSpPr>
+          <p:cNvPr id="5" name="Slide Number Placeholder 4">
+            <a:extLst>
+              <a:ext uri="{FF2B5EF4-FFF2-40B4-BE49-F238E27FC236}">
+                <a16:creationId xmlns:a16="http://schemas.microsoft.com/office/drawing/2014/main" id="{C3B2F399-E83E-46A4-A047-A8DD1F7E8F11}"/>
+              </a:ext>
+            </a:extLst>
+          </p:cNvPr>
+          <p:cNvSpPr>
+            <a:spLocks noGrp="1"/>
+          </p:cNvSpPr>
+          <p:nvPr>
+            <p:ph type="sldNum" sz="quarter" idx="12"/>
+          </p:nvPr>
+        </p:nvSpPr>
+        <p:spPr/>
+        <p:txBody>
+          <a:bodyPr/>
+          <a:lstStyle/>
+          <a:p>
+            <a:pPr>
+              <a:defRPr/>
+            </a:pPr>
+            <a:fld id="{CA887A73-1AE0-46F8-856A-18EA1CF30A1B}" type="slidenum">
+              <a:rPr lang="en-US" altLang="en-US" smtClean="0"/>
+              <a:pPr>
+                <a:defRPr/>
+              </a:pPr>
+              <a:t>29</a:t>
+            </a:fld>
+            <a:endParaRPr lang="en-US" altLang="en-US"/>
+          </a:p>
+        </p:txBody>
+      </p:sp>
+    </p:spTree>
+    <p:extLst>
+      <p:ext uri="{BB962C8B-B14F-4D97-AF65-F5344CB8AC3E}">
+        <p14:creationId xmlns:p14="http://schemas.microsoft.com/office/powerpoint/2010/main" val="886249556"/>
+      </p:ext>
+    </p:extLst>
+  </p:cSld>
+  <p:clrMapOvr>
+    <a:masterClrMapping/>
+  </p:clrMapOvr>
+  <p:timing>
+    <p:tnLst>
+      <p:par>
+        <p:cTn id="1" dur="indefinite" restart="never" nodeType="tmRoot">
+          <p:childTnLst>
+            <p:seq concurrent="1" nextAc="seek">
+              <p:cTn id="2" dur="indefinite" nodeType="mainSeq">
+                <p:childTnLst>
+                  <p:par>
+                    <p:cTn id="3" fill="hold">
+                      <p:stCondLst>
+                        <p:cond delay="indefinite"/>
+                      </p:stCondLst>
+                      <p:childTnLst>
+                        <p:par>
+                          <p:cTn id="4" fill="hold">
+                            <p:stCondLst>
+                              <p:cond delay="0"/>
+                            </p:stCondLst>
+                            <p:childTnLst>
+                              <p:par>
+                                <p:cTn id="5" presetID="1" presetClass="entr" presetSubtype="0" fill="hold" grpId="0" nodeType="clickEffect">
+                                  <p:stCondLst>
+                                    <p:cond delay="0"/>
+                                  </p:stCondLst>
+                                  <p:childTnLst>
+                                    <p:set>
+                                      <p:cBhvr>
+                                        <p:cTn id="6" dur="1" fill="hold">
+                                          <p:stCondLst>
+                                            <p:cond delay="0"/>
+                                          </p:stCondLst>
+                                        </p:cTn>
+                                        <p:tgtEl>
+                                          <p:spTgt spid="3">
+                                            <p:txEl>
+                                              <p:pRg st="0" end="0"/>
+                                            </p:txEl>
+                                          </p:spTgt>
+                                        </p:tgtEl>
+                                        <p:attrNameLst>
+                                          <p:attrName>style.visibility</p:attrName>
+                                        </p:attrNameLst>
+                                      </p:cBhvr>
+                                      <p:to>
+                                        <p:strVal val="visible"/>
+                                      </p:to>
+                                    </p:set>
+                                  </p:childTnLst>
+                                </p:cTn>
+                              </p:par>
+                            </p:childTnLst>
+                          </p:cTn>
+                        </p:par>
+                      </p:childTnLst>
+                    </p:cTn>
+                  </p:par>
+                  <p:par>
+                    <p:cTn id="7" fill="hold">
+                      <p:stCondLst>
+                        <p:cond delay="indefinite"/>
+                      </p:stCondLst>
+                      <p:childTnLst>
+                        <p:par>
+                          <p:cTn id="8" fill="hold">
+                            <p:stCondLst>
+                              <p:cond delay="0"/>
+                            </p:stCondLst>
+                            <p:childTnLst>
+                              <p:par>
+                                <p:cTn id="9" presetID="1" presetClass="entr" presetSubtype="0" fill="hold" grpId="0" nodeType="clickEffect">
+                                  <p:stCondLst>
+                                    <p:cond delay="0"/>
+                                  </p:stCondLst>
+                                  <p:childTnLst>
+                                    <p:set>
+                                      <p:cBhvr>
+                                        <p:cTn id="10" dur="1" fill="hold">
+                                          <p:stCondLst>
+                                            <p:cond delay="0"/>
+                                          </p:stCondLst>
+                                        </p:cTn>
+                                        <p:tgtEl>
+                                          <p:spTgt spid="3">
+                                            <p:txEl>
+                                              <p:pRg st="1" end="1"/>
+                                            </p:txEl>
+                                          </p:spTgt>
+                                        </p:tgtEl>
+                                        <p:attrNameLst>
+                                          <p:attrName>style.visibility</p:attrName>
+                                        </p:attrNameLst>
+                                      </p:cBhvr>
+                                      <p:to>
+                                        <p:strVal val="visible"/>
+                                      </p:to>
+                                    </p:set>
+                                  </p:childTnLst>
+                                </p:cTn>
+                              </p:par>
+                            </p:childTnLst>
+                          </p:cTn>
+                        </p:par>
+                      </p:childTnLst>
+                    </p:cTn>
+                  </p:par>
+                  <p:par>
+                    <p:cTn id="11" fill="hold">
+                      <p:stCondLst>
+                        <p:cond delay="indefinite"/>
+                      </p:stCondLst>
+                      <p:childTnLst>
+                        <p:par>
+                          <p:cTn id="12" fill="hold">
+                            <p:stCondLst>
+                              <p:cond delay="0"/>
+                            </p:stCondLst>
+                            <p:childTnLst>
+                              <p:par>
+                                <p:cTn id="13" presetID="1" presetClass="entr" presetSubtype="0" fill="hold" grpId="0" nodeType="clickEffect">
+                                  <p:stCondLst>
+                                    <p:cond delay="0"/>
+                                  </p:stCondLst>
+                                  <p:childTnLst>
+                                    <p:set>
+                                      <p:cBhvr>
+                                        <p:cTn id="14" dur="1" fill="hold">
+                                          <p:stCondLst>
+                                            <p:cond delay="0"/>
+                                          </p:stCondLst>
+                                        </p:cTn>
+                                        <p:tgtEl>
+                                          <p:spTgt spid="3">
+                                            <p:txEl>
+                                              <p:pRg st="2" end="2"/>
+                                            </p:txEl>
+                                          </p:spTgt>
+                                        </p:tgtEl>
+                                        <p:attrNameLst>
+                                          <p:attrName>style.visibility</p:attrName>
+                                        </p:attrNameLst>
+                                      </p:cBhvr>
+                                      <p:to>
+                                        <p:strVal val="visible"/>
+                                      </p:to>
+                                    </p:set>
+                                  </p:childTnLst>
+                                </p:cTn>
+                              </p:par>
+                            </p:childTnLst>
+                          </p:cTn>
+                        </p:par>
+                      </p:childTnLst>
+                    </p:cTn>
+                  </p:par>
+                  <p:par>
+                    <p:cTn id="15" fill="hold">
+                      <p:stCondLst>
+                        <p:cond delay="indefinite"/>
+                      </p:stCondLst>
+                      <p:childTnLst>
+                        <p:par>
+                          <p:cTn id="16" fill="hold">
+                            <p:stCondLst>
+                              <p:cond delay="0"/>
+                            </p:stCondLst>
+                            <p:childTnLst>
+                              <p:par>
+                                <p:cTn id="17" presetID="1" presetClass="entr" presetSubtype="0" fill="hold" grpId="0" nodeType="clickEffect">
+                                  <p:stCondLst>
+                                    <p:cond delay="0"/>
+                                  </p:stCondLst>
+                                  <p:childTnLst>
+                                    <p:set>
+                                      <p:cBhvr>
+                                        <p:cTn id="18" dur="1" fill="hold">
+                                          <p:stCondLst>
+                                            <p:cond delay="0"/>
+                                          </p:stCondLst>
+                                        </p:cTn>
+                                        <p:tgtEl>
+                                          <p:spTgt spid="3">
+                                            <p:txEl>
+                                              <p:pRg st="3" end="3"/>
+                                            </p:txEl>
+                                          </p:spTgt>
+                                        </p:tgtEl>
+                                        <p:attrNameLst>
+                                          <p:attrName>style.visibility</p:attrName>
+                                        </p:attrNameLst>
+                                      </p:cBhvr>
+                                      <p:to>
+                                        <p:strVal val="visible"/>
+                                      </p:to>
+                                    </p:set>
+                                  </p:childTnLst>
+                                </p:cTn>
+                              </p:par>
+                            </p:childTnLst>
+                          </p:cTn>
+                        </p:par>
+                      </p:childTnLst>
+                    </p:cTn>
+                  </p:par>
+                  <p:par>
+                    <p:cTn id="19" fill="hold">
+                      <p:stCondLst>
+                        <p:cond delay="indefinite"/>
+                      </p:stCondLst>
+                      <p:childTnLst>
+                        <p:par>
+                          <p:cTn id="20" fill="hold">
+                            <p:stCondLst>
+                              <p:cond delay="0"/>
+                            </p:stCondLst>
+                            <p:childTnLst>
+                              <p:par>
+                                <p:cTn id="21" presetID="1" presetClass="entr" presetSubtype="0" fill="hold" grpId="0" nodeType="clickEffect">
+                                  <p:stCondLst>
+                                    <p:cond delay="0"/>
+                                  </p:stCondLst>
+                                  <p:childTnLst>
+                                    <p:set>
+                                      <p:cBhvr>
+                                        <p:cTn id="22" dur="1" fill="hold">
+                                          <p:stCondLst>
+                                            <p:cond delay="0"/>
+                                          </p:stCondLst>
+                                        </p:cTn>
+                                        <p:tgtEl>
+                                          <p:spTgt spid="3">
+                                            <p:txEl>
+                                              <p:pRg st="4" end="4"/>
+                                            </p:txEl>
+                                          </p:spTgt>
+                                        </p:tgtEl>
+                                        <p:attrNameLst>
+                                          <p:attrName>style.visibility</p:attrName>
+                                        </p:attrNameLst>
+                                      </p:cBhvr>
+                                      <p:to>
+                                        <p:strVal val="visible"/>
+                                      </p:to>
+                                    </p:set>
+                                  </p:childTnLst>
+                                </p:cTn>
+                              </p:par>
+                            </p:childTnLst>
+                          </p:cTn>
+                        </p:par>
+                      </p:childTnLst>
+                    </p:cTn>
+                  </p:par>
+                  <p:par>
+                    <p:cTn id="23" fill="hold">
+                      <p:stCondLst>
+                        <p:cond delay="indefinite"/>
+                      </p:stCondLst>
+                      <p:childTnLst>
+                        <p:par>
+                          <p:cTn id="24" fill="hold">
+                            <p:stCondLst>
+                              <p:cond delay="0"/>
+                            </p:stCondLst>
+                            <p:childTnLst>
+                              <p:par>
+                                <p:cTn id="25" presetID="1" presetClass="entr" presetSubtype="0" fill="hold" grpId="0" nodeType="clickEffect">
+                                  <p:stCondLst>
+                                    <p:cond delay="0"/>
+                                  </p:stCondLst>
+                                  <p:childTnLst>
+                                    <p:set>
+                                      <p:cBhvr>
+                                        <p:cTn id="26" dur="1" fill="hold">
+                                          <p:stCondLst>
+                                            <p:cond delay="0"/>
+                                          </p:stCondLst>
+                                        </p:cTn>
+                                        <p:tgtEl>
+                                          <p:spTgt spid="3">
+                                            <p:txEl>
+                                              <p:pRg st="5" end="5"/>
+                                            </p:txEl>
+                                          </p:spTgt>
+                                        </p:tgtEl>
+                                        <p:attrNameLst>
+                                          <p:attrName>style.visibility</p:attrName>
+                                        </p:attrNameLst>
+                                      </p:cBhvr>
+                                      <p:to>
+                                        <p:strVal val="visible"/>
+                                      </p:to>
+                                    </p:set>
+                                  </p:childTnLst>
+                                </p:cTn>
+                              </p:par>
+                            </p:childTnLst>
+                          </p:cTn>
+                        </p:par>
+                      </p:childTnLst>
+                    </p:cTn>
+                  </p:par>
+                  <p:par>
+                    <p:cTn id="27" fill="hold">
+                      <p:stCondLst>
+                        <p:cond delay="indefinite"/>
+                      </p:stCondLst>
+                      <p:childTnLst>
+                        <p:par>
+                          <p:cTn id="28" fill="hold">
+                            <p:stCondLst>
+                              <p:cond delay="0"/>
+                            </p:stCondLst>
+                            <p:childTnLst>
+                              <p:par>
+                                <p:cTn id="29" presetID="1" presetClass="entr" presetSubtype="0" fill="hold" grpId="0" nodeType="clickEffect">
+                                  <p:stCondLst>
+                                    <p:cond delay="0"/>
+                                  </p:stCondLst>
+                                  <p:childTnLst>
+                                    <p:set>
+                                      <p:cBhvr>
+                                        <p:cTn id="30" dur="1" fill="hold">
+                                          <p:stCondLst>
+                                            <p:cond delay="0"/>
+                                          </p:stCondLst>
+                                        </p:cTn>
+                                        <p:tgtEl>
+                                          <p:spTgt spid="3">
+                                            <p:txEl>
+                                              <p:pRg st="6" end="6"/>
+                                            </p:txEl>
+                                          </p:spTgt>
+                                        </p:tgtEl>
+                                        <p:attrNameLst>
+                                          <p:attrName>style.visibility</p:attrName>
+                                        </p:attrNameLst>
+                                      </p:cBhvr>
+                                      <p:to>
+                                        <p:strVal val="visible"/>
+                                      </p:to>
+                                    </p:set>
+                                  </p:childTnLst>
+                                </p:cTn>
+                              </p:par>
+                            </p:childTnLst>
+                          </p:cTn>
+                        </p:par>
+                      </p:childTnLst>
+                    </p:cTn>
+                  </p:par>
+                  <p:par>
+                    <p:cTn id="31" fill="hold">
+                      <p:stCondLst>
+                        <p:cond delay="indefinite"/>
+                      </p:stCondLst>
+                      <p:childTnLst>
+                        <p:par>
+                          <p:cTn id="32" fill="hold">
+                            <p:stCondLst>
+                              <p:cond delay="0"/>
+                            </p:stCondLst>
+                            <p:childTnLst>
+                              <p:par>
+                                <p:cTn id="33" presetID="1" presetClass="entr" presetSubtype="0" fill="hold" grpId="0" nodeType="clickEffect">
+                                  <p:stCondLst>
+                                    <p:cond delay="0"/>
+                                  </p:stCondLst>
+                                  <p:childTnLst>
+                                    <p:set>
+                                      <p:cBhvr>
+                                        <p:cTn id="34" dur="1" fill="hold">
+                                          <p:stCondLst>
+                                            <p:cond delay="0"/>
+                                          </p:stCondLst>
+                                        </p:cTn>
+                                        <p:tgtEl>
+                                          <p:spTgt spid="3">
+                                            <p:txEl>
+                                              <p:pRg st="7" end="7"/>
+                                            </p:txEl>
+                                          </p:spTgt>
+                                        </p:tgtEl>
+                                        <p:attrNameLst>
+                                          <p:attrName>style.visibility</p:attrName>
+                                        </p:attrNameLst>
+                                      </p:cBhvr>
+                                      <p:to>
+                                        <p:strVal val="visible"/>
+                                      </p:to>
+                                    </p:set>
+                                  </p:childTnLst>
+                                </p:cTn>
+                              </p:par>
+                            </p:childTnLst>
+                          </p:cTn>
+                        </p:par>
+                      </p:childTnLst>
+                    </p:cTn>
+                  </p:par>
+                  <p:par>
+                    <p:cTn id="35" fill="hold">
+                      <p:stCondLst>
+                        <p:cond delay="indefinite"/>
+                      </p:stCondLst>
+                      <p:childTnLst>
+                        <p:par>
+                          <p:cTn id="36" fill="hold">
+                            <p:stCondLst>
+                              <p:cond delay="0"/>
+                            </p:stCondLst>
+                            <p:childTnLst>
+                              <p:par>
+                                <p:cTn id="37" presetID="1" presetClass="entr" presetSubtype="0" fill="hold" grpId="0" nodeType="clickEffect">
+                                  <p:stCondLst>
+                                    <p:cond delay="0"/>
+                                  </p:stCondLst>
+                                  <p:childTnLst>
+                                    <p:set>
+                                      <p:cBhvr>
+                                        <p:cTn id="38" dur="1" fill="hold">
+                                          <p:stCondLst>
+                                            <p:cond delay="0"/>
+                                          </p:stCondLst>
+                                        </p:cTn>
+                                        <p:tgtEl>
+                                          <p:spTgt spid="3">
+                                            <p:txEl>
+                                              <p:pRg st="8" end="8"/>
+                                            </p:txEl>
+                                          </p:spTgt>
+                                        </p:tgtEl>
+                                        <p:attrNameLst>
+                                          <p:attrName>style.visibility</p:attrName>
+                                        </p:attrNameLst>
+                                      </p:cBhvr>
+                                      <p:to>
+                                        <p:strVal val="visible"/>
+                                      </p:to>
+                                    </p:set>
+                                  </p:childTnLst>
+                                </p:cTn>
+                              </p:par>
+                            </p:childTnLst>
+                          </p:cTn>
+                        </p:par>
+                      </p:childTnLst>
+                    </p:cTn>
+                  </p:par>
+                </p:childTnLst>
+              </p:cTn>
+              <p:prevCondLst>
+                <p:cond evt="onPrev" delay="0">
+                  <p:tgtEl>
+                    <p:sldTgt/>
+                  </p:tgtEl>
+                </p:cond>
+              </p:prevCondLst>
+              <p:nextCondLst>
+                <p:cond evt="onNext" delay="0">
+                  <p:tgtEl>
+                    <p:sldTgt/>
+                  </p:tgtEl>
+                </p:cond>
+              </p:nextCondLst>
+            </p:seq>
+          </p:childTnLst>
+        </p:cTn>
+      </p:par>
+    </p:tnLst>
+    <p:bldLst>
+      <p:bldP spid="3" grpId="0" build="p"/>
+    </p:bldLst>
+  </p:timing>
+</p:sld>
+</file>
+
 <file path=ppt/slides/slide3.xml><?xml version="1.0" encoding="utf-8"?>
 <p:sld xmlns:a="http://schemas.openxmlformats.org/drawingml/2006/main" xmlns:r="http://schemas.openxmlformats.org/officeDocument/2006/relationships" xmlns:p="http://schemas.openxmlformats.org/presentationml/2006/main">
   <p:cSld>

--- a/Lec-6-8-embedded-fundamentals.pptx
+++ b/Lec-6-8-embedded-fundamentals.pptx
@@ -5,7 +5,7 @@
     <p:sldMasterId id="2147483648" r:id="rId1"/>
   </p:sldMasterIdLst>
   <p:notesMasterIdLst>
-    <p:notesMasterId r:id="rId31"/>
+    <p:notesMasterId r:id="rId43"/>
   </p:notesMasterIdLst>
   <p:sldIdLst>
     <p:sldId id="337" r:id="rId2"/>
@@ -37,6 +37,18 @@
     <p:sldId id="418" r:id="rId28"/>
     <p:sldId id="419" r:id="rId29"/>
     <p:sldId id="420" r:id="rId30"/>
+    <p:sldId id="421" r:id="rId31"/>
+    <p:sldId id="422" r:id="rId32"/>
+    <p:sldId id="423" r:id="rId33"/>
+    <p:sldId id="424" r:id="rId34"/>
+    <p:sldId id="425" r:id="rId35"/>
+    <p:sldId id="426" r:id="rId36"/>
+    <p:sldId id="427" r:id="rId37"/>
+    <p:sldId id="429" r:id="rId38"/>
+    <p:sldId id="430" r:id="rId39"/>
+    <p:sldId id="431" r:id="rId40"/>
+    <p:sldId id="428" r:id="rId41"/>
+    <p:sldId id="432" r:id="rId42"/>
   </p:sldIdLst>
   <p:sldSz cx="9144000" cy="6858000" type="screen4x3"/>
   <p:notesSz cx="6858000" cy="9144000"/>
@@ -318,7 +330,7 @@
               <a:pPr>
                 <a:defRPr/>
               </a:pPr>
-              <a:t>1/16/2026</a:t>
+              <a:t>1/20/2026</a:t>
             </a:fld>
             <a:endParaRPr lang="en-US"/>
           </a:p>
@@ -6176,7 +6188,7 @@
           <a:p>
             <a:fld id="{53659652-A386-427F-9A40-D4C53C1D85C6}" type="datetime3">
               <a:rPr lang="en-US" smtClean="0"/>
-              <a:t>16 January 2026</a:t>
+              <a:t>20 January 2026</a:t>
             </a:fld>
             <a:endParaRPr lang="en-US"/>
           </a:p>
@@ -10825,7 +10837,7 @@
           <a:p>
             <a:fld id="{53659652-A386-427F-9A40-D4C53C1D85C6}" type="datetime3">
               <a:rPr lang="en-US" smtClean="0"/>
-              <a:t>16 January 2026</a:t>
+              <a:t>20 January 2026</a:t>
             </a:fld>
             <a:endParaRPr lang="en-US"/>
           </a:p>
@@ -13032,7 +13044,7 @@
           <a:p>
             <a:fld id="{53659652-A386-427F-9A40-D4C53C1D85C6}" type="datetime3">
               <a:rPr lang="en-US" smtClean="0"/>
-              <a:t>16 January 2026</a:t>
+              <a:t>20 January 2026</a:t>
             </a:fld>
             <a:endParaRPr lang="en-US"/>
           </a:p>
@@ -13567,7 +13579,7 @@
           <a:p>
             <a:fld id="{53659652-A386-427F-9A40-D4C53C1D85C6}" type="datetime3">
               <a:rPr lang="en-US" smtClean="0"/>
-              <a:t>16 January 2026</a:t>
+              <a:t>20 January 2026</a:t>
             </a:fld>
             <a:endParaRPr lang="en-US"/>
           </a:p>
@@ -14066,7 +14078,7 @@
           <a:p>
             <a:fld id="{53659652-A386-427F-9A40-D4C53C1D85C6}" type="datetime3">
               <a:rPr lang="en-US" smtClean="0"/>
-              <a:t>16 January 2026</a:t>
+              <a:t>20 January 2026</a:t>
             </a:fld>
             <a:endParaRPr lang="en-US"/>
           </a:p>
@@ -14638,7 +14650,7 @@
           <a:p>
             <a:fld id="{53659652-A386-427F-9A40-D4C53C1D85C6}" type="datetime3">
               <a:rPr lang="en-US" smtClean="0"/>
-              <a:t>16 January 2026</a:t>
+              <a:t>20 January 2026</a:t>
             </a:fld>
             <a:endParaRPr lang="en-US"/>
           </a:p>
@@ -15061,7 +15073,7 @@
           <a:p>
             <a:fld id="{53659652-A386-427F-9A40-D4C53C1D85C6}" type="datetime3">
               <a:rPr lang="en-US" smtClean="0"/>
-              <a:t>16 January 2026</a:t>
+              <a:t>20 January 2026</a:t>
             </a:fld>
             <a:endParaRPr lang="en-US"/>
           </a:p>
@@ -15892,7 +15904,7 @@
           <a:p>
             <a:fld id="{53659652-A386-427F-9A40-D4C53C1D85C6}" type="datetime3">
               <a:rPr lang="en-US" smtClean="0"/>
-              <a:t>16 January 2026</a:t>
+              <a:t>20 January 2026</a:t>
             </a:fld>
             <a:endParaRPr lang="en-US"/>
           </a:p>
@@ -18965,6 +18977,5262 @@
 </p:sld>
 </file>
 
+<file path=ppt/slides/slide30.xml><?xml version="1.0" encoding="utf-8"?>
+<p:sld xmlns:a="http://schemas.openxmlformats.org/drawingml/2006/main" xmlns:r="http://schemas.openxmlformats.org/officeDocument/2006/relationships" xmlns:p="http://schemas.openxmlformats.org/presentationml/2006/main">
+  <p:cSld>
+    <p:spTree>
+      <p:nvGrpSpPr>
+        <p:cNvPr id="1" name=""/>
+        <p:cNvGrpSpPr/>
+        <p:nvPr/>
+      </p:nvGrpSpPr>
+      <p:grpSpPr>
+        <a:xfrm>
+          <a:off x="0" y="0"/>
+          <a:ext cx="0" cy="0"/>
+          <a:chOff x="0" y="0"/>
+          <a:chExt cx="0" cy="0"/>
+        </a:xfrm>
+      </p:grpSpPr>
+      <p:sp>
+        <p:nvSpPr>
+          <p:cNvPr id="2" name="Title 1">
+            <a:extLst>
+              <a:ext uri="{FF2B5EF4-FFF2-40B4-BE49-F238E27FC236}">
+                <a16:creationId xmlns:a16="http://schemas.microsoft.com/office/drawing/2014/main" id="{44AF28E0-A789-4730-A363-5EAE3BC8D876}"/>
+              </a:ext>
+            </a:extLst>
+          </p:cNvPr>
+          <p:cNvSpPr>
+            <a:spLocks noGrp="1"/>
+          </p:cNvSpPr>
+          <p:nvPr>
+            <p:ph type="title"/>
+          </p:nvPr>
+        </p:nvSpPr>
+        <p:spPr/>
+        <p:txBody>
+          <a:bodyPr/>
+          <a:lstStyle/>
+          <a:p>
+            <a:r>
+              <a:rPr lang="en-US" dirty="0"/>
+              <a:t>Interacting with the world – I/O</a:t>
+            </a:r>
+          </a:p>
+        </p:txBody>
+      </p:sp>
+      <p:sp>
+        <p:nvSpPr>
+          <p:cNvPr id="3" name="Content Placeholder 2">
+            <a:extLst>
+              <a:ext uri="{FF2B5EF4-FFF2-40B4-BE49-F238E27FC236}">
+                <a16:creationId xmlns:a16="http://schemas.microsoft.com/office/drawing/2014/main" id="{9254EC3C-51B0-49CB-993C-50FB5AF0C6A9}"/>
+              </a:ext>
+            </a:extLst>
+          </p:cNvPr>
+          <p:cNvSpPr>
+            <a:spLocks noGrp="1"/>
+          </p:cNvSpPr>
+          <p:nvPr>
+            <p:ph idx="1"/>
+          </p:nvPr>
+        </p:nvSpPr>
+        <p:spPr>
+          <a:xfrm>
+            <a:off x="152400" y="1446211"/>
+            <a:ext cx="8229600" cy="5014912"/>
+          </a:xfrm>
+        </p:spPr>
+        <p:txBody>
+          <a:bodyPr>
+            <a:normAutofit/>
+          </a:bodyPr>
+          <a:lstStyle/>
+          <a:p>
+            <a:r>
+              <a:rPr lang="en-US" dirty="0"/>
+              <a:t>How does the CPU interact with peripherals?</a:t>
+            </a:r>
+          </a:p>
+          <a:p>
+            <a:r>
+              <a:rPr lang="en-US" dirty="0"/>
+              <a:t>For example:</a:t>
+            </a:r>
+          </a:p>
+          <a:p>
+            <a:pPr lvl="1"/>
+            <a:r>
+              <a:rPr lang="en-US" dirty="0"/>
+              <a:t>An LED?</a:t>
+            </a:r>
+          </a:p>
+          <a:p>
+            <a:pPr lvl="1"/>
+            <a:r>
+              <a:rPr lang="en-US" dirty="0"/>
+              <a:t>A motor?</a:t>
+            </a:r>
+          </a:p>
+          <a:p>
+            <a:pPr lvl="1"/>
+            <a:r>
+              <a:rPr lang="en-US" dirty="0"/>
+              <a:t>A switch?</a:t>
+            </a:r>
+          </a:p>
+          <a:p>
+            <a:pPr lvl="1"/>
+            <a:r>
+              <a:rPr lang="en-US" dirty="0"/>
+              <a:t>A keyboard?</a:t>
+            </a:r>
+          </a:p>
+          <a:p>
+            <a:pPr lvl="1"/>
+            <a:r>
+              <a:rPr lang="en-US" dirty="0"/>
+              <a:t>An accelerometer?</a:t>
+            </a:r>
+          </a:p>
+          <a:p>
+            <a:pPr lvl="1"/>
+            <a:r>
+              <a:rPr lang="en-US" dirty="0"/>
+              <a:t>An on-board ADC module?</a:t>
+            </a:r>
+          </a:p>
+        </p:txBody>
+      </p:sp>
+      <p:sp>
+        <p:nvSpPr>
+          <p:cNvPr id="4" name="Date Placeholder 3">
+            <a:extLst>
+              <a:ext uri="{FF2B5EF4-FFF2-40B4-BE49-F238E27FC236}">
+                <a16:creationId xmlns:a16="http://schemas.microsoft.com/office/drawing/2014/main" id="{11698BD8-4728-4D12-9D4E-4BDD7A3456B6}"/>
+              </a:ext>
+            </a:extLst>
+          </p:cNvPr>
+          <p:cNvSpPr>
+            <a:spLocks noGrp="1"/>
+          </p:cNvSpPr>
+          <p:nvPr>
+            <p:ph type="dt" sz="half" idx="10"/>
+          </p:nvPr>
+        </p:nvSpPr>
+        <p:spPr/>
+        <p:txBody>
+          <a:bodyPr/>
+          <a:lstStyle/>
+          <a:p>
+            <a:pPr>
+              <a:defRPr/>
+            </a:pPr>
+            <a:r>
+              <a:rPr lang="en-US"/>
+              <a:t>21/12/2020</a:t>
+            </a:r>
+          </a:p>
+        </p:txBody>
+      </p:sp>
+      <p:sp>
+        <p:nvSpPr>
+          <p:cNvPr id="5" name="Slide Number Placeholder 4">
+            <a:extLst>
+              <a:ext uri="{FF2B5EF4-FFF2-40B4-BE49-F238E27FC236}">
+                <a16:creationId xmlns:a16="http://schemas.microsoft.com/office/drawing/2014/main" id="{E5793F2A-17CC-4A21-B5FD-3F7E9907D8BC}"/>
+              </a:ext>
+            </a:extLst>
+          </p:cNvPr>
+          <p:cNvSpPr>
+            <a:spLocks noGrp="1"/>
+          </p:cNvSpPr>
+          <p:nvPr>
+            <p:ph type="sldNum" sz="quarter" idx="12"/>
+          </p:nvPr>
+        </p:nvSpPr>
+        <p:spPr/>
+        <p:txBody>
+          <a:bodyPr/>
+          <a:lstStyle/>
+          <a:p>
+            <a:pPr>
+              <a:defRPr/>
+            </a:pPr>
+            <a:fld id="{CA887A73-1AE0-46F8-856A-18EA1CF30A1B}" type="slidenum">
+              <a:rPr lang="en-US" altLang="en-US" smtClean="0"/>
+              <a:pPr>
+                <a:defRPr/>
+              </a:pPr>
+              <a:t>30</a:t>
+            </a:fld>
+            <a:endParaRPr lang="en-US" altLang="en-US"/>
+          </a:p>
+        </p:txBody>
+      </p:sp>
+      <p:sp>
+        <p:nvSpPr>
+          <p:cNvPr id="6" name="Content Placeholder 2">
+            <a:extLst>
+              <a:ext uri="{FF2B5EF4-FFF2-40B4-BE49-F238E27FC236}">
+                <a16:creationId xmlns:a16="http://schemas.microsoft.com/office/drawing/2014/main" id="{BA209412-4BEB-462A-A2F4-354356ADB646}"/>
+              </a:ext>
+            </a:extLst>
+          </p:cNvPr>
+          <p:cNvSpPr txBox="1">
+            <a:spLocks/>
+          </p:cNvSpPr>
+          <p:nvPr/>
+        </p:nvSpPr>
+        <p:spPr bwMode="auto">
+          <a:xfrm>
+            <a:off x="4343400" y="2514600"/>
+            <a:ext cx="4572000" cy="4067174"/>
+          </a:xfrm>
+          <a:prstGeom prst="rect">
+            <a:avLst/>
+          </a:prstGeom>
+          <a:noFill/>
+          <a:ln>
+            <a:noFill/>
+          </a:ln>
+          <a:extLst>
+            <a:ext uri="{909E8E84-426E-40DD-AFC4-6F175D3DCCD1}">
+              <a14:hiddenFill xmlns:a14="http://schemas.microsoft.com/office/drawing/2010/main">
+                <a:solidFill>
+                  <a:srgbClr val="FFFFFF"/>
+                </a:solidFill>
+              </a14:hiddenFill>
+            </a:ext>
+            <a:ext uri="{91240B29-F687-4F45-9708-019B960494DF}">
+              <a14:hiddenLine xmlns:a14="http://schemas.microsoft.com/office/drawing/2010/main" w="9525">
+                <a:solidFill>
+                  <a:srgbClr val="000000"/>
+                </a:solidFill>
+                <a:miter lim="800000"/>
+                <a:headEnd/>
+                <a:tailEnd/>
+              </a14:hiddenLine>
+            </a:ext>
+          </a:extLst>
+        </p:spPr>
+        <p:txBody>
+          <a:bodyPr vert="horz" wrap="square" lIns="91440" tIns="45720" rIns="91440" bIns="45720" numCol="1" anchor="t" anchorCtr="0" compatLnSpc="1">
+            <a:prstTxWarp prst="textNoShape">
+              <a:avLst/>
+            </a:prstTxWarp>
+            <a:normAutofit/>
+          </a:bodyPr>
+          <a:lstStyle>
+            <a:lvl1pPr marL="342900" indent="-342900" algn="l" rtl="0" eaLnBrk="0" fontAlgn="base" hangingPunct="0">
+              <a:spcBef>
+                <a:spcPct val="20000"/>
+              </a:spcBef>
+              <a:spcAft>
+                <a:spcPct val="0"/>
+              </a:spcAft>
+              <a:buFont typeface="Arial" panose="020B0604020202020204" pitchFamily="34" charset="0"/>
+              <a:buChar char="•"/>
+              <a:defRPr sz="3200" kern="1200">
+                <a:solidFill>
+                  <a:schemeClr val="tx1">
+                    <a:lumMod val="50000"/>
+                    <a:lumOff val="50000"/>
+                  </a:schemeClr>
+                </a:solidFill>
+                <a:latin typeface="+mn-lt"/>
+                <a:ea typeface="+mn-ea"/>
+                <a:cs typeface="+mn-cs"/>
+              </a:defRPr>
+            </a:lvl1pPr>
+            <a:lvl2pPr marL="742950" indent="-285750" algn="l" rtl="0" eaLnBrk="0" fontAlgn="base" hangingPunct="0">
+              <a:spcBef>
+                <a:spcPct val="20000"/>
+              </a:spcBef>
+              <a:spcAft>
+                <a:spcPct val="0"/>
+              </a:spcAft>
+              <a:buFont typeface="Arial" panose="020B0604020202020204" pitchFamily="34" charset="0"/>
+              <a:buChar char="–"/>
+              <a:defRPr sz="2800" kern="1200">
+                <a:solidFill>
+                  <a:schemeClr val="tx1">
+                    <a:lumMod val="50000"/>
+                    <a:lumOff val="50000"/>
+                  </a:schemeClr>
+                </a:solidFill>
+                <a:latin typeface="+mn-lt"/>
+                <a:ea typeface="+mn-ea"/>
+                <a:cs typeface="+mn-cs"/>
+              </a:defRPr>
+            </a:lvl2pPr>
+            <a:lvl3pPr marL="1143000" indent="-228600" algn="l" rtl="0" eaLnBrk="0" fontAlgn="base" hangingPunct="0">
+              <a:spcBef>
+                <a:spcPct val="20000"/>
+              </a:spcBef>
+              <a:spcAft>
+                <a:spcPct val="0"/>
+              </a:spcAft>
+              <a:buFont typeface="Arial" panose="020B0604020202020204" pitchFamily="34" charset="0"/>
+              <a:buChar char="•"/>
+              <a:defRPr sz="2400" kern="1200">
+                <a:solidFill>
+                  <a:schemeClr val="tx1">
+                    <a:lumMod val="50000"/>
+                    <a:lumOff val="50000"/>
+                  </a:schemeClr>
+                </a:solidFill>
+                <a:latin typeface="+mn-lt"/>
+                <a:ea typeface="+mn-ea"/>
+                <a:cs typeface="+mn-cs"/>
+              </a:defRPr>
+            </a:lvl3pPr>
+            <a:lvl4pPr marL="1600200" indent="-228600" algn="l" rtl="0" eaLnBrk="0" fontAlgn="base" hangingPunct="0">
+              <a:spcBef>
+                <a:spcPct val="20000"/>
+              </a:spcBef>
+              <a:spcAft>
+                <a:spcPct val="0"/>
+              </a:spcAft>
+              <a:buFont typeface="Arial" panose="020B0604020202020204" pitchFamily="34" charset="0"/>
+              <a:buChar char="–"/>
+              <a:defRPr sz="2000" kern="1200">
+                <a:solidFill>
+                  <a:schemeClr val="tx1">
+                    <a:lumMod val="50000"/>
+                    <a:lumOff val="50000"/>
+                  </a:schemeClr>
+                </a:solidFill>
+                <a:latin typeface="+mn-lt"/>
+                <a:ea typeface="+mn-ea"/>
+                <a:cs typeface="+mn-cs"/>
+              </a:defRPr>
+            </a:lvl4pPr>
+            <a:lvl5pPr marL="2057400" indent="-228600" algn="l" rtl="0" eaLnBrk="0" fontAlgn="base" hangingPunct="0">
+              <a:spcBef>
+                <a:spcPct val="20000"/>
+              </a:spcBef>
+              <a:spcAft>
+                <a:spcPct val="0"/>
+              </a:spcAft>
+              <a:buFont typeface="Arial" panose="020B0604020202020204" pitchFamily="34" charset="0"/>
+              <a:buChar char="»"/>
+              <a:defRPr sz="2000" kern="1200">
+                <a:solidFill>
+                  <a:schemeClr val="tx1">
+                    <a:lumMod val="50000"/>
+                    <a:lumOff val="50000"/>
+                  </a:schemeClr>
+                </a:solidFill>
+                <a:latin typeface="+mn-lt"/>
+                <a:ea typeface="+mn-ea"/>
+                <a:cs typeface="+mn-cs"/>
+              </a:defRPr>
+            </a:lvl5pPr>
+            <a:lvl6pPr marL="2514600" indent="-228600" algn="l" defTabSz="914400" rtl="0" eaLnBrk="1" latinLnBrk="0" hangingPunct="1">
+              <a:spcBef>
+                <a:spcPct val="20000"/>
+              </a:spcBef>
+              <a:buFont typeface="Arial" pitchFamily="34" charset="0"/>
+              <a:buChar char="•"/>
+              <a:defRPr sz="2000" kern="1200">
+                <a:solidFill>
+                  <a:schemeClr val="tx1"/>
+                </a:solidFill>
+                <a:latin typeface="+mn-lt"/>
+                <a:ea typeface="+mn-ea"/>
+                <a:cs typeface="+mn-cs"/>
+              </a:defRPr>
+            </a:lvl6pPr>
+            <a:lvl7pPr marL="2971800" indent="-228600" algn="l" defTabSz="914400" rtl="0" eaLnBrk="1" latinLnBrk="0" hangingPunct="1">
+              <a:spcBef>
+                <a:spcPct val="20000"/>
+              </a:spcBef>
+              <a:buFont typeface="Arial" pitchFamily="34" charset="0"/>
+              <a:buChar char="•"/>
+              <a:defRPr sz="2000" kern="1200">
+                <a:solidFill>
+                  <a:schemeClr val="tx1"/>
+                </a:solidFill>
+                <a:latin typeface="+mn-lt"/>
+                <a:ea typeface="+mn-ea"/>
+                <a:cs typeface="+mn-cs"/>
+              </a:defRPr>
+            </a:lvl7pPr>
+            <a:lvl8pPr marL="3429000" indent="-228600" algn="l" defTabSz="914400" rtl="0" eaLnBrk="1" latinLnBrk="0" hangingPunct="1">
+              <a:spcBef>
+                <a:spcPct val="20000"/>
+              </a:spcBef>
+              <a:buFont typeface="Arial" pitchFamily="34" charset="0"/>
+              <a:buChar char="•"/>
+              <a:defRPr sz="2000" kern="1200">
+                <a:solidFill>
+                  <a:schemeClr val="tx1"/>
+                </a:solidFill>
+                <a:latin typeface="+mn-lt"/>
+                <a:ea typeface="+mn-ea"/>
+                <a:cs typeface="+mn-cs"/>
+              </a:defRPr>
+            </a:lvl8pPr>
+            <a:lvl9pPr marL="3886200" indent="-228600" algn="l" defTabSz="914400" rtl="0" eaLnBrk="1" latinLnBrk="0" hangingPunct="1">
+              <a:spcBef>
+                <a:spcPct val="20000"/>
+              </a:spcBef>
+              <a:buFont typeface="Arial" pitchFamily="34" charset="0"/>
+              <a:buChar char="•"/>
+              <a:defRPr sz="2000" kern="1200">
+                <a:solidFill>
+                  <a:schemeClr val="tx1"/>
+                </a:solidFill>
+                <a:latin typeface="+mn-lt"/>
+                <a:ea typeface="+mn-ea"/>
+                <a:cs typeface="+mn-cs"/>
+              </a:defRPr>
+            </a:lvl9pPr>
+          </a:lstStyle>
+          <a:p>
+            <a:pPr lvl="1"/>
+            <a:r>
+              <a:rPr lang="en-US" dirty="0"/>
+              <a:t>Directly drive GPIO</a:t>
+            </a:r>
+          </a:p>
+          <a:p>
+            <a:pPr lvl="1"/>
+            <a:r>
+              <a:rPr lang="en-US" dirty="0"/>
+              <a:t>Directly drive GPIO</a:t>
+            </a:r>
+          </a:p>
+          <a:p>
+            <a:pPr lvl="1"/>
+            <a:r>
+              <a:rPr lang="en-US" dirty="0"/>
+              <a:t>Directly read GPIO</a:t>
+            </a:r>
+          </a:p>
+          <a:p>
+            <a:pPr lvl="1"/>
+            <a:r>
+              <a:rPr lang="en-US" dirty="0"/>
+              <a:t>Read registers</a:t>
+            </a:r>
+          </a:p>
+          <a:p>
+            <a:pPr lvl="2"/>
+            <a:r>
+              <a:rPr lang="en-US" dirty="0"/>
+              <a:t>Memory mapped</a:t>
+            </a:r>
+          </a:p>
+          <a:p>
+            <a:pPr lvl="2"/>
+            <a:r>
+              <a:rPr lang="en-US" dirty="0"/>
+              <a:t>Communication busses</a:t>
+            </a:r>
+          </a:p>
+          <a:p>
+            <a:pPr lvl="2"/>
+            <a:r>
+              <a:rPr lang="en-US" dirty="0"/>
+              <a:t>SPI, I2C, USB, PCI etc.</a:t>
+            </a:r>
+          </a:p>
+        </p:txBody>
+      </p:sp>
+    </p:spTree>
+    <p:extLst>
+      <p:ext uri="{BB962C8B-B14F-4D97-AF65-F5344CB8AC3E}">
+        <p14:creationId xmlns:p14="http://schemas.microsoft.com/office/powerpoint/2010/main" val="2309008351"/>
+      </p:ext>
+    </p:extLst>
+  </p:cSld>
+  <p:clrMapOvr>
+    <a:masterClrMapping/>
+  </p:clrMapOvr>
+  <p:timing>
+    <p:tnLst>
+      <p:par>
+        <p:cTn id="1" dur="indefinite" restart="never" nodeType="tmRoot">
+          <p:childTnLst>
+            <p:seq concurrent="1" nextAc="seek">
+              <p:cTn id="2" dur="indefinite" nodeType="mainSeq">
+                <p:childTnLst>
+                  <p:par>
+                    <p:cTn id="3" fill="hold">
+                      <p:stCondLst>
+                        <p:cond delay="indefinite"/>
+                      </p:stCondLst>
+                      <p:childTnLst>
+                        <p:par>
+                          <p:cTn id="4" fill="hold">
+                            <p:stCondLst>
+                              <p:cond delay="0"/>
+                            </p:stCondLst>
+                            <p:childTnLst>
+                              <p:par>
+                                <p:cTn id="5" presetID="1" presetClass="entr" presetSubtype="0" fill="hold" grpId="0" nodeType="clickEffect">
+                                  <p:stCondLst>
+                                    <p:cond delay="0"/>
+                                  </p:stCondLst>
+                                  <p:childTnLst>
+                                    <p:set>
+                                      <p:cBhvr>
+                                        <p:cTn id="6" dur="1" fill="hold">
+                                          <p:stCondLst>
+                                            <p:cond delay="0"/>
+                                          </p:stCondLst>
+                                        </p:cTn>
+                                        <p:tgtEl>
+                                          <p:spTgt spid="3">
+                                            <p:txEl>
+                                              <p:pRg st="0" end="0"/>
+                                            </p:txEl>
+                                          </p:spTgt>
+                                        </p:tgtEl>
+                                        <p:attrNameLst>
+                                          <p:attrName>style.visibility</p:attrName>
+                                        </p:attrNameLst>
+                                      </p:cBhvr>
+                                      <p:to>
+                                        <p:strVal val="visible"/>
+                                      </p:to>
+                                    </p:set>
+                                  </p:childTnLst>
+                                </p:cTn>
+                              </p:par>
+                            </p:childTnLst>
+                          </p:cTn>
+                        </p:par>
+                      </p:childTnLst>
+                    </p:cTn>
+                  </p:par>
+                  <p:par>
+                    <p:cTn id="7" fill="hold">
+                      <p:stCondLst>
+                        <p:cond delay="indefinite"/>
+                      </p:stCondLst>
+                      <p:childTnLst>
+                        <p:par>
+                          <p:cTn id="8" fill="hold">
+                            <p:stCondLst>
+                              <p:cond delay="0"/>
+                            </p:stCondLst>
+                            <p:childTnLst>
+                              <p:par>
+                                <p:cTn id="9" presetID="1" presetClass="entr" presetSubtype="0" fill="hold" grpId="0" nodeType="clickEffect">
+                                  <p:stCondLst>
+                                    <p:cond delay="0"/>
+                                  </p:stCondLst>
+                                  <p:childTnLst>
+                                    <p:set>
+                                      <p:cBhvr>
+                                        <p:cTn id="10" dur="1" fill="hold">
+                                          <p:stCondLst>
+                                            <p:cond delay="0"/>
+                                          </p:stCondLst>
+                                        </p:cTn>
+                                        <p:tgtEl>
+                                          <p:spTgt spid="3">
+                                            <p:txEl>
+                                              <p:pRg st="1" end="1"/>
+                                            </p:txEl>
+                                          </p:spTgt>
+                                        </p:tgtEl>
+                                        <p:attrNameLst>
+                                          <p:attrName>style.visibility</p:attrName>
+                                        </p:attrNameLst>
+                                      </p:cBhvr>
+                                      <p:to>
+                                        <p:strVal val="visible"/>
+                                      </p:to>
+                                    </p:set>
+                                  </p:childTnLst>
+                                </p:cTn>
+                              </p:par>
+                            </p:childTnLst>
+                          </p:cTn>
+                        </p:par>
+                      </p:childTnLst>
+                    </p:cTn>
+                  </p:par>
+                  <p:par>
+                    <p:cTn id="11" fill="hold">
+                      <p:stCondLst>
+                        <p:cond delay="indefinite"/>
+                      </p:stCondLst>
+                      <p:childTnLst>
+                        <p:par>
+                          <p:cTn id="12" fill="hold">
+                            <p:stCondLst>
+                              <p:cond delay="0"/>
+                            </p:stCondLst>
+                            <p:childTnLst>
+                              <p:par>
+                                <p:cTn id="13" presetID="1" presetClass="entr" presetSubtype="0" fill="hold" grpId="0" nodeType="clickEffect">
+                                  <p:stCondLst>
+                                    <p:cond delay="0"/>
+                                  </p:stCondLst>
+                                  <p:childTnLst>
+                                    <p:set>
+                                      <p:cBhvr>
+                                        <p:cTn id="14" dur="1" fill="hold">
+                                          <p:stCondLst>
+                                            <p:cond delay="0"/>
+                                          </p:stCondLst>
+                                        </p:cTn>
+                                        <p:tgtEl>
+                                          <p:spTgt spid="3">
+                                            <p:txEl>
+                                              <p:pRg st="2" end="2"/>
+                                            </p:txEl>
+                                          </p:spTgt>
+                                        </p:tgtEl>
+                                        <p:attrNameLst>
+                                          <p:attrName>style.visibility</p:attrName>
+                                        </p:attrNameLst>
+                                      </p:cBhvr>
+                                      <p:to>
+                                        <p:strVal val="visible"/>
+                                      </p:to>
+                                    </p:set>
+                                  </p:childTnLst>
+                                </p:cTn>
+                              </p:par>
+                            </p:childTnLst>
+                          </p:cTn>
+                        </p:par>
+                      </p:childTnLst>
+                    </p:cTn>
+                  </p:par>
+                  <p:par>
+                    <p:cTn id="15" fill="hold">
+                      <p:stCondLst>
+                        <p:cond delay="indefinite"/>
+                      </p:stCondLst>
+                      <p:childTnLst>
+                        <p:par>
+                          <p:cTn id="16" fill="hold">
+                            <p:stCondLst>
+                              <p:cond delay="0"/>
+                            </p:stCondLst>
+                            <p:childTnLst>
+                              <p:par>
+                                <p:cTn id="17" presetID="1" presetClass="entr" presetSubtype="0" fill="hold" grpId="0" nodeType="clickEffect">
+                                  <p:stCondLst>
+                                    <p:cond delay="0"/>
+                                  </p:stCondLst>
+                                  <p:childTnLst>
+                                    <p:set>
+                                      <p:cBhvr>
+                                        <p:cTn id="18" dur="1" fill="hold">
+                                          <p:stCondLst>
+                                            <p:cond delay="0"/>
+                                          </p:stCondLst>
+                                        </p:cTn>
+                                        <p:tgtEl>
+                                          <p:spTgt spid="6">
+                                            <p:txEl>
+                                              <p:pRg st="0" end="0"/>
+                                            </p:txEl>
+                                          </p:spTgt>
+                                        </p:tgtEl>
+                                        <p:attrNameLst>
+                                          <p:attrName>style.visibility</p:attrName>
+                                        </p:attrNameLst>
+                                      </p:cBhvr>
+                                      <p:to>
+                                        <p:strVal val="visible"/>
+                                      </p:to>
+                                    </p:set>
+                                  </p:childTnLst>
+                                </p:cTn>
+                              </p:par>
+                            </p:childTnLst>
+                          </p:cTn>
+                        </p:par>
+                      </p:childTnLst>
+                    </p:cTn>
+                  </p:par>
+                  <p:par>
+                    <p:cTn id="19" fill="hold">
+                      <p:stCondLst>
+                        <p:cond delay="indefinite"/>
+                      </p:stCondLst>
+                      <p:childTnLst>
+                        <p:par>
+                          <p:cTn id="20" fill="hold">
+                            <p:stCondLst>
+                              <p:cond delay="0"/>
+                            </p:stCondLst>
+                            <p:childTnLst>
+                              <p:par>
+                                <p:cTn id="21" presetID="1" presetClass="entr" presetSubtype="0" fill="hold" grpId="0" nodeType="clickEffect">
+                                  <p:stCondLst>
+                                    <p:cond delay="0"/>
+                                  </p:stCondLst>
+                                  <p:childTnLst>
+                                    <p:set>
+                                      <p:cBhvr>
+                                        <p:cTn id="22" dur="1" fill="hold">
+                                          <p:stCondLst>
+                                            <p:cond delay="0"/>
+                                          </p:stCondLst>
+                                        </p:cTn>
+                                        <p:tgtEl>
+                                          <p:spTgt spid="3">
+                                            <p:txEl>
+                                              <p:pRg st="3" end="3"/>
+                                            </p:txEl>
+                                          </p:spTgt>
+                                        </p:tgtEl>
+                                        <p:attrNameLst>
+                                          <p:attrName>style.visibility</p:attrName>
+                                        </p:attrNameLst>
+                                      </p:cBhvr>
+                                      <p:to>
+                                        <p:strVal val="visible"/>
+                                      </p:to>
+                                    </p:set>
+                                  </p:childTnLst>
+                                </p:cTn>
+                              </p:par>
+                            </p:childTnLst>
+                          </p:cTn>
+                        </p:par>
+                      </p:childTnLst>
+                    </p:cTn>
+                  </p:par>
+                  <p:par>
+                    <p:cTn id="23" fill="hold">
+                      <p:stCondLst>
+                        <p:cond delay="indefinite"/>
+                      </p:stCondLst>
+                      <p:childTnLst>
+                        <p:par>
+                          <p:cTn id="24" fill="hold">
+                            <p:stCondLst>
+                              <p:cond delay="0"/>
+                            </p:stCondLst>
+                            <p:childTnLst>
+                              <p:par>
+                                <p:cTn id="25" presetID="1" presetClass="entr" presetSubtype="0" fill="hold" grpId="0" nodeType="clickEffect">
+                                  <p:stCondLst>
+                                    <p:cond delay="0"/>
+                                  </p:stCondLst>
+                                  <p:childTnLst>
+                                    <p:set>
+                                      <p:cBhvr>
+                                        <p:cTn id="26" dur="1" fill="hold">
+                                          <p:stCondLst>
+                                            <p:cond delay="0"/>
+                                          </p:stCondLst>
+                                        </p:cTn>
+                                        <p:tgtEl>
+                                          <p:spTgt spid="6">
+                                            <p:txEl>
+                                              <p:pRg st="1" end="1"/>
+                                            </p:txEl>
+                                          </p:spTgt>
+                                        </p:tgtEl>
+                                        <p:attrNameLst>
+                                          <p:attrName>style.visibility</p:attrName>
+                                        </p:attrNameLst>
+                                      </p:cBhvr>
+                                      <p:to>
+                                        <p:strVal val="visible"/>
+                                      </p:to>
+                                    </p:set>
+                                  </p:childTnLst>
+                                </p:cTn>
+                              </p:par>
+                            </p:childTnLst>
+                          </p:cTn>
+                        </p:par>
+                      </p:childTnLst>
+                    </p:cTn>
+                  </p:par>
+                  <p:par>
+                    <p:cTn id="27" fill="hold">
+                      <p:stCondLst>
+                        <p:cond delay="indefinite"/>
+                      </p:stCondLst>
+                      <p:childTnLst>
+                        <p:par>
+                          <p:cTn id="28" fill="hold">
+                            <p:stCondLst>
+                              <p:cond delay="0"/>
+                            </p:stCondLst>
+                            <p:childTnLst>
+                              <p:par>
+                                <p:cTn id="29" presetID="1" presetClass="entr" presetSubtype="0" fill="hold" grpId="0" nodeType="clickEffect">
+                                  <p:stCondLst>
+                                    <p:cond delay="0"/>
+                                  </p:stCondLst>
+                                  <p:childTnLst>
+                                    <p:set>
+                                      <p:cBhvr>
+                                        <p:cTn id="30" dur="1" fill="hold">
+                                          <p:stCondLst>
+                                            <p:cond delay="0"/>
+                                          </p:stCondLst>
+                                        </p:cTn>
+                                        <p:tgtEl>
+                                          <p:spTgt spid="3">
+                                            <p:txEl>
+                                              <p:pRg st="4" end="4"/>
+                                            </p:txEl>
+                                          </p:spTgt>
+                                        </p:tgtEl>
+                                        <p:attrNameLst>
+                                          <p:attrName>style.visibility</p:attrName>
+                                        </p:attrNameLst>
+                                      </p:cBhvr>
+                                      <p:to>
+                                        <p:strVal val="visible"/>
+                                      </p:to>
+                                    </p:set>
+                                  </p:childTnLst>
+                                </p:cTn>
+                              </p:par>
+                            </p:childTnLst>
+                          </p:cTn>
+                        </p:par>
+                      </p:childTnLst>
+                    </p:cTn>
+                  </p:par>
+                  <p:par>
+                    <p:cTn id="31" fill="hold">
+                      <p:stCondLst>
+                        <p:cond delay="indefinite"/>
+                      </p:stCondLst>
+                      <p:childTnLst>
+                        <p:par>
+                          <p:cTn id="32" fill="hold">
+                            <p:stCondLst>
+                              <p:cond delay="0"/>
+                            </p:stCondLst>
+                            <p:childTnLst>
+                              <p:par>
+                                <p:cTn id="33" presetID="1" presetClass="entr" presetSubtype="0" fill="hold" grpId="0" nodeType="clickEffect">
+                                  <p:stCondLst>
+                                    <p:cond delay="0"/>
+                                  </p:stCondLst>
+                                  <p:childTnLst>
+                                    <p:set>
+                                      <p:cBhvr>
+                                        <p:cTn id="34" dur="1" fill="hold">
+                                          <p:stCondLst>
+                                            <p:cond delay="0"/>
+                                          </p:stCondLst>
+                                        </p:cTn>
+                                        <p:tgtEl>
+                                          <p:spTgt spid="6">
+                                            <p:txEl>
+                                              <p:pRg st="2" end="2"/>
+                                            </p:txEl>
+                                          </p:spTgt>
+                                        </p:tgtEl>
+                                        <p:attrNameLst>
+                                          <p:attrName>style.visibility</p:attrName>
+                                        </p:attrNameLst>
+                                      </p:cBhvr>
+                                      <p:to>
+                                        <p:strVal val="visible"/>
+                                      </p:to>
+                                    </p:set>
+                                  </p:childTnLst>
+                                </p:cTn>
+                              </p:par>
+                            </p:childTnLst>
+                          </p:cTn>
+                        </p:par>
+                      </p:childTnLst>
+                    </p:cTn>
+                  </p:par>
+                  <p:par>
+                    <p:cTn id="35" fill="hold">
+                      <p:stCondLst>
+                        <p:cond delay="indefinite"/>
+                      </p:stCondLst>
+                      <p:childTnLst>
+                        <p:par>
+                          <p:cTn id="36" fill="hold">
+                            <p:stCondLst>
+                              <p:cond delay="0"/>
+                            </p:stCondLst>
+                            <p:childTnLst>
+                              <p:par>
+                                <p:cTn id="37" presetID="1" presetClass="entr" presetSubtype="0" fill="hold" grpId="0" nodeType="clickEffect">
+                                  <p:stCondLst>
+                                    <p:cond delay="0"/>
+                                  </p:stCondLst>
+                                  <p:childTnLst>
+                                    <p:set>
+                                      <p:cBhvr>
+                                        <p:cTn id="38" dur="1" fill="hold">
+                                          <p:stCondLst>
+                                            <p:cond delay="0"/>
+                                          </p:stCondLst>
+                                        </p:cTn>
+                                        <p:tgtEl>
+                                          <p:spTgt spid="3">
+                                            <p:txEl>
+                                              <p:pRg st="5" end="5"/>
+                                            </p:txEl>
+                                          </p:spTgt>
+                                        </p:tgtEl>
+                                        <p:attrNameLst>
+                                          <p:attrName>style.visibility</p:attrName>
+                                        </p:attrNameLst>
+                                      </p:cBhvr>
+                                      <p:to>
+                                        <p:strVal val="visible"/>
+                                      </p:to>
+                                    </p:set>
+                                  </p:childTnLst>
+                                </p:cTn>
+                              </p:par>
+                            </p:childTnLst>
+                          </p:cTn>
+                        </p:par>
+                      </p:childTnLst>
+                    </p:cTn>
+                  </p:par>
+                  <p:par>
+                    <p:cTn id="39" fill="hold">
+                      <p:stCondLst>
+                        <p:cond delay="indefinite"/>
+                      </p:stCondLst>
+                      <p:childTnLst>
+                        <p:par>
+                          <p:cTn id="40" fill="hold">
+                            <p:stCondLst>
+                              <p:cond delay="0"/>
+                            </p:stCondLst>
+                            <p:childTnLst>
+                              <p:par>
+                                <p:cTn id="41" presetID="1" presetClass="entr" presetSubtype="0" fill="hold" grpId="0" nodeType="clickEffect">
+                                  <p:stCondLst>
+                                    <p:cond delay="0"/>
+                                  </p:stCondLst>
+                                  <p:childTnLst>
+                                    <p:set>
+                                      <p:cBhvr>
+                                        <p:cTn id="42" dur="1" fill="hold">
+                                          <p:stCondLst>
+                                            <p:cond delay="0"/>
+                                          </p:stCondLst>
+                                        </p:cTn>
+                                        <p:tgtEl>
+                                          <p:spTgt spid="6">
+                                            <p:txEl>
+                                              <p:pRg st="3" end="3"/>
+                                            </p:txEl>
+                                          </p:spTgt>
+                                        </p:tgtEl>
+                                        <p:attrNameLst>
+                                          <p:attrName>style.visibility</p:attrName>
+                                        </p:attrNameLst>
+                                      </p:cBhvr>
+                                      <p:to>
+                                        <p:strVal val="visible"/>
+                                      </p:to>
+                                    </p:set>
+                                  </p:childTnLst>
+                                </p:cTn>
+                              </p:par>
+                            </p:childTnLst>
+                          </p:cTn>
+                        </p:par>
+                      </p:childTnLst>
+                    </p:cTn>
+                  </p:par>
+                  <p:par>
+                    <p:cTn id="43" fill="hold">
+                      <p:stCondLst>
+                        <p:cond delay="indefinite"/>
+                      </p:stCondLst>
+                      <p:childTnLst>
+                        <p:par>
+                          <p:cTn id="44" fill="hold">
+                            <p:stCondLst>
+                              <p:cond delay="0"/>
+                            </p:stCondLst>
+                            <p:childTnLst>
+                              <p:par>
+                                <p:cTn id="45" presetID="1" presetClass="entr" presetSubtype="0" fill="hold" grpId="0" nodeType="clickEffect">
+                                  <p:stCondLst>
+                                    <p:cond delay="0"/>
+                                  </p:stCondLst>
+                                  <p:childTnLst>
+                                    <p:set>
+                                      <p:cBhvr>
+                                        <p:cTn id="46" dur="1" fill="hold">
+                                          <p:stCondLst>
+                                            <p:cond delay="0"/>
+                                          </p:stCondLst>
+                                        </p:cTn>
+                                        <p:tgtEl>
+                                          <p:spTgt spid="3">
+                                            <p:txEl>
+                                              <p:pRg st="6" end="6"/>
+                                            </p:txEl>
+                                          </p:spTgt>
+                                        </p:tgtEl>
+                                        <p:attrNameLst>
+                                          <p:attrName>style.visibility</p:attrName>
+                                        </p:attrNameLst>
+                                      </p:cBhvr>
+                                      <p:to>
+                                        <p:strVal val="visible"/>
+                                      </p:to>
+                                    </p:set>
+                                  </p:childTnLst>
+                                </p:cTn>
+                              </p:par>
+                            </p:childTnLst>
+                          </p:cTn>
+                        </p:par>
+                      </p:childTnLst>
+                    </p:cTn>
+                  </p:par>
+                  <p:par>
+                    <p:cTn id="47" fill="hold">
+                      <p:stCondLst>
+                        <p:cond delay="indefinite"/>
+                      </p:stCondLst>
+                      <p:childTnLst>
+                        <p:par>
+                          <p:cTn id="48" fill="hold">
+                            <p:stCondLst>
+                              <p:cond delay="0"/>
+                            </p:stCondLst>
+                            <p:childTnLst>
+                              <p:par>
+                                <p:cTn id="49" presetID="1" presetClass="entr" presetSubtype="0" fill="hold" grpId="0" nodeType="clickEffect">
+                                  <p:stCondLst>
+                                    <p:cond delay="0"/>
+                                  </p:stCondLst>
+                                  <p:childTnLst>
+                                    <p:set>
+                                      <p:cBhvr>
+                                        <p:cTn id="50" dur="1" fill="hold">
+                                          <p:stCondLst>
+                                            <p:cond delay="0"/>
+                                          </p:stCondLst>
+                                        </p:cTn>
+                                        <p:tgtEl>
+                                          <p:spTgt spid="3">
+                                            <p:txEl>
+                                              <p:pRg st="7" end="7"/>
+                                            </p:txEl>
+                                          </p:spTgt>
+                                        </p:tgtEl>
+                                        <p:attrNameLst>
+                                          <p:attrName>style.visibility</p:attrName>
+                                        </p:attrNameLst>
+                                      </p:cBhvr>
+                                      <p:to>
+                                        <p:strVal val="visible"/>
+                                      </p:to>
+                                    </p:set>
+                                  </p:childTnLst>
+                                </p:cTn>
+                              </p:par>
+                            </p:childTnLst>
+                          </p:cTn>
+                        </p:par>
+                      </p:childTnLst>
+                    </p:cTn>
+                  </p:par>
+                  <p:par>
+                    <p:cTn id="51" fill="hold">
+                      <p:stCondLst>
+                        <p:cond delay="indefinite"/>
+                      </p:stCondLst>
+                      <p:childTnLst>
+                        <p:par>
+                          <p:cTn id="52" fill="hold">
+                            <p:stCondLst>
+                              <p:cond delay="0"/>
+                            </p:stCondLst>
+                            <p:childTnLst>
+                              <p:par>
+                                <p:cTn id="53" presetID="1" presetClass="entr" presetSubtype="0" fill="hold" grpId="0" nodeType="clickEffect">
+                                  <p:stCondLst>
+                                    <p:cond delay="0"/>
+                                  </p:stCondLst>
+                                  <p:childTnLst>
+                                    <p:set>
+                                      <p:cBhvr>
+                                        <p:cTn id="54" dur="1" fill="hold">
+                                          <p:stCondLst>
+                                            <p:cond delay="0"/>
+                                          </p:stCondLst>
+                                        </p:cTn>
+                                        <p:tgtEl>
+                                          <p:spTgt spid="6">
+                                            <p:txEl>
+                                              <p:pRg st="4" end="4"/>
+                                            </p:txEl>
+                                          </p:spTgt>
+                                        </p:tgtEl>
+                                        <p:attrNameLst>
+                                          <p:attrName>style.visibility</p:attrName>
+                                        </p:attrNameLst>
+                                      </p:cBhvr>
+                                      <p:to>
+                                        <p:strVal val="visible"/>
+                                      </p:to>
+                                    </p:set>
+                                  </p:childTnLst>
+                                </p:cTn>
+                              </p:par>
+                            </p:childTnLst>
+                          </p:cTn>
+                        </p:par>
+                      </p:childTnLst>
+                    </p:cTn>
+                  </p:par>
+                  <p:par>
+                    <p:cTn id="55" fill="hold">
+                      <p:stCondLst>
+                        <p:cond delay="indefinite"/>
+                      </p:stCondLst>
+                      <p:childTnLst>
+                        <p:par>
+                          <p:cTn id="56" fill="hold">
+                            <p:stCondLst>
+                              <p:cond delay="0"/>
+                            </p:stCondLst>
+                            <p:childTnLst>
+                              <p:par>
+                                <p:cTn id="57" presetID="1" presetClass="entr" presetSubtype="0" fill="hold" grpId="0" nodeType="clickEffect">
+                                  <p:stCondLst>
+                                    <p:cond delay="0"/>
+                                  </p:stCondLst>
+                                  <p:childTnLst>
+                                    <p:set>
+                                      <p:cBhvr>
+                                        <p:cTn id="58" dur="1" fill="hold">
+                                          <p:stCondLst>
+                                            <p:cond delay="0"/>
+                                          </p:stCondLst>
+                                        </p:cTn>
+                                        <p:tgtEl>
+                                          <p:spTgt spid="6">
+                                            <p:txEl>
+                                              <p:pRg st="5" end="5"/>
+                                            </p:txEl>
+                                          </p:spTgt>
+                                        </p:tgtEl>
+                                        <p:attrNameLst>
+                                          <p:attrName>style.visibility</p:attrName>
+                                        </p:attrNameLst>
+                                      </p:cBhvr>
+                                      <p:to>
+                                        <p:strVal val="visible"/>
+                                      </p:to>
+                                    </p:set>
+                                  </p:childTnLst>
+                                </p:cTn>
+                              </p:par>
+                            </p:childTnLst>
+                          </p:cTn>
+                        </p:par>
+                      </p:childTnLst>
+                    </p:cTn>
+                  </p:par>
+                  <p:par>
+                    <p:cTn id="59" fill="hold">
+                      <p:stCondLst>
+                        <p:cond delay="indefinite"/>
+                      </p:stCondLst>
+                      <p:childTnLst>
+                        <p:par>
+                          <p:cTn id="60" fill="hold">
+                            <p:stCondLst>
+                              <p:cond delay="0"/>
+                            </p:stCondLst>
+                            <p:childTnLst>
+                              <p:par>
+                                <p:cTn id="61" presetID="1" presetClass="entr" presetSubtype="0" fill="hold" grpId="0" nodeType="clickEffect">
+                                  <p:stCondLst>
+                                    <p:cond delay="0"/>
+                                  </p:stCondLst>
+                                  <p:childTnLst>
+                                    <p:set>
+                                      <p:cBhvr>
+                                        <p:cTn id="62" dur="1" fill="hold">
+                                          <p:stCondLst>
+                                            <p:cond delay="0"/>
+                                          </p:stCondLst>
+                                        </p:cTn>
+                                        <p:tgtEl>
+                                          <p:spTgt spid="6">
+                                            <p:txEl>
+                                              <p:pRg st="6" end="6"/>
+                                            </p:txEl>
+                                          </p:spTgt>
+                                        </p:tgtEl>
+                                        <p:attrNameLst>
+                                          <p:attrName>style.visibility</p:attrName>
+                                        </p:attrNameLst>
+                                      </p:cBhvr>
+                                      <p:to>
+                                        <p:strVal val="visible"/>
+                                      </p:to>
+                                    </p:set>
+                                  </p:childTnLst>
+                                </p:cTn>
+                              </p:par>
+                            </p:childTnLst>
+                          </p:cTn>
+                        </p:par>
+                      </p:childTnLst>
+                    </p:cTn>
+                  </p:par>
+                </p:childTnLst>
+              </p:cTn>
+              <p:prevCondLst>
+                <p:cond evt="onPrev" delay="0">
+                  <p:tgtEl>
+                    <p:sldTgt/>
+                  </p:tgtEl>
+                </p:cond>
+              </p:prevCondLst>
+              <p:nextCondLst>
+                <p:cond evt="onNext" delay="0">
+                  <p:tgtEl>
+                    <p:sldTgt/>
+                  </p:tgtEl>
+                </p:cond>
+              </p:nextCondLst>
+            </p:seq>
+          </p:childTnLst>
+        </p:cTn>
+      </p:par>
+    </p:tnLst>
+    <p:bldLst>
+      <p:bldP spid="3" grpId="0" uiExpand="1" build="p"/>
+      <p:bldP spid="6" grpId="0" uiExpand="1" build="p"/>
+    </p:bldLst>
+  </p:timing>
+</p:sld>
+</file>
+
+<file path=ppt/slides/slide31.xml><?xml version="1.0" encoding="utf-8"?>
+<p:sld xmlns:a="http://schemas.openxmlformats.org/drawingml/2006/main" xmlns:r="http://schemas.openxmlformats.org/officeDocument/2006/relationships" xmlns:p="http://schemas.openxmlformats.org/presentationml/2006/main">
+  <p:cSld>
+    <p:spTree>
+      <p:nvGrpSpPr>
+        <p:cNvPr id="1" name=""/>
+        <p:cNvGrpSpPr/>
+        <p:nvPr/>
+      </p:nvGrpSpPr>
+      <p:grpSpPr>
+        <a:xfrm>
+          <a:off x="0" y="0"/>
+          <a:ext cx="0" cy="0"/>
+          <a:chOff x="0" y="0"/>
+          <a:chExt cx="0" cy="0"/>
+        </a:xfrm>
+      </p:grpSpPr>
+      <p:sp>
+        <p:nvSpPr>
+          <p:cNvPr id="2" name="Title 1">
+            <a:extLst>
+              <a:ext uri="{FF2B5EF4-FFF2-40B4-BE49-F238E27FC236}">
+                <a16:creationId xmlns:a16="http://schemas.microsoft.com/office/drawing/2014/main" id="{B9EC2056-5230-4700-BE6C-0EBBE4D04803}"/>
+              </a:ext>
+            </a:extLst>
+          </p:cNvPr>
+          <p:cNvSpPr>
+            <a:spLocks noGrp="1"/>
+          </p:cNvSpPr>
+          <p:nvPr>
+            <p:ph type="title"/>
+          </p:nvPr>
+        </p:nvSpPr>
+        <p:spPr/>
+        <p:txBody>
+          <a:bodyPr/>
+          <a:lstStyle/>
+          <a:p>
+            <a:r>
+              <a:rPr lang="en-US" dirty="0"/>
+              <a:t>Memory mapped I/O</a:t>
+            </a:r>
+          </a:p>
+        </p:txBody>
+      </p:sp>
+      <p:sp>
+        <p:nvSpPr>
+          <p:cNvPr id="3" name="Content Placeholder 2">
+            <a:extLst>
+              <a:ext uri="{FF2B5EF4-FFF2-40B4-BE49-F238E27FC236}">
+                <a16:creationId xmlns:a16="http://schemas.microsoft.com/office/drawing/2014/main" id="{2B438B27-26D7-454E-B04A-31C048F63186}"/>
+              </a:ext>
+            </a:extLst>
+          </p:cNvPr>
+          <p:cNvSpPr>
+            <a:spLocks noGrp="1"/>
+          </p:cNvSpPr>
+          <p:nvPr>
+            <p:ph idx="1"/>
+          </p:nvPr>
+        </p:nvSpPr>
+        <p:spPr/>
+        <p:txBody>
+          <a:bodyPr>
+            <a:normAutofit lnSpcReduction="10000"/>
+          </a:bodyPr>
+          <a:lstStyle/>
+          <a:p>
+            <a:r>
+              <a:rPr lang="en-US" dirty="0"/>
+              <a:t>Peripheral registers appear as memory addresses within the processor address space</a:t>
+            </a:r>
+          </a:p>
+          <a:p>
+            <a:r>
+              <a:rPr lang="en-US" dirty="0"/>
+              <a:t>Software can read / write to them like any other variable</a:t>
+            </a:r>
+          </a:p>
+          <a:p>
+            <a:r>
+              <a:rPr lang="en-US" dirty="0"/>
+              <a:t>Unified programming model</a:t>
+            </a:r>
+          </a:p>
+          <a:p>
+            <a:pPr lvl="1"/>
+            <a:r>
+              <a:rPr lang="en-US" dirty="0"/>
+              <a:t>No special I/O instruction, works with normal load / store operations</a:t>
+            </a:r>
+          </a:p>
+          <a:p>
+            <a:r>
+              <a:rPr lang="en-US" dirty="0"/>
+              <a:t>The GPIO from previous slide is, in fact, a peripheral, controlled by registers that are memory-mapped!</a:t>
+            </a:r>
+          </a:p>
+        </p:txBody>
+      </p:sp>
+      <p:sp>
+        <p:nvSpPr>
+          <p:cNvPr id="4" name="Date Placeholder 3">
+            <a:extLst>
+              <a:ext uri="{FF2B5EF4-FFF2-40B4-BE49-F238E27FC236}">
+                <a16:creationId xmlns:a16="http://schemas.microsoft.com/office/drawing/2014/main" id="{FED85B19-4D68-4471-BC90-990B899F138E}"/>
+              </a:ext>
+            </a:extLst>
+          </p:cNvPr>
+          <p:cNvSpPr>
+            <a:spLocks noGrp="1"/>
+          </p:cNvSpPr>
+          <p:nvPr>
+            <p:ph type="dt" sz="half" idx="10"/>
+          </p:nvPr>
+        </p:nvSpPr>
+        <p:spPr/>
+        <p:txBody>
+          <a:bodyPr/>
+          <a:lstStyle/>
+          <a:p>
+            <a:pPr>
+              <a:defRPr/>
+            </a:pPr>
+            <a:r>
+              <a:rPr lang="en-US"/>
+              <a:t>21/12/2020</a:t>
+            </a:r>
+          </a:p>
+        </p:txBody>
+      </p:sp>
+      <p:sp>
+        <p:nvSpPr>
+          <p:cNvPr id="5" name="Slide Number Placeholder 4">
+            <a:extLst>
+              <a:ext uri="{FF2B5EF4-FFF2-40B4-BE49-F238E27FC236}">
+                <a16:creationId xmlns:a16="http://schemas.microsoft.com/office/drawing/2014/main" id="{B728EDB2-697C-4F7E-AF65-B9E41DAEA09A}"/>
+              </a:ext>
+            </a:extLst>
+          </p:cNvPr>
+          <p:cNvSpPr>
+            <a:spLocks noGrp="1"/>
+          </p:cNvSpPr>
+          <p:nvPr>
+            <p:ph type="sldNum" sz="quarter" idx="12"/>
+          </p:nvPr>
+        </p:nvSpPr>
+        <p:spPr/>
+        <p:txBody>
+          <a:bodyPr/>
+          <a:lstStyle/>
+          <a:p>
+            <a:pPr>
+              <a:defRPr/>
+            </a:pPr>
+            <a:fld id="{CA887A73-1AE0-46F8-856A-18EA1CF30A1B}" type="slidenum">
+              <a:rPr lang="en-US" altLang="en-US" smtClean="0"/>
+              <a:pPr>
+                <a:defRPr/>
+              </a:pPr>
+              <a:t>31</a:t>
+            </a:fld>
+            <a:endParaRPr lang="en-US" altLang="en-US"/>
+          </a:p>
+        </p:txBody>
+      </p:sp>
+    </p:spTree>
+    <p:extLst>
+      <p:ext uri="{BB962C8B-B14F-4D97-AF65-F5344CB8AC3E}">
+        <p14:creationId xmlns:p14="http://schemas.microsoft.com/office/powerpoint/2010/main" val="309379804"/>
+      </p:ext>
+    </p:extLst>
+  </p:cSld>
+  <p:clrMapOvr>
+    <a:masterClrMapping/>
+  </p:clrMapOvr>
+  <p:timing>
+    <p:tnLst>
+      <p:par>
+        <p:cTn id="1" dur="indefinite" restart="never" nodeType="tmRoot">
+          <p:childTnLst>
+            <p:seq concurrent="1" nextAc="seek">
+              <p:cTn id="2" dur="indefinite" nodeType="mainSeq">
+                <p:childTnLst>
+                  <p:par>
+                    <p:cTn id="3" fill="hold">
+                      <p:stCondLst>
+                        <p:cond delay="indefinite"/>
+                      </p:stCondLst>
+                      <p:childTnLst>
+                        <p:par>
+                          <p:cTn id="4" fill="hold">
+                            <p:stCondLst>
+                              <p:cond delay="0"/>
+                            </p:stCondLst>
+                            <p:childTnLst>
+                              <p:par>
+                                <p:cTn id="5" presetID="1" presetClass="entr" presetSubtype="0" fill="hold" grpId="0" nodeType="clickEffect">
+                                  <p:stCondLst>
+                                    <p:cond delay="0"/>
+                                  </p:stCondLst>
+                                  <p:childTnLst>
+                                    <p:set>
+                                      <p:cBhvr>
+                                        <p:cTn id="6" dur="1" fill="hold">
+                                          <p:stCondLst>
+                                            <p:cond delay="0"/>
+                                          </p:stCondLst>
+                                        </p:cTn>
+                                        <p:tgtEl>
+                                          <p:spTgt spid="3">
+                                            <p:txEl>
+                                              <p:pRg st="0" end="0"/>
+                                            </p:txEl>
+                                          </p:spTgt>
+                                        </p:tgtEl>
+                                        <p:attrNameLst>
+                                          <p:attrName>style.visibility</p:attrName>
+                                        </p:attrNameLst>
+                                      </p:cBhvr>
+                                      <p:to>
+                                        <p:strVal val="visible"/>
+                                      </p:to>
+                                    </p:set>
+                                  </p:childTnLst>
+                                </p:cTn>
+                              </p:par>
+                            </p:childTnLst>
+                          </p:cTn>
+                        </p:par>
+                      </p:childTnLst>
+                    </p:cTn>
+                  </p:par>
+                  <p:par>
+                    <p:cTn id="7" fill="hold">
+                      <p:stCondLst>
+                        <p:cond delay="indefinite"/>
+                      </p:stCondLst>
+                      <p:childTnLst>
+                        <p:par>
+                          <p:cTn id="8" fill="hold">
+                            <p:stCondLst>
+                              <p:cond delay="0"/>
+                            </p:stCondLst>
+                            <p:childTnLst>
+                              <p:par>
+                                <p:cTn id="9" presetID="1" presetClass="entr" presetSubtype="0" fill="hold" grpId="0" nodeType="clickEffect">
+                                  <p:stCondLst>
+                                    <p:cond delay="0"/>
+                                  </p:stCondLst>
+                                  <p:childTnLst>
+                                    <p:set>
+                                      <p:cBhvr>
+                                        <p:cTn id="10" dur="1" fill="hold">
+                                          <p:stCondLst>
+                                            <p:cond delay="0"/>
+                                          </p:stCondLst>
+                                        </p:cTn>
+                                        <p:tgtEl>
+                                          <p:spTgt spid="3">
+                                            <p:txEl>
+                                              <p:pRg st="1" end="1"/>
+                                            </p:txEl>
+                                          </p:spTgt>
+                                        </p:tgtEl>
+                                        <p:attrNameLst>
+                                          <p:attrName>style.visibility</p:attrName>
+                                        </p:attrNameLst>
+                                      </p:cBhvr>
+                                      <p:to>
+                                        <p:strVal val="visible"/>
+                                      </p:to>
+                                    </p:set>
+                                  </p:childTnLst>
+                                </p:cTn>
+                              </p:par>
+                            </p:childTnLst>
+                          </p:cTn>
+                        </p:par>
+                      </p:childTnLst>
+                    </p:cTn>
+                  </p:par>
+                  <p:par>
+                    <p:cTn id="11" fill="hold">
+                      <p:stCondLst>
+                        <p:cond delay="indefinite"/>
+                      </p:stCondLst>
+                      <p:childTnLst>
+                        <p:par>
+                          <p:cTn id="12" fill="hold">
+                            <p:stCondLst>
+                              <p:cond delay="0"/>
+                            </p:stCondLst>
+                            <p:childTnLst>
+                              <p:par>
+                                <p:cTn id="13" presetID="1" presetClass="entr" presetSubtype="0" fill="hold" grpId="0" nodeType="clickEffect">
+                                  <p:stCondLst>
+                                    <p:cond delay="0"/>
+                                  </p:stCondLst>
+                                  <p:childTnLst>
+                                    <p:set>
+                                      <p:cBhvr>
+                                        <p:cTn id="14" dur="1" fill="hold">
+                                          <p:stCondLst>
+                                            <p:cond delay="0"/>
+                                          </p:stCondLst>
+                                        </p:cTn>
+                                        <p:tgtEl>
+                                          <p:spTgt spid="3">
+                                            <p:txEl>
+                                              <p:pRg st="2" end="2"/>
+                                            </p:txEl>
+                                          </p:spTgt>
+                                        </p:tgtEl>
+                                        <p:attrNameLst>
+                                          <p:attrName>style.visibility</p:attrName>
+                                        </p:attrNameLst>
+                                      </p:cBhvr>
+                                      <p:to>
+                                        <p:strVal val="visible"/>
+                                      </p:to>
+                                    </p:set>
+                                  </p:childTnLst>
+                                </p:cTn>
+                              </p:par>
+                            </p:childTnLst>
+                          </p:cTn>
+                        </p:par>
+                      </p:childTnLst>
+                    </p:cTn>
+                  </p:par>
+                  <p:par>
+                    <p:cTn id="15" fill="hold">
+                      <p:stCondLst>
+                        <p:cond delay="indefinite"/>
+                      </p:stCondLst>
+                      <p:childTnLst>
+                        <p:par>
+                          <p:cTn id="16" fill="hold">
+                            <p:stCondLst>
+                              <p:cond delay="0"/>
+                            </p:stCondLst>
+                            <p:childTnLst>
+                              <p:par>
+                                <p:cTn id="17" presetID="1" presetClass="entr" presetSubtype="0" fill="hold" grpId="0" nodeType="clickEffect">
+                                  <p:stCondLst>
+                                    <p:cond delay="0"/>
+                                  </p:stCondLst>
+                                  <p:childTnLst>
+                                    <p:set>
+                                      <p:cBhvr>
+                                        <p:cTn id="18" dur="1" fill="hold">
+                                          <p:stCondLst>
+                                            <p:cond delay="0"/>
+                                          </p:stCondLst>
+                                        </p:cTn>
+                                        <p:tgtEl>
+                                          <p:spTgt spid="3">
+                                            <p:txEl>
+                                              <p:pRg st="3" end="3"/>
+                                            </p:txEl>
+                                          </p:spTgt>
+                                        </p:tgtEl>
+                                        <p:attrNameLst>
+                                          <p:attrName>style.visibility</p:attrName>
+                                        </p:attrNameLst>
+                                      </p:cBhvr>
+                                      <p:to>
+                                        <p:strVal val="visible"/>
+                                      </p:to>
+                                    </p:set>
+                                  </p:childTnLst>
+                                </p:cTn>
+                              </p:par>
+                            </p:childTnLst>
+                          </p:cTn>
+                        </p:par>
+                      </p:childTnLst>
+                    </p:cTn>
+                  </p:par>
+                  <p:par>
+                    <p:cTn id="19" fill="hold">
+                      <p:stCondLst>
+                        <p:cond delay="indefinite"/>
+                      </p:stCondLst>
+                      <p:childTnLst>
+                        <p:par>
+                          <p:cTn id="20" fill="hold">
+                            <p:stCondLst>
+                              <p:cond delay="0"/>
+                            </p:stCondLst>
+                            <p:childTnLst>
+                              <p:par>
+                                <p:cTn id="21" presetID="1" presetClass="entr" presetSubtype="0" fill="hold" grpId="0" nodeType="clickEffect">
+                                  <p:stCondLst>
+                                    <p:cond delay="0"/>
+                                  </p:stCondLst>
+                                  <p:childTnLst>
+                                    <p:set>
+                                      <p:cBhvr>
+                                        <p:cTn id="22" dur="1" fill="hold">
+                                          <p:stCondLst>
+                                            <p:cond delay="0"/>
+                                          </p:stCondLst>
+                                        </p:cTn>
+                                        <p:tgtEl>
+                                          <p:spTgt spid="3">
+                                            <p:txEl>
+                                              <p:pRg st="4" end="4"/>
+                                            </p:txEl>
+                                          </p:spTgt>
+                                        </p:tgtEl>
+                                        <p:attrNameLst>
+                                          <p:attrName>style.visibility</p:attrName>
+                                        </p:attrNameLst>
+                                      </p:cBhvr>
+                                      <p:to>
+                                        <p:strVal val="visible"/>
+                                      </p:to>
+                                    </p:set>
+                                  </p:childTnLst>
+                                </p:cTn>
+                              </p:par>
+                            </p:childTnLst>
+                          </p:cTn>
+                        </p:par>
+                      </p:childTnLst>
+                    </p:cTn>
+                  </p:par>
+                </p:childTnLst>
+              </p:cTn>
+              <p:prevCondLst>
+                <p:cond evt="onPrev" delay="0">
+                  <p:tgtEl>
+                    <p:sldTgt/>
+                  </p:tgtEl>
+                </p:cond>
+              </p:prevCondLst>
+              <p:nextCondLst>
+                <p:cond evt="onNext" delay="0">
+                  <p:tgtEl>
+                    <p:sldTgt/>
+                  </p:tgtEl>
+                </p:cond>
+              </p:nextCondLst>
+            </p:seq>
+          </p:childTnLst>
+        </p:cTn>
+      </p:par>
+    </p:tnLst>
+    <p:bldLst>
+      <p:bldP spid="3" grpId="0" build="p"/>
+    </p:bldLst>
+  </p:timing>
+</p:sld>
+</file>
+
+<file path=ppt/slides/slide32.xml><?xml version="1.0" encoding="utf-8"?>
+<p:sld xmlns:a="http://schemas.openxmlformats.org/drawingml/2006/main" xmlns:r="http://schemas.openxmlformats.org/officeDocument/2006/relationships" xmlns:p="http://schemas.openxmlformats.org/presentationml/2006/main">
+  <p:cSld>
+    <p:spTree>
+      <p:nvGrpSpPr>
+        <p:cNvPr id="1" name=""/>
+        <p:cNvGrpSpPr/>
+        <p:nvPr/>
+      </p:nvGrpSpPr>
+      <p:grpSpPr>
+        <a:xfrm>
+          <a:off x="0" y="0"/>
+          <a:ext cx="0" cy="0"/>
+          <a:chOff x="0" y="0"/>
+          <a:chExt cx="0" cy="0"/>
+        </a:xfrm>
+      </p:grpSpPr>
+      <p:sp>
+        <p:nvSpPr>
+          <p:cNvPr id="2" name="Title 1">
+            <a:extLst>
+              <a:ext uri="{FF2B5EF4-FFF2-40B4-BE49-F238E27FC236}">
+                <a16:creationId xmlns:a16="http://schemas.microsoft.com/office/drawing/2014/main" id="{7E40E925-15CE-4103-966C-081F92DE4F0E}"/>
+              </a:ext>
+            </a:extLst>
+          </p:cNvPr>
+          <p:cNvSpPr>
+            <a:spLocks noGrp="1"/>
+          </p:cNvSpPr>
+          <p:nvPr>
+            <p:ph type="title"/>
+          </p:nvPr>
+        </p:nvSpPr>
+        <p:spPr>
+          <a:xfrm>
+            <a:off x="152400" y="53975"/>
+            <a:ext cx="8229600" cy="1195386"/>
+          </a:xfrm>
+        </p:spPr>
+        <p:txBody>
+          <a:bodyPr/>
+          <a:lstStyle/>
+          <a:p>
+            <a:r>
+              <a:rPr lang="en-US" dirty="0"/>
+              <a:t>Memory mapped I/O: Example</a:t>
+            </a:r>
+            <a:br>
+              <a:rPr lang="en-US" dirty="0"/>
+            </a:br>
+            <a:r>
+              <a:rPr lang="en-US" dirty="0"/>
+              <a:t>Look for the ‘register map’ for your device</a:t>
+            </a:r>
+          </a:p>
+        </p:txBody>
+      </p:sp>
+      <p:sp>
+        <p:nvSpPr>
+          <p:cNvPr id="4" name="Date Placeholder 3">
+            <a:extLst>
+              <a:ext uri="{FF2B5EF4-FFF2-40B4-BE49-F238E27FC236}">
+                <a16:creationId xmlns:a16="http://schemas.microsoft.com/office/drawing/2014/main" id="{C69CCCFB-AE95-45A4-9547-5064A852E6F9}"/>
+              </a:ext>
+            </a:extLst>
+          </p:cNvPr>
+          <p:cNvSpPr>
+            <a:spLocks noGrp="1"/>
+          </p:cNvSpPr>
+          <p:nvPr>
+            <p:ph type="dt" sz="half" idx="10"/>
+          </p:nvPr>
+        </p:nvSpPr>
+        <p:spPr/>
+        <p:txBody>
+          <a:bodyPr/>
+          <a:lstStyle/>
+          <a:p>
+            <a:pPr>
+              <a:defRPr/>
+            </a:pPr>
+            <a:r>
+              <a:rPr lang="en-US"/>
+              <a:t>21/12/2020</a:t>
+            </a:r>
+          </a:p>
+        </p:txBody>
+      </p:sp>
+      <p:sp>
+        <p:nvSpPr>
+          <p:cNvPr id="5" name="Slide Number Placeholder 4">
+            <a:extLst>
+              <a:ext uri="{FF2B5EF4-FFF2-40B4-BE49-F238E27FC236}">
+                <a16:creationId xmlns:a16="http://schemas.microsoft.com/office/drawing/2014/main" id="{CAE9FE28-658D-4EE0-8F66-BD267DA039C9}"/>
+              </a:ext>
+            </a:extLst>
+          </p:cNvPr>
+          <p:cNvSpPr>
+            <a:spLocks noGrp="1"/>
+          </p:cNvSpPr>
+          <p:nvPr>
+            <p:ph type="sldNum" sz="quarter" idx="12"/>
+          </p:nvPr>
+        </p:nvSpPr>
+        <p:spPr/>
+        <p:txBody>
+          <a:bodyPr/>
+          <a:lstStyle/>
+          <a:p>
+            <a:pPr>
+              <a:defRPr/>
+            </a:pPr>
+            <a:fld id="{CA887A73-1AE0-46F8-856A-18EA1CF30A1B}" type="slidenum">
+              <a:rPr lang="en-US" altLang="en-US" smtClean="0"/>
+              <a:pPr>
+                <a:defRPr/>
+              </a:pPr>
+              <a:t>32</a:t>
+            </a:fld>
+            <a:endParaRPr lang="en-US" altLang="en-US"/>
+          </a:p>
+        </p:txBody>
+      </p:sp>
+      <p:pic>
+        <p:nvPicPr>
+          <p:cNvPr id="10" name="Picture 2" descr="Understanding the Memory Map of a Microcontroller | TA Embedded posted on  the topic | LinkedIn">
+            <a:extLst>
+              <a:ext uri="{FF2B5EF4-FFF2-40B4-BE49-F238E27FC236}">
+                <a16:creationId xmlns:a16="http://schemas.microsoft.com/office/drawing/2014/main" id="{13CB0C71-355F-4681-B47A-9EAF5FCFC602}"/>
+              </a:ext>
+            </a:extLst>
+          </p:cNvPr>
+          <p:cNvPicPr>
+            <a:picLocks noChangeAspect="1" noChangeArrowheads="1"/>
+          </p:cNvPicPr>
+          <p:nvPr/>
+        </p:nvPicPr>
+        <p:blipFill>
+          <a:blip r:embed="rId2">
+            <a:extLst>
+              <a:ext uri="{28A0092B-C50C-407E-A947-70E740481C1C}">
+                <a14:useLocalDpi xmlns:a14="http://schemas.microsoft.com/office/drawing/2010/main" val="0"/>
+              </a:ext>
+            </a:extLst>
+          </a:blip>
+          <a:srcRect/>
+          <a:stretch>
+            <a:fillRect/>
+          </a:stretch>
+        </p:blipFill>
+        <p:spPr bwMode="auto">
+          <a:xfrm>
+            <a:off x="173736" y="1370083"/>
+            <a:ext cx="2033011" cy="3049517"/>
+          </a:xfrm>
+          <a:prstGeom prst="rect">
+            <a:avLst/>
+          </a:prstGeom>
+          <a:noFill/>
+          <a:extLst>
+            <a:ext uri="{909E8E84-426E-40DD-AFC4-6F175D3DCCD1}">
+              <a14:hiddenFill xmlns:a14="http://schemas.microsoft.com/office/drawing/2010/main">
+                <a:solidFill>
+                  <a:srgbClr val="FFFFFF"/>
+                </a:solidFill>
+              </a14:hiddenFill>
+            </a:ext>
+          </a:extLst>
+        </p:spPr>
+      </p:pic>
+      <p:pic>
+        <p:nvPicPr>
+          <p:cNvPr id="11" name="Picture 4" descr="How to Access Memory Mapped Peripheral Registers of Microcontrollers">
+            <a:extLst>
+              <a:ext uri="{FF2B5EF4-FFF2-40B4-BE49-F238E27FC236}">
+                <a16:creationId xmlns:a16="http://schemas.microsoft.com/office/drawing/2014/main" id="{00A233DB-C983-4C4A-AD09-24900BD62996}"/>
+              </a:ext>
+            </a:extLst>
+          </p:cNvPr>
+          <p:cNvPicPr>
+            <a:picLocks noChangeAspect="1" noChangeArrowheads="1"/>
+          </p:cNvPicPr>
+          <p:nvPr/>
+        </p:nvPicPr>
+        <p:blipFill rotWithShape="1">
+          <a:blip r:embed="rId3">
+            <a:extLst>
+              <a:ext uri="{28A0092B-C50C-407E-A947-70E740481C1C}">
+                <a14:useLocalDpi xmlns:a14="http://schemas.microsoft.com/office/drawing/2010/main" val="0"/>
+              </a:ext>
+            </a:extLst>
+          </a:blip>
+          <a:srcRect l="50000"/>
+          <a:stretch/>
+        </p:blipFill>
+        <p:spPr bwMode="auto">
+          <a:xfrm>
+            <a:off x="2008632" y="2307149"/>
+            <a:ext cx="1343143" cy="1446211"/>
+          </a:xfrm>
+          <a:prstGeom prst="rect">
+            <a:avLst/>
+          </a:prstGeom>
+          <a:noFill/>
+          <a:extLst>
+            <a:ext uri="{909E8E84-426E-40DD-AFC4-6F175D3DCCD1}">
+              <a14:hiddenFill xmlns:a14="http://schemas.microsoft.com/office/drawing/2010/main">
+                <a:solidFill>
+                  <a:srgbClr val="FFFFFF"/>
+                </a:solidFill>
+              </a14:hiddenFill>
+            </a:ext>
+          </a:extLst>
+        </p:spPr>
+      </p:pic>
+      <p:pic>
+        <p:nvPicPr>
+          <p:cNvPr id="1030" name="Picture 6" descr="Embedded Systems Study Group | Notes and Assignments of embedded systems  study group">
+            <a:extLst>
+              <a:ext uri="{FF2B5EF4-FFF2-40B4-BE49-F238E27FC236}">
+                <a16:creationId xmlns:a16="http://schemas.microsoft.com/office/drawing/2014/main" id="{45506E17-3D76-4586-B8EB-1C721F3BA333}"/>
+              </a:ext>
+            </a:extLst>
+          </p:cNvPr>
+          <p:cNvPicPr>
+            <a:picLocks noGrp="1" noChangeAspect="1" noChangeArrowheads="1"/>
+          </p:cNvPicPr>
+          <p:nvPr>
+            <p:ph idx="1"/>
+          </p:nvPr>
+        </p:nvPicPr>
+        <p:blipFill>
+          <a:blip r:embed="rId4">
+            <a:extLst>
+              <a:ext uri="{28A0092B-C50C-407E-A947-70E740481C1C}">
+                <a14:useLocalDpi xmlns:a14="http://schemas.microsoft.com/office/drawing/2010/main" val="0"/>
+              </a:ext>
+            </a:extLst>
+          </a:blip>
+          <a:srcRect/>
+          <a:stretch>
+            <a:fillRect/>
+          </a:stretch>
+        </p:blipFill>
+        <p:spPr bwMode="auto">
+          <a:xfrm>
+            <a:off x="3429000" y="1600200"/>
+            <a:ext cx="5638800" cy="4652010"/>
+          </a:xfrm>
+          <a:prstGeom prst="rect">
+            <a:avLst/>
+          </a:prstGeom>
+          <a:noFill/>
+          <a:extLst>
+            <a:ext uri="{909E8E84-426E-40DD-AFC4-6F175D3DCCD1}">
+              <a14:hiddenFill xmlns:a14="http://schemas.microsoft.com/office/drawing/2010/main">
+                <a:solidFill>
+                  <a:srgbClr val="FFFFFF"/>
+                </a:solidFill>
+              </a14:hiddenFill>
+            </a:ext>
+          </a:extLst>
+        </p:spPr>
+      </p:pic>
+    </p:spTree>
+    <p:extLst>
+      <p:ext uri="{BB962C8B-B14F-4D97-AF65-F5344CB8AC3E}">
+        <p14:creationId xmlns:p14="http://schemas.microsoft.com/office/powerpoint/2010/main" val="3666905880"/>
+      </p:ext>
+    </p:extLst>
+  </p:cSld>
+  <p:clrMapOvr>
+    <a:masterClrMapping/>
+  </p:clrMapOvr>
+  <p:timing>
+    <p:tnLst>
+      <p:par>
+        <p:cTn id="1" dur="indefinite" restart="never" nodeType="tmRoot">
+          <p:childTnLst>
+            <p:seq concurrent="1" nextAc="seek">
+              <p:cTn id="2" dur="indefinite" nodeType="mainSeq">
+                <p:childTnLst>
+                  <p:par>
+                    <p:cTn id="3" fill="hold">
+                      <p:stCondLst>
+                        <p:cond delay="indefinite"/>
+                      </p:stCondLst>
+                      <p:childTnLst>
+                        <p:par>
+                          <p:cTn id="4" fill="hold">
+                            <p:stCondLst>
+                              <p:cond delay="0"/>
+                            </p:stCondLst>
+                            <p:childTnLst>
+                              <p:par>
+                                <p:cTn id="5" presetID="1" presetClass="entr" presetSubtype="0" fill="hold" nodeType="clickEffect">
+                                  <p:stCondLst>
+                                    <p:cond delay="0"/>
+                                  </p:stCondLst>
+                                  <p:childTnLst>
+                                    <p:set>
+                                      <p:cBhvr>
+                                        <p:cTn id="6" dur="1" fill="hold">
+                                          <p:stCondLst>
+                                            <p:cond delay="0"/>
+                                          </p:stCondLst>
+                                        </p:cTn>
+                                        <p:tgtEl>
+                                          <p:spTgt spid="10"/>
+                                        </p:tgtEl>
+                                        <p:attrNameLst>
+                                          <p:attrName>style.visibility</p:attrName>
+                                        </p:attrNameLst>
+                                      </p:cBhvr>
+                                      <p:to>
+                                        <p:strVal val="visible"/>
+                                      </p:to>
+                                    </p:set>
+                                  </p:childTnLst>
+                                </p:cTn>
+                              </p:par>
+                            </p:childTnLst>
+                          </p:cTn>
+                        </p:par>
+                      </p:childTnLst>
+                    </p:cTn>
+                  </p:par>
+                  <p:par>
+                    <p:cTn id="7" fill="hold">
+                      <p:stCondLst>
+                        <p:cond delay="indefinite"/>
+                      </p:stCondLst>
+                      <p:childTnLst>
+                        <p:par>
+                          <p:cTn id="8" fill="hold">
+                            <p:stCondLst>
+                              <p:cond delay="0"/>
+                            </p:stCondLst>
+                            <p:childTnLst>
+                              <p:par>
+                                <p:cTn id="9" presetID="1" presetClass="entr" presetSubtype="0" fill="hold" nodeType="clickEffect">
+                                  <p:stCondLst>
+                                    <p:cond delay="0"/>
+                                  </p:stCondLst>
+                                  <p:childTnLst>
+                                    <p:set>
+                                      <p:cBhvr>
+                                        <p:cTn id="10" dur="1" fill="hold">
+                                          <p:stCondLst>
+                                            <p:cond delay="0"/>
+                                          </p:stCondLst>
+                                        </p:cTn>
+                                        <p:tgtEl>
+                                          <p:spTgt spid="11"/>
+                                        </p:tgtEl>
+                                        <p:attrNameLst>
+                                          <p:attrName>style.visibility</p:attrName>
+                                        </p:attrNameLst>
+                                      </p:cBhvr>
+                                      <p:to>
+                                        <p:strVal val="visible"/>
+                                      </p:to>
+                                    </p:set>
+                                  </p:childTnLst>
+                                </p:cTn>
+                              </p:par>
+                            </p:childTnLst>
+                          </p:cTn>
+                        </p:par>
+                      </p:childTnLst>
+                    </p:cTn>
+                  </p:par>
+                  <p:par>
+                    <p:cTn id="11" fill="hold">
+                      <p:stCondLst>
+                        <p:cond delay="indefinite"/>
+                      </p:stCondLst>
+                      <p:childTnLst>
+                        <p:par>
+                          <p:cTn id="12" fill="hold">
+                            <p:stCondLst>
+                              <p:cond delay="0"/>
+                            </p:stCondLst>
+                            <p:childTnLst>
+                              <p:par>
+                                <p:cTn id="13" presetID="1" presetClass="entr" presetSubtype="0" fill="hold" nodeType="clickEffect">
+                                  <p:stCondLst>
+                                    <p:cond delay="0"/>
+                                  </p:stCondLst>
+                                  <p:childTnLst>
+                                    <p:set>
+                                      <p:cBhvr>
+                                        <p:cTn id="14" dur="1" fill="hold">
+                                          <p:stCondLst>
+                                            <p:cond delay="0"/>
+                                          </p:stCondLst>
+                                        </p:cTn>
+                                        <p:tgtEl>
+                                          <p:spTgt spid="1030"/>
+                                        </p:tgtEl>
+                                        <p:attrNameLst>
+                                          <p:attrName>style.visibility</p:attrName>
+                                        </p:attrNameLst>
+                                      </p:cBhvr>
+                                      <p:to>
+                                        <p:strVal val="visible"/>
+                                      </p:to>
+                                    </p:set>
+                                  </p:childTnLst>
+                                </p:cTn>
+                              </p:par>
+                            </p:childTnLst>
+                          </p:cTn>
+                        </p:par>
+                      </p:childTnLst>
+                    </p:cTn>
+                  </p:par>
+                </p:childTnLst>
+              </p:cTn>
+              <p:prevCondLst>
+                <p:cond evt="onPrev" delay="0">
+                  <p:tgtEl>
+                    <p:sldTgt/>
+                  </p:tgtEl>
+                </p:cond>
+              </p:prevCondLst>
+              <p:nextCondLst>
+                <p:cond evt="onNext" delay="0">
+                  <p:tgtEl>
+                    <p:sldTgt/>
+                  </p:tgtEl>
+                </p:cond>
+              </p:nextCondLst>
+            </p:seq>
+          </p:childTnLst>
+        </p:cTn>
+      </p:par>
+    </p:tnLst>
+  </p:timing>
+</p:sld>
+</file>
+
+<file path=ppt/slides/slide33.xml><?xml version="1.0" encoding="utf-8"?>
+<p:sld xmlns:a="http://schemas.openxmlformats.org/drawingml/2006/main" xmlns:r="http://schemas.openxmlformats.org/officeDocument/2006/relationships" xmlns:p="http://schemas.openxmlformats.org/presentationml/2006/main">
+  <p:cSld>
+    <p:spTree>
+      <p:nvGrpSpPr>
+        <p:cNvPr id="1" name=""/>
+        <p:cNvGrpSpPr/>
+        <p:nvPr/>
+      </p:nvGrpSpPr>
+      <p:grpSpPr>
+        <a:xfrm>
+          <a:off x="0" y="0"/>
+          <a:ext cx="0" cy="0"/>
+          <a:chOff x="0" y="0"/>
+          <a:chExt cx="0" cy="0"/>
+        </a:xfrm>
+      </p:grpSpPr>
+      <p:sp>
+        <p:nvSpPr>
+          <p:cNvPr id="2" name="Title 1">
+            <a:extLst>
+              <a:ext uri="{FF2B5EF4-FFF2-40B4-BE49-F238E27FC236}">
+                <a16:creationId xmlns:a16="http://schemas.microsoft.com/office/drawing/2014/main" id="{5FB84A97-1E37-4A29-A704-AFED03E27DAC}"/>
+              </a:ext>
+            </a:extLst>
+          </p:cNvPr>
+          <p:cNvSpPr>
+            <a:spLocks noGrp="1"/>
+          </p:cNvSpPr>
+          <p:nvPr>
+            <p:ph type="title"/>
+          </p:nvPr>
+        </p:nvSpPr>
+        <p:spPr/>
+        <p:txBody>
+          <a:bodyPr/>
+          <a:lstStyle/>
+          <a:p>
+            <a:r>
+              <a:rPr lang="en-US" dirty="0"/>
+              <a:t>I/O is asynchronous</a:t>
+            </a:r>
+          </a:p>
+        </p:txBody>
+      </p:sp>
+      <p:sp>
+        <p:nvSpPr>
+          <p:cNvPr id="3" name="Content Placeholder 2">
+            <a:extLst>
+              <a:ext uri="{FF2B5EF4-FFF2-40B4-BE49-F238E27FC236}">
+                <a16:creationId xmlns:a16="http://schemas.microsoft.com/office/drawing/2014/main" id="{BE7C701C-04E3-4A50-B636-3ABE4AFF5813}"/>
+              </a:ext>
+            </a:extLst>
+          </p:cNvPr>
+          <p:cNvSpPr>
+            <a:spLocks noGrp="1"/>
+          </p:cNvSpPr>
+          <p:nvPr>
+            <p:ph idx="1"/>
+          </p:nvPr>
+        </p:nvSpPr>
+        <p:spPr/>
+        <p:txBody>
+          <a:bodyPr/>
+          <a:lstStyle/>
+          <a:p>
+            <a:r>
+              <a:rPr lang="en-US" dirty="0"/>
+              <a:t>Software runs sequentially – one instruction after another in a serial order</a:t>
+            </a:r>
+          </a:p>
+          <a:p>
+            <a:r>
+              <a:rPr lang="en-US" dirty="0"/>
+              <a:t>Timing of each instruction is fixed relative to other instructions</a:t>
+            </a:r>
+          </a:p>
+          <a:p>
+            <a:r>
+              <a:rPr lang="en-US" dirty="0"/>
+              <a:t>External events are asynchronous, i.e. their timing is unrelated to the instructions being run</a:t>
+            </a:r>
+          </a:p>
+          <a:p>
+            <a:r>
+              <a:rPr lang="en-US" dirty="0"/>
+              <a:t>How do we handle asynchronous events happening in the external world?</a:t>
+            </a:r>
+          </a:p>
+        </p:txBody>
+      </p:sp>
+      <p:sp>
+        <p:nvSpPr>
+          <p:cNvPr id="4" name="Date Placeholder 3">
+            <a:extLst>
+              <a:ext uri="{FF2B5EF4-FFF2-40B4-BE49-F238E27FC236}">
+                <a16:creationId xmlns:a16="http://schemas.microsoft.com/office/drawing/2014/main" id="{D63509B5-C499-4E74-AC5A-8EEF859AF342}"/>
+              </a:ext>
+            </a:extLst>
+          </p:cNvPr>
+          <p:cNvSpPr>
+            <a:spLocks noGrp="1"/>
+          </p:cNvSpPr>
+          <p:nvPr>
+            <p:ph type="dt" sz="half" idx="10"/>
+          </p:nvPr>
+        </p:nvSpPr>
+        <p:spPr/>
+        <p:txBody>
+          <a:bodyPr/>
+          <a:lstStyle/>
+          <a:p>
+            <a:pPr>
+              <a:defRPr/>
+            </a:pPr>
+            <a:r>
+              <a:rPr lang="en-US"/>
+              <a:t>21/12/2020</a:t>
+            </a:r>
+          </a:p>
+        </p:txBody>
+      </p:sp>
+      <p:sp>
+        <p:nvSpPr>
+          <p:cNvPr id="5" name="Slide Number Placeholder 4">
+            <a:extLst>
+              <a:ext uri="{FF2B5EF4-FFF2-40B4-BE49-F238E27FC236}">
+                <a16:creationId xmlns:a16="http://schemas.microsoft.com/office/drawing/2014/main" id="{1FB50786-62F5-4C43-8009-FD49491770BD}"/>
+              </a:ext>
+            </a:extLst>
+          </p:cNvPr>
+          <p:cNvSpPr>
+            <a:spLocks noGrp="1"/>
+          </p:cNvSpPr>
+          <p:nvPr>
+            <p:ph type="sldNum" sz="quarter" idx="12"/>
+          </p:nvPr>
+        </p:nvSpPr>
+        <p:spPr/>
+        <p:txBody>
+          <a:bodyPr/>
+          <a:lstStyle/>
+          <a:p>
+            <a:pPr>
+              <a:defRPr/>
+            </a:pPr>
+            <a:fld id="{CA887A73-1AE0-46F8-856A-18EA1CF30A1B}" type="slidenum">
+              <a:rPr lang="en-US" altLang="en-US" smtClean="0"/>
+              <a:pPr>
+                <a:defRPr/>
+              </a:pPr>
+              <a:t>33</a:t>
+            </a:fld>
+            <a:endParaRPr lang="en-US" altLang="en-US"/>
+          </a:p>
+        </p:txBody>
+      </p:sp>
+    </p:spTree>
+    <p:extLst>
+      <p:ext uri="{BB962C8B-B14F-4D97-AF65-F5344CB8AC3E}">
+        <p14:creationId xmlns:p14="http://schemas.microsoft.com/office/powerpoint/2010/main" val="3072440861"/>
+      </p:ext>
+    </p:extLst>
+  </p:cSld>
+  <p:clrMapOvr>
+    <a:masterClrMapping/>
+  </p:clrMapOvr>
+  <p:timing>
+    <p:tnLst>
+      <p:par>
+        <p:cTn id="1" dur="indefinite" restart="never" nodeType="tmRoot">
+          <p:childTnLst>
+            <p:seq concurrent="1" nextAc="seek">
+              <p:cTn id="2" dur="indefinite" nodeType="mainSeq">
+                <p:childTnLst>
+                  <p:par>
+                    <p:cTn id="3" fill="hold">
+                      <p:stCondLst>
+                        <p:cond delay="indefinite"/>
+                      </p:stCondLst>
+                      <p:childTnLst>
+                        <p:par>
+                          <p:cTn id="4" fill="hold">
+                            <p:stCondLst>
+                              <p:cond delay="0"/>
+                            </p:stCondLst>
+                            <p:childTnLst>
+                              <p:par>
+                                <p:cTn id="5" presetID="1" presetClass="entr" presetSubtype="0" fill="hold" grpId="0" nodeType="clickEffect">
+                                  <p:stCondLst>
+                                    <p:cond delay="0"/>
+                                  </p:stCondLst>
+                                  <p:childTnLst>
+                                    <p:set>
+                                      <p:cBhvr>
+                                        <p:cTn id="6" dur="1" fill="hold">
+                                          <p:stCondLst>
+                                            <p:cond delay="0"/>
+                                          </p:stCondLst>
+                                        </p:cTn>
+                                        <p:tgtEl>
+                                          <p:spTgt spid="3">
+                                            <p:txEl>
+                                              <p:pRg st="0" end="0"/>
+                                            </p:txEl>
+                                          </p:spTgt>
+                                        </p:tgtEl>
+                                        <p:attrNameLst>
+                                          <p:attrName>style.visibility</p:attrName>
+                                        </p:attrNameLst>
+                                      </p:cBhvr>
+                                      <p:to>
+                                        <p:strVal val="visible"/>
+                                      </p:to>
+                                    </p:set>
+                                  </p:childTnLst>
+                                </p:cTn>
+                              </p:par>
+                            </p:childTnLst>
+                          </p:cTn>
+                        </p:par>
+                      </p:childTnLst>
+                    </p:cTn>
+                  </p:par>
+                  <p:par>
+                    <p:cTn id="7" fill="hold">
+                      <p:stCondLst>
+                        <p:cond delay="indefinite"/>
+                      </p:stCondLst>
+                      <p:childTnLst>
+                        <p:par>
+                          <p:cTn id="8" fill="hold">
+                            <p:stCondLst>
+                              <p:cond delay="0"/>
+                            </p:stCondLst>
+                            <p:childTnLst>
+                              <p:par>
+                                <p:cTn id="9" presetID="1" presetClass="entr" presetSubtype="0" fill="hold" grpId="0" nodeType="clickEffect">
+                                  <p:stCondLst>
+                                    <p:cond delay="0"/>
+                                  </p:stCondLst>
+                                  <p:childTnLst>
+                                    <p:set>
+                                      <p:cBhvr>
+                                        <p:cTn id="10" dur="1" fill="hold">
+                                          <p:stCondLst>
+                                            <p:cond delay="0"/>
+                                          </p:stCondLst>
+                                        </p:cTn>
+                                        <p:tgtEl>
+                                          <p:spTgt spid="3">
+                                            <p:txEl>
+                                              <p:pRg st="1" end="1"/>
+                                            </p:txEl>
+                                          </p:spTgt>
+                                        </p:tgtEl>
+                                        <p:attrNameLst>
+                                          <p:attrName>style.visibility</p:attrName>
+                                        </p:attrNameLst>
+                                      </p:cBhvr>
+                                      <p:to>
+                                        <p:strVal val="visible"/>
+                                      </p:to>
+                                    </p:set>
+                                  </p:childTnLst>
+                                </p:cTn>
+                              </p:par>
+                            </p:childTnLst>
+                          </p:cTn>
+                        </p:par>
+                      </p:childTnLst>
+                    </p:cTn>
+                  </p:par>
+                  <p:par>
+                    <p:cTn id="11" fill="hold">
+                      <p:stCondLst>
+                        <p:cond delay="indefinite"/>
+                      </p:stCondLst>
+                      <p:childTnLst>
+                        <p:par>
+                          <p:cTn id="12" fill="hold">
+                            <p:stCondLst>
+                              <p:cond delay="0"/>
+                            </p:stCondLst>
+                            <p:childTnLst>
+                              <p:par>
+                                <p:cTn id="13" presetID="1" presetClass="entr" presetSubtype="0" fill="hold" grpId="0" nodeType="clickEffect">
+                                  <p:stCondLst>
+                                    <p:cond delay="0"/>
+                                  </p:stCondLst>
+                                  <p:childTnLst>
+                                    <p:set>
+                                      <p:cBhvr>
+                                        <p:cTn id="14" dur="1" fill="hold">
+                                          <p:stCondLst>
+                                            <p:cond delay="0"/>
+                                          </p:stCondLst>
+                                        </p:cTn>
+                                        <p:tgtEl>
+                                          <p:spTgt spid="3">
+                                            <p:txEl>
+                                              <p:pRg st="2" end="2"/>
+                                            </p:txEl>
+                                          </p:spTgt>
+                                        </p:tgtEl>
+                                        <p:attrNameLst>
+                                          <p:attrName>style.visibility</p:attrName>
+                                        </p:attrNameLst>
+                                      </p:cBhvr>
+                                      <p:to>
+                                        <p:strVal val="visible"/>
+                                      </p:to>
+                                    </p:set>
+                                  </p:childTnLst>
+                                </p:cTn>
+                              </p:par>
+                            </p:childTnLst>
+                          </p:cTn>
+                        </p:par>
+                      </p:childTnLst>
+                    </p:cTn>
+                  </p:par>
+                  <p:par>
+                    <p:cTn id="15" fill="hold">
+                      <p:stCondLst>
+                        <p:cond delay="indefinite"/>
+                      </p:stCondLst>
+                      <p:childTnLst>
+                        <p:par>
+                          <p:cTn id="16" fill="hold">
+                            <p:stCondLst>
+                              <p:cond delay="0"/>
+                            </p:stCondLst>
+                            <p:childTnLst>
+                              <p:par>
+                                <p:cTn id="17" presetID="1" presetClass="entr" presetSubtype="0" fill="hold" grpId="0" nodeType="clickEffect">
+                                  <p:stCondLst>
+                                    <p:cond delay="0"/>
+                                  </p:stCondLst>
+                                  <p:childTnLst>
+                                    <p:set>
+                                      <p:cBhvr>
+                                        <p:cTn id="18" dur="1" fill="hold">
+                                          <p:stCondLst>
+                                            <p:cond delay="0"/>
+                                          </p:stCondLst>
+                                        </p:cTn>
+                                        <p:tgtEl>
+                                          <p:spTgt spid="3">
+                                            <p:txEl>
+                                              <p:pRg st="3" end="3"/>
+                                            </p:txEl>
+                                          </p:spTgt>
+                                        </p:tgtEl>
+                                        <p:attrNameLst>
+                                          <p:attrName>style.visibility</p:attrName>
+                                        </p:attrNameLst>
+                                      </p:cBhvr>
+                                      <p:to>
+                                        <p:strVal val="visible"/>
+                                      </p:to>
+                                    </p:set>
+                                  </p:childTnLst>
+                                </p:cTn>
+                              </p:par>
+                            </p:childTnLst>
+                          </p:cTn>
+                        </p:par>
+                      </p:childTnLst>
+                    </p:cTn>
+                  </p:par>
+                </p:childTnLst>
+              </p:cTn>
+              <p:prevCondLst>
+                <p:cond evt="onPrev" delay="0">
+                  <p:tgtEl>
+                    <p:sldTgt/>
+                  </p:tgtEl>
+                </p:cond>
+              </p:prevCondLst>
+              <p:nextCondLst>
+                <p:cond evt="onNext" delay="0">
+                  <p:tgtEl>
+                    <p:sldTgt/>
+                  </p:tgtEl>
+                </p:cond>
+              </p:nextCondLst>
+            </p:seq>
+          </p:childTnLst>
+        </p:cTn>
+      </p:par>
+    </p:tnLst>
+    <p:bldLst>
+      <p:bldP spid="3" grpId="0" build="p"/>
+    </p:bldLst>
+  </p:timing>
+</p:sld>
+</file>
+
+<file path=ppt/slides/slide34.xml><?xml version="1.0" encoding="utf-8"?>
+<p:sld xmlns:a="http://schemas.openxmlformats.org/drawingml/2006/main" xmlns:r="http://schemas.openxmlformats.org/officeDocument/2006/relationships" xmlns:p="http://schemas.openxmlformats.org/presentationml/2006/main">
+  <p:cSld>
+    <p:spTree>
+      <p:nvGrpSpPr>
+        <p:cNvPr id="1" name=""/>
+        <p:cNvGrpSpPr/>
+        <p:nvPr/>
+      </p:nvGrpSpPr>
+      <p:grpSpPr>
+        <a:xfrm>
+          <a:off x="0" y="0"/>
+          <a:ext cx="0" cy="0"/>
+          <a:chOff x="0" y="0"/>
+          <a:chExt cx="0" cy="0"/>
+        </a:xfrm>
+      </p:grpSpPr>
+      <p:sp>
+        <p:nvSpPr>
+          <p:cNvPr id="2" name="Title 1">
+            <a:extLst>
+              <a:ext uri="{FF2B5EF4-FFF2-40B4-BE49-F238E27FC236}">
+                <a16:creationId xmlns:a16="http://schemas.microsoft.com/office/drawing/2014/main" id="{0A0483FB-C18E-4411-963F-D28ABEA822D2}"/>
+              </a:ext>
+            </a:extLst>
+          </p:cNvPr>
+          <p:cNvSpPr>
+            <a:spLocks noGrp="1"/>
+          </p:cNvSpPr>
+          <p:nvPr>
+            <p:ph type="title"/>
+          </p:nvPr>
+        </p:nvSpPr>
+        <p:spPr/>
+        <p:txBody>
+          <a:bodyPr/>
+          <a:lstStyle/>
+          <a:p>
+            <a:r>
+              <a:rPr lang="en-US" dirty="0"/>
+              <a:t>Dealing with asynchronous events – polling</a:t>
+            </a:r>
+          </a:p>
+        </p:txBody>
+      </p:sp>
+      <p:sp>
+        <p:nvSpPr>
+          <p:cNvPr id="3" name="Content Placeholder 2">
+            <a:extLst>
+              <a:ext uri="{FF2B5EF4-FFF2-40B4-BE49-F238E27FC236}">
+                <a16:creationId xmlns:a16="http://schemas.microsoft.com/office/drawing/2014/main" id="{8D77E91F-5A68-44BA-80D3-C5D90A91B532}"/>
+              </a:ext>
+            </a:extLst>
+          </p:cNvPr>
+          <p:cNvSpPr>
+            <a:spLocks noGrp="1"/>
+          </p:cNvSpPr>
+          <p:nvPr>
+            <p:ph idx="1"/>
+          </p:nvPr>
+        </p:nvSpPr>
+        <p:spPr/>
+        <p:txBody>
+          <a:bodyPr/>
+          <a:lstStyle/>
+          <a:p>
+            <a:r>
+              <a:rPr lang="en-US" sz="2400" dirty="0"/>
+              <a:t>Option 1: software periodically asks I/O devices for updates</a:t>
+            </a:r>
+          </a:p>
+          <a:p>
+            <a:r>
+              <a:rPr lang="en-US" sz="2400" dirty="0">
+                <a:solidFill>
+                  <a:srgbClr val="72C3E8"/>
+                </a:solidFill>
+              </a:rPr>
+              <a:t>Polling</a:t>
+            </a:r>
+            <a:r>
+              <a:rPr lang="en-US" sz="2400" dirty="0"/>
+              <a:t>: reading a ‘status’ bit or register periodically to check if the peripheral is ready for I/O</a:t>
+            </a:r>
+          </a:p>
+          <a:p>
+            <a:r>
+              <a:rPr lang="en-US" sz="2400" dirty="0"/>
+              <a:t>How often should software ask for updates?</a:t>
+            </a:r>
+          </a:p>
+          <a:p>
+            <a:r>
+              <a:rPr lang="en-US" sz="2400" dirty="0"/>
+              <a:t>I/O device speed as well as event rates span across a wide range</a:t>
+            </a:r>
+          </a:p>
+        </p:txBody>
+      </p:sp>
+      <p:sp>
+        <p:nvSpPr>
+          <p:cNvPr id="4" name="Date Placeholder 3">
+            <a:extLst>
+              <a:ext uri="{FF2B5EF4-FFF2-40B4-BE49-F238E27FC236}">
+                <a16:creationId xmlns:a16="http://schemas.microsoft.com/office/drawing/2014/main" id="{162460C8-34CB-4E4A-8D23-6EB09ED032F8}"/>
+              </a:ext>
+            </a:extLst>
+          </p:cNvPr>
+          <p:cNvSpPr>
+            <a:spLocks noGrp="1"/>
+          </p:cNvSpPr>
+          <p:nvPr>
+            <p:ph type="dt" sz="half" idx="10"/>
+          </p:nvPr>
+        </p:nvSpPr>
+        <p:spPr/>
+        <p:txBody>
+          <a:bodyPr/>
+          <a:lstStyle/>
+          <a:p>
+            <a:pPr>
+              <a:defRPr/>
+            </a:pPr>
+            <a:r>
+              <a:rPr lang="en-US"/>
+              <a:t>21/12/2020</a:t>
+            </a:r>
+          </a:p>
+        </p:txBody>
+      </p:sp>
+      <p:sp>
+        <p:nvSpPr>
+          <p:cNvPr id="5" name="Slide Number Placeholder 4">
+            <a:extLst>
+              <a:ext uri="{FF2B5EF4-FFF2-40B4-BE49-F238E27FC236}">
+                <a16:creationId xmlns:a16="http://schemas.microsoft.com/office/drawing/2014/main" id="{F95F4DF5-D047-47B3-9BD0-DB0CC39F839B}"/>
+              </a:ext>
+            </a:extLst>
+          </p:cNvPr>
+          <p:cNvSpPr>
+            <a:spLocks noGrp="1"/>
+          </p:cNvSpPr>
+          <p:nvPr>
+            <p:ph type="sldNum" sz="quarter" idx="12"/>
+          </p:nvPr>
+        </p:nvSpPr>
+        <p:spPr/>
+        <p:txBody>
+          <a:bodyPr/>
+          <a:lstStyle/>
+          <a:p>
+            <a:pPr>
+              <a:defRPr/>
+            </a:pPr>
+            <a:fld id="{CA887A73-1AE0-46F8-856A-18EA1CF30A1B}" type="slidenum">
+              <a:rPr lang="en-US" altLang="en-US" smtClean="0"/>
+              <a:pPr>
+                <a:defRPr/>
+              </a:pPr>
+              <a:t>34</a:t>
+            </a:fld>
+            <a:endParaRPr lang="en-US" altLang="en-US"/>
+          </a:p>
+        </p:txBody>
+      </p:sp>
+      <p:pic>
+        <p:nvPicPr>
+          <p:cNvPr id="6" name="Content Placeholder 7">
+            <a:extLst>
+              <a:ext uri="{FF2B5EF4-FFF2-40B4-BE49-F238E27FC236}">
+                <a16:creationId xmlns:a16="http://schemas.microsoft.com/office/drawing/2014/main" id="{25B6A5C8-600F-4183-8B2A-E254DD0709E5}"/>
+              </a:ext>
+            </a:extLst>
+          </p:cNvPr>
+          <p:cNvPicPr>
+            <a:picLocks noChangeAspect="1"/>
+          </p:cNvPicPr>
+          <p:nvPr/>
+        </p:nvPicPr>
+        <p:blipFill>
+          <a:blip r:embed="rId2"/>
+          <a:stretch>
+            <a:fillRect/>
+          </a:stretch>
+        </p:blipFill>
+        <p:spPr bwMode="auto">
+          <a:xfrm>
+            <a:off x="3589462" y="3661640"/>
+            <a:ext cx="4995018" cy="2688158"/>
+          </a:xfrm>
+          <a:prstGeom prst="rect">
+            <a:avLst/>
+          </a:prstGeom>
+          <a:noFill/>
+          <a:ln>
+            <a:noFill/>
+          </a:ln>
+          <a:extLst>
+            <a:ext uri="{909E8E84-426E-40DD-AFC4-6F175D3DCCD1}">
+              <a14:hiddenFill xmlns:a14="http://schemas.microsoft.com/office/drawing/2010/main">
+                <a:solidFill>
+                  <a:srgbClr val="FFFFFF"/>
+                </a:solidFill>
+              </a14:hiddenFill>
+            </a:ext>
+            <a:ext uri="{91240B29-F687-4F45-9708-019B960494DF}">
+              <a14:hiddenLine xmlns:a14="http://schemas.microsoft.com/office/drawing/2010/main" w="9525">
+                <a:solidFill>
+                  <a:srgbClr val="000000"/>
+                </a:solidFill>
+                <a:miter lim="800000"/>
+                <a:headEnd/>
+                <a:tailEnd/>
+              </a14:hiddenLine>
+            </a:ext>
+          </a:extLst>
+        </p:spPr>
+      </p:pic>
+      <p:pic>
+        <p:nvPicPr>
+          <p:cNvPr id="8" name="Picture 7">
+            <a:extLst>
+              <a:ext uri="{FF2B5EF4-FFF2-40B4-BE49-F238E27FC236}">
+                <a16:creationId xmlns:a16="http://schemas.microsoft.com/office/drawing/2014/main" id="{43D4E8AD-6720-4523-A50A-99C5487A87E2}"/>
+              </a:ext>
+            </a:extLst>
+          </p:cNvPr>
+          <p:cNvPicPr>
+            <a:picLocks noChangeAspect="1"/>
+          </p:cNvPicPr>
+          <p:nvPr/>
+        </p:nvPicPr>
+        <p:blipFill>
+          <a:blip r:embed="rId3"/>
+          <a:stretch>
+            <a:fillRect/>
+          </a:stretch>
+        </p:blipFill>
+        <p:spPr>
+          <a:xfrm>
+            <a:off x="698647" y="4343400"/>
+            <a:ext cx="2483695" cy="1324638"/>
+          </a:xfrm>
+          <a:prstGeom prst="rect">
+            <a:avLst/>
+          </a:prstGeom>
+        </p:spPr>
+      </p:pic>
+    </p:spTree>
+    <p:extLst>
+      <p:ext uri="{BB962C8B-B14F-4D97-AF65-F5344CB8AC3E}">
+        <p14:creationId xmlns:p14="http://schemas.microsoft.com/office/powerpoint/2010/main" val="3742055243"/>
+      </p:ext>
+    </p:extLst>
+  </p:cSld>
+  <p:clrMapOvr>
+    <a:masterClrMapping/>
+  </p:clrMapOvr>
+  <p:timing>
+    <p:tnLst>
+      <p:par>
+        <p:cTn id="1" dur="indefinite" restart="never" nodeType="tmRoot">
+          <p:childTnLst>
+            <p:seq concurrent="1" nextAc="seek">
+              <p:cTn id="2" dur="indefinite" nodeType="mainSeq">
+                <p:childTnLst>
+                  <p:par>
+                    <p:cTn id="3" fill="hold">
+                      <p:stCondLst>
+                        <p:cond delay="indefinite"/>
+                      </p:stCondLst>
+                      <p:childTnLst>
+                        <p:par>
+                          <p:cTn id="4" fill="hold">
+                            <p:stCondLst>
+                              <p:cond delay="0"/>
+                            </p:stCondLst>
+                            <p:childTnLst>
+                              <p:par>
+                                <p:cTn id="5" presetID="1" presetClass="entr" presetSubtype="0" fill="hold" grpId="0" nodeType="clickEffect">
+                                  <p:stCondLst>
+                                    <p:cond delay="0"/>
+                                  </p:stCondLst>
+                                  <p:childTnLst>
+                                    <p:set>
+                                      <p:cBhvr>
+                                        <p:cTn id="6" dur="1" fill="hold">
+                                          <p:stCondLst>
+                                            <p:cond delay="0"/>
+                                          </p:stCondLst>
+                                        </p:cTn>
+                                        <p:tgtEl>
+                                          <p:spTgt spid="3">
+                                            <p:txEl>
+                                              <p:pRg st="0" end="0"/>
+                                            </p:txEl>
+                                          </p:spTgt>
+                                        </p:tgtEl>
+                                        <p:attrNameLst>
+                                          <p:attrName>style.visibility</p:attrName>
+                                        </p:attrNameLst>
+                                      </p:cBhvr>
+                                      <p:to>
+                                        <p:strVal val="visible"/>
+                                      </p:to>
+                                    </p:set>
+                                  </p:childTnLst>
+                                </p:cTn>
+                              </p:par>
+                            </p:childTnLst>
+                          </p:cTn>
+                        </p:par>
+                      </p:childTnLst>
+                    </p:cTn>
+                  </p:par>
+                  <p:par>
+                    <p:cTn id="7" fill="hold">
+                      <p:stCondLst>
+                        <p:cond delay="indefinite"/>
+                      </p:stCondLst>
+                      <p:childTnLst>
+                        <p:par>
+                          <p:cTn id="8" fill="hold">
+                            <p:stCondLst>
+                              <p:cond delay="0"/>
+                            </p:stCondLst>
+                            <p:childTnLst>
+                              <p:par>
+                                <p:cTn id="9" presetID="1" presetClass="entr" presetSubtype="0" fill="hold" grpId="0" nodeType="clickEffect">
+                                  <p:stCondLst>
+                                    <p:cond delay="0"/>
+                                  </p:stCondLst>
+                                  <p:childTnLst>
+                                    <p:set>
+                                      <p:cBhvr>
+                                        <p:cTn id="10" dur="1" fill="hold">
+                                          <p:stCondLst>
+                                            <p:cond delay="0"/>
+                                          </p:stCondLst>
+                                        </p:cTn>
+                                        <p:tgtEl>
+                                          <p:spTgt spid="3">
+                                            <p:txEl>
+                                              <p:pRg st="1" end="1"/>
+                                            </p:txEl>
+                                          </p:spTgt>
+                                        </p:tgtEl>
+                                        <p:attrNameLst>
+                                          <p:attrName>style.visibility</p:attrName>
+                                        </p:attrNameLst>
+                                      </p:cBhvr>
+                                      <p:to>
+                                        <p:strVal val="visible"/>
+                                      </p:to>
+                                    </p:set>
+                                  </p:childTnLst>
+                                </p:cTn>
+                              </p:par>
+                            </p:childTnLst>
+                          </p:cTn>
+                        </p:par>
+                      </p:childTnLst>
+                    </p:cTn>
+                  </p:par>
+                  <p:par>
+                    <p:cTn id="11" fill="hold">
+                      <p:stCondLst>
+                        <p:cond delay="indefinite"/>
+                      </p:stCondLst>
+                      <p:childTnLst>
+                        <p:par>
+                          <p:cTn id="12" fill="hold">
+                            <p:stCondLst>
+                              <p:cond delay="0"/>
+                            </p:stCondLst>
+                            <p:childTnLst>
+                              <p:par>
+                                <p:cTn id="13" presetID="1" presetClass="entr" presetSubtype="0" fill="hold" nodeType="clickEffect">
+                                  <p:stCondLst>
+                                    <p:cond delay="0"/>
+                                  </p:stCondLst>
+                                  <p:childTnLst>
+                                    <p:set>
+                                      <p:cBhvr>
+                                        <p:cTn id="14" dur="1" fill="hold">
+                                          <p:stCondLst>
+                                            <p:cond delay="0"/>
+                                          </p:stCondLst>
+                                        </p:cTn>
+                                        <p:tgtEl>
+                                          <p:spTgt spid="8"/>
+                                        </p:tgtEl>
+                                        <p:attrNameLst>
+                                          <p:attrName>style.visibility</p:attrName>
+                                        </p:attrNameLst>
+                                      </p:cBhvr>
+                                      <p:to>
+                                        <p:strVal val="visible"/>
+                                      </p:to>
+                                    </p:set>
+                                  </p:childTnLst>
+                                </p:cTn>
+                              </p:par>
+                            </p:childTnLst>
+                          </p:cTn>
+                        </p:par>
+                      </p:childTnLst>
+                    </p:cTn>
+                  </p:par>
+                  <p:par>
+                    <p:cTn id="15" fill="hold">
+                      <p:stCondLst>
+                        <p:cond delay="indefinite"/>
+                      </p:stCondLst>
+                      <p:childTnLst>
+                        <p:par>
+                          <p:cTn id="16" fill="hold">
+                            <p:stCondLst>
+                              <p:cond delay="0"/>
+                            </p:stCondLst>
+                            <p:childTnLst>
+                              <p:par>
+                                <p:cTn id="17" presetID="1" presetClass="entr" presetSubtype="0" fill="hold" grpId="0" nodeType="clickEffect">
+                                  <p:stCondLst>
+                                    <p:cond delay="0"/>
+                                  </p:stCondLst>
+                                  <p:childTnLst>
+                                    <p:set>
+                                      <p:cBhvr>
+                                        <p:cTn id="18" dur="1" fill="hold">
+                                          <p:stCondLst>
+                                            <p:cond delay="0"/>
+                                          </p:stCondLst>
+                                        </p:cTn>
+                                        <p:tgtEl>
+                                          <p:spTgt spid="3">
+                                            <p:txEl>
+                                              <p:pRg st="2" end="2"/>
+                                            </p:txEl>
+                                          </p:spTgt>
+                                        </p:tgtEl>
+                                        <p:attrNameLst>
+                                          <p:attrName>style.visibility</p:attrName>
+                                        </p:attrNameLst>
+                                      </p:cBhvr>
+                                      <p:to>
+                                        <p:strVal val="visible"/>
+                                      </p:to>
+                                    </p:set>
+                                  </p:childTnLst>
+                                </p:cTn>
+                              </p:par>
+                            </p:childTnLst>
+                          </p:cTn>
+                        </p:par>
+                      </p:childTnLst>
+                    </p:cTn>
+                  </p:par>
+                  <p:par>
+                    <p:cTn id="19" fill="hold">
+                      <p:stCondLst>
+                        <p:cond delay="indefinite"/>
+                      </p:stCondLst>
+                      <p:childTnLst>
+                        <p:par>
+                          <p:cTn id="20" fill="hold">
+                            <p:stCondLst>
+                              <p:cond delay="0"/>
+                            </p:stCondLst>
+                            <p:childTnLst>
+                              <p:par>
+                                <p:cTn id="21" presetID="1" presetClass="entr" presetSubtype="0" fill="hold" grpId="0" nodeType="clickEffect">
+                                  <p:stCondLst>
+                                    <p:cond delay="0"/>
+                                  </p:stCondLst>
+                                  <p:childTnLst>
+                                    <p:set>
+                                      <p:cBhvr>
+                                        <p:cTn id="22" dur="1" fill="hold">
+                                          <p:stCondLst>
+                                            <p:cond delay="0"/>
+                                          </p:stCondLst>
+                                        </p:cTn>
+                                        <p:tgtEl>
+                                          <p:spTgt spid="3">
+                                            <p:txEl>
+                                              <p:pRg st="3" end="3"/>
+                                            </p:txEl>
+                                          </p:spTgt>
+                                        </p:tgtEl>
+                                        <p:attrNameLst>
+                                          <p:attrName>style.visibility</p:attrName>
+                                        </p:attrNameLst>
+                                      </p:cBhvr>
+                                      <p:to>
+                                        <p:strVal val="visible"/>
+                                      </p:to>
+                                    </p:set>
+                                  </p:childTnLst>
+                                </p:cTn>
+                              </p:par>
+                            </p:childTnLst>
+                          </p:cTn>
+                        </p:par>
+                      </p:childTnLst>
+                    </p:cTn>
+                  </p:par>
+                  <p:par>
+                    <p:cTn id="23" fill="hold">
+                      <p:stCondLst>
+                        <p:cond delay="indefinite"/>
+                      </p:stCondLst>
+                      <p:childTnLst>
+                        <p:par>
+                          <p:cTn id="24" fill="hold">
+                            <p:stCondLst>
+                              <p:cond delay="0"/>
+                            </p:stCondLst>
+                            <p:childTnLst>
+                              <p:par>
+                                <p:cTn id="25" presetID="1" presetClass="entr" presetSubtype="0" fill="hold" nodeType="clickEffect">
+                                  <p:stCondLst>
+                                    <p:cond delay="0"/>
+                                  </p:stCondLst>
+                                  <p:childTnLst>
+                                    <p:set>
+                                      <p:cBhvr>
+                                        <p:cTn id="26" dur="1" fill="hold">
+                                          <p:stCondLst>
+                                            <p:cond delay="0"/>
+                                          </p:stCondLst>
+                                        </p:cTn>
+                                        <p:tgtEl>
+                                          <p:spTgt spid="6"/>
+                                        </p:tgtEl>
+                                        <p:attrNameLst>
+                                          <p:attrName>style.visibility</p:attrName>
+                                        </p:attrNameLst>
+                                      </p:cBhvr>
+                                      <p:to>
+                                        <p:strVal val="visible"/>
+                                      </p:to>
+                                    </p:set>
+                                  </p:childTnLst>
+                                </p:cTn>
+                              </p:par>
+                            </p:childTnLst>
+                          </p:cTn>
+                        </p:par>
+                      </p:childTnLst>
+                    </p:cTn>
+                  </p:par>
+                </p:childTnLst>
+              </p:cTn>
+              <p:prevCondLst>
+                <p:cond evt="onPrev" delay="0">
+                  <p:tgtEl>
+                    <p:sldTgt/>
+                  </p:tgtEl>
+                </p:cond>
+              </p:prevCondLst>
+              <p:nextCondLst>
+                <p:cond evt="onNext" delay="0">
+                  <p:tgtEl>
+                    <p:sldTgt/>
+                  </p:tgtEl>
+                </p:cond>
+              </p:nextCondLst>
+            </p:seq>
+          </p:childTnLst>
+        </p:cTn>
+      </p:par>
+    </p:tnLst>
+    <p:bldLst>
+      <p:bldP spid="3" grpId="0" uiExpand="1" build="p"/>
+    </p:bldLst>
+  </p:timing>
+</p:sld>
+</file>
+
+<file path=ppt/slides/slide35.xml><?xml version="1.0" encoding="utf-8"?>
+<p:sld xmlns:a="http://schemas.openxmlformats.org/drawingml/2006/main" xmlns:r="http://schemas.openxmlformats.org/officeDocument/2006/relationships" xmlns:p="http://schemas.openxmlformats.org/presentationml/2006/main">
+  <p:cSld>
+    <p:spTree>
+      <p:nvGrpSpPr>
+        <p:cNvPr id="1" name=""/>
+        <p:cNvGrpSpPr/>
+        <p:nvPr/>
+      </p:nvGrpSpPr>
+      <p:grpSpPr>
+        <a:xfrm>
+          <a:off x="0" y="0"/>
+          <a:ext cx="0" cy="0"/>
+          <a:chOff x="0" y="0"/>
+          <a:chExt cx="0" cy="0"/>
+        </a:xfrm>
+      </p:grpSpPr>
+      <p:sp>
+        <p:nvSpPr>
+          <p:cNvPr id="2" name="Title 1">
+            <a:extLst>
+              <a:ext uri="{FF2B5EF4-FFF2-40B4-BE49-F238E27FC236}">
+                <a16:creationId xmlns:a16="http://schemas.microsoft.com/office/drawing/2014/main" id="{693F19F1-FFE3-4BC0-A8E6-41F3EC391E31}"/>
+              </a:ext>
+            </a:extLst>
+          </p:cNvPr>
+          <p:cNvSpPr>
+            <a:spLocks noGrp="1"/>
+          </p:cNvSpPr>
+          <p:nvPr>
+            <p:ph type="title"/>
+          </p:nvPr>
+        </p:nvSpPr>
+        <p:spPr/>
+        <p:txBody>
+          <a:bodyPr/>
+          <a:lstStyle/>
+          <a:p>
+            <a:r>
+              <a:rPr lang="en-US" dirty="0"/>
+              <a:t>Polling I/O</a:t>
+            </a:r>
+          </a:p>
+        </p:txBody>
+      </p:sp>
+      <p:sp>
+        <p:nvSpPr>
+          <p:cNvPr id="3" name="Content Placeholder 2">
+            <a:extLst>
+              <a:ext uri="{FF2B5EF4-FFF2-40B4-BE49-F238E27FC236}">
+                <a16:creationId xmlns:a16="http://schemas.microsoft.com/office/drawing/2014/main" id="{79BC5BC7-9208-4936-BB9E-31CAC475EC31}"/>
+              </a:ext>
+            </a:extLst>
+          </p:cNvPr>
+          <p:cNvSpPr>
+            <a:spLocks noGrp="1"/>
+          </p:cNvSpPr>
+          <p:nvPr>
+            <p:ph idx="1"/>
+          </p:nvPr>
+        </p:nvSpPr>
+        <p:spPr/>
+        <p:txBody>
+          <a:bodyPr/>
+          <a:lstStyle/>
+          <a:p>
+            <a:r>
+              <a:rPr lang="en-US" dirty="0"/>
+              <a:t>Simple</a:t>
+            </a:r>
+          </a:p>
+          <a:p>
+            <a:r>
+              <a:rPr lang="en-US" dirty="0"/>
+              <a:t>Very predictable – know exactly after what interval I/O will be read / updated</a:t>
+            </a:r>
+          </a:p>
+          <a:p>
+            <a:r>
+              <a:rPr lang="en-US" dirty="0"/>
+              <a:t>Wastes CPU time and power</a:t>
+            </a:r>
+          </a:p>
+          <a:p>
+            <a:r>
+              <a:rPr lang="en-US" dirty="0"/>
+              <a:t>Increases latency</a:t>
+            </a:r>
+          </a:p>
+          <a:p>
+            <a:r>
+              <a:rPr lang="en-US" dirty="0"/>
+              <a:t>Cannot scale with many peripherals</a:t>
+            </a:r>
+          </a:p>
+          <a:p>
+            <a:endParaRPr lang="en-US" dirty="0"/>
+          </a:p>
+          <a:p>
+            <a:r>
+              <a:rPr lang="en-US" dirty="0"/>
+              <a:t>Responsiveness == polling frequency</a:t>
+            </a:r>
+          </a:p>
+        </p:txBody>
+      </p:sp>
+      <p:sp>
+        <p:nvSpPr>
+          <p:cNvPr id="4" name="Date Placeholder 3">
+            <a:extLst>
+              <a:ext uri="{FF2B5EF4-FFF2-40B4-BE49-F238E27FC236}">
+                <a16:creationId xmlns:a16="http://schemas.microsoft.com/office/drawing/2014/main" id="{A441421D-E27A-414A-A995-4EC333B5C39E}"/>
+              </a:ext>
+            </a:extLst>
+          </p:cNvPr>
+          <p:cNvSpPr>
+            <a:spLocks noGrp="1"/>
+          </p:cNvSpPr>
+          <p:nvPr>
+            <p:ph type="dt" sz="half" idx="10"/>
+          </p:nvPr>
+        </p:nvSpPr>
+        <p:spPr/>
+        <p:txBody>
+          <a:bodyPr/>
+          <a:lstStyle/>
+          <a:p>
+            <a:pPr>
+              <a:defRPr/>
+            </a:pPr>
+            <a:r>
+              <a:rPr lang="en-US"/>
+              <a:t>21/12/2020</a:t>
+            </a:r>
+          </a:p>
+        </p:txBody>
+      </p:sp>
+      <p:sp>
+        <p:nvSpPr>
+          <p:cNvPr id="5" name="Slide Number Placeholder 4">
+            <a:extLst>
+              <a:ext uri="{FF2B5EF4-FFF2-40B4-BE49-F238E27FC236}">
+                <a16:creationId xmlns:a16="http://schemas.microsoft.com/office/drawing/2014/main" id="{B95D3876-E074-4DD6-A1D5-4EF17D659324}"/>
+              </a:ext>
+            </a:extLst>
+          </p:cNvPr>
+          <p:cNvSpPr>
+            <a:spLocks noGrp="1"/>
+          </p:cNvSpPr>
+          <p:nvPr>
+            <p:ph type="sldNum" sz="quarter" idx="12"/>
+          </p:nvPr>
+        </p:nvSpPr>
+        <p:spPr/>
+        <p:txBody>
+          <a:bodyPr/>
+          <a:lstStyle/>
+          <a:p>
+            <a:pPr>
+              <a:defRPr/>
+            </a:pPr>
+            <a:fld id="{CA887A73-1AE0-46F8-856A-18EA1CF30A1B}" type="slidenum">
+              <a:rPr lang="en-US" altLang="en-US" smtClean="0"/>
+              <a:pPr>
+                <a:defRPr/>
+              </a:pPr>
+              <a:t>35</a:t>
+            </a:fld>
+            <a:endParaRPr lang="en-US" altLang="en-US"/>
+          </a:p>
+        </p:txBody>
+      </p:sp>
+    </p:spTree>
+    <p:extLst>
+      <p:ext uri="{BB962C8B-B14F-4D97-AF65-F5344CB8AC3E}">
+        <p14:creationId xmlns:p14="http://schemas.microsoft.com/office/powerpoint/2010/main" val="2937629370"/>
+      </p:ext>
+    </p:extLst>
+  </p:cSld>
+  <p:clrMapOvr>
+    <a:masterClrMapping/>
+  </p:clrMapOvr>
+  <p:timing>
+    <p:tnLst>
+      <p:par>
+        <p:cTn id="1" dur="indefinite" restart="never" nodeType="tmRoot">
+          <p:childTnLst>
+            <p:seq concurrent="1" nextAc="seek">
+              <p:cTn id="2" dur="indefinite" nodeType="mainSeq">
+                <p:childTnLst>
+                  <p:par>
+                    <p:cTn id="3" fill="hold">
+                      <p:stCondLst>
+                        <p:cond delay="indefinite"/>
+                      </p:stCondLst>
+                      <p:childTnLst>
+                        <p:par>
+                          <p:cTn id="4" fill="hold">
+                            <p:stCondLst>
+                              <p:cond delay="0"/>
+                            </p:stCondLst>
+                            <p:childTnLst>
+                              <p:par>
+                                <p:cTn id="5" presetID="1" presetClass="entr" presetSubtype="0" fill="hold" grpId="0" nodeType="clickEffect">
+                                  <p:stCondLst>
+                                    <p:cond delay="0"/>
+                                  </p:stCondLst>
+                                  <p:childTnLst>
+                                    <p:set>
+                                      <p:cBhvr>
+                                        <p:cTn id="6" dur="1" fill="hold">
+                                          <p:stCondLst>
+                                            <p:cond delay="0"/>
+                                          </p:stCondLst>
+                                        </p:cTn>
+                                        <p:tgtEl>
+                                          <p:spTgt spid="3">
+                                            <p:txEl>
+                                              <p:pRg st="0" end="0"/>
+                                            </p:txEl>
+                                          </p:spTgt>
+                                        </p:tgtEl>
+                                        <p:attrNameLst>
+                                          <p:attrName>style.visibility</p:attrName>
+                                        </p:attrNameLst>
+                                      </p:cBhvr>
+                                      <p:to>
+                                        <p:strVal val="visible"/>
+                                      </p:to>
+                                    </p:set>
+                                  </p:childTnLst>
+                                </p:cTn>
+                              </p:par>
+                            </p:childTnLst>
+                          </p:cTn>
+                        </p:par>
+                      </p:childTnLst>
+                    </p:cTn>
+                  </p:par>
+                  <p:par>
+                    <p:cTn id="7" fill="hold">
+                      <p:stCondLst>
+                        <p:cond delay="indefinite"/>
+                      </p:stCondLst>
+                      <p:childTnLst>
+                        <p:par>
+                          <p:cTn id="8" fill="hold">
+                            <p:stCondLst>
+                              <p:cond delay="0"/>
+                            </p:stCondLst>
+                            <p:childTnLst>
+                              <p:par>
+                                <p:cTn id="9" presetID="1" presetClass="entr" presetSubtype="0" fill="hold" grpId="0" nodeType="clickEffect">
+                                  <p:stCondLst>
+                                    <p:cond delay="0"/>
+                                  </p:stCondLst>
+                                  <p:childTnLst>
+                                    <p:set>
+                                      <p:cBhvr>
+                                        <p:cTn id="10" dur="1" fill="hold">
+                                          <p:stCondLst>
+                                            <p:cond delay="0"/>
+                                          </p:stCondLst>
+                                        </p:cTn>
+                                        <p:tgtEl>
+                                          <p:spTgt spid="3">
+                                            <p:txEl>
+                                              <p:pRg st="1" end="1"/>
+                                            </p:txEl>
+                                          </p:spTgt>
+                                        </p:tgtEl>
+                                        <p:attrNameLst>
+                                          <p:attrName>style.visibility</p:attrName>
+                                        </p:attrNameLst>
+                                      </p:cBhvr>
+                                      <p:to>
+                                        <p:strVal val="visible"/>
+                                      </p:to>
+                                    </p:set>
+                                  </p:childTnLst>
+                                </p:cTn>
+                              </p:par>
+                            </p:childTnLst>
+                          </p:cTn>
+                        </p:par>
+                      </p:childTnLst>
+                    </p:cTn>
+                  </p:par>
+                  <p:par>
+                    <p:cTn id="11" fill="hold">
+                      <p:stCondLst>
+                        <p:cond delay="indefinite"/>
+                      </p:stCondLst>
+                      <p:childTnLst>
+                        <p:par>
+                          <p:cTn id="12" fill="hold">
+                            <p:stCondLst>
+                              <p:cond delay="0"/>
+                            </p:stCondLst>
+                            <p:childTnLst>
+                              <p:par>
+                                <p:cTn id="13" presetID="1" presetClass="entr" presetSubtype="0" fill="hold" grpId="0" nodeType="clickEffect">
+                                  <p:stCondLst>
+                                    <p:cond delay="0"/>
+                                  </p:stCondLst>
+                                  <p:childTnLst>
+                                    <p:set>
+                                      <p:cBhvr>
+                                        <p:cTn id="14" dur="1" fill="hold">
+                                          <p:stCondLst>
+                                            <p:cond delay="0"/>
+                                          </p:stCondLst>
+                                        </p:cTn>
+                                        <p:tgtEl>
+                                          <p:spTgt spid="3">
+                                            <p:txEl>
+                                              <p:pRg st="2" end="2"/>
+                                            </p:txEl>
+                                          </p:spTgt>
+                                        </p:tgtEl>
+                                        <p:attrNameLst>
+                                          <p:attrName>style.visibility</p:attrName>
+                                        </p:attrNameLst>
+                                      </p:cBhvr>
+                                      <p:to>
+                                        <p:strVal val="visible"/>
+                                      </p:to>
+                                    </p:set>
+                                  </p:childTnLst>
+                                </p:cTn>
+                              </p:par>
+                            </p:childTnLst>
+                          </p:cTn>
+                        </p:par>
+                      </p:childTnLst>
+                    </p:cTn>
+                  </p:par>
+                  <p:par>
+                    <p:cTn id="15" fill="hold">
+                      <p:stCondLst>
+                        <p:cond delay="indefinite"/>
+                      </p:stCondLst>
+                      <p:childTnLst>
+                        <p:par>
+                          <p:cTn id="16" fill="hold">
+                            <p:stCondLst>
+                              <p:cond delay="0"/>
+                            </p:stCondLst>
+                            <p:childTnLst>
+                              <p:par>
+                                <p:cTn id="17" presetID="1" presetClass="entr" presetSubtype="0" fill="hold" grpId="0" nodeType="clickEffect">
+                                  <p:stCondLst>
+                                    <p:cond delay="0"/>
+                                  </p:stCondLst>
+                                  <p:childTnLst>
+                                    <p:set>
+                                      <p:cBhvr>
+                                        <p:cTn id="18" dur="1" fill="hold">
+                                          <p:stCondLst>
+                                            <p:cond delay="0"/>
+                                          </p:stCondLst>
+                                        </p:cTn>
+                                        <p:tgtEl>
+                                          <p:spTgt spid="3">
+                                            <p:txEl>
+                                              <p:pRg st="3" end="3"/>
+                                            </p:txEl>
+                                          </p:spTgt>
+                                        </p:tgtEl>
+                                        <p:attrNameLst>
+                                          <p:attrName>style.visibility</p:attrName>
+                                        </p:attrNameLst>
+                                      </p:cBhvr>
+                                      <p:to>
+                                        <p:strVal val="visible"/>
+                                      </p:to>
+                                    </p:set>
+                                  </p:childTnLst>
+                                </p:cTn>
+                              </p:par>
+                            </p:childTnLst>
+                          </p:cTn>
+                        </p:par>
+                      </p:childTnLst>
+                    </p:cTn>
+                  </p:par>
+                  <p:par>
+                    <p:cTn id="19" fill="hold">
+                      <p:stCondLst>
+                        <p:cond delay="indefinite"/>
+                      </p:stCondLst>
+                      <p:childTnLst>
+                        <p:par>
+                          <p:cTn id="20" fill="hold">
+                            <p:stCondLst>
+                              <p:cond delay="0"/>
+                            </p:stCondLst>
+                            <p:childTnLst>
+                              <p:par>
+                                <p:cTn id="21" presetID="1" presetClass="entr" presetSubtype="0" fill="hold" grpId="0" nodeType="clickEffect">
+                                  <p:stCondLst>
+                                    <p:cond delay="0"/>
+                                  </p:stCondLst>
+                                  <p:childTnLst>
+                                    <p:set>
+                                      <p:cBhvr>
+                                        <p:cTn id="22" dur="1" fill="hold">
+                                          <p:stCondLst>
+                                            <p:cond delay="0"/>
+                                          </p:stCondLst>
+                                        </p:cTn>
+                                        <p:tgtEl>
+                                          <p:spTgt spid="3">
+                                            <p:txEl>
+                                              <p:pRg st="4" end="4"/>
+                                            </p:txEl>
+                                          </p:spTgt>
+                                        </p:tgtEl>
+                                        <p:attrNameLst>
+                                          <p:attrName>style.visibility</p:attrName>
+                                        </p:attrNameLst>
+                                      </p:cBhvr>
+                                      <p:to>
+                                        <p:strVal val="visible"/>
+                                      </p:to>
+                                    </p:set>
+                                  </p:childTnLst>
+                                </p:cTn>
+                              </p:par>
+                            </p:childTnLst>
+                          </p:cTn>
+                        </p:par>
+                      </p:childTnLst>
+                    </p:cTn>
+                  </p:par>
+                  <p:par>
+                    <p:cTn id="23" fill="hold">
+                      <p:stCondLst>
+                        <p:cond delay="indefinite"/>
+                      </p:stCondLst>
+                      <p:childTnLst>
+                        <p:par>
+                          <p:cTn id="24" fill="hold">
+                            <p:stCondLst>
+                              <p:cond delay="0"/>
+                            </p:stCondLst>
+                            <p:childTnLst>
+                              <p:par>
+                                <p:cTn id="25" presetID="1" presetClass="entr" presetSubtype="0" fill="hold" grpId="0" nodeType="clickEffect">
+                                  <p:stCondLst>
+                                    <p:cond delay="0"/>
+                                  </p:stCondLst>
+                                  <p:childTnLst>
+                                    <p:set>
+                                      <p:cBhvr>
+                                        <p:cTn id="26" dur="1" fill="hold">
+                                          <p:stCondLst>
+                                            <p:cond delay="0"/>
+                                          </p:stCondLst>
+                                        </p:cTn>
+                                        <p:tgtEl>
+                                          <p:spTgt spid="3">
+                                            <p:txEl>
+                                              <p:pRg st="6" end="6"/>
+                                            </p:txEl>
+                                          </p:spTgt>
+                                        </p:tgtEl>
+                                        <p:attrNameLst>
+                                          <p:attrName>style.visibility</p:attrName>
+                                        </p:attrNameLst>
+                                      </p:cBhvr>
+                                      <p:to>
+                                        <p:strVal val="visible"/>
+                                      </p:to>
+                                    </p:set>
+                                  </p:childTnLst>
+                                </p:cTn>
+                              </p:par>
+                            </p:childTnLst>
+                          </p:cTn>
+                        </p:par>
+                      </p:childTnLst>
+                    </p:cTn>
+                  </p:par>
+                </p:childTnLst>
+              </p:cTn>
+              <p:prevCondLst>
+                <p:cond evt="onPrev" delay="0">
+                  <p:tgtEl>
+                    <p:sldTgt/>
+                  </p:tgtEl>
+                </p:cond>
+              </p:prevCondLst>
+              <p:nextCondLst>
+                <p:cond evt="onNext" delay="0">
+                  <p:tgtEl>
+                    <p:sldTgt/>
+                  </p:tgtEl>
+                </p:cond>
+              </p:nextCondLst>
+            </p:seq>
+          </p:childTnLst>
+        </p:cTn>
+      </p:par>
+    </p:tnLst>
+    <p:bldLst>
+      <p:bldP spid="3" grpId="0" build="p"/>
+    </p:bldLst>
+  </p:timing>
+</p:sld>
+</file>
+
+<file path=ppt/slides/slide36.xml><?xml version="1.0" encoding="utf-8"?>
+<p:sld xmlns:a="http://schemas.openxmlformats.org/drawingml/2006/main" xmlns:r="http://schemas.openxmlformats.org/officeDocument/2006/relationships" xmlns:p="http://schemas.openxmlformats.org/presentationml/2006/main">
+  <p:cSld>
+    <p:spTree>
+      <p:nvGrpSpPr>
+        <p:cNvPr id="1" name=""/>
+        <p:cNvGrpSpPr/>
+        <p:nvPr/>
+      </p:nvGrpSpPr>
+      <p:grpSpPr>
+        <a:xfrm>
+          <a:off x="0" y="0"/>
+          <a:ext cx="0" cy="0"/>
+          <a:chOff x="0" y="0"/>
+          <a:chExt cx="0" cy="0"/>
+        </a:xfrm>
+      </p:grpSpPr>
+      <p:sp>
+        <p:nvSpPr>
+          <p:cNvPr id="2" name="Title 1">
+            <a:extLst>
+              <a:ext uri="{FF2B5EF4-FFF2-40B4-BE49-F238E27FC236}">
+                <a16:creationId xmlns:a16="http://schemas.microsoft.com/office/drawing/2014/main" id="{BB697BC7-E162-454B-864E-67355B8006D3}"/>
+              </a:ext>
+            </a:extLst>
+          </p:cNvPr>
+          <p:cNvSpPr>
+            <a:spLocks noGrp="1"/>
+          </p:cNvSpPr>
+          <p:nvPr>
+            <p:ph type="title"/>
+          </p:nvPr>
+        </p:nvSpPr>
+        <p:spPr/>
+        <p:txBody>
+          <a:bodyPr/>
+          <a:lstStyle/>
+          <a:p>
+            <a:r>
+              <a:rPr lang="en-US" dirty="0"/>
+              <a:t>When polling is acceptable</a:t>
+            </a:r>
+          </a:p>
+        </p:txBody>
+      </p:sp>
+      <p:sp>
+        <p:nvSpPr>
+          <p:cNvPr id="3" name="Content Placeholder 2">
+            <a:extLst>
+              <a:ext uri="{FF2B5EF4-FFF2-40B4-BE49-F238E27FC236}">
+                <a16:creationId xmlns:a16="http://schemas.microsoft.com/office/drawing/2014/main" id="{2ACA8227-ADF5-4896-B87E-079213CE842D}"/>
+              </a:ext>
+            </a:extLst>
+          </p:cNvPr>
+          <p:cNvSpPr>
+            <a:spLocks noGrp="1"/>
+          </p:cNvSpPr>
+          <p:nvPr>
+            <p:ph idx="1"/>
+          </p:nvPr>
+        </p:nvSpPr>
+        <p:spPr/>
+        <p:txBody>
+          <a:bodyPr/>
+          <a:lstStyle/>
+          <a:p>
+            <a:r>
+              <a:rPr lang="en-US" dirty="0"/>
+              <a:t>Events are slow / infrequent</a:t>
+            </a:r>
+          </a:p>
+          <a:p>
+            <a:r>
+              <a:rPr lang="en-US" dirty="0"/>
+              <a:t>Timing requirements are not tight (can afford some latency)</a:t>
+            </a:r>
+          </a:p>
+          <a:p>
+            <a:r>
+              <a:rPr lang="en-US" dirty="0"/>
+              <a:t>Power is not critical</a:t>
+            </a:r>
+          </a:p>
+        </p:txBody>
+      </p:sp>
+      <p:sp>
+        <p:nvSpPr>
+          <p:cNvPr id="4" name="Date Placeholder 3">
+            <a:extLst>
+              <a:ext uri="{FF2B5EF4-FFF2-40B4-BE49-F238E27FC236}">
+                <a16:creationId xmlns:a16="http://schemas.microsoft.com/office/drawing/2014/main" id="{B471E203-C58C-40F1-9CAF-5BD759C44594}"/>
+              </a:ext>
+            </a:extLst>
+          </p:cNvPr>
+          <p:cNvSpPr>
+            <a:spLocks noGrp="1"/>
+          </p:cNvSpPr>
+          <p:nvPr>
+            <p:ph type="dt" sz="half" idx="10"/>
+          </p:nvPr>
+        </p:nvSpPr>
+        <p:spPr/>
+        <p:txBody>
+          <a:bodyPr/>
+          <a:lstStyle/>
+          <a:p>
+            <a:pPr>
+              <a:defRPr/>
+            </a:pPr>
+            <a:r>
+              <a:rPr lang="en-US"/>
+              <a:t>21/12/2020</a:t>
+            </a:r>
+          </a:p>
+        </p:txBody>
+      </p:sp>
+      <p:sp>
+        <p:nvSpPr>
+          <p:cNvPr id="5" name="Slide Number Placeholder 4">
+            <a:extLst>
+              <a:ext uri="{FF2B5EF4-FFF2-40B4-BE49-F238E27FC236}">
+                <a16:creationId xmlns:a16="http://schemas.microsoft.com/office/drawing/2014/main" id="{9F381985-7C83-4660-924A-C06527BB4671}"/>
+              </a:ext>
+            </a:extLst>
+          </p:cNvPr>
+          <p:cNvSpPr>
+            <a:spLocks noGrp="1"/>
+          </p:cNvSpPr>
+          <p:nvPr>
+            <p:ph type="sldNum" sz="quarter" idx="12"/>
+          </p:nvPr>
+        </p:nvSpPr>
+        <p:spPr/>
+        <p:txBody>
+          <a:bodyPr/>
+          <a:lstStyle/>
+          <a:p>
+            <a:pPr>
+              <a:defRPr/>
+            </a:pPr>
+            <a:fld id="{CA887A73-1AE0-46F8-856A-18EA1CF30A1B}" type="slidenum">
+              <a:rPr lang="en-US" altLang="en-US" smtClean="0"/>
+              <a:pPr>
+                <a:defRPr/>
+              </a:pPr>
+              <a:t>36</a:t>
+            </a:fld>
+            <a:endParaRPr lang="en-US" altLang="en-US"/>
+          </a:p>
+        </p:txBody>
+      </p:sp>
+    </p:spTree>
+    <p:extLst>
+      <p:ext uri="{BB962C8B-B14F-4D97-AF65-F5344CB8AC3E}">
+        <p14:creationId xmlns:p14="http://schemas.microsoft.com/office/powerpoint/2010/main" val="2726604853"/>
+      </p:ext>
+    </p:extLst>
+  </p:cSld>
+  <p:clrMapOvr>
+    <a:masterClrMapping/>
+  </p:clrMapOvr>
+  <p:timing>
+    <p:tnLst>
+      <p:par>
+        <p:cTn id="1" dur="indefinite" restart="never" nodeType="tmRoot">
+          <p:childTnLst>
+            <p:seq concurrent="1" nextAc="seek">
+              <p:cTn id="2" dur="indefinite" nodeType="mainSeq">
+                <p:childTnLst>
+                  <p:par>
+                    <p:cTn id="3" fill="hold">
+                      <p:stCondLst>
+                        <p:cond delay="indefinite"/>
+                      </p:stCondLst>
+                      <p:childTnLst>
+                        <p:par>
+                          <p:cTn id="4" fill="hold">
+                            <p:stCondLst>
+                              <p:cond delay="0"/>
+                            </p:stCondLst>
+                            <p:childTnLst>
+                              <p:par>
+                                <p:cTn id="5" presetID="1" presetClass="entr" presetSubtype="0" fill="hold" grpId="0" nodeType="clickEffect">
+                                  <p:stCondLst>
+                                    <p:cond delay="0"/>
+                                  </p:stCondLst>
+                                  <p:childTnLst>
+                                    <p:set>
+                                      <p:cBhvr>
+                                        <p:cTn id="6" dur="1" fill="hold">
+                                          <p:stCondLst>
+                                            <p:cond delay="0"/>
+                                          </p:stCondLst>
+                                        </p:cTn>
+                                        <p:tgtEl>
+                                          <p:spTgt spid="3">
+                                            <p:txEl>
+                                              <p:pRg st="0" end="0"/>
+                                            </p:txEl>
+                                          </p:spTgt>
+                                        </p:tgtEl>
+                                        <p:attrNameLst>
+                                          <p:attrName>style.visibility</p:attrName>
+                                        </p:attrNameLst>
+                                      </p:cBhvr>
+                                      <p:to>
+                                        <p:strVal val="visible"/>
+                                      </p:to>
+                                    </p:set>
+                                  </p:childTnLst>
+                                </p:cTn>
+                              </p:par>
+                            </p:childTnLst>
+                          </p:cTn>
+                        </p:par>
+                      </p:childTnLst>
+                    </p:cTn>
+                  </p:par>
+                  <p:par>
+                    <p:cTn id="7" fill="hold">
+                      <p:stCondLst>
+                        <p:cond delay="indefinite"/>
+                      </p:stCondLst>
+                      <p:childTnLst>
+                        <p:par>
+                          <p:cTn id="8" fill="hold">
+                            <p:stCondLst>
+                              <p:cond delay="0"/>
+                            </p:stCondLst>
+                            <p:childTnLst>
+                              <p:par>
+                                <p:cTn id="9" presetID="1" presetClass="entr" presetSubtype="0" fill="hold" grpId="0" nodeType="clickEffect">
+                                  <p:stCondLst>
+                                    <p:cond delay="0"/>
+                                  </p:stCondLst>
+                                  <p:childTnLst>
+                                    <p:set>
+                                      <p:cBhvr>
+                                        <p:cTn id="10" dur="1" fill="hold">
+                                          <p:stCondLst>
+                                            <p:cond delay="0"/>
+                                          </p:stCondLst>
+                                        </p:cTn>
+                                        <p:tgtEl>
+                                          <p:spTgt spid="3">
+                                            <p:txEl>
+                                              <p:pRg st="1" end="1"/>
+                                            </p:txEl>
+                                          </p:spTgt>
+                                        </p:tgtEl>
+                                        <p:attrNameLst>
+                                          <p:attrName>style.visibility</p:attrName>
+                                        </p:attrNameLst>
+                                      </p:cBhvr>
+                                      <p:to>
+                                        <p:strVal val="visible"/>
+                                      </p:to>
+                                    </p:set>
+                                  </p:childTnLst>
+                                </p:cTn>
+                              </p:par>
+                            </p:childTnLst>
+                          </p:cTn>
+                        </p:par>
+                      </p:childTnLst>
+                    </p:cTn>
+                  </p:par>
+                  <p:par>
+                    <p:cTn id="11" fill="hold">
+                      <p:stCondLst>
+                        <p:cond delay="indefinite"/>
+                      </p:stCondLst>
+                      <p:childTnLst>
+                        <p:par>
+                          <p:cTn id="12" fill="hold">
+                            <p:stCondLst>
+                              <p:cond delay="0"/>
+                            </p:stCondLst>
+                            <p:childTnLst>
+                              <p:par>
+                                <p:cTn id="13" presetID="1" presetClass="entr" presetSubtype="0" fill="hold" grpId="0" nodeType="clickEffect">
+                                  <p:stCondLst>
+                                    <p:cond delay="0"/>
+                                  </p:stCondLst>
+                                  <p:childTnLst>
+                                    <p:set>
+                                      <p:cBhvr>
+                                        <p:cTn id="14" dur="1" fill="hold">
+                                          <p:stCondLst>
+                                            <p:cond delay="0"/>
+                                          </p:stCondLst>
+                                        </p:cTn>
+                                        <p:tgtEl>
+                                          <p:spTgt spid="3">
+                                            <p:txEl>
+                                              <p:pRg st="2" end="2"/>
+                                            </p:txEl>
+                                          </p:spTgt>
+                                        </p:tgtEl>
+                                        <p:attrNameLst>
+                                          <p:attrName>style.visibility</p:attrName>
+                                        </p:attrNameLst>
+                                      </p:cBhvr>
+                                      <p:to>
+                                        <p:strVal val="visible"/>
+                                      </p:to>
+                                    </p:set>
+                                  </p:childTnLst>
+                                </p:cTn>
+                              </p:par>
+                            </p:childTnLst>
+                          </p:cTn>
+                        </p:par>
+                      </p:childTnLst>
+                    </p:cTn>
+                  </p:par>
+                </p:childTnLst>
+              </p:cTn>
+              <p:prevCondLst>
+                <p:cond evt="onPrev" delay="0">
+                  <p:tgtEl>
+                    <p:sldTgt/>
+                  </p:tgtEl>
+                </p:cond>
+              </p:prevCondLst>
+              <p:nextCondLst>
+                <p:cond evt="onNext" delay="0">
+                  <p:tgtEl>
+                    <p:sldTgt/>
+                  </p:tgtEl>
+                </p:cond>
+              </p:nextCondLst>
+            </p:seq>
+          </p:childTnLst>
+        </p:cTn>
+      </p:par>
+    </p:tnLst>
+    <p:bldLst>
+      <p:bldP spid="3" grpId="0" build="p"/>
+    </p:bldLst>
+  </p:timing>
+</p:sld>
+</file>
+
+<file path=ppt/slides/slide37.xml><?xml version="1.0" encoding="utf-8"?>
+<p:sld xmlns:a="http://schemas.openxmlformats.org/drawingml/2006/main" xmlns:r="http://schemas.openxmlformats.org/officeDocument/2006/relationships" xmlns:p="http://schemas.openxmlformats.org/presentationml/2006/main">
+  <p:cSld>
+    <p:spTree>
+      <p:nvGrpSpPr>
+        <p:cNvPr id="1" name=""/>
+        <p:cNvGrpSpPr/>
+        <p:nvPr/>
+      </p:nvGrpSpPr>
+      <p:grpSpPr>
+        <a:xfrm>
+          <a:off x="0" y="0"/>
+          <a:ext cx="0" cy="0"/>
+          <a:chOff x="0" y="0"/>
+          <a:chExt cx="0" cy="0"/>
+        </a:xfrm>
+      </p:grpSpPr>
+      <p:sp>
+        <p:nvSpPr>
+          <p:cNvPr id="2" name="Title 1">
+            <a:extLst>
+              <a:ext uri="{FF2B5EF4-FFF2-40B4-BE49-F238E27FC236}">
+                <a16:creationId xmlns:a16="http://schemas.microsoft.com/office/drawing/2014/main" id="{0959CA8A-288F-521C-7B07-3679EBC9E7A4}"/>
+              </a:ext>
+            </a:extLst>
+          </p:cNvPr>
+          <p:cNvSpPr>
+            <a:spLocks noGrp="1"/>
+          </p:cNvSpPr>
+          <p:nvPr>
+            <p:ph type="title"/>
+          </p:nvPr>
+        </p:nvSpPr>
+        <p:spPr/>
+        <p:txBody>
+          <a:bodyPr>
+            <a:normAutofit/>
+          </a:bodyPr>
+          <a:lstStyle/>
+          <a:p>
+            <a:r>
+              <a:rPr lang="en-US" dirty="0"/>
+              <a:t>Is there an alternative to polling?</a:t>
+            </a:r>
+          </a:p>
+        </p:txBody>
+      </p:sp>
+      <p:pic>
+        <p:nvPicPr>
+          <p:cNvPr id="2050" name="Picture 2" descr="Professor I Am The Only One Who Is Not Asleep Stock Photo - Download Image  Now - Boredom, Professor, Lecture Hall - iStock">
+            <a:extLst>
+              <a:ext uri="{FF2B5EF4-FFF2-40B4-BE49-F238E27FC236}">
+                <a16:creationId xmlns:a16="http://schemas.microsoft.com/office/drawing/2014/main" id="{951C9CE5-28E6-5317-7664-943B91EAEC96}"/>
+              </a:ext>
+            </a:extLst>
+          </p:cNvPr>
+          <p:cNvPicPr>
+            <a:picLocks noGrp="1" noChangeAspect="1" noChangeArrowheads="1"/>
+          </p:cNvPicPr>
+          <p:nvPr>
+            <p:ph idx="1"/>
+          </p:nvPr>
+        </p:nvPicPr>
+        <p:blipFill rotWithShape="1">
+          <a:blip r:embed="rId2">
+            <a:extLst>
+              <a:ext uri="{28A0092B-C50C-407E-A947-70E740481C1C}">
+                <a14:useLocalDpi xmlns:a14="http://schemas.microsoft.com/office/drawing/2010/main" val="0"/>
+              </a:ext>
+            </a:extLst>
+          </a:blip>
+          <a:stretch/>
+        </p:blipFill>
+        <p:spPr bwMode="auto">
+          <a:xfrm>
+            <a:off x="838962" y="1435607"/>
+            <a:ext cx="7466076" cy="4977384"/>
+          </a:xfrm>
+          <a:prstGeom prst="rect">
+            <a:avLst/>
+          </a:prstGeom>
+          <a:noFill/>
+          <a:extLst>
+            <a:ext uri="{909E8E84-426E-40DD-AFC4-6F175D3DCCD1}">
+              <a14:hiddenFill xmlns:a14="http://schemas.microsoft.com/office/drawing/2010/main">
+                <a:solidFill>
+                  <a:srgbClr val="FFFFFF"/>
+                </a:solidFill>
+              </a14:hiddenFill>
+            </a:ext>
+          </a:extLst>
+        </p:spPr>
+      </p:pic>
+      <p:sp>
+        <p:nvSpPr>
+          <p:cNvPr id="4" name="Date Placeholder 3">
+            <a:extLst>
+              <a:ext uri="{FF2B5EF4-FFF2-40B4-BE49-F238E27FC236}">
+                <a16:creationId xmlns:a16="http://schemas.microsoft.com/office/drawing/2014/main" id="{C3EBF4F4-C41E-62F8-BB78-71574E2E9E13}"/>
+              </a:ext>
+            </a:extLst>
+          </p:cNvPr>
+          <p:cNvSpPr>
+            <a:spLocks noGrp="1"/>
+          </p:cNvSpPr>
+          <p:nvPr>
+            <p:ph type="dt" sz="half" idx="10"/>
+          </p:nvPr>
+        </p:nvSpPr>
+        <p:spPr/>
+        <p:txBody>
+          <a:bodyPr/>
+          <a:lstStyle/>
+          <a:p>
+            <a:fld id="{B4B13859-67C5-4393-B6C2-556CF3F770C0}" type="datetime3">
+              <a:rPr lang="en-US" smtClean="0"/>
+              <a:t>20 January 2026</a:t>
+            </a:fld>
+            <a:endParaRPr lang="en-US"/>
+          </a:p>
+        </p:txBody>
+      </p:sp>
+      <p:sp>
+        <p:nvSpPr>
+          <p:cNvPr id="5" name="Footer Placeholder 4">
+            <a:extLst>
+              <a:ext uri="{FF2B5EF4-FFF2-40B4-BE49-F238E27FC236}">
+                <a16:creationId xmlns:a16="http://schemas.microsoft.com/office/drawing/2014/main" id="{7A79573E-49AA-0BB6-BAD8-A16F3E1174AC}"/>
+              </a:ext>
+            </a:extLst>
+          </p:cNvPr>
+          <p:cNvSpPr>
+            <a:spLocks noGrp="1"/>
+          </p:cNvSpPr>
+          <p:nvPr>
+            <p:ph type="ftr" sz="quarter" idx="11"/>
+          </p:nvPr>
+        </p:nvSpPr>
+        <p:spPr/>
+        <p:txBody>
+          <a:bodyPr/>
+          <a:lstStyle/>
+          <a:p>
+            <a:r>
+              <a:rPr lang="en-US"/>
+              <a:t>ELL305: Computer Architecture</a:t>
+            </a:r>
+            <a:endParaRPr lang="en-US" dirty="0"/>
+          </a:p>
+        </p:txBody>
+      </p:sp>
+      <p:sp>
+        <p:nvSpPr>
+          <p:cNvPr id="6" name="Slide Number Placeholder 5">
+            <a:extLst>
+              <a:ext uri="{FF2B5EF4-FFF2-40B4-BE49-F238E27FC236}">
+                <a16:creationId xmlns:a16="http://schemas.microsoft.com/office/drawing/2014/main" id="{D94F3160-E475-9E80-BE58-94D4ED1A6884}"/>
+              </a:ext>
+            </a:extLst>
+          </p:cNvPr>
+          <p:cNvSpPr>
+            <a:spLocks noGrp="1"/>
+          </p:cNvSpPr>
+          <p:nvPr>
+            <p:ph type="sldNum" sz="quarter" idx="12"/>
+          </p:nvPr>
+        </p:nvSpPr>
+        <p:spPr/>
+        <p:txBody>
+          <a:bodyPr/>
+          <a:lstStyle/>
+          <a:p>
+            <a:fld id="{98AC3541-01C1-4CA5-B68F-FEE868C7D1AF}" type="slidenum">
+              <a:rPr lang="en-US" smtClean="0"/>
+              <a:t>37</a:t>
+            </a:fld>
+            <a:endParaRPr lang="en-US"/>
+          </a:p>
+        </p:txBody>
+      </p:sp>
+    </p:spTree>
+    <p:extLst>
+      <p:ext uri="{BB962C8B-B14F-4D97-AF65-F5344CB8AC3E}">
+        <p14:creationId xmlns:p14="http://schemas.microsoft.com/office/powerpoint/2010/main" val="774090543"/>
+      </p:ext>
+    </p:extLst>
+  </p:cSld>
+  <p:clrMapOvr>
+    <a:masterClrMapping/>
+  </p:clrMapOvr>
+  <p:timing>
+    <p:tnLst>
+      <p:par>
+        <p:cTn id="1" dur="indefinite" restart="never" nodeType="tmRoot">
+          <p:childTnLst>
+            <p:seq concurrent="1" nextAc="seek">
+              <p:cTn id="2" dur="indefinite" nodeType="mainSeq">
+                <p:childTnLst>
+                  <p:par>
+                    <p:cTn id="3" fill="hold">
+                      <p:stCondLst>
+                        <p:cond delay="indefinite"/>
+                      </p:stCondLst>
+                      <p:childTnLst>
+                        <p:par>
+                          <p:cTn id="4" fill="hold">
+                            <p:stCondLst>
+                              <p:cond delay="0"/>
+                            </p:stCondLst>
+                            <p:childTnLst>
+                              <p:par>
+                                <p:cTn id="5" presetID="1" presetClass="entr" presetSubtype="0" fill="hold" nodeType="clickEffect">
+                                  <p:stCondLst>
+                                    <p:cond delay="0"/>
+                                  </p:stCondLst>
+                                  <p:childTnLst>
+                                    <p:set>
+                                      <p:cBhvr>
+                                        <p:cTn id="6" dur="1" fill="hold">
+                                          <p:stCondLst>
+                                            <p:cond delay="0"/>
+                                          </p:stCondLst>
+                                        </p:cTn>
+                                        <p:tgtEl>
+                                          <p:spTgt spid="2050"/>
+                                        </p:tgtEl>
+                                        <p:attrNameLst>
+                                          <p:attrName>style.visibility</p:attrName>
+                                        </p:attrNameLst>
+                                      </p:cBhvr>
+                                      <p:to>
+                                        <p:strVal val="visible"/>
+                                      </p:to>
+                                    </p:set>
+                                  </p:childTnLst>
+                                </p:cTn>
+                              </p:par>
+                            </p:childTnLst>
+                          </p:cTn>
+                        </p:par>
+                      </p:childTnLst>
+                    </p:cTn>
+                  </p:par>
+                </p:childTnLst>
+              </p:cTn>
+              <p:prevCondLst>
+                <p:cond evt="onPrev" delay="0">
+                  <p:tgtEl>
+                    <p:sldTgt/>
+                  </p:tgtEl>
+                </p:cond>
+              </p:prevCondLst>
+              <p:nextCondLst>
+                <p:cond evt="onNext" delay="0">
+                  <p:tgtEl>
+                    <p:sldTgt/>
+                  </p:tgtEl>
+                </p:cond>
+              </p:nextCondLst>
+            </p:seq>
+          </p:childTnLst>
+        </p:cTn>
+      </p:par>
+    </p:tnLst>
+  </p:timing>
+</p:sld>
+</file>
+
+<file path=ppt/slides/slide38.xml><?xml version="1.0" encoding="utf-8"?>
+<p:sld xmlns:a="http://schemas.openxmlformats.org/drawingml/2006/main" xmlns:r="http://schemas.openxmlformats.org/officeDocument/2006/relationships" xmlns:p="http://schemas.openxmlformats.org/presentationml/2006/main">
+  <p:cSld>
+    <p:spTree>
+      <p:nvGrpSpPr>
+        <p:cNvPr id="1" name=""/>
+        <p:cNvGrpSpPr/>
+        <p:nvPr/>
+      </p:nvGrpSpPr>
+      <p:grpSpPr>
+        <a:xfrm>
+          <a:off x="0" y="0"/>
+          <a:ext cx="0" cy="0"/>
+          <a:chOff x="0" y="0"/>
+          <a:chExt cx="0" cy="0"/>
+        </a:xfrm>
+      </p:grpSpPr>
+      <p:sp>
+        <p:nvSpPr>
+          <p:cNvPr id="2" name="Title 1">
+            <a:extLst>
+              <a:ext uri="{FF2B5EF4-FFF2-40B4-BE49-F238E27FC236}">
+                <a16:creationId xmlns:a16="http://schemas.microsoft.com/office/drawing/2014/main" id="{91BDEF66-B977-47D5-9EC9-E1C2E199A963}"/>
+              </a:ext>
+            </a:extLst>
+          </p:cNvPr>
+          <p:cNvSpPr>
+            <a:spLocks noGrp="1"/>
+          </p:cNvSpPr>
+          <p:nvPr>
+            <p:ph type="title"/>
+          </p:nvPr>
+        </p:nvSpPr>
+        <p:spPr/>
+        <p:txBody>
+          <a:bodyPr/>
+          <a:lstStyle/>
+          <a:p>
+            <a:r>
+              <a:rPr lang="en-US" dirty="0"/>
+              <a:t>Interrupts</a:t>
+            </a:r>
+          </a:p>
+        </p:txBody>
+      </p:sp>
+      <p:sp>
+        <p:nvSpPr>
+          <p:cNvPr id="3" name="Content Placeholder 2">
+            <a:extLst>
+              <a:ext uri="{FF2B5EF4-FFF2-40B4-BE49-F238E27FC236}">
+                <a16:creationId xmlns:a16="http://schemas.microsoft.com/office/drawing/2014/main" id="{F735D78C-6F1E-4D89-A931-756CDFF40469}"/>
+              </a:ext>
+            </a:extLst>
+          </p:cNvPr>
+          <p:cNvSpPr>
+            <a:spLocks noGrp="1"/>
+          </p:cNvSpPr>
+          <p:nvPr>
+            <p:ph idx="1"/>
+          </p:nvPr>
+        </p:nvSpPr>
+        <p:spPr/>
+        <p:txBody>
+          <a:bodyPr>
+            <a:normAutofit lnSpcReduction="10000"/>
+          </a:bodyPr>
+          <a:lstStyle/>
+          <a:p>
+            <a:r>
+              <a:rPr lang="en-US" dirty="0"/>
+              <a:t>Hardware events capture CPU attention</a:t>
+            </a:r>
+          </a:p>
+          <a:p>
+            <a:r>
+              <a:rPr lang="en-US" dirty="0"/>
+              <a:t>Normal execution is temporarily suspended</a:t>
+            </a:r>
+          </a:p>
+          <a:p>
+            <a:r>
+              <a:rPr lang="en-US" dirty="0"/>
+              <a:t>A function (“handler”) is called to handle the event</a:t>
+            </a:r>
+          </a:p>
+          <a:p>
+            <a:r>
+              <a:rPr lang="en-US" dirty="0"/>
+              <a:t>Normal execution resumes after event is handled</a:t>
+            </a:r>
+          </a:p>
+          <a:p>
+            <a:endParaRPr lang="en-US" dirty="0"/>
+          </a:p>
+          <a:p>
+            <a:pPr marL="0" indent="0">
+              <a:buNone/>
+            </a:pPr>
+            <a:r>
+              <a:rPr lang="en-US" dirty="0">
+                <a:solidFill>
+                  <a:srgbClr val="72C3E8"/>
+                </a:solidFill>
+              </a:rPr>
+              <a:t>Hardware decides when the software reacts</a:t>
+            </a:r>
+          </a:p>
+          <a:p>
+            <a:pPr marL="0" indent="0">
+              <a:buNone/>
+            </a:pPr>
+            <a:endParaRPr lang="en-US" dirty="0">
+              <a:solidFill>
+                <a:srgbClr val="72C3E8"/>
+              </a:solidFill>
+            </a:endParaRPr>
+          </a:p>
+          <a:p>
+            <a:pPr marL="0" indent="0">
+              <a:buNone/>
+            </a:pPr>
+            <a:r>
+              <a:rPr lang="en-US" dirty="0">
+                <a:solidFill>
+                  <a:srgbClr val="72C3E8"/>
+                </a:solidFill>
+              </a:rPr>
+              <a:t>More responsive!</a:t>
+            </a:r>
+          </a:p>
+        </p:txBody>
+      </p:sp>
+      <p:sp>
+        <p:nvSpPr>
+          <p:cNvPr id="4" name="Date Placeholder 3">
+            <a:extLst>
+              <a:ext uri="{FF2B5EF4-FFF2-40B4-BE49-F238E27FC236}">
+                <a16:creationId xmlns:a16="http://schemas.microsoft.com/office/drawing/2014/main" id="{F017D5E8-DCB5-4BB5-B6FC-DAA92D5FD2B0}"/>
+              </a:ext>
+            </a:extLst>
+          </p:cNvPr>
+          <p:cNvSpPr>
+            <a:spLocks noGrp="1"/>
+          </p:cNvSpPr>
+          <p:nvPr>
+            <p:ph type="dt" sz="half" idx="10"/>
+          </p:nvPr>
+        </p:nvSpPr>
+        <p:spPr/>
+        <p:txBody>
+          <a:bodyPr/>
+          <a:lstStyle/>
+          <a:p>
+            <a:pPr>
+              <a:defRPr/>
+            </a:pPr>
+            <a:r>
+              <a:rPr lang="en-US"/>
+              <a:t>21/12/2020</a:t>
+            </a:r>
+          </a:p>
+        </p:txBody>
+      </p:sp>
+      <p:sp>
+        <p:nvSpPr>
+          <p:cNvPr id="5" name="Slide Number Placeholder 4">
+            <a:extLst>
+              <a:ext uri="{FF2B5EF4-FFF2-40B4-BE49-F238E27FC236}">
+                <a16:creationId xmlns:a16="http://schemas.microsoft.com/office/drawing/2014/main" id="{D638C07F-89D1-42D8-913D-93835D610ECC}"/>
+              </a:ext>
+            </a:extLst>
+          </p:cNvPr>
+          <p:cNvSpPr>
+            <a:spLocks noGrp="1"/>
+          </p:cNvSpPr>
+          <p:nvPr>
+            <p:ph type="sldNum" sz="quarter" idx="12"/>
+          </p:nvPr>
+        </p:nvSpPr>
+        <p:spPr/>
+        <p:txBody>
+          <a:bodyPr/>
+          <a:lstStyle/>
+          <a:p>
+            <a:pPr>
+              <a:defRPr/>
+            </a:pPr>
+            <a:fld id="{CA887A73-1AE0-46F8-856A-18EA1CF30A1B}" type="slidenum">
+              <a:rPr lang="en-US" altLang="en-US" smtClean="0"/>
+              <a:pPr>
+                <a:defRPr/>
+              </a:pPr>
+              <a:t>38</a:t>
+            </a:fld>
+            <a:endParaRPr lang="en-US" altLang="en-US"/>
+          </a:p>
+        </p:txBody>
+      </p:sp>
+    </p:spTree>
+    <p:extLst>
+      <p:ext uri="{BB962C8B-B14F-4D97-AF65-F5344CB8AC3E}">
+        <p14:creationId xmlns:p14="http://schemas.microsoft.com/office/powerpoint/2010/main" val="1980131754"/>
+      </p:ext>
+    </p:extLst>
+  </p:cSld>
+  <p:clrMapOvr>
+    <a:masterClrMapping/>
+  </p:clrMapOvr>
+  <p:timing>
+    <p:tnLst>
+      <p:par>
+        <p:cTn id="1" dur="indefinite" restart="never" nodeType="tmRoot">
+          <p:childTnLst>
+            <p:seq concurrent="1" nextAc="seek">
+              <p:cTn id="2" dur="indefinite" nodeType="mainSeq">
+                <p:childTnLst>
+                  <p:par>
+                    <p:cTn id="3" fill="hold">
+                      <p:stCondLst>
+                        <p:cond delay="indefinite"/>
+                      </p:stCondLst>
+                      <p:childTnLst>
+                        <p:par>
+                          <p:cTn id="4" fill="hold">
+                            <p:stCondLst>
+                              <p:cond delay="0"/>
+                            </p:stCondLst>
+                            <p:childTnLst>
+                              <p:par>
+                                <p:cTn id="5" presetID="1" presetClass="entr" presetSubtype="0" fill="hold" grpId="0" nodeType="clickEffect">
+                                  <p:stCondLst>
+                                    <p:cond delay="0"/>
+                                  </p:stCondLst>
+                                  <p:childTnLst>
+                                    <p:set>
+                                      <p:cBhvr>
+                                        <p:cTn id="6" dur="1" fill="hold">
+                                          <p:stCondLst>
+                                            <p:cond delay="0"/>
+                                          </p:stCondLst>
+                                        </p:cTn>
+                                        <p:tgtEl>
+                                          <p:spTgt spid="3">
+                                            <p:txEl>
+                                              <p:pRg st="0" end="0"/>
+                                            </p:txEl>
+                                          </p:spTgt>
+                                        </p:tgtEl>
+                                        <p:attrNameLst>
+                                          <p:attrName>style.visibility</p:attrName>
+                                        </p:attrNameLst>
+                                      </p:cBhvr>
+                                      <p:to>
+                                        <p:strVal val="visible"/>
+                                      </p:to>
+                                    </p:set>
+                                  </p:childTnLst>
+                                </p:cTn>
+                              </p:par>
+                            </p:childTnLst>
+                          </p:cTn>
+                        </p:par>
+                      </p:childTnLst>
+                    </p:cTn>
+                  </p:par>
+                  <p:par>
+                    <p:cTn id="7" fill="hold">
+                      <p:stCondLst>
+                        <p:cond delay="indefinite"/>
+                      </p:stCondLst>
+                      <p:childTnLst>
+                        <p:par>
+                          <p:cTn id="8" fill="hold">
+                            <p:stCondLst>
+                              <p:cond delay="0"/>
+                            </p:stCondLst>
+                            <p:childTnLst>
+                              <p:par>
+                                <p:cTn id="9" presetID="1" presetClass="entr" presetSubtype="0" fill="hold" grpId="0" nodeType="clickEffect">
+                                  <p:stCondLst>
+                                    <p:cond delay="0"/>
+                                  </p:stCondLst>
+                                  <p:childTnLst>
+                                    <p:set>
+                                      <p:cBhvr>
+                                        <p:cTn id="10" dur="1" fill="hold">
+                                          <p:stCondLst>
+                                            <p:cond delay="0"/>
+                                          </p:stCondLst>
+                                        </p:cTn>
+                                        <p:tgtEl>
+                                          <p:spTgt spid="3">
+                                            <p:txEl>
+                                              <p:pRg st="1" end="1"/>
+                                            </p:txEl>
+                                          </p:spTgt>
+                                        </p:tgtEl>
+                                        <p:attrNameLst>
+                                          <p:attrName>style.visibility</p:attrName>
+                                        </p:attrNameLst>
+                                      </p:cBhvr>
+                                      <p:to>
+                                        <p:strVal val="visible"/>
+                                      </p:to>
+                                    </p:set>
+                                  </p:childTnLst>
+                                </p:cTn>
+                              </p:par>
+                            </p:childTnLst>
+                          </p:cTn>
+                        </p:par>
+                      </p:childTnLst>
+                    </p:cTn>
+                  </p:par>
+                  <p:par>
+                    <p:cTn id="11" fill="hold">
+                      <p:stCondLst>
+                        <p:cond delay="indefinite"/>
+                      </p:stCondLst>
+                      <p:childTnLst>
+                        <p:par>
+                          <p:cTn id="12" fill="hold">
+                            <p:stCondLst>
+                              <p:cond delay="0"/>
+                            </p:stCondLst>
+                            <p:childTnLst>
+                              <p:par>
+                                <p:cTn id="13" presetID="1" presetClass="entr" presetSubtype="0" fill="hold" grpId="0" nodeType="clickEffect">
+                                  <p:stCondLst>
+                                    <p:cond delay="0"/>
+                                  </p:stCondLst>
+                                  <p:childTnLst>
+                                    <p:set>
+                                      <p:cBhvr>
+                                        <p:cTn id="14" dur="1" fill="hold">
+                                          <p:stCondLst>
+                                            <p:cond delay="0"/>
+                                          </p:stCondLst>
+                                        </p:cTn>
+                                        <p:tgtEl>
+                                          <p:spTgt spid="3">
+                                            <p:txEl>
+                                              <p:pRg st="2" end="2"/>
+                                            </p:txEl>
+                                          </p:spTgt>
+                                        </p:tgtEl>
+                                        <p:attrNameLst>
+                                          <p:attrName>style.visibility</p:attrName>
+                                        </p:attrNameLst>
+                                      </p:cBhvr>
+                                      <p:to>
+                                        <p:strVal val="visible"/>
+                                      </p:to>
+                                    </p:set>
+                                  </p:childTnLst>
+                                </p:cTn>
+                              </p:par>
+                            </p:childTnLst>
+                          </p:cTn>
+                        </p:par>
+                      </p:childTnLst>
+                    </p:cTn>
+                  </p:par>
+                  <p:par>
+                    <p:cTn id="15" fill="hold">
+                      <p:stCondLst>
+                        <p:cond delay="indefinite"/>
+                      </p:stCondLst>
+                      <p:childTnLst>
+                        <p:par>
+                          <p:cTn id="16" fill="hold">
+                            <p:stCondLst>
+                              <p:cond delay="0"/>
+                            </p:stCondLst>
+                            <p:childTnLst>
+                              <p:par>
+                                <p:cTn id="17" presetID="1" presetClass="entr" presetSubtype="0" fill="hold" grpId="0" nodeType="clickEffect">
+                                  <p:stCondLst>
+                                    <p:cond delay="0"/>
+                                  </p:stCondLst>
+                                  <p:childTnLst>
+                                    <p:set>
+                                      <p:cBhvr>
+                                        <p:cTn id="18" dur="1" fill="hold">
+                                          <p:stCondLst>
+                                            <p:cond delay="0"/>
+                                          </p:stCondLst>
+                                        </p:cTn>
+                                        <p:tgtEl>
+                                          <p:spTgt spid="3">
+                                            <p:txEl>
+                                              <p:pRg st="3" end="3"/>
+                                            </p:txEl>
+                                          </p:spTgt>
+                                        </p:tgtEl>
+                                        <p:attrNameLst>
+                                          <p:attrName>style.visibility</p:attrName>
+                                        </p:attrNameLst>
+                                      </p:cBhvr>
+                                      <p:to>
+                                        <p:strVal val="visible"/>
+                                      </p:to>
+                                    </p:set>
+                                  </p:childTnLst>
+                                </p:cTn>
+                              </p:par>
+                            </p:childTnLst>
+                          </p:cTn>
+                        </p:par>
+                      </p:childTnLst>
+                    </p:cTn>
+                  </p:par>
+                  <p:par>
+                    <p:cTn id="19" fill="hold">
+                      <p:stCondLst>
+                        <p:cond delay="indefinite"/>
+                      </p:stCondLst>
+                      <p:childTnLst>
+                        <p:par>
+                          <p:cTn id="20" fill="hold">
+                            <p:stCondLst>
+                              <p:cond delay="0"/>
+                            </p:stCondLst>
+                            <p:childTnLst>
+                              <p:par>
+                                <p:cTn id="21" presetID="1" presetClass="entr" presetSubtype="0" fill="hold" grpId="0" nodeType="clickEffect">
+                                  <p:stCondLst>
+                                    <p:cond delay="0"/>
+                                  </p:stCondLst>
+                                  <p:childTnLst>
+                                    <p:set>
+                                      <p:cBhvr>
+                                        <p:cTn id="22" dur="1" fill="hold">
+                                          <p:stCondLst>
+                                            <p:cond delay="0"/>
+                                          </p:stCondLst>
+                                        </p:cTn>
+                                        <p:tgtEl>
+                                          <p:spTgt spid="3">
+                                            <p:txEl>
+                                              <p:pRg st="5" end="5"/>
+                                            </p:txEl>
+                                          </p:spTgt>
+                                        </p:tgtEl>
+                                        <p:attrNameLst>
+                                          <p:attrName>style.visibility</p:attrName>
+                                        </p:attrNameLst>
+                                      </p:cBhvr>
+                                      <p:to>
+                                        <p:strVal val="visible"/>
+                                      </p:to>
+                                    </p:set>
+                                  </p:childTnLst>
+                                </p:cTn>
+                              </p:par>
+                            </p:childTnLst>
+                          </p:cTn>
+                        </p:par>
+                      </p:childTnLst>
+                    </p:cTn>
+                  </p:par>
+                  <p:par>
+                    <p:cTn id="23" fill="hold">
+                      <p:stCondLst>
+                        <p:cond delay="indefinite"/>
+                      </p:stCondLst>
+                      <p:childTnLst>
+                        <p:par>
+                          <p:cTn id="24" fill="hold">
+                            <p:stCondLst>
+                              <p:cond delay="0"/>
+                            </p:stCondLst>
+                            <p:childTnLst>
+                              <p:par>
+                                <p:cTn id="25" presetID="1" presetClass="entr" presetSubtype="0" fill="hold" grpId="0" nodeType="clickEffect">
+                                  <p:stCondLst>
+                                    <p:cond delay="0"/>
+                                  </p:stCondLst>
+                                  <p:childTnLst>
+                                    <p:set>
+                                      <p:cBhvr>
+                                        <p:cTn id="26" dur="1" fill="hold">
+                                          <p:stCondLst>
+                                            <p:cond delay="0"/>
+                                          </p:stCondLst>
+                                        </p:cTn>
+                                        <p:tgtEl>
+                                          <p:spTgt spid="3">
+                                            <p:txEl>
+                                              <p:pRg st="7" end="7"/>
+                                            </p:txEl>
+                                          </p:spTgt>
+                                        </p:tgtEl>
+                                        <p:attrNameLst>
+                                          <p:attrName>style.visibility</p:attrName>
+                                        </p:attrNameLst>
+                                      </p:cBhvr>
+                                      <p:to>
+                                        <p:strVal val="visible"/>
+                                      </p:to>
+                                    </p:set>
+                                  </p:childTnLst>
+                                </p:cTn>
+                              </p:par>
+                            </p:childTnLst>
+                          </p:cTn>
+                        </p:par>
+                      </p:childTnLst>
+                    </p:cTn>
+                  </p:par>
+                </p:childTnLst>
+              </p:cTn>
+              <p:prevCondLst>
+                <p:cond evt="onPrev" delay="0">
+                  <p:tgtEl>
+                    <p:sldTgt/>
+                  </p:tgtEl>
+                </p:cond>
+              </p:prevCondLst>
+              <p:nextCondLst>
+                <p:cond evt="onNext" delay="0">
+                  <p:tgtEl>
+                    <p:sldTgt/>
+                  </p:tgtEl>
+                </p:cond>
+              </p:nextCondLst>
+            </p:seq>
+          </p:childTnLst>
+        </p:cTn>
+      </p:par>
+    </p:tnLst>
+    <p:bldLst>
+      <p:bldP spid="3" grpId="0" build="p"/>
+    </p:bldLst>
+  </p:timing>
+</p:sld>
+</file>
+
+<file path=ppt/slides/slide39.xml><?xml version="1.0" encoding="utf-8"?>
+<p:sld xmlns:a="http://schemas.openxmlformats.org/drawingml/2006/main" xmlns:r="http://schemas.openxmlformats.org/officeDocument/2006/relationships" xmlns:p="http://schemas.openxmlformats.org/presentationml/2006/main">
+  <p:cSld>
+    <p:spTree>
+      <p:nvGrpSpPr>
+        <p:cNvPr id="1" name=""/>
+        <p:cNvGrpSpPr/>
+        <p:nvPr/>
+      </p:nvGrpSpPr>
+      <p:grpSpPr>
+        <a:xfrm>
+          <a:off x="0" y="0"/>
+          <a:ext cx="0" cy="0"/>
+          <a:chOff x="0" y="0"/>
+          <a:chExt cx="0" cy="0"/>
+        </a:xfrm>
+      </p:grpSpPr>
+      <p:sp>
+        <p:nvSpPr>
+          <p:cNvPr id="2" name="Title 1">
+            <a:extLst>
+              <a:ext uri="{FF2B5EF4-FFF2-40B4-BE49-F238E27FC236}">
+                <a16:creationId xmlns:a16="http://schemas.microsoft.com/office/drawing/2014/main" id="{F224ABCF-3BA7-4FF6-9E29-8B61A9646872}"/>
+              </a:ext>
+            </a:extLst>
+          </p:cNvPr>
+          <p:cNvSpPr>
+            <a:spLocks noGrp="1"/>
+          </p:cNvSpPr>
+          <p:nvPr>
+            <p:ph type="title"/>
+          </p:nvPr>
+        </p:nvSpPr>
+        <p:spPr/>
+        <p:txBody>
+          <a:bodyPr/>
+          <a:lstStyle/>
+          <a:p>
+            <a:r>
+              <a:rPr lang="en-US" dirty="0"/>
+              <a:t>What does it mean to ‘handle an event’?</a:t>
+            </a:r>
+          </a:p>
+        </p:txBody>
+      </p:sp>
+      <p:sp>
+        <p:nvSpPr>
+          <p:cNvPr id="3" name="Content Placeholder 2">
+            <a:extLst>
+              <a:ext uri="{FF2B5EF4-FFF2-40B4-BE49-F238E27FC236}">
+                <a16:creationId xmlns:a16="http://schemas.microsoft.com/office/drawing/2014/main" id="{1C644854-F0DB-4322-85B5-C5EEA0261739}"/>
+              </a:ext>
+            </a:extLst>
+          </p:cNvPr>
+          <p:cNvSpPr>
+            <a:spLocks noGrp="1"/>
+          </p:cNvSpPr>
+          <p:nvPr>
+            <p:ph idx="1"/>
+          </p:nvPr>
+        </p:nvSpPr>
+        <p:spPr/>
+        <p:txBody>
+          <a:bodyPr>
+            <a:normAutofit lnSpcReduction="10000"/>
+          </a:bodyPr>
+          <a:lstStyle/>
+          <a:p>
+            <a:pPr marL="0" indent="0">
+              <a:buNone/>
+            </a:pPr>
+            <a:r>
+              <a:rPr lang="en-US" dirty="0"/>
+              <a:t>Examples:</a:t>
+            </a:r>
+          </a:p>
+          <a:p>
+            <a:r>
+              <a:rPr lang="en-US" dirty="0"/>
+              <a:t>A keyboard key press</a:t>
+            </a:r>
+          </a:p>
+          <a:p>
+            <a:r>
+              <a:rPr lang="en-US" dirty="0"/>
+              <a:t>New temperature measurement available in a weather logger</a:t>
+            </a:r>
+          </a:p>
+          <a:p>
+            <a:r>
+              <a:rPr lang="en-US" dirty="0"/>
+              <a:t>New temperature measurement available in the infusion pump</a:t>
+            </a:r>
+          </a:p>
+          <a:p>
+            <a:endParaRPr lang="en-US" dirty="0"/>
+          </a:p>
+          <a:p>
+            <a:pPr marL="0" indent="0">
+              <a:buNone/>
+            </a:pPr>
+            <a:r>
+              <a:rPr lang="en-US" dirty="0">
+                <a:solidFill>
+                  <a:srgbClr val="72C3E8"/>
+                </a:solidFill>
+              </a:rPr>
+              <a:t>Handling interrupts correctly is critical – do the bare minimal for survival (and design survival accordingly)</a:t>
+            </a:r>
+          </a:p>
+        </p:txBody>
+      </p:sp>
+      <p:sp>
+        <p:nvSpPr>
+          <p:cNvPr id="4" name="Date Placeholder 3">
+            <a:extLst>
+              <a:ext uri="{FF2B5EF4-FFF2-40B4-BE49-F238E27FC236}">
+                <a16:creationId xmlns:a16="http://schemas.microsoft.com/office/drawing/2014/main" id="{7A5EAD4D-0830-4219-B373-857BA4CA4E67}"/>
+              </a:ext>
+            </a:extLst>
+          </p:cNvPr>
+          <p:cNvSpPr>
+            <a:spLocks noGrp="1"/>
+          </p:cNvSpPr>
+          <p:nvPr>
+            <p:ph type="dt" sz="half" idx="10"/>
+          </p:nvPr>
+        </p:nvSpPr>
+        <p:spPr/>
+        <p:txBody>
+          <a:bodyPr/>
+          <a:lstStyle/>
+          <a:p>
+            <a:pPr>
+              <a:defRPr/>
+            </a:pPr>
+            <a:r>
+              <a:rPr lang="en-US"/>
+              <a:t>21/12/2020</a:t>
+            </a:r>
+          </a:p>
+        </p:txBody>
+      </p:sp>
+      <p:sp>
+        <p:nvSpPr>
+          <p:cNvPr id="5" name="Slide Number Placeholder 4">
+            <a:extLst>
+              <a:ext uri="{FF2B5EF4-FFF2-40B4-BE49-F238E27FC236}">
+                <a16:creationId xmlns:a16="http://schemas.microsoft.com/office/drawing/2014/main" id="{993866DA-7D76-434E-9F12-0D1B9652D21F}"/>
+              </a:ext>
+            </a:extLst>
+          </p:cNvPr>
+          <p:cNvSpPr>
+            <a:spLocks noGrp="1"/>
+          </p:cNvSpPr>
+          <p:nvPr>
+            <p:ph type="sldNum" sz="quarter" idx="12"/>
+          </p:nvPr>
+        </p:nvSpPr>
+        <p:spPr/>
+        <p:txBody>
+          <a:bodyPr/>
+          <a:lstStyle/>
+          <a:p>
+            <a:pPr>
+              <a:defRPr/>
+            </a:pPr>
+            <a:fld id="{CA887A73-1AE0-46F8-856A-18EA1CF30A1B}" type="slidenum">
+              <a:rPr lang="en-US" altLang="en-US" smtClean="0"/>
+              <a:pPr>
+                <a:defRPr/>
+              </a:pPr>
+              <a:t>39</a:t>
+            </a:fld>
+            <a:endParaRPr lang="en-US" altLang="en-US"/>
+          </a:p>
+        </p:txBody>
+      </p:sp>
+    </p:spTree>
+    <p:extLst>
+      <p:ext uri="{BB962C8B-B14F-4D97-AF65-F5344CB8AC3E}">
+        <p14:creationId xmlns:p14="http://schemas.microsoft.com/office/powerpoint/2010/main" val="977315272"/>
+      </p:ext>
+    </p:extLst>
+  </p:cSld>
+  <p:clrMapOvr>
+    <a:masterClrMapping/>
+  </p:clrMapOvr>
+  <p:timing>
+    <p:tnLst>
+      <p:par>
+        <p:cTn id="1" dur="indefinite" restart="never" nodeType="tmRoot">
+          <p:childTnLst>
+            <p:seq concurrent="1" nextAc="seek">
+              <p:cTn id="2" dur="indefinite" nodeType="mainSeq">
+                <p:childTnLst>
+                  <p:par>
+                    <p:cTn id="3" fill="hold">
+                      <p:stCondLst>
+                        <p:cond delay="indefinite"/>
+                      </p:stCondLst>
+                      <p:childTnLst>
+                        <p:par>
+                          <p:cTn id="4" fill="hold">
+                            <p:stCondLst>
+                              <p:cond delay="0"/>
+                            </p:stCondLst>
+                            <p:childTnLst>
+                              <p:par>
+                                <p:cTn id="5" presetID="1" presetClass="entr" presetSubtype="0" fill="hold" grpId="0" nodeType="clickEffect">
+                                  <p:stCondLst>
+                                    <p:cond delay="0"/>
+                                  </p:stCondLst>
+                                  <p:childTnLst>
+                                    <p:set>
+                                      <p:cBhvr>
+                                        <p:cTn id="6" dur="1" fill="hold">
+                                          <p:stCondLst>
+                                            <p:cond delay="0"/>
+                                          </p:stCondLst>
+                                        </p:cTn>
+                                        <p:tgtEl>
+                                          <p:spTgt spid="3">
+                                            <p:txEl>
+                                              <p:pRg st="0" end="0"/>
+                                            </p:txEl>
+                                          </p:spTgt>
+                                        </p:tgtEl>
+                                        <p:attrNameLst>
+                                          <p:attrName>style.visibility</p:attrName>
+                                        </p:attrNameLst>
+                                      </p:cBhvr>
+                                      <p:to>
+                                        <p:strVal val="visible"/>
+                                      </p:to>
+                                    </p:set>
+                                  </p:childTnLst>
+                                </p:cTn>
+                              </p:par>
+                            </p:childTnLst>
+                          </p:cTn>
+                        </p:par>
+                      </p:childTnLst>
+                    </p:cTn>
+                  </p:par>
+                  <p:par>
+                    <p:cTn id="7" fill="hold">
+                      <p:stCondLst>
+                        <p:cond delay="indefinite"/>
+                      </p:stCondLst>
+                      <p:childTnLst>
+                        <p:par>
+                          <p:cTn id="8" fill="hold">
+                            <p:stCondLst>
+                              <p:cond delay="0"/>
+                            </p:stCondLst>
+                            <p:childTnLst>
+                              <p:par>
+                                <p:cTn id="9" presetID="1" presetClass="entr" presetSubtype="0" fill="hold" grpId="0" nodeType="clickEffect">
+                                  <p:stCondLst>
+                                    <p:cond delay="0"/>
+                                  </p:stCondLst>
+                                  <p:childTnLst>
+                                    <p:set>
+                                      <p:cBhvr>
+                                        <p:cTn id="10" dur="1" fill="hold">
+                                          <p:stCondLst>
+                                            <p:cond delay="0"/>
+                                          </p:stCondLst>
+                                        </p:cTn>
+                                        <p:tgtEl>
+                                          <p:spTgt spid="3">
+                                            <p:txEl>
+                                              <p:pRg st="1" end="1"/>
+                                            </p:txEl>
+                                          </p:spTgt>
+                                        </p:tgtEl>
+                                        <p:attrNameLst>
+                                          <p:attrName>style.visibility</p:attrName>
+                                        </p:attrNameLst>
+                                      </p:cBhvr>
+                                      <p:to>
+                                        <p:strVal val="visible"/>
+                                      </p:to>
+                                    </p:set>
+                                  </p:childTnLst>
+                                </p:cTn>
+                              </p:par>
+                            </p:childTnLst>
+                          </p:cTn>
+                        </p:par>
+                      </p:childTnLst>
+                    </p:cTn>
+                  </p:par>
+                  <p:par>
+                    <p:cTn id="11" fill="hold">
+                      <p:stCondLst>
+                        <p:cond delay="indefinite"/>
+                      </p:stCondLst>
+                      <p:childTnLst>
+                        <p:par>
+                          <p:cTn id="12" fill="hold">
+                            <p:stCondLst>
+                              <p:cond delay="0"/>
+                            </p:stCondLst>
+                            <p:childTnLst>
+                              <p:par>
+                                <p:cTn id="13" presetID="1" presetClass="entr" presetSubtype="0" fill="hold" grpId="0" nodeType="clickEffect">
+                                  <p:stCondLst>
+                                    <p:cond delay="0"/>
+                                  </p:stCondLst>
+                                  <p:childTnLst>
+                                    <p:set>
+                                      <p:cBhvr>
+                                        <p:cTn id="14" dur="1" fill="hold">
+                                          <p:stCondLst>
+                                            <p:cond delay="0"/>
+                                          </p:stCondLst>
+                                        </p:cTn>
+                                        <p:tgtEl>
+                                          <p:spTgt spid="3">
+                                            <p:txEl>
+                                              <p:pRg st="2" end="2"/>
+                                            </p:txEl>
+                                          </p:spTgt>
+                                        </p:tgtEl>
+                                        <p:attrNameLst>
+                                          <p:attrName>style.visibility</p:attrName>
+                                        </p:attrNameLst>
+                                      </p:cBhvr>
+                                      <p:to>
+                                        <p:strVal val="visible"/>
+                                      </p:to>
+                                    </p:set>
+                                  </p:childTnLst>
+                                </p:cTn>
+                              </p:par>
+                            </p:childTnLst>
+                          </p:cTn>
+                        </p:par>
+                      </p:childTnLst>
+                    </p:cTn>
+                  </p:par>
+                  <p:par>
+                    <p:cTn id="15" fill="hold">
+                      <p:stCondLst>
+                        <p:cond delay="indefinite"/>
+                      </p:stCondLst>
+                      <p:childTnLst>
+                        <p:par>
+                          <p:cTn id="16" fill="hold">
+                            <p:stCondLst>
+                              <p:cond delay="0"/>
+                            </p:stCondLst>
+                            <p:childTnLst>
+                              <p:par>
+                                <p:cTn id="17" presetID="1" presetClass="entr" presetSubtype="0" fill="hold" grpId="0" nodeType="clickEffect">
+                                  <p:stCondLst>
+                                    <p:cond delay="0"/>
+                                  </p:stCondLst>
+                                  <p:childTnLst>
+                                    <p:set>
+                                      <p:cBhvr>
+                                        <p:cTn id="18" dur="1" fill="hold">
+                                          <p:stCondLst>
+                                            <p:cond delay="0"/>
+                                          </p:stCondLst>
+                                        </p:cTn>
+                                        <p:tgtEl>
+                                          <p:spTgt spid="3">
+                                            <p:txEl>
+                                              <p:pRg st="3" end="3"/>
+                                            </p:txEl>
+                                          </p:spTgt>
+                                        </p:tgtEl>
+                                        <p:attrNameLst>
+                                          <p:attrName>style.visibility</p:attrName>
+                                        </p:attrNameLst>
+                                      </p:cBhvr>
+                                      <p:to>
+                                        <p:strVal val="visible"/>
+                                      </p:to>
+                                    </p:set>
+                                  </p:childTnLst>
+                                </p:cTn>
+                              </p:par>
+                            </p:childTnLst>
+                          </p:cTn>
+                        </p:par>
+                      </p:childTnLst>
+                    </p:cTn>
+                  </p:par>
+                  <p:par>
+                    <p:cTn id="19" fill="hold">
+                      <p:stCondLst>
+                        <p:cond delay="indefinite"/>
+                      </p:stCondLst>
+                      <p:childTnLst>
+                        <p:par>
+                          <p:cTn id="20" fill="hold">
+                            <p:stCondLst>
+                              <p:cond delay="0"/>
+                            </p:stCondLst>
+                            <p:childTnLst>
+                              <p:par>
+                                <p:cTn id="21" presetID="1" presetClass="entr" presetSubtype="0" fill="hold" grpId="0" nodeType="clickEffect">
+                                  <p:stCondLst>
+                                    <p:cond delay="0"/>
+                                  </p:stCondLst>
+                                  <p:childTnLst>
+                                    <p:set>
+                                      <p:cBhvr>
+                                        <p:cTn id="22" dur="1" fill="hold">
+                                          <p:stCondLst>
+                                            <p:cond delay="0"/>
+                                          </p:stCondLst>
+                                        </p:cTn>
+                                        <p:tgtEl>
+                                          <p:spTgt spid="3">
+                                            <p:txEl>
+                                              <p:pRg st="5" end="5"/>
+                                            </p:txEl>
+                                          </p:spTgt>
+                                        </p:tgtEl>
+                                        <p:attrNameLst>
+                                          <p:attrName>style.visibility</p:attrName>
+                                        </p:attrNameLst>
+                                      </p:cBhvr>
+                                      <p:to>
+                                        <p:strVal val="visible"/>
+                                      </p:to>
+                                    </p:set>
+                                  </p:childTnLst>
+                                </p:cTn>
+                              </p:par>
+                            </p:childTnLst>
+                          </p:cTn>
+                        </p:par>
+                      </p:childTnLst>
+                    </p:cTn>
+                  </p:par>
+                </p:childTnLst>
+              </p:cTn>
+              <p:prevCondLst>
+                <p:cond evt="onPrev" delay="0">
+                  <p:tgtEl>
+                    <p:sldTgt/>
+                  </p:tgtEl>
+                </p:cond>
+              </p:prevCondLst>
+              <p:nextCondLst>
+                <p:cond evt="onNext" delay="0">
+                  <p:tgtEl>
+                    <p:sldTgt/>
+                  </p:tgtEl>
+                </p:cond>
+              </p:nextCondLst>
+            </p:seq>
+          </p:childTnLst>
+        </p:cTn>
+      </p:par>
+    </p:tnLst>
+    <p:bldLst>
+      <p:bldP spid="3" grpId="0" build="p"/>
+    </p:bldLst>
+  </p:timing>
+</p:sld>
+</file>
+
 <file path=ppt/slides/slide4.xml><?xml version="1.0" encoding="utf-8"?>
 <p:sld xmlns:a="http://schemas.openxmlformats.org/drawingml/2006/main" xmlns:r="http://schemas.openxmlformats.org/officeDocument/2006/relationships" xmlns:p="http://schemas.openxmlformats.org/presentationml/2006/main">
   <p:cSld>
@@ -19127,6 +24395,795 @@
     <p:extLst>
       <p:ext uri="{BB962C8B-B14F-4D97-AF65-F5344CB8AC3E}">
         <p14:creationId xmlns:p14="http://schemas.microsoft.com/office/powerpoint/2010/main" val="4190794349"/>
+      </p:ext>
+    </p:extLst>
+  </p:cSld>
+  <p:clrMapOvr>
+    <a:masterClrMapping/>
+  </p:clrMapOvr>
+</p:sld>
+</file>
+
+<file path=ppt/slides/slide40.xml><?xml version="1.0" encoding="utf-8"?>
+<p:sld xmlns:a="http://schemas.openxmlformats.org/drawingml/2006/main" xmlns:r="http://schemas.openxmlformats.org/officeDocument/2006/relationships" xmlns:p="http://schemas.openxmlformats.org/presentationml/2006/main">
+  <p:cSld>
+    <p:spTree>
+      <p:nvGrpSpPr>
+        <p:cNvPr id="1" name=""/>
+        <p:cNvGrpSpPr/>
+        <p:nvPr/>
+      </p:nvGrpSpPr>
+      <p:grpSpPr>
+        <a:xfrm>
+          <a:off x="0" y="0"/>
+          <a:ext cx="0" cy="0"/>
+          <a:chOff x="0" y="0"/>
+          <a:chExt cx="0" cy="0"/>
+        </a:xfrm>
+      </p:grpSpPr>
+      <p:sp>
+        <p:nvSpPr>
+          <p:cNvPr id="2" name="Title 1">
+            <a:extLst>
+              <a:ext uri="{FF2B5EF4-FFF2-40B4-BE49-F238E27FC236}">
+                <a16:creationId xmlns:a16="http://schemas.microsoft.com/office/drawing/2014/main" id="{2413C47C-8BB4-402F-82B1-8B1E57E2BA22}"/>
+              </a:ext>
+            </a:extLst>
+          </p:cNvPr>
+          <p:cNvSpPr>
+            <a:spLocks noGrp="1"/>
+          </p:cNvSpPr>
+          <p:nvPr>
+            <p:ph type="title"/>
+          </p:nvPr>
+        </p:nvSpPr>
+        <p:spPr/>
+        <p:txBody>
+          <a:bodyPr/>
+          <a:lstStyle/>
+          <a:p>
+            <a:r>
+              <a:rPr lang="en-US" dirty="0"/>
+              <a:t>Handling multiple interrupt sources</a:t>
+            </a:r>
+          </a:p>
+        </p:txBody>
+      </p:sp>
+      <p:sp>
+        <p:nvSpPr>
+          <p:cNvPr id="3" name="Content Placeholder 2">
+            <a:extLst>
+              <a:ext uri="{FF2B5EF4-FFF2-40B4-BE49-F238E27FC236}">
+                <a16:creationId xmlns:a16="http://schemas.microsoft.com/office/drawing/2014/main" id="{BF4750F3-48CD-450A-A911-4B1A2B395D5A}"/>
+              </a:ext>
+            </a:extLst>
+          </p:cNvPr>
+          <p:cNvSpPr>
+            <a:spLocks noGrp="1"/>
+          </p:cNvSpPr>
+          <p:nvPr>
+            <p:ph idx="1"/>
+          </p:nvPr>
+        </p:nvSpPr>
+        <p:spPr/>
+        <p:txBody>
+          <a:bodyPr>
+            <a:normAutofit fontScale="85000" lnSpcReduction="10000"/>
+          </a:bodyPr>
+          <a:lstStyle/>
+          <a:p>
+            <a:pPr>
+              <a:spcBef>
+                <a:spcPts val="1000"/>
+              </a:spcBef>
+            </a:pPr>
+            <a:r>
+              <a:rPr lang="en-US" dirty="0"/>
+              <a:t>What if an interrupt comes while handling another interrupt?</a:t>
+            </a:r>
+          </a:p>
+          <a:p>
+            <a:pPr>
+              <a:spcBef>
+                <a:spcPts val="1000"/>
+              </a:spcBef>
+            </a:pPr>
+            <a:r>
+              <a:rPr lang="en-US" dirty="0"/>
+              <a:t>Infusion pump:</a:t>
+            </a:r>
+          </a:p>
+          <a:p>
+            <a:pPr lvl="1">
+              <a:spcBef>
+                <a:spcPts val="1000"/>
+              </a:spcBef>
+            </a:pPr>
+            <a:r>
+              <a:rPr lang="en-US" dirty="0"/>
+              <a:t>temperature sensor interrupt comes while handling user input</a:t>
+            </a:r>
+          </a:p>
+          <a:p>
+            <a:pPr lvl="1">
+              <a:spcBef>
+                <a:spcPts val="1000"/>
+              </a:spcBef>
+            </a:pPr>
+            <a:r>
+              <a:rPr lang="en-US" dirty="0"/>
+              <a:t>User input interrupt comes while handling temperature sensor</a:t>
+            </a:r>
+          </a:p>
+          <a:p>
+            <a:pPr lvl="1">
+              <a:spcBef>
+                <a:spcPts val="1000"/>
+              </a:spcBef>
+            </a:pPr>
+            <a:r>
+              <a:rPr lang="en-US" dirty="0"/>
+              <a:t>Temperature sensor vs bubble sensor</a:t>
+            </a:r>
+          </a:p>
+          <a:p>
+            <a:pPr>
+              <a:spcBef>
+                <a:spcPts val="1000"/>
+              </a:spcBef>
+            </a:pPr>
+            <a:r>
+              <a:rPr lang="en-US" dirty="0"/>
+              <a:t>Disabling interrupts</a:t>
+            </a:r>
+          </a:p>
+          <a:p>
+            <a:pPr>
+              <a:spcBef>
+                <a:spcPts val="1000"/>
+              </a:spcBef>
+            </a:pPr>
+            <a:r>
+              <a:rPr lang="en-US" dirty="0"/>
+              <a:t>Priorities</a:t>
+            </a:r>
+          </a:p>
+          <a:p>
+            <a:pPr>
+              <a:spcBef>
+                <a:spcPts val="1000"/>
+              </a:spcBef>
+            </a:pPr>
+            <a:r>
+              <a:rPr lang="en-US" dirty="0"/>
+              <a:t>Hybrid model: poll slowly changing signals, and use interrupts for critical events</a:t>
+            </a:r>
+          </a:p>
+        </p:txBody>
+      </p:sp>
+      <p:sp>
+        <p:nvSpPr>
+          <p:cNvPr id="4" name="Date Placeholder 3">
+            <a:extLst>
+              <a:ext uri="{FF2B5EF4-FFF2-40B4-BE49-F238E27FC236}">
+                <a16:creationId xmlns:a16="http://schemas.microsoft.com/office/drawing/2014/main" id="{63D1BA9A-9A8C-4F45-9D66-4B2847D7B2D3}"/>
+              </a:ext>
+            </a:extLst>
+          </p:cNvPr>
+          <p:cNvSpPr>
+            <a:spLocks noGrp="1"/>
+          </p:cNvSpPr>
+          <p:nvPr>
+            <p:ph type="dt" sz="half" idx="10"/>
+          </p:nvPr>
+        </p:nvSpPr>
+        <p:spPr/>
+        <p:txBody>
+          <a:bodyPr/>
+          <a:lstStyle/>
+          <a:p>
+            <a:pPr>
+              <a:defRPr/>
+            </a:pPr>
+            <a:r>
+              <a:rPr lang="en-US"/>
+              <a:t>21/12/2020</a:t>
+            </a:r>
+          </a:p>
+        </p:txBody>
+      </p:sp>
+      <p:sp>
+        <p:nvSpPr>
+          <p:cNvPr id="5" name="Slide Number Placeholder 4">
+            <a:extLst>
+              <a:ext uri="{FF2B5EF4-FFF2-40B4-BE49-F238E27FC236}">
+                <a16:creationId xmlns:a16="http://schemas.microsoft.com/office/drawing/2014/main" id="{2CE8EDC8-D45D-4E2D-851A-47B80AAE25B0}"/>
+              </a:ext>
+            </a:extLst>
+          </p:cNvPr>
+          <p:cNvSpPr>
+            <a:spLocks noGrp="1"/>
+          </p:cNvSpPr>
+          <p:nvPr>
+            <p:ph type="sldNum" sz="quarter" idx="12"/>
+          </p:nvPr>
+        </p:nvSpPr>
+        <p:spPr/>
+        <p:txBody>
+          <a:bodyPr/>
+          <a:lstStyle/>
+          <a:p>
+            <a:pPr>
+              <a:defRPr/>
+            </a:pPr>
+            <a:fld id="{CA887A73-1AE0-46F8-856A-18EA1CF30A1B}" type="slidenum">
+              <a:rPr lang="en-US" altLang="en-US" smtClean="0"/>
+              <a:pPr>
+                <a:defRPr/>
+              </a:pPr>
+              <a:t>40</a:t>
+            </a:fld>
+            <a:endParaRPr lang="en-US" altLang="en-US"/>
+          </a:p>
+        </p:txBody>
+      </p:sp>
+    </p:spTree>
+    <p:extLst>
+      <p:ext uri="{BB962C8B-B14F-4D97-AF65-F5344CB8AC3E}">
+        <p14:creationId xmlns:p14="http://schemas.microsoft.com/office/powerpoint/2010/main" val="4059658975"/>
+      </p:ext>
+    </p:extLst>
+  </p:cSld>
+  <p:clrMapOvr>
+    <a:masterClrMapping/>
+  </p:clrMapOvr>
+  <p:timing>
+    <p:tnLst>
+      <p:par>
+        <p:cTn id="1" dur="indefinite" restart="never" nodeType="tmRoot">
+          <p:childTnLst>
+            <p:seq concurrent="1" nextAc="seek">
+              <p:cTn id="2" dur="indefinite" nodeType="mainSeq">
+                <p:childTnLst>
+                  <p:par>
+                    <p:cTn id="3" fill="hold">
+                      <p:stCondLst>
+                        <p:cond delay="indefinite"/>
+                      </p:stCondLst>
+                      <p:childTnLst>
+                        <p:par>
+                          <p:cTn id="4" fill="hold">
+                            <p:stCondLst>
+                              <p:cond delay="0"/>
+                            </p:stCondLst>
+                            <p:childTnLst>
+                              <p:par>
+                                <p:cTn id="5" presetID="1" presetClass="entr" presetSubtype="0" fill="hold" grpId="0" nodeType="clickEffect">
+                                  <p:stCondLst>
+                                    <p:cond delay="0"/>
+                                  </p:stCondLst>
+                                  <p:childTnLst>
+                                    <p:set>
+                                      <p:cBhvr>
+                                        <p:cTn id="6" dur="1" fill="hold">
+                                          <p:stCondLst>
+                                            <p:cond delay="0"/>
+                                          </p:stCondLst>
+                                        </p:cTn>
+                                        <p:tgtEl>
+                                          <p:spTgt spid="3">
+                                            <p:txEl>
+                                              <p:pRg st="0" end="0"/>
+                                            </p:txEl>
+                                          </p:spTgt>
+                                        </p:tgtEl>
+                                        <p:attrNameLst>
+                                          <p:attrName>style.visibility</p:attrName>
+                                        </p:attrNameLst>
+                                      </p:cBhvr>
+                                      <p:to>
+                                        <p:strVal val="visible"/>
+                                      </p:to>
+                                    </p:set>
+                                  </p:childTnLst>
+                                </p:cTn>
+                              </p:par>
+                            </p:childTnLst>
+                          </p:cTn>
+                        </p:par>
+                      </p:childTnLst>
+                    </p:cTn>
+                  </p:par>
+                  <p:par>
+                    <p:cTn id="7" fill="hold">
+                      <p:stCondLst>
+                        <p:cond delay="indefinite"/>
+                      </p:stCondLst>
+                      <p:childTnLst>
+                        <p:par>
+                          <p:cTn id="8" fill="hold">
+                            <p:stCondLst>
+                              <p:cond delay="0"/>
+                            </p:stCondLst>
+                            <p:childTnLst>
+                              <p:par>
+                                <p:cTn id="9" presetID="1" presetClass="entr" presetSubtype="0" fill="hold" grpId="0" nodeType="clickEffect">
+                                  <p:stCondLst>
+                                    <p:cond delay="0"/>
+                                  </p:stCondLst>
+                                  <p:childTnLst>
+                                    <p:set>
+                                      <p:cBhvr>
+                                        <p:cTn id="10" dur="1" fill="hold">
+                                          <p:stCondLst>
+                                            <p:cond delay="0"/>
+                                          </p:stCondLst>
+                                        </p:cTn>
+                                        <p:tgtEl>
+                                          <p:spTgt spid="3">
+                                            <p:txEl>
+                                              <p:pRg st="1" end="1"/>
+                                            </p:txEl>
+                                          </p:spTgt>
+                                        </p:tgtEl>
+                                        <p:attrNameLst>
+                                          <p:attrName>style.visibility</p:attrName>
+                                        </p:attrNameLst>
+                                      </p:cBhvr>
+                                      <p:to>
+                                        <p:strVal val="visible"/>
+                                      </p:to>
+                                    </p:set>
+                                  </p:childTnLst>
+                                </p:cTn>
+                              </p:par>
+                            </p:childTnLst>
+                          </p:cTn>
+                        </p:par>
+                      </p:childTnLst>
+                    </p:cTn>
+                  </p:par>
+                  <p:par>
+                    <p:cTn id="11" fill="hold">
+                      <p:stCondLst>
+                        <p:cond delay="indefinite"/>
+                      </p:stCondLst>
+                      <p:childTnLst>
+                        <p:par>
+                          <p:cTn id="12" fill="hold">
+                            <p:stCondLst>
+                              <p:cond delay="0"/>
+                            </p:stCondLst>
+                            <p:childTnLst>
+                              <p:par>
+                                <p:cTn id="13" presetID="1" presetClass="entr" presetSubtype="0" fill="hold" grpId="0" nodeType="clickEffect">
+                                  <p:stCondLst>
+                                    <p:cond delay="0"/>
+                                  </p:stCondLst>
+                                  <p:childTnLst>
+                                    <p:set>
+                                      <p:cBhvr>
+                                        <p:cTn id="14" dur="1" fill="hold">
+                                          <p:stCondLst>
+                                            <p:cond delay="0"/>
+                                          </p:stCondLst>
+                                        </p:cTn>
+                                        <p:tgtEl>
+                                          <p:spTgt spid="3">
+                                            <p:txEl>
+                                              <p:pRg st="2" end="2"/>
+                                            </p:txEl>
+                                          </p:spTgt>
+                                        </p:tgtEl>
+                                        <p:attrNameLst>
+                                          <p:attrName>style.visibility</p:attrName>
+                                        </p:attrNameLst>
+                                      </p:cBhvr>
+                                      <p:to>
+                                        <p:strVal val="visible"/>
+                                      </p:to>
+                                    </p:set>
+                                  </p:childTnLst>
+                                </p:cTn>
+                              </p:par>
+                            </p:childTnLst>
+                          </p:cTn>
+                        </p:par>
+                      </p:childTnLst>
+                    </p:cTn>
+                  </p:par>
+                  <p:par>
+                    <p:cTn id="15" fill="hold">
+                      <p:stCondLst>
+                        <p:cond delay="indefinite"/>
+                      </p:stCondLst>
+                      <p:childTnLst>
+                        <p:par>
+                          <p:cTn id="16" fill="hold">
+                            <p:stCondLst>
+                              <p:cond delay="0"/>
+                            </p:stCondLst>
+                            <p:childTnLst>
+                              <p:par>
+                                <p:cTn id="17" presetID="1" presetClass="entr" presetSubtype="0" fill="hold" grpId="0" nodeType="clickEffect">
+                                  <p:stCondLst>
+                                    <p:cond delay="0"/>
+                                  </p:stCondLst>
+                                  <p:childTnLst>
+                                    <p:set>
+                                      <p:cBhvr>
+                                        <p:cTn id="18" dur="1" fill="hold">
+                                          <p:stCondLst>
+                                            <p:cond delay="0"/>
+                                          </p:stCondLst>
+                                        </p:cTn>
+                                        <p:tgtEl>
+                                          <p:spTgt spid="3">
+                                            <p:txEl>
+                                              <p:pRg st="3" end="3"/>
+                                            </p:txEl>
+                                          </p:spTgt>
+                                        </p:tgtEl>
+                                        <p:attrNameLst>
+                                          <p:attrName>style.visibility</p:attrName>
+                                        </p:attrNameLst>
+                                      </p:cBhvr>
+                                      <p:to>
+                                        <p:strVal val="visible"/>
+                                      </p:to>
+                                    </p:set>
+                                  </p:childTnLst>
+                                </p:cTn>
+                              </p:par>
+                              <p:par>
+                                <p:cTn id="19" presetID="1" presetClass="entr" presetSubtype="0" fill="hold" grpId="0" nodeType="withEffect">
+                                  <p:stCondLst>
+                                    <p:cond delay="0"/>
+                                  </p:stCondLst>
+                                  <p:childTnLst>
+                                    <p:set>
+                                      <p:cBhvr>
+                                        <p:cTn id="20" dur="1" fill="hold">
+                                          <p:stCondLst>
+                                            <p:cond delay="0"/>
+                                          </p:stCondLst>
+                                        </p:cTn>
+                                        <p:tgtEl>
+                                          <p:spTgt spid="3">
+                                            <p:txEl>
+                                              <p:pRg st="4" end="4"/>
+                                            </p:txEl>
+                                          </p:spTgt>
+                                        </p:tgtEl>
+                                        <p:attrNameLst>
+                                          <p:attrName>style.visibility</p:attrName>
+                                        </p:attrNameLst>
+                                      </p:cBhvr>
+                                      <p:to>
+                                        <p:strVal val="visible"/>
+                                      </p:to>
+                                    </p:set>
+                                  </p:childTnLst>
+                                </p:cTn>
+                              </p:par>
+                            </p:childTnLst>
+                          </p:cTn>
+                        </p:par>
+                      </p:childTnLst>
+                    </p:cTn>
+                  </p:par>
+                  <p:par>
+                    <p:cTn id="21" fill="hold">
+                      <p:stCondLst>
+                        <p:cond delay="indefinite"/>
+                      </p:stCondLst>
+                      <p:childTnLst>
+                        <p:par>
+                          <p:cTn id="22" fill="hold">
+                            <p:stCondLst>
+                              <p:cond delay="0"/>
+                            </p:stCondLst>
+                            <p:childTnLst>
+                              <p:par>
+                                <p:cTn id="23" presetID="1" presetClass="entr" presetSubtype="0" fill="hold" grpId="0" nodeType="clickEffect">
+                                  <p:stCondLst>
+                                    <p:cond delay="0"/>
+                                  </p:stCondLst>
+                                  <p:childTnLst>
+                                    <p:set>
+                                      <p:cBhvr>
+                                        <p:cTn id="24" dur="1" fill="hold">
+                                          <p:stCondLst>
+                                            <p:cond delay="0"/>
+                                          </p:stCondLst>
+                                        </p:cTn>
+                                        <p:tgtEl>
+                                          <p:spTgt spid="3">
+                                            <p:txEl>
+                                              <p:pRg st="5" end="5"/>
+                                            </p:txEl>
+                                          </p:spTgt>
+                                        </p:tgtEl>
+                                        <p:attrNameLst>
+                                          <p:attrName>style.visibility</p:attrName>
+                                        </p:attrNameLst>
+                                      </p:cBhvr>
+                                      <p:to>
+                                        <p:strVal val="visible"/>
+                                      </p:to>
+                                    </p:set>
+                                  </p:childTnLst>
+                                </p:cTn>
+                              </p:par>
+                            </p:childTnLst>
+                          </p:cTn>
+                        </p:par>
+                      </p:childTnLst>
+                    </p:cTn>
+                  </p:par>
+                  <p:par>
+                    <p:cTn id="25" fill="hold">
+                      <p:stCondLst>
+                        <p:cond delay="indefinite"/>
+                      </p:stCondLst>
+                      <p:childTnLst>
+                        <p:par>
+                          <p:cTn id="26" fill="hold">
+                            <p:stCondLst>
+                              <p:cond delay="0"/>
+                            </p:stCondLst>
+                            <p:childTnLst>
+                              <p:par>
+                                <p:cTn id="27" presetID="1" presetClass="entr" presetSubtype="0" fill="hold" grpId="0" nodeType="clickEffect">
+                                  <p:stCondLst>
+                                    <p:cond delay="0"/>
+                                  </p:stCondLst>
+                                  <p:childTnLst>
+                                    <p:set>
+                                      <p:cBhvr>
+                                        <p:cTn id="28" dur="1" fill="hold">
+                                          <p:stCondLst>
+                                            <p:cond delay="0"/>
+                                          </p:stCondLst>
+                                        </p:cTn>
+                                        <p:tgtEl>
+                                          <p:spTgt spid="3">
+                                            <p:txEl>
+                                              <p:pRg st="6" end="6"/>
+                                            </p:txEl>
+                                          </p:spTgt>
+                                        </p:tgtEl>
+                                        <p:attrNameLst>
+                                          <p:attrName>style.visibility</p:attrName>
+                                        </p:attrNameLst>
+                                      </p:cBhvr>
+                                      <p:to>
+                                        <p:strVal val="visible"/>
+                                      </p:to>
+                                    </p:set>
+                                  </p:childTnLst>
+                                </p:cTn>
+                              </p:par>
+                            </p:childTnLst>
+                          </p:cTn>
+                        </p:par>
+                      </p:childTnLst>
+                    </p:cTn>
+                  </p:par>
+                  <p:par>
+                    <p:cTn id="29" fill="hold">
+                      <p:stCondLst>
+                        <p:cond delay="indefinite"/>
+                      </p:stCondLst>
+                      <p:childTnLst>
+                        <p:par>
+                          <p:cTn id="30" fill="hold">
+                            <p:stCondLst>
+                              <p:cond delay="0"/>
+                            </p:stCondLst>
+                            <p:childTnLst>
+                              <p:par>
+                                <p:cTn id="31" presetID="1" presetClass="entr" presetSubtype="0" fill="hold" grpId="0" nodeType="clickEffect">
+                                  <p:stCondLst>
+                                    <p:cond delay="0"/>
+                                  </p:stCondLst>
+                                  <p:childTnLst>
+                                    <p:set>
+                                      <p:cBhvr>
+                                        <p:cTn id="32" dur="1" fill="hold">
+                                          <p:stCondLst>
+                                            <p:cond delay="0"/>
+                                          </p:stCondLst>
+                                        </p:cTn>
+                                        <p:tgtEl>
+                                          <p:spTgt spid="3">
+                                            <p:txEl>
+                                              <p:pRg st="7" end="7"/>
+                                            </p:txEl>
+                                          </p:spTgt>
+                                        </p:tgtEl>
+                                        <p:attrNameLst>
+                                          <p:attrName>style.visibility</p:attrName>
+                                        </p:attrNameLst>
+                                      </p:cBhvr>
+                                      <p:to>
+                                        <p:strVal val="visible"/>
+                                      </p:to>
+                                    </p:set>
+                                  </p:childTnLst>
+                                </p:cTn>
+                              </p:par>
+                            </p:childTnLst>
+                          </p:cTn>
+                        </p:par>
+                      </p:childTnLst>
+                    </p:cTn>
+                  </p:par>
+                </p:childTnLst>
+              </p:cTn>
+              <p:prevCondLst>
+                <p:cond evt="onPrev" delay="0">
+                  <p:tgtEl>
+                    <p:sldTgt/>
+                  </p:tgtEl>
+                </p:cond>
+              </p:prevCondLst>
+              <p:nextCondLst>
+                <p:cond evt="onNext" delay="0">
+                  <p:tgtEl>
+                    <p:sldTgt/>
+                  </p:tgtEl>
+                </p:cond>
+              </p:nextCondLst>
+            </p:seq>
+          </p:childTnLst>
+        </p:cTn>
+      </p:par>
+    </p:tnLst>
+    <p:bldLst>
+      <p:bldP spid="3" grpId="0" build="p"/>
+    </p:bldLst>
+  </p:timing>
+</p:sld>
+</file>
+
+<file path=ppt/slides/slide41.xml><?xml version="1.0" encoding="utf-8"?>
+<p:sld xmlns:a="http://schemas.openxmlformats.org/drawingml/2006/main" xmlns:r="http://schemas.openxmlformats.org/officeDocument/2006/relationships" xmlns:p="http://schemas.openxmlformats.org/presentationml/2006/main">
+  <p:cSld>
+    <p:spTree>
+      <p:nvGrpSpPr>
+        <p:cNvPr id="1" name=""/>
+        <p:cNvGrpSpPr/>
+        <p:nvPr/>
+      </p:nvGrpSpPr>
+      <p:grpSpPr>
+        <a:xfrm>
+          <a:off x="0" y="0"/>
+          <a:ext cx="0" cy="0"/>
+          <a:chOff x="0" y="0"/>
+          <a:chExt cx="0" cy="0"/>
+        </a:xfrm>
+      </p:grpSpPr>
+      <p:sp>
+        <p:nvSpPr>
+          <p:cNvPr id="2" name="Title 1">
+            <a:extLst>
+              <a:ext uri="{FF2B5EF4-FFF2-40B4-BE49-F238E27FC236}">
+                <a16:creationId xmlns:a16="http://schemas.microsoft.com/office/drawing/2014/main" id="{549AD367-BA69-448D-A576-2A9F0151DB6C}"/>
+              </a:ext>
+            </a:extLst>
+          </p:cNvPr>
+          <p:cNvSpPr>
+            <a:spLocks noGrp="1"/>
+          </p:cNvSpPr>
+          <p:nvPr>
+            <p:ph type="title"/>
+          </p:nvPr>
+        </p:nvSpPr>
+        <p:spPr/>
+        <p:txBody>
+          <a:bodyPr/>
+          <a:lstStyle/>
+          <a:p>
+            <a:endParaRPr lang="en-US"/>
+          </a:p>
+        </p:txBody>
+      </p:sp>
+      <p:sp>
+        <p:nvSpPr>
+          <p:cNvPr id="3" name="Content Placeholder 2">
+            <a:extLst>
+              <a:ext uri="{FF2B5EF4-FFF2-40B4-BE49-F238E27FC236}">
+                <a16:creationId xmlns:a16="http://schemas.microsoft.com/office/drawing/2014/main" id="{887622A1-A33B-4788-BA95-8E0954D2DB98}"/>
+              </a:ext>
+            </a:extLst>
+          </p:cNvPr>
+          <p:cNvSpPr>
+            <a:spLocks noGrp="1"/>
+          </p:cNvSpPr>
+          <p:nvPr>
+            <p:ph idx="1"/>
+          </p:nvPr>
+        </p:nvSpPr>
+        <p:spPr/>
+        <p:txBody>
+          <a:bodyPr/>
+          <a:lstStyle/>
+          <a:p>
+            <a:endParaRPr lang="en-US"/>
+          </a:p>
+        </p:txBody>
+      </p:sp>
+      <p:sp>
+        <p:nvSpPr>
+          <p:cNvPr id="4" name="Date Placeholder 3">
+            <a:extLst>
+              <a:ext uri="{FF2B5EF4-FFF2-40B4-BE49-F238E27FC236}">
+                <a16:creationId xmlns:a16="http://schemas.microsoft.com/office/drawing/2014/main" id="{58C6D0E5-23C5-4654-97EE-168740587C1C}"/>
+              </a:ext>
+            </a:extLst>
+          </p:cNvPr>
+          <p:cNvSpPr>
+            <a:spLocks noGrp="1"/>
+          </p:cNvSpPr>
+          <p:nvPr>
+            <p:ph type="dt" sz="half" idx="10"/>
+          </p:nvPr>
+        </p:nvSpPr>
+        <p:spPr/>
+        <p:txBody>
+          <a:bodyPr/>
+          <a:lstStyle/>
+          <a:p>
+            <a:pPr>
+              <a:defRPr/>
+            </a:pPr>
+            <a:r>
+              <a:rPr lang="en-US"/>
+              <a:t>21/12/2020</a:t>
+            </a:r>
+          </a:p>
+        </p:txBody>
+      </p:sp>
+      <p:sp>
+        <p:nvSpPr>
+          <p:cNvPr id="5" name="Slide Number Placeholder 4">
+            <a:extLst>
+              <a:ext uri="{FF2B5EF4-FFF2-40B4-BE49-F238E27FC236}">
+                <a16:creationId xmlns:a16="http://schemas.microsoft.com/office/drawing/2014/main" id="{E4C7BEAD-2508-4804-9493-0D06D975310E}"/>
+              </a:ext>
+            </a:extLst>
+          </p:cNvPr>
+          <p:cNvSpPr>
+            <a:spLocks noGrp="1"/>
+          </p:cNvSpPr>
+          <p:nvPr>
+            <p:ph type="sldNum" sz="quarter" idx="12"/>
+          </p:nvPr>
+        </p:nvSpPr>
+        <p:spPr/>
+        <p:txBody>
+          <a:bodyPr/>
+          <a:lstStyle/>
+          <a:p>
+            <a:pPr>
+              <a:defRPr/>
+            </a:pPr>
+            <a:fld id="{CA887A73-1AE0-46F8-856A-18EA1CF30A1B}" type="slidenum">
+              <a:rPr lang="en-US" altLang="en-US" smtClean="0"/>
+              <a:pPr>
+                <a:defRPr/>
+              </a:pPr>
+              <a:t>41</a:t>
+            </a:fld>
+            <a:endParaRPr lang="en-US" altLang="en-US"/>
+          </a:p>
+        </p:txBody>
+      </p:sp>
+    </p:spTree>
+    <p:extLst>
+      <p:ext uri="{BB962C8B-B14F-4D97-AF65-F5344CB8AC3E}">
+        <p14:creationId xmlns:p14="http://schemas.microsoft.com/office/powerpoint/2010/main" val="98109915"/>
       </p:ext>
     </p:extLst>
   </p:cSld>
